--- a/documents/의류 카테고리 분류 모델 결과 보고서.pptx
+++ b/documents/의류 카테고리 분류 모델 결과 보고서.pptx
@@ -8,6 +8,22 @@
     <p:sldId id="256" r:id="rId2"/>
     <p:sldId id="258" r:id="rId3"/>
     <p:sldId id="266" r:id="rId4"/>
+    <p:sldId id="284" r:id="rId5"/>
+    <p:sldId id="269" r:id="rId6"/>
+    <p:sldId id="270" r:id="rId7"/>
+    <p:sldId id="271" r:id="rId8"/>
+    <p:sldId id="272" r:id="rId9"/>
+    <p:sldId id="273" r:id="rId10"/>
+    <p:sldId id="274" r:id="rId11"/>
+    <p:sldId id="275" r:id="rId12"/>
+    <p:sldId id="276" r:id="rId13"/>
+    <p:sldId id="277" r:id="rId14"/>
+    <p:sldId id="278" r:id="rId15"/>
+    <p:sldId id="279" r:id="rId16"/>
+    <p:sldId id="280" r:id="rId17"/>
+    <p:sldId id="281" r:id="rId18"/>
+    <p:sldId id="282" r:id="rId19"/>
+    <p:sldId id="283" r:id="rId20"/>
   </p:sldIdLst>
   <p:sldSz cx="12192000" cy="6858000"/>
   <p:notesSz cx="6858000" cy="9144000"/>
@@ -106,6 +122,11 @@
       </a:defRPr>
     </a:lvl9pPr>
   </p:defaultTextStyle>
+  <p:extLst>
+    <p:ext uri="{EFAFB233-063F-42B5-8137-9DF3F51BA10A}">
+      <p15:sldGuideLst xmlns:p15="http://schemas.microsoft.com/office/powerpoint/2012/main"/>
+    </p:ext>
+  </p:extLst>
 </p:presentation>
 </file>
 
@@ -256,7 +277,7 @@
           <a:p>
             <a:fld id="{FD789CB3-F275-44C6-9016-952F92368980}" type="datetimeFigureOut">
               <a:rPr lang="ko-KR" altLang="en-US" smtClean="0"/>
-              <a:t>2024-08-26</a:t>
+              <a:t>2024-08-27</a:t>
             </a:fld>
             <a:endParaRPr lang="ko-KR" altLang="en-US"/>
           </a:p>
@@ -454,7 +475,7 @@
           <a:p>
             <a:fld id="{FD789CB3-F275-44C6-9016-952F92368980}" type="datetimeFigureOut">
               <a:rPr lang="ko-KR" altLang="en-US" smtClean="0"/>
-              <a:t>2024-08-26</a:t>
+              <a:t>2024-08-27</a:t>
             </a:fld>
             <a:endParaRPr lang="ko-KR" altLang="en-US"/>
           </a:p>
@@ -662,7 +683,7 @@
           <a:p>
             <a:fld id="{FD789CB3-F275-44C6-9016-952F92368980}" type="datetimeFigureOut">
               <a:rPr lang="ko-KR" altLang="en-US" smtClean="0"/>
-              <a:t>2024-08-26</a:t>
+              <a:t>2024-08-27</a:t>
             </a:fld>
             <a:endParaRPr lang="ko-KR" altLang="en-US"/>
           </a:p>
@@ -860,7 +881,7 @@
           <a:p>
             <a:fld id="{FD789CB3-F275-44C6-9016-952F92368980}" type="datetimeFigureOut">
               <a:rPr lang="ko-KR" altLang="en-US" smtClean="0"/>
-              <a:t>2024-08-26</a:t>
+              <a:t>2024-08-27</a:t>
             </a:fld>
             <a:endParaRPr lang="ko-KR" altLang="en-US"/>
           </a:p>
@@ -1135,7 +1156,7 @@
           <a:p>
             <a:fld id="{FD789CB3-F275-44C6-9016-952F92368980}" type="datetimeFigureOut">
               <a:rPr lang="ko-KR" altLang="en-US" smtClean="0"/>
-              <a:t>2024-08-26</a:t>
+              <a:t>2024-08-27</a:t>
             </a:fld>
             <a:endParaRPr lang="ko-KR" altLang="en-US"/>
           </a:p>
@@ -1400,7 +1421,7 @@
           <a:p>
             <a:fld id="{FD789CB3-F275-44C6-9016-952F92368980}" type="datetimeFigureOut">
               <a:rPr lang="ko-KR" altLang="en-US" smtClean="0"/>
-              <a:t>2024-08-26</a:t>
+              <a:t>2024-08-27</a:t>
             </a:fld>
             <a:endParaRPr lang="ko-KR" altLang="en-US"/>
           </a:p>
@@ -1812,7 +1833,7 @@
           <a:p>
             <a:fld id="{FD789CB3-F275-44C6-9016-952F92368980}" type="datetimeFigureOut">
               <a:rPr lang="ko-KR" altLang="en-US" smtClean="0"/>
-              <a:t>2024-08-26</a:t>
+              <a:t>2024-08-27</a:t>
             </a:fld>
             <a:endParaRPr lang="ko-KR" altLang="en-US"/>
           </a:p>
@@ -1953,7 +1974,7 @@
           <a:p>
             <a:fld id="{FD789CB3-F275-44C6-9016-952F92368980}" type="datetimeFigureOut">
               <a:rPr lang="ko-KR" altLang="en-US" smtClean="0"/>
-              <a:t>2024-08-26</a:t>
+              <a:t>2024-08-27</a:t>
             </a:fld>
             <a:endParaRPr lang="ko-KR" altLang="en-US"/>
           </a:p>
@@ -2066,7 +2087,7 @@
           <a:p>
             <a:fld id="{FD789CB3-F275-44C6-9016-952F92368980}" type="datetimeFigureOut">
               <a:rPr lang="ko-KR" altLang="en-US" smtClean="0"/>
-              <a:t>2024-08-26</a:t>
+              <a:t>2024-08-27</a:t>
             </a:fld>
             <a:endParaRPr lang="ko-KR" altLang="en-US"/>
           </a:p>
@@ -2377,7 +2398,7 @@
           <a:p>
             <a:fld id="{FD789CB3-F275-44C6-9016-952F92368980}" type="datetimeFigureOut">
               <a:rPr lang="ko-KR" altLang="en-US" smtClean="0"/>
-              <a:t>2024-08-26</a:t>
+              <a:t>2024-08-27</a:t>
             </a:fld>
             <a:endParaRPr lang="ko-KR" altLang="en-US"/>
           </a:p>
@@ -2665,7 +2686,7 @@
           <a:p>
             <a:fld id="{FD789CB3-F275-44C6-9016-952F92368980}" type="datetimeFigureOut">
               <a:rPr lang="ko-KR" altLang="en-US" smtClean="0"/>
-              <a:t>2024-08-26</a:t>
+              <a:t>2024-08-27</a:t>
             </a:fld>
             <a:endParaRPr lang="ko-KR" altLang="en-US"/>
           </a:p>
@@ -2906,7 +2927,7 @@
           <a:p>
             <a:fld id="{FD789CB3-F275-44C6-9016-952F92368980}" type="datetimeFigureOut">
               <a:rPr lang="ko-KR" altLang="en-US" smtClean="0"/>
-              <a:t>2024-08-26</a:t>
+              <a:t>2024-08-27</a:t>
             </a:fld>
             <a:endParaRPr lang="ko-KR" altLang="en-US"/>
           </a:p>
@@ -3389,6 +3410,851 @@
 </p:sld>
 </file>
 
+<file path=ppt/slides/slide10.xml><?xml version="1.0" encoding="utf-8"?>
+<p:sld xmlns:a="http://schemas.openxmlformats.org/drawingml/2006/main" xmlns:r="http://schemas.openxmlformats.org/officeDocument/2006/relationships" xmlns:p="http://schemas.openxmlformats.org/presentationml/2006/main">
+  <p:cSld>
+    <p:spTree>
+      <p:nvGrpSpPr>
+        <p:cNvPr id="1" name=""/>
+        <p:cNvGrpSpPr/>
+        <p:nvPr/>
+      </p:nvGrpSpPr>
+      <p:grpSpPr>
+        <a:xfrm>
+          <a:off x="0" y="0"/>
+          <a:ext cx="0" cy="0"/>
+          <a:chOff x="0" y="0"/>
+          <a:chExt cx="0" cy="0"/>
+        </a:xfrm>
+      </p:grpSpPr>
+      <p:sp>
+        <p:nvSpPr>
+          <p:cNvPr id="2" name="제목 1">
+            <a:extLst>
+              <a:ext uri="{FF2B5EF4-FFF2-40B4-BE49-F238E27FC236}">
+                <a16:creationId xmlns:a16="http://schemas.microsoft.com/office/drawing/2014/main" id="{1A14155E-93BA-B3ED-37C8-F6A4E63A782F}"/>
+              </a:ext>
+            </a:extLst>
+          </p:cNvPr>
+          <p:cNvSpPr>
+            <a:spLocks noGrp="1"/>
+          </p:cNvSpPr>
+          <p:nvPr>
+            <p:ph type="title"/>
+          </p:nvPr>
+        </p:nvSpPr>
+        <p:spPr/>
+        <p:txBody>
+          <a:bodyPr/>
+          <a:lstStyle/>
+          <a:p>
+            <a:r>
+              <a:rPr lang="en-US" altLang="ko-KR" dirty="0"/>
+              <a:t>Model1 Confusion Matrix</a:t>
+            </a:r>
+            <a:endParaRPr lang="ko-KR" altLang="en-US" dirty="0"/>
+          </a:p>
+        </p:txBody>
+      </p:sp>
+      <p:sp>
+        <p:nvSpPr>
+          <p:cNvPr id="3" name="내용 개체 틀 2">
+            <a:extLst>
+              <a:ext uri="{FF2B5EF4-FFF2-40B4-BE49-F238E27FC236}">
+                <a16:creationId xmlns:a16="http://schemas.microsoft.com/office/drawing/2014/main" id="{3DA50550-2307-DA41-B74E-306ECFB608C1}"/>
+              </a:ext>
+            </a:extLst>
+          </p:cNvPr>
+          <p:cNvSpPr>
+            <a:spLocks noGrp="1"/>
+          </p:cNvSpPr>
+          <p:nvPr>
+            <p:ph idx="1"/>
+          </p:nvPr>
+        </p:nvSpPr>
+        <p:spPr/>
+        <p:txBody>
+          <a:bodyPr/>
+          <a:lstStyle/>
+          <a:p>
+            <a:endParaRPr lang="ko-KR" altLang="en-US"/>
+          </a:p>
+        </p:txBody>
+      </p:sp>
+    </p:spTree>
+    <p:extLst>
+      <p:ext uri="{BB962C8B-B14F-4D97-AF65-F5344CB8AC3E}">
+        <p14:creationId xmlns:p14="http://schemas.microsoft.com/office/powerpoint/2010/main" val="1295916332"/>
+      </p:ext>
+    </p:extLst>
+  </p:cSld>
+  <p:clrMapOvr>
+    <a:masterClrMapping/>
+  </p:clrMapOvr>
+</p:sld>
+</file>
+
+<file path=ppt/slides/slide11.xml><?xml version="1.0" encoding="utf-8"?>
+<p:sld xmlns:a="http://schemas.openxmlformats.org/drawingml/2006/main" xmlns:r="http://schemas.openxmlformats.org/officeDocument/2006/relationships" xmlns:p="http://schemas.openxmlformats.org/presentationml/2006/main">
+  <p:cSld>
+    <p:spTree>
+      <p:nvGrpSpPr>
+        <p:cNvPr id="1" name=""/>
+        <p:cNvGrpSpPr/>
+        <p:nvPr/>
+      </p:nvGrpSpPr>
+      <p:grpSpPr>
+        <a:xfrm>
+          <a:off x="0" y="0"/>
+          <a:ext cx="0" cy="0"/>
+          <a:chOff x="0" y="0"/>
+          <a:chExt cx="0" cy="0"/>
+        </a:xfrm>
+      </p:grpSpPr>
+      <p:sp>
+        <p:nvSpPr>
+          <p:cNvPr id="2" name="제목 1">
+            <a:extLst>
+              <a:ext uri="{FF2B5EF4-FFF2-40B4-BE49-F238E27FC236}">
+                <a16:creationId xmlns:a16="http://schemas.microsoft.com/office/drawing/2014/main" id="{089CAD87-2A6F-4280-912C-3D62B519A292}"/>
+              </a:ext>
+            </a:extLst>
+          </p:cNvPr>
+          <p:cNvSpPr>
+            <a:spLocks noGrp="1"/>
+          </p:cNvSpPr>
+          <p:nvPr>
+            <p:ph type="title"/>
+          </p:nvPr>
+        </p:nvSpPr>
+        <p:spPr/>
+        <p:txBody>
+          <a:bodyPr/>
+          <a:lstStyle/>
+          <a:p>
+            <a:r>
+              <a:rPr lang="en-US" altLang="ko-KR" dirty="0"/>
+              <a:t>Model2 Loss graph</a:t>
+            </a:r>
+            <a:endParaRPr lang="ko-KR" altLang="en-US" dirty="0"/>
+          </a:p>
+        </p:txBody>
+      </p:sp>
+      <p:sp>
+        <p:nvSpPr>
+          <p:cNvPr id="3" name="내용 개체 틀 2">
+            <a:extLst>
+              <a:ext uri="{FF2B5EF4-FFF2-40B4-BE49-F238E27FC236}">
+                <a16:creationId xmlns:a16="http://schemas.microsoft.com/office/drawing/2014/main" id="{6ED6A55D-1967-632D-A81B-7963709E47BC}"/>
+              </a:ext>
+            </a:extLst>
+          </p:cNvPr>
+          <p:cNvSpPr>
+            <a:spLocks noGrp="1"/>
+          </p:cNvSpPr>
+          <p:nvPr>
+            <p:ph idx="1"/>
+          </p:nvPr>
+        </p:nvSpPr>
+        <p:spPr/>
+        <p:txBody>
+          <a:bodyPr/>
+          <a:lstStyle/>
+          <a:p>
+            <a:endParaRPr lang="ko-KR" altLang="en-US" dirty="0"/>
+          </a:p>
+        </p:txBody>
+      </p:sp>
+    </p:spTree>
+    <p:extLst>
+      <p:ext uri="{BB962C8B-B14F-4D97-AF65-F5344CB8AC3E}">
+        <p14:creationId xmlns:p14="http://schemas.microsoft.com/office/powerpoint/2010/main" val="4000177379"/>
+      </p:ext>
+    </p:extLst>
+  </p:cSld>
+  <p:clrMapOvr>
+    <a:masterClrMapping/>
+  </p:clrMapOvr>
+</p:sld>
+</file>
+
+<file path=ppt/slides/slide12.xml><?xml version="1.0" encoding="utf-8"?>
+<p:sld xmlns:a="http://schemas.openxmlformats.org/drawingml/2006/main" xmlns:r="http://schemas.openxmlformats.org/officeDocument/2006/relationships" xmlns:p="http://schemas.openxmlformats.org/presentationml/2006/main">
+  <p:cSld>
+    <p:spTree>
+      <p:nvGrpSpPr>
+        <p:cNvPr id="1" name=""/>
+        <p:cNvGrpSpPr/>
+        <p:nvPr/>
+      </p:nvGrpSpPr>
+      <p:grpSpPr>
+        <a:xfrm>
+          <a:off x="0" y="0"/>
+          <a:ext cx="0" cy="0"/>
+          <a:chOff x="0" y="0"/>
+          <a:chExt cx="0" cy="0"/>
+        </a:xfrm>
+      </p:grpSpPr>
+      <p:sp>
+        <p:nvSpPr>
+          <p:cNvPr id="2" name="제목 1">
+            <a:extLst>
+              <a:ext uri="{FF2B5EF4-FFF2-40B4-BE49-F238E27FC236}">
+                <a16:creationId xmlns:a16="http://schemas.microsoft.com/office/drawing/2014/main" id="{1A14155E-93BA-B3ED-37C8-F6A4E63A782F}"/>
+              </a:ext>
+            </a:extLst>
+          </p:cNvPr>
+          <p:cNvSpPr>
+            <a:spLocks noGrp="1"/>
+          </p:cNvSpPr>
+          <p:nvPr>
+            <p:ph type="title"/>
+          </p:nvPr>
+        </p:nvSpPr>
+        <p:spPr/>
+        <p:txBody>
+          <a:bodyPr/>
+          <a:lstStyle/>
+          <a:p>
+            <a:r>
+              <a:rPr lang="en-US" altLang="ko-KR" dirty="0"/>
+              <a:t>Model2 Acc graph</a:t>
+            </a:r>
+            <a:endParaRPr lang="ko-KR" altLang="en-US" dirty="0"/>
+          </a:p>
+        </p:txBody>
+      </p:sp>
+      <p:sp>
+        <p:nvSpPr>
+          <p:cNvPr id="3" name="내용 개체 틀 2">
+            <a:extLst>
+              <a:ext uri="{FF2B5EF4-FFF2-40B4-BE49-F238E27FC236}">
+                <a16:creationId xmlns:a16="http://schemas.microsoft.com/office/drawing/2014/main" id="{3DA50550-2307-DA41-B74E-306ECFB608C1}"/>
+              </a:ext>
+            </a:extLst>
+          </p:cNvPr>
+          <p:cNvSpPr>
+            <a:spLocks noGrp="1"/>
+          </p:cNvSpPr>
+          <p:nvPr>
+            <p:ph idx="1"/>
+          </p:nvPr>
+        </p:nvSpPr>
+        <p:spPr/>
+        <p:txBody>
+          <a:bodyPr/>
+          <a:lstStyle/>
+          <a:p>
+            <a:endParaRPr lang="ko-KR" altLang="en-US"/>
+          </a:p>
+        </p:txBody>
+      </p:sp>
+    </p:spTree>
+    <p:extLst>
+      <p:ext uri="{BB962C8B-B14F-4D97-AF65-F5344CB8AC3E}">
+        <p14:creationId xmlns:p14="http://schemas.microsoft.com/office/powerpoint/2010/main" val="1745120499"/>
+      </p:ext>
+    </p:extLst>
+  </p:cSld>
+  <p:clrMapOvr>
+    <a:masterClrMapping/>
+  </p:clrMapOvr>
+</p:sld>
+</file>
+
+<file path=ppt/slides/slide13.xml><?xml version="1.0" encoding="utf-8"?>
+<p:sld xmlns:a="http://schemas.openxmlformats.org/drawingml/2006/main" xmlns:r="http://schemas.openxmlformats.org/officeDocument/2006/relationships" xmlns:p="http://schemas.openxmlformats.org/presentationml/2006/main">
+  <p:cSld>
+    <p:spTree>
+      <p:nvGrpSpPr>
+        <p:cNvPr id="1" name=""/>
+        <p:cNvGrpSpPr/>
+        <p:nvPr/>
+      </p:nvGrpSpPr>
+      <p:grpSpPr>
+        <a:xfrm>
+          <a:off x="0" y="0"/>
+          <a:ext cx="0" cy="0"/>
+          <a:chOff x="0" y="0"/>
+          <a:chExt cx="0" cy="0"/>
+        </a:xfrm>
+      </p:grpSpPr>
+      <p:sp>
+        <p:nvSpPr>
+          <p:cNvPr id="2" name="제목 1">
+            <a:extLst>
+              <a:ext uri="{FF2B5EF4-FFF2-40B4-BE49-F238E27FC236}">
+                <a16:creationId xmlns:a16="http://schemas.microsoft.com/office/drawing/2014/main" id="{1A14155E-93BA-B3ED-37C8-F6A4E63A782F}"/>
+              </a:ext>
+            </a:extLst>
+          </p:cNvPr>
+          <p:cNvSpPr>
+            <a:spLocks noGrp="1"/>
+          </p:cNvSpPr>
+          <p:nvPr>
+            <p:ph type="title"/>
+          </p:nvPr>
+        </p:nvSpPr>
+        <p:spPr/>
+        <p:txBody>
+          <a:bodyPr/>
+          <a:lstStyle/>
+          <a:p>
+            <a:r>
+              <a:rPr lang="en-US" altLang="ko-KR" dirty="0"/>
+              <a:t>Model2 Confusion Matrix</a:t>
+            </a:r>
+            <a:endParaRPr lang="ko-KR" altLang="en-US" dirty="0"/>
+          </a:p>
+        </p:txBody>
+      </p:sp>
+      <p:sp>
+        <p:nvSpPr>
+          <p:cNvPr id="3" name="내용 개체 틀 2">
+            <a:extLst>
+              <a:ext uri="{FF2B5EF4-FFF2-40B4-BE49-F238E27FC236}">
+                <a16:creationId xmlns:a16="http://schemas.microsoft.com/office/drawing/2014/main" id="{3DA50550-2307-DA41-B74E-306ECFB608C1}"/>
+              </a:ext>
+            </a:extLst>
+          </p:cNvPr>
+          <p:cNvSpPr>
+            <a:spLocks noGrp="1"/>
+          </p:cNvSpPr>
+          <p:nvPr>
+            <p:ph idx="1"/>
+          </p:nvPr>
+        </p:nvSpPr>
+        <p:spPr/>
+        <p:txBody>
+          <a:bodyPr/>
+          <a:lstStyle/>
+          <a:p>
+            <a:endParaRPr lang="ko-KR" altLang="en-US"/>
+          </a:p>
+        </p:txBody>
+      </p:sp>
+    </p:spTree>
+    <p:extLst>
+      <p:ext uri="{BB962C8B-B14F-4D97-AF65-F5344CB8AC3E}">
+        <p14:creationId xmlns:p14="http://schemas.microsoft.com/office/powerpoint/2010/main" val="2769040975"/>
+      </p:ext>
+    </p:extLst>
+  </p:cSld>
+  <p:clrMapOvr>
+    <a:masterClrMapping/>
+  </p:clrMapOvr>
+</p:sld>
+</file>
+
+<file path=ppt/slides/slide14.xml><?xml version="1.0" encoding="utf-8"?>
+<p:sld xmlns:a="http://schemas.openxmlformats.org/drawingml/2006/main" xmlns:r="http://schemas.openxmlformats.org/officeDocument/2006/relationships" xmlns:p="http://schemas.openxmlformats.org/presentationml/2006/main">
+  <p:cSld>
+    <p:spTree>
+      <p:nvGrpSpPr>
+        <p:cNvPr id="1" name=""/>
+        <p:cNvGrpSpPr/>
+        <p:nvPr/>
+      </p:nvGrpSpPr>
+      <p:grpSpPr>
+        <a:xfrm>
+          <a:off x="0" y="0"/>
+          <a:ext cx="0" cy="0"/>
+          <a:chOff x="0" y="0"/>
+          <a:chExt cx="0" cy="0"/>
+        </a:xfrm>
+      </p:grpSpPr>
+      <p:sp>
+        <p:nvSpPr>
+          <p:cNvPr id="2" name="제목 1">
+            <a:extLst>
+              <a:ext uri="{FF2B5EF4-FFF2-40B4-BE49-F238E27FC236}">
+                <a16:creationId xmlns:a16="http://schemas.microsoft.com/office/drawing/2014/main" id="{089CAD87-2A6F-4280-912C-3D62B519A292}"/>
+              </a:ext>
+            </a:extLst>
+          </p:cNvPr>
+          <p:cNvSpPr>
+            <a:spLocks noGrp="1"/>
+          </p:cNvSpPr>
+          <p:nvPr>
+            <p:ph type="title"/>
+          </p:nvPr>
+        </p:nvSpPr>
+        <p:spPr/>
+        <p:txBody>
+          <a:bodyPr/>
+          <a:lstStyle/>
+          <a:p>
+            <a:r>
+              <a:rPr lang="en-US" altLang="ko-KR" dirty="0"/>
+              <a:t>Model3 Loss graph</a:t>
+            </a:r>
+            <a:endParaRPr lang="ko-KR" altLang="en-US" dirty="0"/>
+          </a:p>
+        </p:txBody>
+      </p:sp>
+      <p:sp>
+        <p:nvSpPr>
+          <p:cNvPr id="3" name="내용 개체 틀 2">
+            <a:extLst>
+              <a:ext uri="{FF2B5EF4-FFF2-40B4-BE49-F238E27FC236}">
+                <a16:creationId xmlns:a16="http://schemas.microsoft.com/office/drawing/2014/main" id="{6ED6A55D-1967-632D-A81B-7963709E47BC}"/>
+              </a:ext>
+            </a:extLst>
+          </p:cNvPr>
+          <p:cNvSpPr>
+            <a:spLocks noGrp="1"/>
+          </p:cNvSpPr>
+          <p:nvPr>
+            <p:ph idx="1"/>
+          </p:nvPr>
+        </p:nvSpPr>
+        <p:spPr/>
+        <p:txBody>
+          <a:bodyPr/>
+          <a:lstStyle/>
+          <a:p>
+            <a:endParaRPr lang="ko-KR" altLang="en-US" dirty="0"/>
+          </a:p>
+        </p:txBody>
+      </p:sp>
+    </p:spTree>
+    <p:extLst>
+      <p:ext uri="{BB962C8B-B14F-4D97-AF65-F5344CB8AC3E}">
+        <p14:creationId xmlns:p14="http://schemas.microsoft.com/office/powerpoint/2010/main" val="3335105645"/>
+      </p:ext>
+    </p:extLst>
+  </p:cSld>
+  <p:clrMapOvr>
+    <a:masterClrMapping/>
+  </p:clrMapOvr>
+</p:sld>
+</file>
+
+<file path=ppt/slides/slide15.xml><?xml version="1.0" encoding="utf-8"?>
+<p:sld xmlns:a="http://schemas.openxmlformats.org/drawingml/2006/main" xmlns:r="http://schemas.openxmlformats.org/officeDocument/2006/relationships" xmlns:p="http://schemas.openxmlformats.org/presentationml/2006/main">
+  <p:cSld>
+    <p:spTree>
+      <p:nvGrpSpPr>
+        <p:cNvPr id="1" name=""/>
+        <p:cNvGrpSpPr/>
+        <p:nvPr/>
+      </p:nvGrpSpPr>
+      <p:grpSpPr>
+        <a:xfrm>
+          <a:off x="0" y="0"/>
+          <a:ext cx="0" cy="0"/>
+          <a:chOff x="0" y="0"/>
+          <a:chExt cx="0" cy="0"/>
+        </a:xfrm>
+      </p:grpSpPr>
+      <p:sp>
+        <p:nvSpPr>
+          <p:cNvPr id="2" name="제목 1">
+            <a:extLst>
+              <a:ext uri="{FF2B5EF4-FFF2-40B4-BE49-F238E27FC236}">
+                <a16:creationId xmlns:a16="http://schemas.microsoft.com/office/drawing/2014/main" id="{1A14155E-93BA-B3ED-37C8-F6A4E63A782F}"/>
+              </a:ext>
+            </a:extLst>
+          </p:cNvPr>
+          <p:cNvSpPr>
+            <a:spLocks noGrp="1"/>
+          </p:cNvSpPr>
+          <p:nvPr>
+            <p:ph type="title"/>
+          </p:nvPr>
+        </p:nvSpPr>
+        <p:spPr/>
+        <p:txBody>
+          <a:bodyPr/>
+          <a:lstStyle/>
+          <a:p>
+            <a:r>
+              <a:rPr lang="en-US" altLang="ko-KR" dirty="0"/>
+              <a:t>Model3 Acc graph</a:t>
+            </a:r>
+            <a:endParaRPr lang="ko-KR" altLang="en-US" dirty="0"/>
+          </a:p>
+        </p:txBody>
+      </p:sp>
+      <p:sp>
+        <p:nvSpPr>
+          <p:cNvPr id="3" name="내용 개체 틀 2">
+            <a:extLst>
+              <a:ext uri="{FF2B5EF4-FFF2-40B4-BE49-F238E27FC236}">
+                <a16:creationId xmlns:a16="http://schemas.microsoft.com/office/drawing/2014/main" id="{3DA50550-2307-DA41-B74E-306ECFB608C1}"/>
+              </a:ext>
+            </a:extLst>
+          </p:cNvPr>
+          <p:cNvSpPr>
+            <a:spLocks noGrp="1"/>
+          </p:cNvSpPr>
+          <p:nvPr>
+            <p:ph idx="1"/>
+          </p:nvPr>
+        </p:nvSpPr>
+        <p:spPr/>
+        <p:txBody>
+          <a:bodyPr/>
+          <a:lstStyle/>
+          <a:p>
+            <a:endParaRPr lang="ko-KR" altLang="en-US"/>
+          </a:p>
+        </p:txBody>
+      </p:sp>
+    </p:spTree>
+    <p:extLst>
+      <p:ext uri="{BB962C8B-B14F-4D97-AF65-F5344CB8AC3E}">
+        <p14:creationId xmlns:p14="http://schemas.microsoft.com/office/powerpoint/2010/main" val="2642354"/>
+      </p:ext>
+    </p:extLst>
+  </p:cSld>
+  <p:clrMapOvr>
+    <a:masterClrMapping/>
+  </p:clrMapOvr>
+</p:sld>
+</file>
+
+<file path=ppt/slides/slide16.xml><?xml version="1.0" encoding="utf-8"?>
+<p:sld xmlns:a="http://schemas.openxmlformats.org/drawingml/2006/main" xmlns:r="http://schemas.openxmlformats.org/officeDocument/2006/relationships" xmlns:p="http://schemas.openxmlformats.org/presentationml/2006/main">
+  <p:cSld>
+    <p:spTree>
+      <p:nvGrpSpPr>
+        <p:cNvPr id="1" name=""/>
+        <p:cNvGrpSpPr/>
+        <p:nvPr/>
+      </p:nvGrpSpPr>
+      <p:grpSpPr>
+        <a:xfrm>
+          <a:off x="0" y="0"/>
+          <a:ext cx="0" cy="0"/>
+          <a:chOff x="0" y="0"/>
+          <a:chExt cx="0" cy="0"/>
+        </a:xfrm>
+      </p:grpSpPr>
+      <p:sp>
+        <p:nvSpPr>
+          <p:cNvPr id="2" name="제목 1">
+            <a:extLst>
+              <a:ext uri="{FF2B5EF4-FFF2-40B4-BE49-F238E27FC236}">
+                <a16:creationId xmlns:a16="http://schemas.microsoft.com/office/drawing/2014/main" id="{1A14155E-93BA-B3ED-37C8-F6A4E63A782F}"/>
+              </a:ext>
+            </a:extLst>
+          </p:cNvPr>
+          <p:cNvSpPr>
+            <a:spLocks noGrp="1"/>
+          </p:cNvSpPr>
+          <p:nvPr>
+            <p:ph type="title"/>
+          </p:nvPr>
+        </p:nvSpPr>
+        <p:spPr/>
+        <p:txBody>
+          <a:bodyPr/>
+          <a:lstStyle/>
+          <a:p>
+            <a:r>
+              <a:rPr lang="en-US" altLang="ko-KR" dirty="0"/>
+              <a:t>Model3 Confusion Matrix</a:t>
+            </a:r>
+            <a:endParaRPr lang="ko-KR" altLang="en-US" dirty="0"/>
+          </a:p>
+        </p:txBody>
+      </p:sp>
+      <p:sp>
+        <p:nvSpPr>
+          <p:cNvPr id="3" name="내용 개체 틀 2">
+            <a:extLst>
+              <a:ext uri="{FF2B5EF4-FFF2-40B4-BE49-F238E27FC236}">
+                <a16:creationId xmlns:a16="http://schemas.microsoft.com/office/drawing/2014/main" id="{3DA50550-2307-DA41-B74E-306ECFB608C1}"/>
+              </a:ext>
+            </a:extLst>
+          </p:cNvPr>
+          <p:cNvSpPr>
+            <a:spLocks noGrp="1"/>
+          </p:cNvSpPr>
+          <p:nvPr>
+            <p:ph idx="1"/>
+          </p:nvPr>
+        </p:nvSpPr>
+        <p:spPr/>
+        <p:txBody>
+          <a:bodyPr/>
+          <a:lstStyle/>
+          <a:p>
+            <a:endParaRPr lang="ko-KR" altLang="en-US"/>
+          </a:p>
+        </p:txBody>
+      </p:sp>
+    </p:spTree>
+    <p:extLst>
+      <p:ext uri="{BB962C8B-B14F-4D97-AF65-F5344CB8AC3E}">
+        <p14:creationId xmlns:p14="http://schemas.microsoft.com/office/powerpoint/2010/main" val="3338440400"/>
+      </p:ext>
+    </p:extLst>
+  </p:cSld>
+  <p:clrMapOvr>
+    <a:masterClrMapping/>
+  </p:clrMapOvr>
+</p:sld>
+</file>
+
+<file path=ppt/slides/slide17.xml><?xml version="1.0" encoding="utf-8"?>
+<p:sld xmlns:a="http://schemas.openxmlformats.org/drawingml/2006/main" xmlns:r="http://schemas.openxmlformats.org/officeDocument/2006/relationships" xmlns:p="http://schemas.openxmlformats.org/presentationml/2006/main">
+  <p:cSld>
+    <p:spTree>
+      <p:nvGrpSpPr>
+        <p:cNvPr id="1" name=""/>
+        <p:cNvGrpSpPr/>
+        <p:nvPr/>
+      </p:nvGrpSpPr>
+      <p:grpSpPr>
+        <a:xfrm>
+          <a:off x="0" y="0"/>
+          <a:ext cx="0" cy="0"/>
+          <a:chOff x="0" y="0"/>
+          <a:chExt cx="0" cy="0"/>
+        </a:xfrm>
+      </p:grpSpPr>
+      <p:sp>
+        <p:nvSpPr>
+          <p:cNvPr id="2" name="제목 1">
+            <a:extLst>
+              <a:ext uri="{FF2B5EF4-FFF2-40B4-BE49-F238E27FC236}">
+                <a16:creationId xmlns:a16="http://schemas.microsoft.com/office/drawing/2014/main" id="{14DF9EC5-7C2E-1321-92CE-9596B5037122}"/>
+              </a:ext>
+            </a:extLst>
+          </p:cNvPr>
+          <p:cNvSpPr>
+            <a:spLocks noGrp="1"/>
+          </p:cNvSpPr>
+          <p:nvPr>
+            <p:ph type="title"/>
+          </p:nvPr>
+        </p:nvSpPr>
+        <p:spPr/>
+        <p:txBody>
+          <a:bodyPr/>
+          <a:lstStyle/>
+          <a:p>
+            <a:r>
+              <a:rPr lang="ko-KR" altLang="en-US" dirty="0"/>
+              <a:t>유사 이미지 검색 방식</a:t>
+            </a:r>
+          </a:p>
+        </p:txBody>
+      </p:sp>
+      <p:sp>
+        <p:nvSpPr>
+          <p:cNvPr id="3" name="내용 개체 틀 2">
+            <a:extLst>
+              <a:ext uri="{FF2B5EF4-FFF2-40B4-BE49-F238E27FC236}">
+                <a16:creationId xmlns:a16="http://schemas.microsoft.com/office/drawing/2014/main" id="{621010E4-A09E-D520-9686-667D0A6C3767}"/>
+              </a:ext>
+            </a:extLst>
+          </p:cNvPr>
+          <p:cNvSpPr>
+            <a:spLocks noGrp="1"/>
+          </p:cNvSpPr>
+          <p:nvPr>
+            <p:ph idx="1"/>
+          </p:nvPr>
+        </p:nvSpPr>
+        <p:spPr/>
+        <p:txBody>
+          <a:bodyPr/>
+          <a:lstStyle/>
+          <a:p>
+            <a:endParaRPr lang="ko-KR" altLang="en-US" dirty="0"/>
+          </a:p>
+        </p:txBody>
+      </p:sp>
+    </p:spTree>
+    <p:extLst>
+      <p:ext uri="{BB962C8B-B14F-4D97-AF65-F5344CB8AC3E}">
+        <p14:creationId xmlns:p14="http://schemas.microsoft.com/office/powerpoint/2010/main" val="3654382412"/>
+      </p:ext>
+    </p:extLst>
+  </p:cSld>
+  <p:clrMapOvr>
+    <a:masterClrMapping/>
+  </p:clrMapOvr>
+</p:sld>
+</file>
+
+<file path=ppt/slides/slide18.xml><?xml version="1.0" encoding="utf-8"?>
+<p:sld xmlns:a="http://schemas.openxmlformats.org/drawingml/2006/main" xmlns:r="http://schemas.openxmlformats.org/officeDocument/2006/relationships" xmlns:p="http://schemas.openxmlformats.org/presentationml/2006/main">
+  <p:cSld>
+    <p:spTree>
+      <p:nvGrpSpPr>
+        <p:cNvPr id="1" name=""/>
+        <p:cNvGrpSpPr/>
+        <p:nvPr/>
+      </p:nvGrpSpPr>
+      <p:grpSpPr>
+        <a:xfrm>
+          <a:off x="0" y="0"/>
+          <a:ext cx="0" cy="0"/>
+          <a:chOff x="0" y="0"/>
+          <a:chExt cx="0" cy="0"/>
+        </a:xfrm>
+      </p:grpSpPr>
+      <p:sp>
+        <p:nvSpPr>
+          <p:cNvPr id="2" name="제목 1">
+            <a:extLst>
+              <a:ext uri="{FF2B5EF4-FFF2-40B4-BE49-F238E27FC236}">
+                <a16:creationId xmlns:a16="http://schemas.microsoft.com/office/drawing/2014/main" id="{14DF9EC5-7C2E-1321-92CE-9596B5037122}"/>
+              </a:ext>
+            </a:extLst>
+          </p:cNvPr>
+          <p:cNvSpPr>
+            <a:spLocks noGrp="1"/>
+          </p:cNvSpPr>
+          <p:nvPr>
+            <p:ph type="title"/>
+          </p:nvPr>
+        </p:nvSpPr>
+        <p:spPr/>
+        <p:txBody>
+          <a:bodyPr/>
+          <a:lstStyle/>
+          <a:p>
+            <a:r>
+              <a:rPr lang="ko-KR" altLang="en-US" dirty="0"/>
+              <a:t>유사 이미지 검색 결과</a:t>
+            </a:r>
+          </a:p>
+        </p:txBody>
+      </p:sp>
+      <p:sp>
+        <p:nvSpPr>
+          <p:cNvPr id="3" name="내용 개체 틀 2">
+            <a:extLst>
+              <a:ext uri="{FF2B5EF4-FFF2-40B4-BE49-F238E27FC236}">
+                <a16:creationId xmlns:a16="http://schemas.microsoft.com/office/drawing/2014/main" id="{621010E4-A09E-D520-9686-667D0A6C3767}"/>
+              </a:ext>
+            </a:extLst>
+          </p:cNvPr>
+          <p:cNvSpPr>
+            <a:spLocks noGrp="1"/>
+          </p:cNvSpPr>
+          <p:nvPr>
+            <p:ph idx="1"/>
+          </p:nvPr>
+        </p:nvSpPr>
+        <p:spPr/>
+        <p:txBody>
+          <a:bodyPr/>
+          <a:lstStyle/>
+          <a:p>
+            <a:r>
+              <a:rPr lang="en-US" altLang="ko-KR" dirty="0"/>
+              <a:t>Good case</a:t>
+            </a:r>
+            <a:endParaRPr lang="ko-KR" altLang="en-US" dirty="0"/>
+          </a:p>
+        </p:txBody>
+      </p:sp>
+    </p:spTree>
+    <p:extLst>
+      <p:ext uri="{BB962C8B-B14F-4D97-AF65-F5344CB8AC3E}">
+        <p14:creationId xmlns:p14="http://schemas.microsoft.com/office/powerpoint/2010/main" val="3311347806"/>
+      </p:ext>
+    </p:extLst>
+  </p:cSld>
+  <p:clrMapOvr>
+    <a:masterClrMapping/>
+  </p:clrMapOvr>
+</p:sld>
+</file>
+
+<file path=ppt/slides/slide19.xml><?xml version="1.0" encoding="utf-8"?>
+<p:sld xmlns:a="http://schemas.openxmlformats.org/drawingml/2006/main" xmlns:r="http://schemas.openxmlformats.org/officeDocument/2006/relationships" xmlns:p="http://schemas.openxmlformats.org/presentationml/2006/main">
+  <p:cSld>
+    <p:spTree>
+      <p:nvGrpSpPr>
+        <p:cNvPr id="1" name=""/>
+        <p:cNvGrpSpPr/>
+        <p:nvPr/>
+      </p:nvGrpSpPr>
+      <p:grpSpPr>
+        <a:xfrm>
+          <a:off x="0" y="0"/>
+          <a:ext cx="0" cy="0"/>
+          <a:chOff x="0" y="0"/>
+          <a:chExt cx="0" cy="0"/>
+        </a:xfrm>
+      </p:grpSpPr>
+      <p:sp>
+        <p:nvSpPr>
+          <p:cNvPr id="2" name="제목 1">
+            <a:extLst>
+              <a:ext uri="{FF2B5EF4-FFF2-40B4-BE49-F238E27FC236}">
+                <a16:creationId xmlns:a16="http://schemas.microsoft.com/office/drawing/2014/main" id="{14DF9EC5-7C2E-1321-92CE-9596B5037122}"/>
+              </a:ext>
+            </a:extLst>
+          </p:cNvPr>
+          <p:cNvSpPr>
+            <a:spLocks noGrp="1"/>
+          </p:cNvSpPr>
+          <p:nvPr>
+            <p:ph type="title"/>
+          </p:nvPr>
+        </p:nvSpPr>
+        <p:spPr/>
+        <p:txBody>
+          <a:bodyPr/>
+          <a:lstStyle/>
+          <a:p>
+            <a:r>
+              <a:rPr lang="ko-KR" altLang="en-US" dirty="0"/>
+              <a:t>유사 이미지 검색 결과</a:t>
+            </a:r>
+          </a:p>
+        </p:txBody>
+      </p:sp>
+      <p:sp>
+        <p:nvSpPr>
+          <p:cNvPr id="3" name="내용 개체 틀 2">
+            <a:extLst>
+              <a:ext uri="{FF2B5EF4-FFF2-40B4-BE49-F238E27FC236}">
+                <a16:creationId xmlns:a16="http://schemas.microsoft.com/office/drawing/2014/main" id="{621010E4-A09E-D520-9686-667D0A6C3767}"/>
+              </a:ext>
+            </a:extLst>
+          </p:cNvPr>
+          <p:cNvSpPr>
+            <a:spLocks noGrp="1"/>
+          </p:cNvSpPr>
+          <p:nvPr>
+            <p:ph idx="1"/>
+          </p:nvPr>
+        </p:nvSpPr>
+        <p:spPr/>
+        <p:txBody>
+          <a:bodyPr/>
+          <a:lstStyle/>
+          <a:p>
+            <a:r>
+              <a:rPr lang="en-US" altLang="ko-KR" dirty="0"/>
+              <a:t>Bad case</a:t>
+            </a:r>
+            <a:endParaRPr lang="ko-KR" altLang="en-US" dirty="0"/>
+          </a:p>
+        </p:txBody>
+      </p:sp>
+    </p:spTree>
+    <p:extLst>
+      <p:ext uri="{BB962C8B-B14F-4D97-AF65-F5344CB8AC3E}">
+        <p14:creationId xmlns:p14="http://schemas.microsoft.com/office/powerpoint/2010/main" val="3715699874"/>
+      </p:ext>
+    </p:extLst>
+  </p:cSld>
+  <p:clrMapOvr>
+    <a:masterClrMapping/>
+  </p:clrMapOvr>
+</p:sld>
+</file>
+
 <file path=ppt/slides/slide2.xml><?xml version="1.0" encoding="utf-8"?>
 <p:sld xmlns:a="http://schemas.openxmlformats.org/drawingml/2006/main" xmlns:r="http://schemas.openxmlformats.org/officeDocument/2006/relationships" xmlns:p="http://schemas.openxmlformats.org/presentationml/2006/main">
   <p:cSld>
@@ -3458,94 +4324,53 @@
           <a:p>
             <a:r>
               <a:rPr lang="ko-KR" altLang="en-US" dirty="0"/>
-              <a:t>모델 선정 배경</a:t>
+              <a:t>모델 선정 </a:t>
             </a:r>
             <a:r>
               <a:rPr lang="en-US" altLang="ko-KR" dirty="0"/>
-              <a:t> : object detection </a:t>
-            </a:r>
+              <a:t>: Resnet50</a:t>
+            </a:r>
+          </a:p>
+          <a:p>
             <a:r>
               <a:rPr lang="ko-KR" altLang="en-US" dirty="0"/>
-              <a:t>모델들 중 속도와 성능이 모두 우수한 </a:t>
+              <a:t>선정 이유 </a:t>
             </a:r>
             <a:r>
               <a:rPr lang="en-US" altLang="ko-KR" dirty="0"/>
-              <a:t>yolo</a:t>
-            </a:r>
-            <a:r>
-              <a:rPr lang="ko-KR" altLang="en-US" dirty="0"/>
-              <a:t>를 선택</a:t>
-            </a:r>
-            <a:r>
-              <a:rPr lang="en-US" altLang="ko-KR" dirty="0"/>
-              <a:t>, </a:t>
-            </a:r>
-            <a:r>
-              <a:rPr lang="ko-KR" altLang="en-US" dirty="0"/>
-              <a:t>그 중 실행시간의 이점과 학습의 용이성을 위해 가장 가벼운 </a:t>
-            </a:r>
-            <a:r>
-              <a:rPr lang="en-US" altLang="ko-KR" dirty="0"/>
-              <a:t>yolov5s </a:t>
-            </a:r>
-            <a:r>
-              <a:rPr lang="ko-KR" altLang="en-US" dirty="0"/>
-              <a:t>모델을 학습하기로 결정</a:t>
-            </a:r>
-            <a:endParaRPr lang="en-US" altLang="ko-KR" dirty="0"/>
+              <a:t>: </a:t>
+            </a:r>
           </a:p>
         </p:txBody>
       </p:sp>
       <p:pic>
         <p:nvPicPr>
-          <p:cNvPr id="1026" name="Picture 2">
-            <a:extLst>
-              <a:ext uri="{FF2B5EF4-FFF2-40B4-BE49-F238E27FC236}">
-                <a16:creationId xmlns:a16="http://schemas.microsoft.com/office/drawing/2014/main" id="{AAE4B044-7142-7BDB-C849-2C71521C5BF6}"/>
+          <p:cNvPr id="5" name="그림 4">
+            <a:extLst>
+              <a:ext uri="{FF2B5EF4-FFF2-40B4-BE49-F238E27FC236}">
+                <a16:creationId xmlns:a16="http://schemas.microsoft.com/office/drawing/2014/main" id="{FDFD2EAD-E5E4-2982-7728-EA0F161AC27A}"/>
               </a:ext>
             </a:extLst>
           </p:cNvPr>
           <p:cNvPicPr>
-            <a:picLocks noChangeAspect="1" noChangeArrowheads="1"/>
+            <a:picLocks noChangeAspect="1"/>
           </p:cNvPicPr>
           <p:nvPr/>
         </p:nvPicPr>
         <p:blipFill>
-          <a:blip r:embed="rId2">
-            <a:extLst>
-              <a:ext uri="{28A0092B-C50C-407E-A947-70E740481C1C}">
-                <a14:useLocalDpi xmlns:a14="http://schemas.microsoft.com/office/drawing/2010/main" val="0"/>
-              </a:ext>
-            </a:extLst>
-          </a:blip>
-          <a:srcRect/>
+          <a:blip r:embed="rId2"/>
           <a:stretch>
             <a:fillRect/>
           </a:stretch>
         </p:blipFill>
-        <p:spPr bwMode="auto">
+        <p:spPr>
           <a:xfrm>
-            <a:off x="2771313" y="3429000"/>
-            <a:ext cx="6649375" cy="2531349"/>
+            <a:off x="1909178" y="3871591"/>
+            <a:ext cx="8373644" cy="2305372"/>
           </a:xfrm>
           <a:prstGeom prst="rect">
             <a:avLst/>
           </a:prstGeom>
-          <a:noFill/>
-          <a:ln>
-            <a:solidFill>
-              <a:schemeClr val="tx1"/>
-            </a:solidFill>
-          </a:ln>
-          <a:extLst>
-            <a:ext uri="{909E8E84-426E-40DD-AFC4-6F175D3DCCD1}">
-              <a14:hiddenFill xmlns:a14="http://schemas.microsoft.com/office/drawing/2010/main">
-                <a:solidFill>
-                  <a:srgbClr val="FFFFFF"/>
-                </a:solidFill>
-              </a14:hiddenFill>
-            </a:ext>
-          </a:extLst>
         </p:spPr>
       </p:pic>
     </p:spTree>
@@ -4058,10 +4883,4069 @@
           </a:p>
         </p:txBody>
       </p:sp>
+      <p:sp>
+        <p:nvSpPr>
+          <p:cNvPr id="4" name="직사각형 3">
+            <a:extLst>
+              <a:ext uri="{FF2B5EF4-FFF2-40B4-BE49-F238E27FC236}">
+                <a16:creationId xmlns:a16="http://schemas.microsoft.com/office/drawing/2014/main" id="{59B95BF6-20ED-B0F4-5155-E1CC278E97C0}"/>
+              </a:ext>
+            </a:extLst>
+          </p:cNvPr>
+          <p:cNvSpPr/>
+          <p:nvPr/>
+        </p:nvSpPr>
+        <p:spPr>
+          <a:xfrm>
+            <a:off x="7414900" y="3283310"/>
+            <a:ext cx="983662" cy="605336"/>
+          </a:xfrm>
+          <a:prstGeom prst="rect">
+            <a:avLst/>
+          </a:prstGeom>
+          <a:noFill/>
+          <a:ln>
+            <a:noFill/>
+          </a:ln>
+        </p:spPr>
+        <p:style>
+          <a:lnRef idx="2">
+            <a:schemeClr val="accent1">
+              <a:shade val="15000"/>
+            </a:schemeClr>
+          </a:lnRef>
+          <a:fillRef idx="1">
+            <a:schemeClr val="accent1"/>
+          </a:fillRef>
+          <a:effectRef idx="0">
+            <a:schemeClr val="accent1"/>
+          </a:effectRef>
+          <a:fontRef idx="minor">
+            <a:schemeClr val="lt1"/>
+          </a:fontRef>
+        </p:style>
+        <p:txBody>
+          <a:bodyPr rtlCol="0" anchor="ctr"/>
+          <a:lstStyle/>
+          <a:p>
+            <a:pPr algn="ctr"/>
+            <a:r>
+              <a:rPr lang="ko-KR" altLang="en-US" dirty="0" err="1">
+                <a:solidFill>
+                  <a:schemeClr val="tx1"/>
+                </a:solidFill>
+              </a:rPr>
+              <a:t>긴소매</a:t>
+            </a:r>
+            <a:r>
+              <a:rPr lang="ko-KR" altLang="en-US" dirty="0">
+                <a:solidFill>
+                  <a:schemeClr val="tx1"/>
+                </a:solidFill>
+              </a:rPr>
+              <a:t> </a:t>
+            </a:r>
+            <a:r>
+              <a:rPr lang="en-US" altLang="ko-KR" dirty="0">
+                <a:solidFill>
+                  <a:schemeClr val="tx1"/>
+                </a:solidFill>
+              </a:rPr>
+              <a:t>,</a:t>
+            </a:r>
+            <a:endParaRPr lang="ko-KR" altLang="en-US" dirty="0">
+              <a:solidFill>
+                <a:schemeClr val="tx1"/>
+              </a:solidFill>
+            </a:endParaRPr>
+          </a:p>
+        </p:txBody>
+      </p:sp>
+      <p:sp>
+        <p:nvSpPr>
+          <p:cNvPr id="6" name="직사각형 5">
+            <a:extLst>
+              <a:ext uri="{FF2B5EF4-FFF2-40B4-BE49-F238E27FC236}">
+                <a16:creationId xmlns:a16="http://schemas.microsoft.com/office/drawing/2014/main" id="{A421A76B-7ACC-3436-5BF6-825B079D3F15}"/>
+              </a:ext>
+            </a:extLst>
+          </p:cNvPr>
+          <p:cNvSpPr/>
+          <p:nvPr/>
+        </p:nvSpPr>
+        <p:spPr>
+          <a:xfrm>
+            <a:off x="7414901" y="5532474"/>
+            <a:ext cx="983662" cy="605336"/>
+          </a:xfrm>
+          <a:prstGeom prst="rect">
+            <a:avLst/>
+          </a:prstGeom>
+          <a:noFill/>
+          <a:ln>
+            <a:noFill/>
+          </a:ln>
+        </p:spPr>
+        <p:style>
+          <a:lnRef idx="2">
+            <a:schemeClr val="accent1">
+              <a:shade val="15000"/>
+            </a:schemeClr>
+          </a:lnRef>
+          <a:fillRef idx="1">
+            <a:schemeClr val="accent1"/>
+          </a:fillRef>
+          <a:effectRef idx="0">
+            <a:schemeClr val="accent1"/>
+          </a:effectRef>
+          <a:fontRef idx="minor">
+            <a:schemeClr val="lt1"/>
+          </a:fontRef>
+        </p:style>
+        <p:txBody>
+          <a:bodyPr rtlCol="0" anchor="ctr"/>
+          <a:lstStyle/>
+          <a:p>
+            <a:pPr algn="ctr"/>
+            <a:r>
+              <a:rPr lang="ko-KR" altLang="en-US" dirty="0">
+                <a:solidFill>
+                  <a:schemeClr val="tx1"/>
+                </a:solidFill>
+              </a:rPr>
+              <a:t>반바지 </a:t>
+            </a:r>
+            <a:r>
+              <a:rPr lang="en-US" altLang="ko-KR" dirty="0">
+                <a:solidFill>
+                  <a:schemeClr val="tx1"/>
+                </a:solidFill>
+              </a:rPr>
+              <a:t>,</a:t>
+            </a:r>
+            <a:endParaRPr lang="ko-KR" altLang="en-US" dirty="0">
+              <a:solidFill>
+                <a:schemeClr val="tx1"/>
+              </a:solidFill>
+            </a:endParaRPr>
+          </a:p>
+        </p:txBody>
+      </p:sp>
+      <p:grpSp>
+        <p:nvGrpSpPr>
+          <p:cNvPr id="41" name="그룹 40">
+            <a:extLst>
+              <a:ext uri="{FF2B5EF4-FFF2-40B4-BE49-F238E27FC236}">
+                <a16:creationId xmlns:a16="http://schemas.microsoft.com/office/drawing/2014/main" id="{75440158-9FB3-7D54-F108-E63CDE895A45}"/>
+              </a:ext>
+            </a:extLst>
+          </p:cNvPr>
+          <p:cNvGrpSpPr/>
+          <p:nvPr/>
+        </p:nvGrpSpPr>
+        <p:grpSpPr>
+          <a:xfrm>
+            <a:off x="8790794" y="3334466"/>
+            <a:ext cx="2720912" cy="1297248"/>
+            <a:chOff x="8817428" y="3369978"/>
+            <a:chExt cx="2720912" cy="1297248"/>
+          </a:xfrm>
+        </p:grpSpPr>
+        <p:sp>
+          <p:nvSpPr>
+            <p:cNvPr id="11" name="직사각형 10">
+              <a:extLst>
+                <a:ext uri="{FF2B5EF4-FFF2-40B4-BE49-F238E27FC236}">
+                  <a16:creationId xmlns:a16="http://schemas.microsoft.com/office/drawing/2014/main" id="{47B5DB19-9330-346F-F62D-68ADE25279BF}"/>
+                </a:ext>
+              </a:extLst>
+            </p:cNvPr>
+            <p:cNvSpPr/>
+            <p:nvPr/>
+          </p:nvSpPr>
+          <p:spPr>
+            <a:xfrm>
+              <a:off x="8817428" y="3369978"/>
+              <a:ext cx="432000" cy="432000"/>
+            </a:xfrm>
+            <a:prstGeom prst="rect">
+              <a:avLst/>
+            </a:prstGeom>
+            <a:solidFill>
+              <a:schemeClr val="accent4">
+                <a:lumMod val="60000"/>
+                <a:lumOff val="40000"/>
+              </a:schemeClr>
+            </a:solidFill>
+          </p:spPr>
+          <p:style>
+            <a:lnRef idx="2">
+              <a:schemeClr val="accent1">
+                <a:shade val="15000"/>
+              </a:schemeClr>
+            </a:lnRef>
+            <a:fillRef idx="1">
+              <a:schemeClr val="accent1"/>
+            </a:fillRef>
+            <a:effectRef idx="0">
+              <a:schemeClr val="accent1"/>
+            </a:effectRef>
+            <a:fontRef idx="minor">
+              <a:schemeClr val="lt1"/>
+            </a:fontRef>
+          </p:style>
+          <p:txBody>
+            <a:bodyPr rtlCol="0" anchor="ctr"/>
+            <a:lstStyle/>
+            <a:p>
+              <a:pPr algn="ctr"/>
+              <a:endParaRPr lang="ko-KR" altLang="en-US"/>
+            </a:p>
+          </p:txBody>
+        </p:sp>
+        <p:sp>
+          <p:nvSpPr>
+            <p:cNvPr id="15" name="직사각형 14">
+              <a:extLst>
+                <a:ext uri="{FF2B5EF4-FFF2-40B4-BE49-F238E27FC236}">
+                  <a16:creationId xmlns:a16="http://schemas.microsoft.com/office/drawing/2014/main" id="{6A7730C9-4178-26E3-7379-3334DB6CEE70}"/>
+                </a:ext>
+              </a:extLst>
+            </p:cNvPr>
+            <p:cNvSpPr/>
+            <p:nvPr/>
+          </p:nvSpPr>
+          <p:spPr>
+            <a:xfrm>
+              <a:off x="9249428" y="3369978"/>
+              <a:ext cx="432000" cy="432000"/>
+            </a:xfrm>
+            <a:prstGeom prst="rect">
+              <a:avLst/>
+            </a:prstGeom>
+            <a:solidFill>
+              <a:schemeClr val="accent4">
+                <a:lumMod val="60000"/>
+                <a:lumOff val="40000"/>
+              </a:schemeClr>
+            </a:solidFill>
+          </p:spPr>
+          <p:style>
+            <a:lnRef idx="2">
+              <a:schemeClr val="accent1">
+                <a:shade val="15000"/>
+              </a:schemeClr>
+            </a:lnRef>
+            <a:fillRef idx="1">
+              <a:schemeClr val="accent1"/>
+            </a:fillRef>
+            <a:effectRef idx="0">
+              <a:schemeClr val="accent1"/>
+            </a:effectRef>
+            <a:fontRef idx="minor">
+              <a:schemeClr val="lt1"/>
+            </a:fontRef>
+          </p:style>
+          <p:txBody>
+            <a:bodyPr rtlCol="0" anchor="ctr"/>
+            <a:lstStyle/>
+            <a:p>
+              <a:pPr algn="ctr"/>
+              <a:endParaRPr lang="ko-KR" altLang="en-US" dirty="0"/>
+            </a:p>
+          </p:txBody>
+        </p:sp>
+        <p:sp>
+          <p:nvSpPr>
+            <p:cNvPr id="16" name="직사각형 15">
+              <a:extLst>
+                <a:ext uri="{FF2B5EF4-FFF2-40B4-BE49-F238E27FC236}">
+                  <a16:creationId xmlns:a16="http://schemas.microsoft.com/office/drawing/2014/main" id="{29A36FAE-B614-1116-7586-2749FA68752B}"/>
+                </a:ext>
+              </a:extLst>
+            </p:cNvPr>
+            <p:cNvSpPr/>
+            <p:nvPr/>
+          </p:nvSpPr>
+          <p:spPr>
+            <a:xfrm>
+              <a:off x="9681428" y="3369978"/>
+              <a:ext cx="432000" cy="432000"/>
+            </a:xfrm>
+            <a:prstGeom prst="rect">
+              <a:avLst/>
+            </a:prstGeom>
+            <a:solidFill>
+              <a:schemeClr val="accent4">
+                <a:lumMod val="60000"/>
+                <a:lumOff val="40000"/>
+              </a:schemeClr>
+            </a:solidFill>
+          </p:spPr>
+          <p:style>
+            <a:lnRef idx="2">
+              <a:schemeClr val="accent1">
+                <a:shade val="15000"/>
+              </a:schemeClr>
+            </a:lnRef>
+            <a:fillRef idx="1">
+              <a:schemeClr val="accent1"/>
+            </a:fillRef>
+            <a:effectRef idx="0">
+              <a:schemeClr val="accent1"/>
+            </a:effectRef>
+            <a:fontRef idx="minor">
+              <a:schemeClr val="lt1"/>
+            </a:fontRef>
+          </p:style>
+          <p:txBody>
+            <a:bodyPr rtlCol="0" anchor="ctr"/>
+            <a:lstStyle/>
+            <a:p>
+              <a:pPr algn="ctr"/>
+              <a:endParaRPr lang="ko-KR" altLang="en-US"/>
+            </a:p>
+          </p:txBody>
+        </p:sp>
+        <p:sp>
+          <p:nvSpPr>
+            <p:cNvPr id="17" name="직사각형 16">
+              <a:extLst>
+                <a:ext uri="{FF2B5EF4-FFF2-40B4-BE49-F238E27FC236}">
+                  <a16:creationId xmlns:a16="http://schemas.microsoft.com/office/drawing/2014/main" id="{57DB92F6-FBAD-AB4A-B124-534DE4E97BA3}"/>
+                </a:ext>
+              </a:extLst>
+            </p:cNvPr>
+            <p:cNvSpPr/>
+            <p:nvPr/>
+          </p:nvSpPr>
+          <p:spPr>
+            <a:xfrm>
+              <a:off x="10674340" y="3369978"/>
+              <a:ext cx="432000" cy="432000"/>
+            </a:xfrm>
+            <a:prstGeom prst="rect">
+              <a:avLst/>
+            </a:prstGeom>
+            <a:solidFill>
+              <a:schemeClr val="accent4">
+                <a:lumMod val="60000"/>
+                <a:lumOff val="40000"/>
+              </a:schemeClr>
+            </a:solidFill>
+          </p:spPr>
+          <p:style>
+            <a:lnRef idx="2">
+              <a:schemeClr val="accent1">
+                <a:shade val="15000"/>
+              </a:schemeClr>
+            </a:lnRef>
+            <a:fillRef idx="1">
+              <a:schemeClr val="accent1"/>
+            </a:fillRef>
+            <a:effectRef idx="0">
+              <a:schemeClr val="accent1"/>
+            </a:effectRef>
+            <a:fontRef idx="minor">
+              <a:schemeClr val="lt1"/>
+            </a:fontRef>
+          </p:style>
+          <p:txBody>
+            <a:bodyPr rtlCol="0" anchor="ctr"/>
+            <a:lstStyle/>
+            <a:p>
+              <a:pPr algn="ctr"/>
+              <a:endParaRPr lang="ko-KR" altLang="en-US"/>
+            </a:p>
+          </p:txBody>
+        </p:sp>
+        <p:sp>
+          <p:nvSpPr>
+            <p:cNvPr id="18" name="직사각형 17">
+              <a:extLst>
+                <a:ext uri="{FF2B5EF4-FFF2-40B4-BE49-F238E27FC236}">
+                  <a16:creationId xmlns:a16="http://schemas.microsoft.com/office/drawing/2014/main" id="{AC6FC1F0-7010-FC00-AA88-7980D237FE22}"/>
+                </a:ext>
+              </a:extLst>
+            </p:cNvPr>
+            <p:cNvSpPr/>
+            <p:nvPr/>
+          </p:nvSpPr>
+          <p:spPr>
+            <a:xfrm>
+              <a:off x="11106340" y="3370630"/>
+              <a:ext cx="432000" cy="432000"/>
+            </a:xfrm>
+            <a:prstGeom prst="rect">
+              <a:avLst/>
+            </a:prstGeom>
+            <a:solidFill>
+              <a:schemeClr val="accent4">
+                <a:lumMod val="60000"/>
+                <a:lumOff val="40000"/>
+              </a:schemeClr>
+            </a:solidFill>
+          </p:spPr>
+          <p:style>
+            <a:lnRef idx="2">
+              <a:schemeClr val="accent1">
+                <a:shade val="15000"/>
+              </a:schemeClr>
+            </a:lnRef>
+            <a:fillRef idx="1">
+              <a:schemeClr val="accent1"/>
+            </a:fillRef>
+            <a:effectRef idx="0">
+              <a:schemeClr val="accent1"/>
+            </a:effectRef>
+            <a:fontRef idx="minor">
+              <a:schemeClr val="lt1"/>
+            </a:fontRef>
+          </p:style>
+          <p:txBody>
+            <a:bodyPr rtlCol="0" anchor="ctr"/>
+            <a:lstStyle/>
+            <a:p>
+              <a:pPr algn="ctr"/>
+              <a:endParaRPr lang="ko-KR" altLang="en-US"/>
+            </a:p>
+          </p:txBody>
+        </p:sp>
+        <p:sp>
+          <p:nvSpPr>
+            <p:cNvPr id="20" name="직사각형 19">
+              <a:extLst>
+                <a:ext uri="{FF2B5EF4-FFF2-40B4-BE49-F238E27FC236}">
+                  <a16:creationId xmlns:a16="http://schemas.microsoft.com/office/drawing/2014/main" id="{92529A81-2947-7AF9-C28D-BE41D8166939}"/>
+                </a:ext>
+              </a:extLst>
+            </p:cNvPr>
+            <p:cNvSpPr/>
+            <p:nvPr/>
+          </p:nvSpPr>
+          <p:spPr>
+            <a:xfrm>
+              <a:off x="10113428" y="3369978"/>
+              <a:ext cx="560911" cy="432000"/>
+            </a:xfrm>
+            <a:prstGeom prst="rect">
+              <a:avLst/>
+            </a:prstGeom>
+            <a:noFill/>
+            <a:ln>
+              <a:noFill/>
+            </a:ln>
+          </p:spPr>
+          <p:style>
+            <a:lnRef idx="2">
+              <a:schemeClr val="accent1">
+                <a:shade val="15000"/>
+              </a:schemeClr>
+            </a:lnRef>
+            <a:fillRef idx="1">
+              <a:schemeClr val="accent1"/>
+            </a:fillRef>
+            <a:effectRef idx="0">
+              <a:schemeClr val="accent1"/>
+            </a:effectRef>
+            <a:fontRef idx="minor">
+              <a:schemeClr val="lt1"/>
+            </a:fontRef>
+          </p:style>
+          <p:txBody>
+            <a:bodyPr rtlCol="0" anchor="ctr"/>
+            <a:lstStyle/>
+            <a:p>
+              <a:pPr algn="ctr"/>
+              <a:r>
+                <a:rPr lang="en-US" altLang="ko-KR" dirty="0">
+                  <a:solidFill>
+                    <a:schemeClr val="tx1"/>
+                  </a:solidFill>
+                </a:rPr>
+                <a:t>•••</a:t>
+              </a:r>
+              <a:endParaRPr lang="ko-KR" altLang="en-US" dirty="0">
+                <a:solidFill>
+                  <a:schemeClr val="tx1"/>
+                </a:solidFill>
+              </a:endParaRPr>
+            </a:p>
+          </p:txBody>
+        </p:sp>
+        <p:sp>
+          <p:nvSpPr>
+            <p:cNvPr id="22" name="왼쪽 중괄호 21">
+              <a:extLst>
+                <a:ext uri="{FF2B5EF4-FFF2-40B4-BE49-F238E27FC236}">
+                  <a16:creationId xmlns:a16="http://schemas.microsoft.com/office/drawing/2014/main" id="{D18BD097-DFEE-A3B2-A633-6634D492D2E4}"/>
+                </a:ext>
+              </a:extLst>
+            </p:cNvPr>
+            <p:cNvSpPr/>
+            <p:nvPr/>
+          </p:nvSpPr>
+          <p:spPr>
+            <a:xfrm rot="16200000">
+              <a:off x="10011564" y="2879040"/>
+              <a:ext cx="332630" cy="2351843"/>
+            </a:xfrm>
+            <a:prstGeom prst="leftBrace">
+              <a:avLst>
+                <a:gd name="adj1" fmla="val 8333"/>
+                <a:gd name="adj2" fmla="val 51510"/>
+              </a:avLst>
+            </a:prstGeom>
+          </p:spPr>
+          <p:style>
+            <a:lnRef idx="1">
+              <a:schemeClr val="accent1"/>
+            </a:lnRef>
+            <a:fillRef idx="0">
+              <a:schemeClr val="accent1"/>
+            </a:fillRef>
+            <a:effectRef idx="0">
+              <a:schemeClr val="accent1"/>
+            </a:effectRef>
+            <a:fontRef idx="minor">
+              <a:schemeClr val="tx1"/>
+            </a:fontRef>
+          </p:style>
+          <p:txBody>
+            <a:bodyPr rtlCol="0" anchor="ctr"/>
+            <a:lstStyle/>
+            <a:p>
+              <a:pPr algn="ctr"/>
+              <a:endParaRPr lang="ko-KR" altLang="en-US"/>
+            </a:p>
+          </p:txBody>
+        </p:sp>
+        <p:sp>
+          <p:nvSpPr>
+            <p:cNvPr id="23" name="직사각형 22">
+              <a:extLst>
+                <a:ext uri="{FF2B5EF4-FFF2-40B4-BE49-F238E27FC236}">
+                  <a16:creationId xmlns:a16="http://schemas.microsoft.com/office/drawing/2014/main" id="{230D21A3-56B5-5E0B-1EC8-3ED86B186D57}"/>
+                </a:ext>
+              </a:extLst>
+            </p:cNvPr>
+            <p:cNvSpPr/>
+            <p:nvPr/>
+          </p:nvSpPr>
+          <p:spPr>
+            <a:xfrm>
+              <a:off x="9147829" y="4235226"/>
+              <a:ext cx="2060100" cy="432000"/>
+            </a:xfrm>
+            <a:prstGeom prst="rect">
+              <a:avLst/>
+            </a:prstGeom>
+            <a:noFill/>
+            <a:ln>
+              <a:noFill/>
+            </a:ln>
+          </p:spPr>
+          <p:style>
+            <a:lnRef idx="2">
+              <a:schemeClr val="accent1">
+                <a:shade val="15000"/>
+              </a:schemeClr>
+            </a:lnRef>
+            <a:fillRef idx="1">
+              <a:schemeClr val="accent1"/>
+            </a:fillRef>
+            <a:effectRef idx="0">
+              <a:schemeClr val="accent1"/>
+            </a:effectRef>
+            <a:fontRef idx="minor">
+              <a:schemeClr val="lt1"/>
+            </a:fontRef>
+          </p:style>
+          <p:txBody>
+            <a:bodyPr rtlCol="0" anchor="ctr"/>
+            <a:lstStyle/>
+            <a:p>
+              <a:pPr algn="ctr"/>
+              <a:r>
+                <a:rPr lang="en-US" altLang="ko-KR" dirty="0">
+                  <a:solidFill>
+                    <a:schemeClr val="tx1"/>
+                  </a:solidFill>
+                </a:rPr>
+                <a:t>1x2048 </a:t>
+              </a:r>
+              <a:r>
+                <a:rPr lang="ko-KR" altLang="en-US" dirty="0">
+                  <a:solidFill>
+                    <a:schemeClr val="tx1"/>
+                  </a:solidFill>
+                </a:rPr>
+                <a:t>특성</a:t>
+              </a:r>
+              <a:r>
+                <a:rPr lang="en-US" altLang="ko-KR" dirty="0">
+                  <a:solidFill>
+                    <a:schemeClr val="tx1"/>
+                  </a:solidFill>
+                </a:rPr>
+                <a:t> </a:t>
+              </a:r>
+              <a:r>
+                <a:rPr lang="ko-KR" altLang="en-US" dirty="0">
+                  <a:solidFill>
+                    <a:schemeClr val="tx1"/>
+                  </a:solidFill>
+                </a:rPr>
+                <a:t>행렬</a:t>
+              </a:r>
+            </a:p>
+          </p:txBody>
+        </p:sp>
+      </p:grpSp>
+      <p:grpSp>
+        <p:nvGrpSpPr>
+          <p:cNvPr id="40" name="그룹 39">
+            <a:extLst>
+              <a:ext uri="{FF2B5EF4-FFF2-40B4-BE49-F238E27FC236}">
+                <a16:creationId xmlns:a16="http://schemas.microsoft.com/office/drawing/2014/main" id="{8E4D9069-8BCC-9107-1F13-3C14F351DCC5}"/>
+              </a:ext>
+            </a:extLst>
+          </p:cNvPr>
+          <p:cNvGrpSpPr/>
+          <p:nvPr/>
+        </p:nvGrpSpPr>
+        <p:grpSpPr>
+          <a:xfrm>
+            <a:off x="8790789" y="5583630"/>
+            <a:ext cx="2720912" cy="1297248"/>
+            <a:chOff x="8889926" y="5608633"/>
+            <a:chExt cx="2720912" cy="1297248"/>
+          </a:xfrm>
+        </p:grpSpPr>
+        <p:sp>
+          <p:nvSpPr>
+            <p:cNvPr id="32" name="직사각형 31">
+              <a:extLst>
+                <a:ext uri="{FF2B5EF4-FFF2-40B4-BE49-F238E27FC236}">
+                  <a16:creationId xmlns:a16="http://schemas.microsoft.com/office/drawing/2014/main" id="{5DB106D4-B407-913A-CC82-8ACD1AB2BE81}"/>
+                </a:ext>
+              </a:extLst>
+            </p:cNvPr>
+            <p:cNvSpPr/>
+            <p:nvPr/>
+          </p:nvSpPr>
+          <p:spPr>
+            <a:xfrm>
+              <a:off x="8889926" y="5608633"/>
+              <a:ext cx="432000" cy="432000"/>
+            </a:xfrm>
+            <a:prstGeom prst="rect">
+              <a:avLst/>
+            </a:prstGeom>
+            <a:solidFill>
+              <a:schemeClr val="accent4">
+                <a:lumMod val="60000"/>
+                <a:lumOff val="40000"/>
+              </a:schemeClr>
+            </a:solidFill>
+          </p:spPr>
+          <p:style>
+            <a:lnRef idx="2">
+              <a:schemeClr val="accent1">
+                <a:shade val="15000"/>
+              </a:schemeClr>
+            </a:lnRef>
+            <a:fillRef idx="1">
+              <a:schemeClr val="accent1"/>
+            </a:fillRef>
+            <a:effectRef idx="0">
+              <a:schemeClr val="accent1"/>
+            </a:effectRef>
+            <a:fontRef idx="minor">
+              <a:schemeClr val="lt1"/>
+            </a:fontRef>
+          </p:style>
+          <p:txBody>
+            <a:bodyPr rtlCol="0" anchor="ctr"/>
+            <a:lstStyle/>
+            <a:p>
+              <a:pPr algn="ctr"/>
+              <a:endParaRPr lang="ko-KR" altLang="en-US"/>
+            </a:p>
+          </p:txBody>
+        </p:sp>
+        <p:sp>
+          <p:nvSpPr>
+            <p:cNvPr id="33" name="직사각형 32">
+              <a:extLst>
+                <a:ext uri="{FF2B5EF4-FFF2-40B4-BE49-F238E27FC236}">
+                  <a16:creationId xmlns:a16="http://schemas.microsoft.com/office/drawing/2014/main" id="{B2603B9B-3CBA-CDD8-87D8-19362BF2A17E}"/>
+                </a:ext>
+              </a:extLst>
+            </p:cNvPr>
+            <p:cNvSpPr/>
+            <p:nvPr/>
+          </p:nvSpPr>
+          <p:spPr>
+            <a:xfrm>
+              <a:off x="9321926" y="5608633"/>
+              <a:ext cx="432000" cy="432000"/>
+            </a:xfrm>
+            <a:prstGeom prst="rect">
+              <a:avLst/>
+            </a:prstGeom>
+            <a:solidFill>
+              <a:schemeClr val="accent4">
+                <a:lumMod val="60000"/>
+                <a:lumOff val="40000"/>
+              </a:schemeClr>
+            </a:solidFill>
+          </p:spPr>
+          <p:style>
+            <a:lnRef idx="2">
+              <a:schemeClr val="accent1">
+                <a:shade val="15000"/>
+              </a:schemeClr>
+            </a:lnRef>
+            <a:fillRef idx="1">
+              <a:schemeClr val="accent1"/>
+            </a:fillRef>
+            <a:effectRef idx="0">
+              <a:schemeClr val="accent1"/>
+            </a:effectRef>
+            <a:fontRef idx="minor">
+              <a:schemeClr val="lt1"/>
+            </a:fontRef>
+          </p:style>
+          <p:txBody>
+            <a:bodyPr rtlCol="0" anchor="ctr"/>
+            <a:lstStyle/>
+            <a:p>
+              <a:pPr algn="ctr"/>
+              <a:endParaRPr lang="ko-KR" altLang="en-US" dirty="0"/>
+            </a:p>
+          </p:txBody>
+        </p:sp>
+        <p:sp>
+          <p:nvSpPr>
+            <p:cNvPr id="34" name="직사각형 33">
+              <a:extLst>
+                <a:ext uri="{FF2B5EF4-FFF2-40B4-BE49-F238E27FC236}">
+                  <a16:creationId xmlns:a16="http://schemas.microsoft.com/office/drawing/2014/main" id="{33565D25-26ED-9143-6232-95C0F00C8DE4}"/>
+                </a:ext>
+              </a:extLst>
+            </p:cNvPr>
+            <p:cNvSpPr/>
+            <p:nvPr/>
+          </p:nvSpPr>
+          <p:spPr>
+            <a:xfrm>
+              <a:off x="9753926" y="5608633"/>
+              <a:ext cx="432000" cy="432000"/>
+            </a:xfrm>
+            <a:prstGeom prst="rect">
+              <a:avLst/>
+            </a:prstGeom>
+            <a:solidFill>
+              <a:schemeClr val="accent4">
+                <a:lumMod val="60000"/>
+                <a:lumOff val="40000"/>
+              </a:schemeClr>
+            </a:solidFill>
+          </p:spPr>
+          <p:style>
+            <a:lnRef idx="2">
+              <a:schemeClr val="accent1">
+                <a:shade val="15000"/>
+              </a:schemeClr>
+            </a:lnRef>
+            <a:fillRef idx="1">
+              <a:schemeClr val="accent1"/>
+            </a:fillRef>
+            <a:effectRef idx="0">
+              <a:schemeClr val="accent1"/>
+            </a:effectRef>
+            <a:fontRef idx="minor">
+              <a:schemeClr val="lt1"/>
+            </a:fontRef>
+          </p:style>
+          <p:txBody>
+            <a:bodyPr rtlCol="0" anchor="ctr"/>
+            <a:lstStyle/>
+            <a:p>
+              <a:pPr algn="ctr"/>
+              <a:endParaRPr lang="ko-KR" altLang="en-US"/>
+            </a:p>
+          </p:txBody>
+        </p:sp>
+        <p:sp>
+          <p:nvSpPr>
+            <p:cNvPr id="35" name="직사각형 34">
+              <a:extLst>
+                <a:ext uri="{FF2B5EF4-FFF2-40B4-BE49-F238E27FC236}">
+                  <a16:creationId xmlns:a16="http://schemas.microsoft.com/office/drawing/2014/main" id="{19277CDE-2C87-3A31-76FA-01C9E1D4AF57}"/>
+                </a:ext>
+              </a:extLst>
+            </p:cNvPr>
+            <p:cNvSpPr/>
+            <p:nvPr/>
+          </p:nvSpPr>
+          <p:spPr>
+            <a:xfrm>
+              <a:off x="10746838" y="5608633"/>
+              <a:ext cx="432000" cy="432000"/>
+            </a:xfrm>
+            <a:prstGeom prst="rect">
+              <a:avLst/>
+            </a:prstGeom>
+            <a:solidFill>
+              <a:schemeClr val="accent4">
+                <a:lumMod val="60000"/>
+                <a:lumOff val="40000"/>
+              </a:schemeClr>
+            </a:solidFill>
+          </p:spPr>
+          <p:style>
+            <a:lnRef idx="2">
+              <a:schemeClr val="accent1">
+                <a:shade val="15000"/>
+              </a:schemeClr>
+            </a:lnRef>
+            <a:fillRef idx="1">
+              <a:schemeClr val="accent1"/>
+            </a:fillRef>
+            <a:effectRef idx="0">
+              <a:schemeClr val="accent1"/>
+            </a:effectRef>
+            <a:fontRef idx="minor">
+              <a:schemeClr val="lt1"/>
+            </a:fontRef>
+          </p:style>
+          <p:txBody>
+            <a:bodyPr rtlCol="0" anchor="ctr"/>
+            <a:lstStyle/>
+            <a:p>
+              <a:pPr algn="ctr"/>
+              <a:endParaRPr lang="ko-KR" altLang="en-US"/>
+            </a:p>
+          </p:txBody>
+        </p:sp>
+        <p:sp>
+          <p:nvSpPr>
+            <p:cNvPr id="36" name="직사각형 35">
+              <a:extLst>
+                <a:ext uri="{FF2B5EF4-FFF2-40B4-BE49-F238E27FC236}">
+                  <a16:creationId xmlns:a16="http://schemas.microsoft.com/office/drawing/2014/main" id="{94DA3900-B2AD-6071-9F61-57A9EB3255A6}"/>
+                </a:ext>
+              </a:extLst>
+            </p:cNvPr>
+            <p:cNvSpPr/>
+            <p:nvPr/>
+          </p:nvSpPr>
+          <p:spPr>
+            <a:xfrm>
+              <a:off x="11178838" y="5609285"/>
+              <a:ext cx="432000" cy="432000"/>
+            </a:xfrm>
+            <a:prstGeom prst="rect">
+              <a:avLst/>
+            </a:prstGeom>
+            <a:solidFill>
+              <a:schemeClr val="accent4">
+                <a:lumMod val="60000"/>
+                <a:lumOff val="40000"/>
+              </a:schemeClr>
+            </a:solidFill>
+          </p:spPr>
+          <p:style>
+            <a:lnRef idx="2">
+              <a:schemeClr val="accent1">
+                <a:shade val="15000"/>
+              </a:schemeClr>
+            </a:lnRef>
+            <a:fillRef idx="1">
+              <a:schemeClr val="accent1"/>
+            </a:fillRef>
+            <a:effectRef idx="0">
+              <a:schemeClr val="accent1"/>
+            </a:effectRef>
+            <a:fontRef idx="minor">
+              <a:schemeClr val="lt1"/>
+            </a:fontRef>
+          </p:style>
+          <p:txBody>
+            <a:bodyPr rtlCol="0" anchor="ctr"/>
+            <a:lstStyle/>
+            <a:p>
+              <a:pPr algn="ctr"/>
+              <a:endParaRPr lang="ko-KR" altLang="en-US"/>
+            </a:p>
+          </p:txBody>
+        </p:sp>
+        <p:sp>
+          <p:nvSpPr>
+            <p:cNvPr id="37" name="직사각형 36">
+              <a:extLst>
+                <a:ext uri="{FF2B5EF4-FFF2-40B4-BE49-F238E27FC236}">
+                  <a16:creationId xmlns:a16="http://schemas.microsoft.com/office/drawing/2014/main" id="{A4DF01A9-2F0E-8833-24D1-AD9208FC6BC5}"/>
+                </a:ext>
+              </a:extLst>
+            </p:cNvPr>
+            <p:cNvSpPr/>
+            <p:nvPr/>
+          </p:nvSpPr>
+          <p:spPr>
+            <a:xfrm>
+              <a:off x="10185926" y="5608633"/>
+              <a:ext cx="560911" cy="432000"/>
+            </a:xfrm>
+            <a:prstGeom prst="rect">
+              <a:avLst/>
+            </a:prstGeom>
+            <a:noFill/>
+            <a:ln>
+              <a:noFill/>
+            </a:ln>
+          </p:spPr>
+          <p:style>
+            <a:lnRef idx="2">
+              <a:schemeClr val="accent1">
+                <a:shade val="15000"/>
+              </a:schemeClr>
+            </a:lnRef>
+            <a:fillRef idx="1">
+              <a:schemeClr val="accent1"/>
+            </a:fillRef>
+            <a:effectRef idx="0">
+              <a:schemeClr val="accent1"/>
+            </a:effectRef>
+            <a:fontRef idx="minor">
+              <a:schemeClr val="lt1"/>
+            </a:fontRef>
+          </p:style>
+          <p:txBody>
+            <a:bodyPr rtlCol="0" anchor="ctr"/>
+            <a:lstStyle/>
+            <a:p>
+              <a:pPr algn="ctr"/>
+              <a:r>
+                <a:rPr lang="en-US" altLang="ko-KR" dirty="0">
+                  <a:solidFill>
+                    <a:schemeClr val="tx1"/>
+                  </a:solidFill>
+                </a:rPr>
+                <a:t>•••</a:t>
+              </a:r>
+              <a:endParaRPr lang="ko-KR" altLang="en-US" dirty="0">
+                <a:solidFill>
+                  <a:schemeClr val="tx1"/>
+                </a:solidFill>
+              </a:endParaRPr>
+            </a:p>
+          </p:txBody>
+        </p:sp>
+        <p:sp>
+          <p:nvSpPr>
+            <p:cNvPr id="38" name="왼쪽 중괄호 37">
+              <a:extLst>
+                <a:ext uri="{FF2B5EF4-FFF2-40B4-BE49-F238E27FC236}">
+                  <a16:creationId xmlns:a16="http://schemas.microsoft.com/office/drawing/2014/main" id="{92A83A81-2931-2CD3-7469-18400048227C}"/>
+                </a:ext>
+              </a:extLst>
+            </p:cNvPr>
+            <p:cNvSpPr/>
+            <p:nvPr/>
+          </p:nvSpPr>
+          <p:spPr>
+            <a:xfrm rot="16200000">
+              <a:off x="10084062" y="5117695"/>
+              <a:ext cx="332630" cy="2351843"/>
+            </a:xfrm>
+            <a:prstGeom prst="leftBrace">
+              <a:avLst>
+                <a:gd name="adj1" fmla="val 8333"/>
+                <a:gd name="adj2" fmla="val 51510"/>
+              </a:avLst>
+            </a:prstGeom>
+          </p:spPr>
+          <p:style>
+            <a:lnRef idx="1">
+              <a:schemeClr val="accent1"/>
+            </a:lnRef>
+            <a:fillRef idx="0">
+              <a:schemeClr val="accent1"/>
+            </a:fillRef>
+            <a:effectRef idx="0">
+              <a:schemeClr val="accent1"/>
+            </a:effectRef>
+            <a:fontRef idx="minor">
+              <a:schemeClr val="tx1"/>
+            </a:fontRef>
+          </p:style>
+          <p:txBody>
+            <a:bodyPr rtlCol="0" anchor="ctr"/>
+            <a:lstStyle/>
+            <a:p>
+              <a:pPr algn="ctr"/>
+              <a:endParaRPr lang="ko-KR" altLang="en-US"/>
+            </a:p>
+          </p:txBody>
+        </p:sp>
+        <p:sp>
+          <p:nvSpPr>
+            <p:cNvPr id="39" name="직사각형 38">
+              <a:extLst>
+                <a:ext uri="{FF2B5EF4-FFF2-40B4-BE49-F238E27FC236}">
+                  <a16:creationId xmlns:a16="http://schemas.microsoft.com/office/drawing/2014/main" id="{B1E3EFBD-35DF-41EB-81FD-9AC160C7D8F4}"/>
+                </a:ext>
+              </a:extLst>
+            </p:cNvPr>
+            <p:cNvSpPr/>
+            <p:nvPr/>
+          </p:nvSpPr>
+          <p:spPr>
+            <a:xfrm>
+              <a:off x="9220327" y="6473881"/>
+              <a:ext cx="2060100" cy="432000"/>
+            </a:xfrm>
+            <a:prstGeom prst="rect">
+              <a:avLst/>
+            </a:prstGeom>
+            <a:noFill/>
+            <a:ln>
+              <a:noFill/>
+            </a:ln>
+          </p:spPr>
+          <p:style>
+            <a:lnRef idx="2">
+              <a:schemeClr val="accent1">
+                <a:shade val="15000"/>
+              </a:schemeClr>
+            </a:lnRef>
+            <a:fillRef idx="1">
+              <a:schemeClr val="accent1"/>
+            </a:fillRef>
+            <a:effectRef idx="0">
+              <a:schemeClr val="accent1"/>
+            </a:effectRef>
+            <a:fontRef idx="minor">
+              <a:schemeClr val="lt1"/>
+            </a:fontRef>
+          </p:style>
+          <p:txBody>
+            <a:bodyPr rtlCol="0" anchor="ctr"/>
+            <a:lstStyle/>
+            <a:p>
+              <a:pPr algn="ctr"/>
+              <a:r>
+                <a:rPr lang="en-US" altLang="ko-KR" dirty="0">
+                  <a:solidFill>
+                    <a:schemeClr val="tx1"/>
+                  </a:solidFill>
+                </a:rPr>
+                <a:t>1x2048 </a:t>
+              </a:r>
+              <a:r>
+                <a:rPr lang="ko-KR" altLang="en-US" dirty="0">
+                  <a:solidFill>
+                    <a:schemeClr val="tx1"/>
+                  </a:solidFill>
+                </a:rPr>
+                <a:t>특성</a:t>
+              </a:r>
+              <a:r>
+                <a:rPr lang="en-US" altLang="ko-KR" dirty="0">
+                  <a:solidFill>
+                    <a:schemeClr val="tx1"/>
+                  </a:solidFill>
+                </a:rPr>
+                <a:t> </a:t>
+              </a:r>
+              <a:r>
+                <a:rPr lang="ko-KR" altLang="en-US" dirty="0">
+                  <a:solidFill>
+                    <a:schemeClr val="tx1"/>
+                  </a:solidFill>
+                </a:rPr>
+                <a:t>행렬</a:t>
+              </a:r>
+            </a:p>
+          </p:txBody>
+        </p:sp>
+      </p:grpSp>
     </p:spTree>
     <p:extLst>
       <p:ext uri="{BB962C8B-B14F-4D97-AF65-F5344CB8AC3E}">
         <p14:creationId xmlns:p14="http://schemas.microsoft.com/office/powerpoint/2010/main" val="3720125307"/>
+      </p:ext>
+    </p:extLst>
+  </p:cSld>
+  <p:clrMapOvr>
+    <a:masterClrMapping/>
+  </p:clrMapOvr>
+</p:sld>
+</file>
+
+<file path=ppt/slides/slide4.xml><?xml version="1.0" encoding="utf-8"?>
+<p:sld xmlns:a="http://schemas.openxmlformats.org/drawingml/2006/main" xmlns:r="http://schemas.openxmlformats.org/officeDocument/2006/relationships" xmlns:p="http://schemas.openxmlformats.org/presentationml/2006/main">
+  <p:cSld>
+    <p:spTree>
+      <p:nvGrpSpPr>
+        <p:cNvPr id="1" name=""/>
+        <p:cNvGrpSpPr/>
+        <p:nvPr/>
+      </p:nvGrpSpPr>
+      <p:grpSpPr>
+        <a:xfrm>
+          <a:off x="0" y="0"/>
+          <a:ext cx="0" cy="0"/>
+          <a:chOff x="0" y="0"/>
+          <a:chExt cx="0" cy="0"/>
+        </a:xfrm>
+      </p:grpSpPr>
+      <p:sp>
+        <p:nvSpPr>
+          <p:cNvPr id="2" name="제목 1">
+            <a:extLst>
+              <a:ext uri="{FF2B5EF4-FFF2-40B4-BE49-F238E27FC236}">
+                <a16:creationId xmlns:a16="http://schemas.microsoft.com/office/drawing/2014/main" id="{026688CA-A487-545D-75BE-5B5ECD0D2221}"/>
+              </a:ext>
+            </a:extLst>
+          </p:cNvPr>
+          <p:cNvSpPr>
+            <a:spLocks noGrp="1"/>
+          </p:cNvSpPr>
+          <p:nvPr>
+            <p:ph type="title"/>
+          </p:nvPr>
+        </p:nvSpPr>
+        <p:spPr/>
+        <p:txBody>
+          <a:bodyPr/>
+          <a:lstStyle/>
+          <a:p>
+            <a:r>
+              <a:rPr lang="en-US" altLang="ko-KR" dirty="0"/>
+              <a:t>Modeling</a:t>
+            </a:r>
+            <a:endParaRPr lang="ko-KR" altLang="en-US" dirty="0"/>
+          </a:p>
+        </p:txBody>
+      </p:sp>
+      <p:sp>
+        <p:nvSpPr>
+          <p:cNvPr id="3" name="내용 개체 틀 2">
+            <a:extLst>
+              <a:ext uri="{FF2B5EF4-FFF2-40B4-BE49-F238E27FC236}">
+                <a16:creationId xmlns:a16="http://schemas.microsoft.com/office/drawing/2014/main" id="{92E92E5C-E684-B989-EDE0-B60E075224A2}"/>
+              </a:ext>
+            </a:extLst>
+          </p:cNvPr>
+          <p:cNvSpPr>
+            <a:spLocks noGrp="1"/>
+          </p:cNvSpPr>
+          <p:nvPr>
+            <p:ph idx="1"/>
+          </p:nvPr>
+        </p:nvSpPr>
+        <p:spPr>
+          <a:xfrm>
+            <a:off x="788477" y="1489084"/>
+            <a:ext cx="10515600" cy="1265242"/>
+          </a:xfrm>
+        </p:spPr>
+        <p:txBody>
+          <a:bodyPr/>
+          <a:lstStyle/>
+          <a:p>
+            <a:r>
+              <a:rPr lang="ko-KR" altLang="en-US" dirty="0"/>
+              <a:t>모델 목표 기능 </a:t>
+            </a:r>
+            <a:r>
+              <a:rPr lang="en-US" altLang="ko-KR" dirty="0"/>
+              <a:t>: </a:t>
+            </a:r>
+            <a:r>
+              <a:rPr lang="ko-KR" altLang="en-US" dirty="0"/>
+              <a:t>이전 단계의 </a:t>
+            </a:r>
+            <a:r>
+              <a:rPr lang="en-US" altLang="ko-KR" dirty="0"/>
+              <a:t>Clothes Detection </a:t>
+            </a:r>
+            <a:r>
+              <a:rPr lang="ko-KR" altLang="en-US" dirty="0"/>
+              <a:t>모델이 전달한 의류 영역 이미지를 입력으로 받아 해당 이미지의 종류를 판별하고 특성 값을 추출</a:t>
+            </a:r>
+          </a:p>
+        </p:txBody>
+      </p:sp>
+      <p:sp>
+        <p:nvSpPr>
+          <p:cNvPr id="10" name="화살표: 오각형 9">
+            <a:extLst>
+              <a:ext uri="{FF2B5EF4-FFF2-40B4-BE49-F238E27FC236}">
+                <a16:creationId xmlns:a16="http://schemas.microsoft.com/office/drawing/2014/main" id="{EA5D03D5-1BC2-9C9E-617E-1584877FE499}"/>
+              </a:ext>
+            </a:extLst>
+          </p:cNvPr>
+          <p:cNvSpPr/>
+          <p:nvPr/>
+        </p:nvSpPr>
+        <p:spPr>
+          <a:xfrm>
+            <a:off x="2464385" y="3756176"/>
+            <a:ext cx="1080000" cy="360000"/>
+          </a:xfrm>
+          <a:prstGeom prst="homePlate">
+            <a:avLst/>
+          </a:prstGeom>
+          <a:solidFill>
+            <a:schemeClr val="bg2">
+              <a:lumMod val="75000"/>
+            </a:schemeClr>
+          </a:solidFill>
+        </p:spPr>
+        <p:style>
+          <a:lnRef idx="2">
+            <a:schemeClr val="accent1">
+              <a:shade val="15000"/>
+            </a:schemeClr>
+          </a:lnRef>
+          <a:fillRef idx="1">
+            <a:schemeClr val="accent1"/>
+          </a:fillRef>
+          <a:effectRef idx="0">
+            <a:schemeClr val="accent1"/>
+          </a:effectRef>
+          <a:fontRef idx="minor">
+            <a:schemeClr val="lt1"/>
+          </a:fontRef>
+        </p:style>
+        <p:txBody>
+          <a:bodyPr rtlCol="0" anchor="ctr"/>
+          <a:lstStyle/>
+          <a:p>
+            <a:pPr algn="ctr"/>
+            <a:r>
+              <a:rPr lang="en-US" altLang="ko-KR" dirty="0">
+                <a:solidFill>
+                  <a:schemeClr val="tx1"/>
+                </a:solidFill>
+              </a:rPr>
+              <a:t>Input</a:t>
+            </a:r>
+            <a:endParaRPr lang="ko-KR" altLang="en-US" dirty="0">
+              <a:solidFill>
+                <a:schemeClr val="tx1"/>
+              </a:solidFill>
+            </a:endParaRPr>
+          </a:p>
+        </p:txBody>
+      </p:sp>
+      <p:sp>
+        <p:nvSpPr>
+          <p:cNvPr id="12" name="화살표: 오각형 11">
+            <a:extLst>
+              <a:ext uri="{FF2B5EF4-FFF2-40B4-BE49-F238E27FC236}">
+                <a16:creationId xmlns:a16="http://schemas.microsoft.com/office/drawing/2014/main" id="{B816D342-DC2F-92FE-AD46-C25E7AFF0E75}"/>
+              </a:ext>
+            </a:extLst>
+          </p:cNvPr>
+          <p:cNvSpPr/>
+          <p:nvPr/>
+        </p:nvSpPr>
+        <p:spPr>
+          <a:xfrm>
+            <a:off x="7983668" y="3619988"/>
+            <a:ext cx="1080000" cy="360000"/>
+          </a:xfrm>
+          <a:prstGeom prst="homePlate">
+            <a:avLst/>
+          </a:prstGeom>
+          <a:solidFill>
+            <a:schemeClr val="bg2">
+              <a:lumMod val="75000"/>
+            </a:schemeClr>
+          </a:solidFill>
+        </p:spPr>
+        <p:style>
+          <a:lnRef idx="2">
+            <a:schemeClr val="accent1">
+              <a:shade val="15000"/>
+            </a:schemeClr>
+          </a:lnRef>
+          <a:fillRef idx="1">
+            <a:schemeClr val="accent1"/>
+          </a:fillRef>
+          <a:effectRef idx="0">
+            <a:schemeClr val="accent1"/>
+          </a:effectRef>
+          <a:fontRef idx="minor">
+            <a:schemeClr val="lt1"/>
+          </a:fontRef>
+        </p:style>
+        <p:txBody>
+          <a:bodyPr rtlCol="0" anchor="ctr"/>
+          <a:lstStyle/>
+          <a:p>
+            <a:pPr algn="ctr"/>
+            <a:r>
+              <a:rPr lang="en-US" altLang="ko-KR" dirty="0">
+                <a:solidFill>
+                  <a:schemeClr val="tx1"/>
+                </a:solidFill>
+              </a:rPr>
+              <a:t>Output</a:t>
+            </a:r>
+            <a:endParaRPr lang="ko-KR" altLang="en-US" dirty="0">
+              <a:solidFill>
+                <a:schemeClr val="tx1"/>
+              </a:solidFill>
+            </a:endParaRPr>
+          </a:p>
+        </p:txBody>
+      </p:sp>
+      <p:pic>
+        <p:nvPicPr>
+          <p:cNvPr id="5" name="그림 4">
+            <a:extLst>
+              <a:ext uri="{FF2B5EF4-FFF2-40B4-BE49-F238E27FC236}">
+                <a16:creationId xmlns:a16="http://schemas.microsoft.com/office/drawing/2014/main" id="{40F9DD62-E4A8-B952-4101-520BF750FF56}"/>
+              </a:ext>
+            </a:extLst>
+          </p:cNvPr>
+          <p:cNvPicPr>
+            <a:picLocks noChangeAspect="1"/>
+          </p:cNvPicPr>
+          <p:nvPr/>
+        </p:nvPicPr>
+        <p:blipFill>
+          <a:blip r:embed="rId2">
+            <a:extLst>
+              <a:ext uri="{28A0092B-C50C-407E-A947-70E740481C1C}">
+                <a14:useLocalDpi xmlns:a14="http://schemas.microsoft.com/office/drawing/2010/main" val="0"/>
+              </a:ext>
+            </a:extLst>
+          </a:blip>
+          <a:stretch>
+            <a:fillRect/>
+          </a:stretch>
+        </p:blipFill>
+        <p:spPr>
+          <a:xfrm>
+            <a:off x="887923" y="3085722"/>
+            <a:ext cx="1318605" cy="1800000"/>
+          </a:xfrm>
+          <a:prstGeom prst="rect">
+            <a:avLst/>
+          </a:prstGeom>
+        </p:spPr>
+      </p:pic>
+      <p:sp>
+        <p:nvSpPr>
+          <p:cNvPr id="4" name="직사각형 3">
+            <a:extLst>
+              <a:ext uri="{FF2B5EF4-FFF2-40B4-BE49-F238E27FC236}">
+                <a16:creationId xmlns:a16="http://schemas.microsoft.com/office/drawing/2014/main" id="{59B95BF6-20ED-B0F4-5155-E1CC278E97C0}"/>
+              </a:ext>
+            </a:extLst>
+          </p:cNvPr>
+          <p:cNvSpPr/>
+          <p:nvPr/>
+        </p:nvSpPr>
+        <p:spPr>
+          <a:xfrm>
+            <a:off x="9321525" y="3633508"/>
+            <a:ext cx="892518" cy="360000"/>
+          </a:xfrm>
+          <a:prstGeom prst="rect">
+            <a:avLst/>
+          </a:prstGeom>
+          <a:solidFill>
+            <a:schemeClr val="accent4">
+              <a:lumMod val="40000"/>
+              <a:lumOff val="60000"/>
+            </a:schemeClr>
+          </a:solidFill>
+          <a:ln>
+            <a:solidFill>
+              <a:schemeClr val="accent1">
+                <a:shade val="15000"/>
+              </a:schemeClr>
+            </a:solidFill>
+          </a:ln>
+        </p:spPr>
+        <p:style>
+          <a:lnRef idx="2">
+            <a:schemeClr val="accent1">
+              <a:shade val="15000"/>
+            </a:schemeClr>
+          </a:lnRef>
+          <a:fillRef idx="1">
+            <a:schemeClr val="accent1"/>
+          </a:fillRef>
+          <a:effectRef idx="0">
+            <a:schemeClr val="accent1"/>
+          </a:effectRef>
+          <a:fontRef idx="minor">
+            <a:schemeClr val="lt1"/>
+          </a:fontRef>
+        </p:style>
+        <p:txBody>
+          <a:bodyPr rtlCol="0" anchor="ctr"/>
+          <a:lstStyle/>
+          <a:p>
+            <a:pPr algn="ctr"/>
+            <a:r>
+              <a:rPr lang="ko-KR" altLang="en-US" dirty="0" err="1">
+                <a:solidFill>
+                  <a:schemeClr val="tx1"/>
+                </a:solidFill>
+              </a:rPr>
+              <a:t>긴소매</a:t>
+            </a:r>
+            <a:endParaRPr lang="ko-KR" altLang="en-US" dirty="0">
+              <a:solidFill>
+                <a:schemeClr val="tx1"/>
+              </a:solidFill>
+            </a:endParaRPr>
+          </a:p>
+        </p:txBody>
+      </p:sp>
+      <p:grpSp>
+        <p:nvGrpSpPr>
+          <p:cNvPr id="41" name="그룹 40">
+            <a:extLst>
+              <a:ext uri="{FF2B5EF4-FFF2-40B4-BE49-F238E27FC236}">
+                <a16:creationId xmlns:a16="http://schemas.microsoft.com/office/drawing/2014/main" id="{75440158-9FB3-7D54-F108-E63CDE895A45}"/>
+              </a:ext>
+            </a:extLst>
+          </p:cNvPr>
+          <p:cNvGrpSpPr/>
+          <p:nvPr/>
+        </p:nvGrpSpPr>
+        <p:grpSpPr>
+          <a:xfrm>
+            <a:off x="8583165" y="4934240"/>
+            <a:ext cx="2720912" cy="1297248"/>
+            <a:chOff x="8817428" y="3369978"/>
+            <a:chExt cx="2720912" cy="1297248"/>
+          </a:xfrm>
+        </p:grpSpPr>
+        <p:sp>
+          <p:nvSpPr>
+            <p:cNvPr id="11" name="직사각형 10">
+              <a:extLst>
+                <a:ext uri="{FF2B5EF4-FFF2-40B4-BE49-F238E27FC236}">
+                  <a16:creationId xmlns:a16="http://schemas.microsoft.com/office/drawing/2014/main" id="{47B5DB19-9330-346F-F62D-68ADE25279BF}"/>
+                </a:ext>
+              </a:extLst>
+            </p:cNvPr>
+            <p:cNvSpPr/>
+            <p:nvPr/>
+          </p:nvSpPr>
+          <p:spPr>
+            <a:xfrm>
+              <a:off x="8817428" y="3369978"/>
+              <a:ext cx="432000" cy="432000"/>
+            </a:xfrm>
+            <a:prstGeom prst="rect">
+              <a:avLst/>
+            </a:prstGeom>
+            <a:solidFill>
+              <a:schemeClr val="accent4">
+                <a:lumMod val="60000"/>
+                <a:lumOff val="40000"/>
+              </a:schemeClr>
+            </a:solidFill>
+          </p:spPr>
+          <p:style>
+            <a:lnRef idx="2">
+              <a:schemeClr val="accent1">
+                <a:shade val="15000"/>
+              </a:schemeClr>
+            </a:lnRef>
+            <a:fillRef idx="1">
+              <a:schemeClr val="accent1"/>
+            </a:fillRef>
+            <a:effectRef idx="0">
+              <a:schemeClr val="accent1"/>
+            </a:effectRef>
+            <a:fontRef idx="minor">
+              <a:schemeClr val="lt1"/>
+            </a:fontRef>
+          </p:style>
+          <p:txBody>
+            <a:bodyPr rtlCol="0" anchor="ctr"/>
+            <a:lstStyle/>
+            <a:p>
+              <a:pPr algn="ctr"/>
+              <a:endParaRPr lang="ko-KR" altLang="en-US"/>
+            </a:p>
+          </p:txBody>
+        </p:sp>
+        <p:sp>
+          <p:nvSpPr>
+            <p:cNvPr id="15" name="직사각형 14">
+              <a:extLst>
+                <a:ext uri="{FF2B5EF4-FFF2-40B4-BE49-F238E27FC236}">
+                  <a16:creationId xmlns:a16="http://schemas.microsoft.com/office/drawing/2014/main" id="{6A7730C9-4178-26E3-7379-3334DB6CEE70}"/>
+                </a:ext>
+              </a:extLst>
+            </p:cNvPr>
+            <p:cNvSpPr/>
+            <p:nvPr/>
+          </p:nvSpPr>
+          <p:spPr>
+            <a:xfrm>
+              <a:off x="9249428" y="3369978"/>
+              <a:ext cx="432000" cy="432000"/>
+            </a:xfrm>
+            <a:prstGeom prst="rect">
+              <a:avLst/>
+            </a:prstGeom>
+            <a:solidFill>
+              <a:schemeClr val="accent4">
+                <a:lumMod val="60000"/>
+                <a:lumOff val="40000"/>
+              </a:schemeClr>
+            </a:solidFill>
+          </p:spPr>
+          <p:style>
+            <a:lnRef idx="2">
+              <a:schemeClr val="accent1">
+                <a:shade val="15000"/>
+              </a:schemeClr>
+            </a:lnRef>
+            <a:fillRef idx="1">
+              <a:schemeClr val="accent1"/>
+            </a:fillRef>
+            <a:effectRef idx="0">
+              <a:schemeClr val="accent1"/>
+            </a:effectRef>
+            <a:fontRef idx="minor">
+              <a:schemeClr val="lt1"/>
+            </a:fontRef>
+          </p:style>
+          <p:txBody>
+            <a:bodyPr rtlCol="0" anchor="ctr"/>
+            <a:lstStyle/>
+            <a:p>
+              <a:pPr algn="ctr"/>
+              <a:endParaRPr lang="ko-KR" altLang="en-US" dirty="0"/>
+            </a:p>
+          </p:txBody>
+        </p:sp>
+        <p:sp>
+          <p:nvSpPr>
+            <p:cNvPr id="16" name="직사각형 15">
+              <a:extLst>
+                <a:ext uri="{FF2B5EF4-FFF2-40B4-BE49-F238E27FC236}">
+                  <a16:creationId xmlns:a16="http://schemas.microsoft.com/office/drawing/2014/main" id="{29A36FAE-B614-1116-7586-2749FA68752B}"/>
+                </a:ext>
+              </a:extLst>
+            </p:cNvPr>
+            <p:cNvSpPr/>
+            <p:nvPr/>
+          </p:nvSpPr>
+          <p:spPr>
+            <a:xfrm>
+              <a:off x="9681428" y="3369978"/>
+              <a:ext cx="432000" cy="432000"/>
+            </a:xfrm>
+            <a:prstGeom prst="rect">
+              <a:avLst/>
+            </a:prstGeom>
+            <a:solidFill>
+              <a:schemeClr val="accent4">
+                <a:lumMod val="60000"/>
+                <a:lumOff val="40000"/>
+              </a:schemeClr>
+            </a:solidFill>
+          </p:spPr>
+          <p:style>
+            <a:lnRef idx="2">
+              <a:schemeClr val="accent1">
+                <a:shade val="15000"/>
+              </a:schemeClr>
+            </a:lnRef>
+            <a:fillRef idx="1">
+              <a:schemeClr val="accent1"/>
+            </a:fillRef>
+            <a:effectRef idx="0">
+              <a:schemeClr val="accent1"/>
+            </a:effectRef>
+            <a:fontRef idx="minor">
+              <a:schemeClr val="lt1"/>
+            </a:fontRef>
+          </p:style>
+          <p:txBody>
+            <a:bodyPr rtlCol="0" anchor="ctr"/>
+            <a:lstStyle/>
+            <a:p>
+              <a:pPr algn="ctr"/>
+              <a:endParaRPr lang="ko-KR" altLang="en-US"/>
+            </a:p>
+          </p:txBody>
+        </p:sp>
+        <p:sp>
+          <p:nvSpPr>
+            <p:cNvPr id="17" name="직사각형 16">
+              <a:extLst>
+                <a:ext uri="{FF2B5EF4-FFF2-40B4-BE49-F238E27FC236}">
+                  <a16:creationId xmlns:a16="http://schemas.microsoft.com/office/drawing/2014/main" id="{57DB92F6-FBAD-AB4A-B124-534DE4E97BA3}"/>
+                </a:ext>
+              </a:extLst>
+            </p:cNvPr>
+            <p:cNvSpPr/>
+            <p:nvPr/>
+          </p:nvSpPr>
+          <p:spPr>
+            <a:xfrm>
+              <a:off x="10674340" y="3369978"/>
+              <a:ext cx="432000" cy="432000"/>
+            </a:xfrm>
+            <a:prstGeom prst="rect">
+              <a:avLst/>
+            </a:prstGeom>
+            <a:solidFill>
+              <a:schemeClr val="accent4">
+                <a:lumMod val="60000"/>
+                <a:lumOff val="40000"/>
+              </a:schemeClr>
+            </a:solidFill>
+          </p:spPr>
+          <p:style>
+            <a:lnRef idx="2">
+              <a:schemeClr val="accent1">
+                <a:shade val="15000"/>
+              </a:schemeClr>
+            </a:lnRef>
+            <a:fillRef idx="1">
+              <a:schemeClr val="accent1"/>
+            </a:fillRef>
+            <a:effectRef idx="0">
+              <a:schemeClr val="accent1"/>
+            </a:effectRef>
+            <a:fontRef idx="minor">
+              <a:schemeClr val="lt1"/>
+            </a:fontRef>
+          </p:style>
+          <p:txBody>
+            <a:bodyPr rtlCol="0" anchor="ctr"/>
+            <a:lstStyle/>
+            <a:p>
+              <a:pPr algn="ctr"/>
+              <a:endParaRPr lang="ko-KR" altLang="en-US"/>
+            </a:p>
+          </p:txBody>
+        </p:sp>
+        <p:sp>
+          <p:nvSpPr>
+            <p:cNvPr id="18" name="직사각형 17">
+              <a:extLst>
+                <a:ext uri="{FF2B5EF4-FFF2-40B4-BE49-F238E27FC236}">
+                  <a16:creationId xmlns:a16="http://schemas.microsoft.com/office/drawing/2014/main" id="{AC6FC1F0-7010-FC00-AA88-7980D237FE22}"/>
+                </a:ext>
+              </a:extLst>
+            </p:cNvPr>
+            <p:cNvSpPr/>
+            <p:nvPr/>
+          </p:nvSpPr>
+          <p:spPr>
+            <a:xfrm>
+              <a:off x="11106340" y="3370630"/>
+              <a:ext cx="432000" cy="432000"/>
+            </a:xfrm>
+            <a:prstGeom prst="rect">
+              <a:avLst/>
+            </a:prstGeom>
+            <a:solidFill>
+              <a:schemeClr val="accent4">
+                <a:lumMod val="60000"/>
+                <a:lumOff val="40000"/>
+              </a:schemeClr>
+            </a:solidFill>
+          </p:spPr>
+          <p:style>
+            <a:lnRef idx="2">
+              <a:schemeClr val="accent1">
+                <a:shade val="15000"/>
+              </a:schemeClr>
+            </a:lnRef>
+            <a:fillRef idx="1">
+              <a:schemeClr val="accent1"/>
+            </a:fillRef>
+            <a:effectRef idx="0">
+              <a:schemeClr val="accent1"/>
+            </a:effectRef>
+            <a:fontRef idx="minor">
+              <a:schemeClr val="lt1"/>
+            </a:fontRef>
+          </p:style>
+          <p:txBody>
+            <a:bodyPr rtlCol="0" anchor="ctr"/>
+            <a:lstStyle/>
+            <a:p>
+              <a:pPr algn="ctr"/>
+              <a:endParaRPr lang="ko-KR" altLang="en-US"/>
+            </a:p>
+          </p:txBody>
+        </p:sp>
+        <p:sp>
+          <p:nvSpPr>
+            <p:cNvPr id="20" name="직사각형 19">
+              <a:extLst>
+                <a:ext uri="{FF2B5EF4-FFF2-40B4-BE49-F238E27FC236}">
+                  <a16:creationId xmlns:a16="http://schemas.microsoft.com/office/drawing/2014/main" id="{92529A81-2947-7AF9-C28D-BE41D8166939}"/>
+                </a:ext>
+              </a:extLst>
+            </p:cNvPr>
+            <p:cNvSpPr/>
+            <p:nvPr/>
+          </p:nvSpPr>
+          <p:spPr>
+            <a:xfrm>
+              <a:off x="10113428" y="3369978"/>
+              <a:ext cx="560911" cy="432000"/>
+            </a:xfrm>
+            <a:prstGeom prst="rect">
+              <a:avLst/>
+            </a:prstGeom>
+            <a:noFill/>
+            <a:ln>
+              <a:noFill/>
+            </a:ln>
+          </p:spPr>
+          <p:style>
+            <a:lnRef idx="2">
+              <a:schemeClr val="accent1">
+                <a:shade val="15000"/>
+              </a:schemeClr>
+            </a:lnRef>
+            <a:fillRef idx="1">
+              <a:schemeClr val="accent1"/>
+            </a:fillRef>
+            <a:effectRef idx="0">
+              <a:schemeClr val="accent1"/>
+            </a:effectRef>
+            <a:fontRef idx="minor">
+              <a:schemeClr val="lt1"/>
+            </a:fontRef>
+          </p:style>
+          <p:txBody>
+            <a:bodyPr rtlCol="0" anchor="ctr"/>
+            <a:lstStyle/>
+            <a:p>
+              <a:pPr algn="ctr"/>
+              <a:r>
+                <a:rPr lang="en-US" altLang="ko-KR" dirty="0">
+                  <a:solidFill>
+                    <a:schemeClr val="tx1"/>
+                  </a:solidFill>
+                </a:rPr>
+                <a:t>•••</a:t>
+              </a:r>
+              <a:endParaRPr lang="ko-KR" altLang="en-US" dirty="0">
+                <a:solidFill>
+                  <a:schemeClr val="tx1"/>
+                </a:solidFill>
+              </a:endParaRPr>
+            </a:p>
+          </p:txBody>
+        </p:sp>
+        <p:sp>
+          <p:nvSpPr>
+            <p:cNvPr id="22" name="왼쪽 중괄호 21">
+              <a:extLst>
+                <a:ext uri="{FF2B5EF4-FFF2-40B4-BE49-F238E27FC236}">
+                  <a16:creationId xmlns:a16="http://schemas.microsoft.com/office/drawing/2014/main" id="{D18BD097-DFEE-A3B2-A633-6634D492D2E4}"/>
+                </a:ext>
+              </a:extLst>
+            </p:cNvPr>
+            <p:cNvSpPr/>
+            <p:nvPr/>
+          </p:nvSpPr>
+          <p:spPr>
+            <a:xfrm rot="16200000">
+              <a:off x="10011564" y="2879040"/>
+              <a:ext cx="332630" cy="2351843"/>
+            </a:xfrm>
+            <a:prstGeom prst="leftBrace">
+              <a:avLst>
+                <a:gd name="adj1" fmla="val 8333"/>
+                <a:gd name="adj2" fmla="val 51510"/>
+              </a:avLst>
+            </a:prstGeom>
+          </p:spPr>
+          <p:style>
+            <a:lnRef idx="1">
+              <a:schemeClr val="accent1"/>
+            </a:lnRef>
+            <a:fillRef idx="0">
+              <a:schemeClr val="accent1"/>
+            </a:fillRef>
+            <a:effectRef idx="0">
+              <a:schemeClr val="accent1"/>
+            </a:effectRef>
+            <a:fontRef idx="minor">
+              <a:schemeClr val="tx1"/>
+            </a:fontRef>
+          </p:style>
+          <p:txBody>
+            <a:bodyPr rtlCol="0" anchor="ctr"/>
+            <a:lstStyle/>
+            <a:p>
+              <a:pPr algn="ctr"/>
+              <a:endParaRPr lang="ko-KR" altLang="en-US"/>
+            </a:p>
+          </p:txBody>
+        </p:sp>
+        <p:sp>
+          <p:nvSpPr>
+            <p:cNvPr id="23" name="직사각형 22">
+              <a:extLst>
+                <a:ext uri="{FF2B5EF4-FFF2-40B4-BE49-F238E27FC236}">
+                  <a16:creationId xmlns:a16="http://schemas.microsoft.com/office/drawing/2014/main" id="{230D21A3-56B5-5E0B-1EC8-3ED86B186D57}"/>
+                </a:ext>
+              </a:extLst>
+            </p:cNvPr>
+            <p:cNvSpPr/>
+            <p:nvPr/>
+          </p:nvSpPr>
+          <p:spPr>
+            <a:xfrm>
+              <a:off x="9147829" y="4235226"/>
+              <a:ext cx="2060100" cy="432000"/>
+            </a:xfrm>
+            <a:prstGeom prst="rect">
+              <a:avLst/>
+            </a:prstGeom>
+            <a:noFill/>
+            <a:ln>
+              <a:noFill/>
+            </a:ln>
+          </p:spPr>
+          <p:style>
+            <a:lnRef idx="2">
+              <a:schemeClr val="accent1">
+                <a:shade val="15000"/>
+              </a:schemeClr>
+            </a:lnRef>
+            <a:fillRef idx="1">
+              <a:schemeClr val="accent1"/>
+            </a:fillRef>
+            <a:effectRef idx="0">
+              <a:schemeClr val="accent1"/>
+            </a:effectRef>
+            <a:fontRef idx="minor">
+              <a:schemeClr val="lt1"/>
+            </a:fontRef>
+          </p:style>
+          <p:txBody>
+            <a:bodyPr rtlCol="0" anchor="ctr"/>
+            <a:lstStyle/>
+            <a:p>
+              <a:pPr algn="ctr"/>
+              <a:r>
+                <a:rPr lang="en-US" altLang="ko-KR" dirty="0">
+                  <a:solidFill>
+                    <a:schemeClr val="tx1"/>
+                  </a:solidFill>
+                </a:rPr>
+                <a:t>1x2048 </a:t>
+              </a:r>
+              <a:r>
+                <a:rPr lang="ko-KR" altLang="en-US" dirty="0">
+                  <a:solidFill>
+                    <a:schemeClr val="tx1"/>
+                  </a:solidFill>
+                </a:rPr>
+                <a:t>특성</a:t>
+              </a:r>
+              <a:r>
+                <a:rPr lang="en-US" altLang="ko-KR" dirty="0">
+                  <a:solidFill>
+                    <a:schemeClr val="tx1"/>
+                  </a:solidFill>
+                </a:rPr>
+                <a:t> </a:t>
+              </a:r>
+              <a:r>
+                <a:rPr lang="ko-KR" altLang="en-US" dirty="0">
+                  <a:solidFill>
+                    <a:schemeClr val="tx1"/>
+                  </a:solidFill>
+                </a:rPr>
+                <a:t>행렬</a:t>
+              </a:r>
+            </a:p>
+          </p:txBody>
+        </p:sp>
+      </p:grpSp>
+      <p:grpSp>
+        <p:nvGrpSpPr>
+          <p:cNvPr id="25" name="그룹 24">
+            <a:extLst>
+              <a:ext uri="{FF2B5EF4-FFF2-40B4-BE49-F238E27FC236}">
+                <a16:creationId xmlns:a16="http://schemas.microsoft.com/office/drawing/2014/main" id="{DC098ADF-4554-3110-FEC6-3ECA6AF11FAA}"/>
+              </a:ext>
+            </a:extLst>
+          </p:cNvPr>
+          <p:cNvGrpSpPr/>
+          <p:nvPr/>
+        </p:nvGrpSpPr>
+        <p:grpSpPr>
+          <a:xfrm>
+            <a:off x="3802242" y="3258082"/>
+            <a:ext cx="3923569" cy="1276457"/>
+            <a:chOff x="3577668" y="3258082"/>
+            <a:chExt cx="3923569" cy="1276457"/>
+          </a:xfrm>
+        </p:grpSpPr>
+        <p:sp>
+          <p:nvSpPr>
+            <p:cNvPr id="9" name="사각형: 둥근 모서리 8">
+              <a:extLst>
+                <a:ext uri="{FF2B5EF4-FFF2-40B4-BE49-F238E27FC236}">
+                  <a16:creationId xmlns:a16="http://schemas.microsoft.com/office/drawing/2014/main" id="{EC377521-3D8C-F260-BE98-39122E63F69A}"/>
+                </a:ext>
+              </a:extLst>
+            </p:cNvPr>
+            <p:cNvSpPr/>
+            <p:nvPr/>
+          </p:nvSpPr>
+          <p:spPr>
+            <a:xfrm>
+              <a:off x="3577668" y="3269297"/>
+              <a:ext cx="2427197" cy="1265242"/>
+            </a:xfrm>
+            <a:prstGeom prst="roundRect">
+              <a:avLst/>
+            </a:prstGeom>
+            <a:solidFill>
+              <a:schemeClr val="bg2">
+                <a:lumMod val="75000"/>
+              </a:schemeClr>
+            </a:solidFill>
+          </p:spPr>
+          <p:style>
+            <a:lnRef idx="2">
+              <a:schemeClr val="accent1">
+                <a:shade val="15000"/>
+              </a:schemeClr>
+            </a:lnRef>
+            <a:fillRef idx="1">
+              <a:schemeClr val="accent1"/>
+            </a:fillRef>
+            <a:effectRef idx="0">
+              <a:schemeClr val="accent1"/>
+            </a:effectRef>
+            <a:fontRef idx="minor">
+              <a:schemeClr val="lt1"/>
+            </a:fontRef>
+          </p:style>
+          <p:txBody>
+            <a:bodyPr rtlCol="0" anchor="ctr"/>
+            <a:lstStyle/>
+            <a:p>
+              <a:pPr algn="ctr"/>
+              <a:r>
+                <a:rPr lang="en-US" altLang="ko-KR" dirty="0">
+                  <a:solidFill>
+                    <a:schemeClr val="tx1"/>
+                  </a:solidFill>
+                </a:rPr>
+                <a:t>Feature Extractor</a:t>
+              </a:r>
+              <a:endParaRPr lang="ko-KR" altLang="en-US" dirty="0">
+                <a:solidFill>
+                  <a:schemeClr val="tx1"/>
+                </a:solidFill>
+              </a:endParaRPr>
+            </a:p>
+          </p:txBody>
+        </p:sp>
+        <p:sp>
+          <p:nvSpPr>
+            <p:cNvPr id="21" name="사각형: 둥근 모서리 20">
+              <a:extLst>
+                <a:ext uri="{FF2B5EF4-FFF2-40B4-BE49-F238E27FC236}">
+                  <a16:creationId xmlns:a16="http://schemas.microsoft.com/office/drawing/2014/main" id="{07020DCF-ED42-CE16-B804-9731475E77F7}"/>
+                </a:ext>
+              </a:extLst>
+            </p:cNvPr>
+            <p:cNvSpPr/>
+            <p:nvPr/>
+          </p:nvSpPr>
+          <p:spPr>
+            <a:xfrm>
+              <a:off x="6014899" y="3258082"/>
+              <a:ext cx="1486338" cy="1265242"/>
+            </a:xfrm>
+            <a:prstGeom prst="roundRect">
+              <a:avLst/>
+            </a:prstGeom>
+            <a:solidFill>
+              <a:schemeClr val="bg2">
+                <a:lumMod val="75000"/>
+              </a:schemeClr>
+            </a:solidFill>
+          </p:spPr>
+          <p:style>
+            <a:lnRef idx="2">
+              <a:schemeClr val="accent1">
+                <a:shade val="15000"/>
+              </a:schemeClr>
+            </a:lnRef>
+            <a:fillRef idx="1">
+              <a:schemeClr val="accent1"/>
+            </a:fillRef>
+            <a:effectRef idx="0">
+              <a:schemeClr val="accent1"/>
+            </a:effectRef>
+            <a:fontRef idx="minor">
+              <a:schemeClr val="lt1"/>
+            </a:fontRef>
+          </p:style>
+          <p:txBody>
+            <a:bodyPr rtlCol="0" anchor="ctr"/>
+            <a:lstStyle/>
+            <a:p>
+              <a:pPr algn="ctr"/>
+              <a:r>
+                <a:rPr lang="en-US" altLang="ko-KR" dirty="0">
+                  <a:solidFill>
+                    <a:schemeClr val="tx1"/>
+                  </a:solidFill>
+                </a:rPr>
+                <a:t>Fully Connected Layer</a:t>
+              </a:r>
+              <a:endParaRPr lang="ko-KR" altLang="en-US" dirty="0">
+                <a:solidFill>
+                  <a:schemeClr val="tx1"/>
+                </a:solidFill>
+              </a:endParaRPr>
+            </a:p>
+          </p:txBody>
+        </p:sp>
+      </p:grpSp>
+      <p:sp>
+        <p:nvSpPr>
+          <p:cNvPr id="24" name="화살표: 위로 굽음 23">
+            <a:extLst>
+              <a:ext uri="{FF2B5EF4-FFF2-40B4-BE49-F238E27FC236}">
+                <a16:creationId xmlns:a16="http://schemas.microsoft.com/office/drawing/2014/main" id="{4BA873B1-CE47-FBA1-ABE1-C3A9A6879C56}"/>
+              </a:ext>
+            </a:extLst>
+          </p:cNvPr>
+          <p:cNvSpPr/>
+          <p:nvPr/>
+        </p:nvSpPr>
+        <p:spPr>
+          <a:xfrm rot="5400000">
+            <a:off x="5741403" y="3788738"/>
+            <a:ext cx="821831" cy="2427196"/>
+          </a:xfrm>
+          <a:prstGeom prst="bentUpArrow">
+            <a:avLst/>
+          </a:prstGeom>
+          <a:solidFill>
+            <a:schemeClr val="accent2"/>
+          </a:solidFill>
+          <a:ln>
+            <a:noFill/>
+          </a:ln>
+        </p:spPr>
+        <p:style>
+          <a:lnRef idx="2">
+            <a:schemeClr val="accent1">
+              <a:shade val="15000"/>
+            </a:schemeClr>
+          </a:lnRef>
+          <a:fillRef idx="1">
+            <a:schemeClr val="accent1"/>
+          </a:fillRef>
+          <a:effectRef idx="0">
+            <a:schemeClr val="accent1"/>
+          </a:effectRef>
+          <a:fontRef idx="minor">
+            <a:schemeClr val="lt1"/>
+          </a:fontRef>
+        </p:style>
+        <p:txBody>
+          <a:bodyPr rtlCol="0" anchor="ctr"/>
+          <a:lstStyle/>
+          <a:p>
+            <a:pPr algn="ctr"/>
+            <a:endParaRPr lang="ko-KR" altLang="en-US" dirty="0"/>
+          </a:p>
+        </p:txBody>
+      </p:sp>
+    </p:spTree>
+    <p:extLst>
+      <p:ext uri="{BB962C8B-B14F-4D97-AF65-F5344CB8AC3E}">
+        <p14:creationId xmlns:p14="http://schemas.microsoft.com/office/powerpoint/2010/main" val="2109266482"/>
+      </p:ext>
+    </p:extLst>
+  </p:cSld>
+  <p:clrMapOvr>
+    <a:masterClrMapping/>
+  </p:clrMapOvr>
+</p:sld>
+</file>
+
+<file path=ppt/slides/slide5.xml><?xml version="1.0" encoding="utf-8"?>
+<p:sld xmlns:a="http://schemas.openxmlformats.org/drawingml/2006/main" xmlns:r="http://schemas.openxmlformats.org/officeDocument/2006/relationships" xmlns:p="http://schemas.openxmlformats.org/presentationml/2006/main">
+  <p:cSld>
+    <p:spTree>
+      <p:nvGrpSpPr>
+        <p:cNvPr id="1" name=""/>
+        <p:cNvGrpSpPr/>
+        <p:nvPr/>
+      </p:nvGrpSpPr>
+      <p:grpSpPr>
+        <a:xfrm>
+          <a:off x="0" y="0"/>
+          <a:ext cx="0" cy="0"/>
+          <a:chOff x="0" y="0"/>
+          <a:chExt cx="0" cy="0"/>
+        </a:xfrm>
+      </p:grpSpPr>
+      <p:pic>
+        <p:nvPicPr>
+          <p:cNvPr id="8" name="그림 7">
+            <a:extLst>
+              <a:ext uri="{FF2B5EF4-FFF2-40B4-BE49-F238E27FC236}">
+                <a16:creationId xmlns:a16="http://schemas.microsoft.com/office/drawing/2014/main" id="{80A8E9EC-425F-8CD6-20A4-5759C2752B72}"/>
+              </a:ext>
+            </a:extLst>
+          </p:cNvPr>
+          <p:cNvPicPr>
+            <a:picLocks noChangeAspect="1"/>
+          </p:cNvPicPr>
+          <p:nvPr/>
+        </p:nvPicPr>
+        <p:blipFill>
+          <a:blip r:embed="rId2"/>
+          <a:stretch>
+            <a:fillRect/>
+          </a:stretch>
+        </p:blipFill>
+        <p:spPr>
+          <a:xfrm>
+            <a:off x="8183468" y="863844"/>
+            <a:ext cx="3996534" cy="5400000"/>
+          </a:xfrm>
+          <a:prstGeom prst="rect">
+            <a:avLst/>
+          </a:prstGeom>
+        </p:spPr>
+      </p:pic>
+      <p:sp>
+        <p:nvSpPr>
+          <p:cNvPr id="2" name="제목 1">
+            <a:extLst>
+              <a:ext uri="{FF2B5EF4-FFF2-40B4-BE49-F238E27FC236}">
+                <a16:creationId xmlns:a16="http://schemas.microsoft.com/office/drawing/2014/main" id="{4E0613C6-CBA0-6C3E-1958-DD34668FC85D}"/>
+              </a:ext>
+            </a:extLst>
+          </p:cNvPr>
+          <p:cNvSpPr>
+            <a:spLocks noGrp="1"/>
+          </p:cNvSpPr>
+          <p:nvPr>
+            <p:ph type="title"/>
+          </p:nvPr>
+        </p:nvSpPr>
+        <p:spPr/>
+        <p:txBody>
+          <a:bodyPr/>
+          <a:lstStyle/>
+          <a:p>
+            <a:r>
+              <a:rPr lang="ko-KR" altLang="en-US" dirty="0" err="1"/>
+              <a:t>무신사</a:t>
+            </a:r>
+            <a:r>
+              <a:rPr lang="ko-KR" altLang="en-US" dirty="0"/>
+              <a:t> </a:t>
+            </a:r>
+            <a:r>
+              <a:rPr lang="ko-KR" altLang="en-US" dirty="0" err="1"/>
+              <a:t>크롤링</a:t>
+            </a:r>
+            <a:r>
+              <a:rPr lang="ko-KR" altLang="en-US" dirty="0"/>
+              <a:t> </a:t>
+            </a:r>
+            <a:r>
+              <a:rPr lang="en-US" altLang="ko-KR" dirty="0"/>
+              <a:t>Dataset</a:t>
+            </a:r>
+            <a:endParaRPr lang="ko-KR" altLang="en-US" dirty="0"/>
+          </a:p>
+        </p:txBody>
+      </p:sp>
+      <p:sp>
+        <p:nvSpPr>
+          <p:cNvPr id="3" name="내용 개체 틀 2">
+            <a:extLst>
+              <a:ext uri="{FF2B5EF4-FFF2-40B4-BE49-F238E27FC236}">
+                <a16:creationId xmlns:a16="http://schemas.microsoft.com/office/drawing/2014/main" id="{84EE457F-56E6-C472-8BCA-C6836E8811A9}"/>
+              </a:ext>
+            </a:extLst>
+          </p:cNvPr>
+          <p:cNvSpPr>
+            <a:spLocks noGrp="1"/>
+          </p:cNvSpPr>
+          <p:nvPr>
+            <p:ph idx="1"/>
+          </p:nvPr>
+        </p:nvSpPr>
+        <p:spPr>
+          <a:xfrm>
+            <a:off x="964659" y="1690688"/>
+            <a:ext cx="10515600" cy="4351338"/>
+          </a:xfrm>
+        </p:spPr>
+        <p:txBody>
+          <a:bodyPr>
+            <a:normAutofit/>
+          </a:bodyPr>
+          <a:lstStyle/>
+          <a:p>
+            <a:r>
+              <a:rPr lang="ko-KR" altLang="en-US" dirty="0"/>
+              <a:t>수집 방법 </a:t>
+            </a:r>
+            <a:r>
+              <a:rPr lang="en-US" altLang="ko-KR" dirty="0"/>
+              <a:t>: </a:t>
+            </a:r>
+            <a:r>
+              <a:rPr lang="ko-KR" altLang="en-US" dirty="0"/>
+              <a:t>카테고리별 상품을 판매순으로</a:t>
+            </a:r>
+            <a:br>
+              <a:rPr lang="en-US" altLang="ko-KR" dirty="0"/>
+            </a:br>
+            <a:r>
+              <a:rPr lang="en-US" altLang="ko-KR" dirty="0"/>
+              <a:t>		  </a:t>
+            </a:r>
+            <a:r>
+              <a:rPr lang="ko-KR" altLang="en-US" dirty="0" err="1"/>
+              <a:t>정렬후</a:t>
+            </a:r>
+            <a:r>
+              <a:rPr lang="ko-KR" altLang="en-US" dirty="0"/>
+              <a:t> </a:t>
+            </a:r>
+            <a:r>
+              <a:rPr lang="ko-KR" altLang="en-US" dirty="0" err="1"/>
+              <a:t>크롤링</a:t>
+            </a:r>
+            <a:endParaRPr lang="en-US" altLang="ko-KR" dirty="0"/>
+          </a:p>
+          <a:p>
+            <a:r>
+              <a:rPr lang="ko-KR" altLang="en-US" dirty="0"/>
+              <a:t>데이터셋 구성 </a:t>
+            </a:r>
+            <a:r>
+              <a:rPr lang="en-US" altLang="ko-KR" dirty="0"/>
+              <a:t>: </a:t>
+            </a:r>
+            <a:r>
+              <a:rPr lang="ko-KR" altLang="en-US" dirty="0"/>
+              <a:t>제품 사진 </a:t>
+            </a:r>
+            <a:r>
+              <a:rPr lang="en-US" altLang="ko-KR" dirty="0"/>
+              <a:t>+</a:t>
+            </a:r>
+            <a:r>
+              <a:rPr lang="ko-KR" altLang="en-US" dirty="0"/>
+              <a:t> 착용 사진</a:t>
+            </a:r>
+            <a:br>
+              <a:rPr lang="en-US" altLang="ko-KR" dirty="0"/>
+            </a:br>
+            <a:r>
+              <a:rPr lang="en-US" altLang="ko-KR" dirty="0"/>
+              <a:t>			</a:t>
+            </a:r>
+            <a:r>
+              <a:rPr lang="ko-KR" altLang="en-US" dirty="0"/>
+              <a:t>총 </a:t>
+            </a:r>
+            <a:r>
+              <a:rPr lang="en-US" altLang="ko-KR" dirty="0"/>
+              <a:t>52000</a:t>
+            </a:r>
+            <a:r>
+              <a:rPr lang="ko-KR" altLang="en-US" dirty="0"/>
+              <a:t>장</a:t>
+            </a:r>
+          </a:p>
+        </p:txBody>
+      </p:sp>
+      <p:graphicFrame>
+        <p:nvGraphicFramePr>
+          <p:cNvPr id="9" name="표 8">
+            <a:extLst>
+              <a:ext uri="{FF2B5EF4-FFF2-40B4-BE49-F238E27FC236}">
+                <a16:creationId xmlns:a16="http://schemas.microsoft.com/office/drawing/2014/main" id="{7D1C6E69-C1F5-D4F4-5258-0DF91C5BA208}"/>
+              </a:ext>
+            </a:extLst>
+          </p:cNvPr>
+          <p:cNvGraphicFramePr>
+            <a:graphicFrameLocks noGrp="1"/>
+          </p:cNvGraphicFramePr>
+          <p:nvPr>
+            <p:extLst>
+              <p:ext uri="{D42A27DB-BD31-4B8C-83A1-F6EECF244321}">
+                <p14:modId xmlns:p14="http://schemas.microsoft.com/office/powerpoint/2010/main" val="2648845475"/>
+              </p:ext>
+            </p:extLst>
+          </p:nvPr>
+        </p:nvGraphicFramePr>
+        <p:xfrm>
+          <a:off x="197488" y="3775234"/>
+          <a:ext cx="2819979" cy="3097736"/>
+        </p:xfrm>
+        <a:graphic>
+          <a:graphicData uri="http://schemas.openxmlformats.org/drawingml/2006/table">
+            <a:tbl>
+              <a:tblPr firstRow="1" bandRow="1">
+                <a:tableStyleId>{5C22544A-7EE6-4342-B048-85BDC9FD1C3A}</a:tableStyleId>
+              </a:tblPr>
+              <a:tblGrid>
+                <a:gridCol w="1399551">
+                  <a:extLst>
+                    <a:ext uri="{9D8B030D-6E8A-4147-A177-3AD203B41FA5}">
+                      <a16:colId xmlns:a16="http://schemas.microsoft.com/office/drawing/2014/main" val="140004327"/>
+                    </a:ext>
+                  </a:extLst>
+                </a:gridCol>
+                <a:gridCol w="1420428">
+                  <a:extLst>
+                    <a:ext uri="{9D8B030D-6E8A-4147-A177-3AD203B41FA5}">
+                      <a16:colId xmlns:a16="http://schemas.microsoft.com/office/drawing/2014/main" val="2101237556"/>
+                    </a:ext>
+                  </a:extLst>
+                </a:gridCol>
+              </a:tblGrid>
+              <a:tr h="559406">
+                <a:tc>
+                  <a:txBody>
+                    <a:bodyPr/>
+                    <a:lstStyle/>
+                    <a:p>
+                      <a:pPr algn="l" latinLnBrk="1"/>
+                      <a:r>
+                        <a:rPr lang="ko-KR" altLang="en-US" sz="1600" dirty="0">
+                          <a:solidFill>
+                            <a:schemeClr val="tx1"/>
+                          </a:solidFill>
+                        </a:rPr>
+                        <a:t>품목</a:t>
+                      </a:r>
+                    </a:p>
+                  </a:txBody>
+                  <a:tcPr anchor="ctr"/>
+                </a:tc>
+                <a:tc>
+                  <a:txBody>
+                    <a:bodyPr/>
+                    <a:lstStyle/>
+                    <a:p>
+                      <a:pPr algn="l" latinLnBrk="1"/>
+                      <a:r>
+                        <a:rPr lang="ko-KR" altLang="en-US" sz="1600" dirty="0">
+                          <a:solidFill>
+                            <a:schemeClr val="tx1"/>
+                          </a:solidFill>
+                        </a:rPr>
+                        <a:t>데이터 개수</a:t>
+                      </a:r>
+                    </a:p>
+                  </a:txBody>
+                  <a:tcPr anchor="ctr"/>
+                </a:tc>
+                <a:extLst>
+                  <a:ext uri="{0D108BD9-81ED-4DB2-BD59-A6C34878D82A}">
+                    <a16:rowId xmlns:a16="http://schemas.microsoft.com/office/drawing/2014/main" val="1816367046"/>
+                  </a:ext>
+                </a:extLst>
+              </a:tr>
+              <a:tr h="503001">
+                <a:tc>
+                  <a:txBody>
+                    <a:bodyPr/>
+                    <a:lstStyle/>
+                    <a:p>
+                      <a:pPr algn="l" latinLnBrk="1"/>
+                      <a:r>
+                        <a:rPr lang="ko-KR" altLang="en-US" sz="1400" dirty="0" err="1">
+                          <a:solidFill>
+                            <a:schemeClr val="tx1"/>
+                          </a:solidFill>
+                        </a:rPr>
+                        <a:t>긴소매</a:t>
+                      </a:r>
+                      <a:endParaRPr lang="ko-KR" altLang="en-US" sz="1400" dirty="0">
+                        <a:solidFill>
+                          <a:schemeClr val="tx1"/>
+                        </a:solidFill>
+                      </a:endParaRPr>
+                    </a:p>
+                  </a:txBody>
+                  <a:tcPr anchor="ctr"/>
+                </a:tc>
+                <a:tc>
+                  <a:txBody>
+                    <a:bodyPr/>
+                    <a:lstStyle/>
+                    <a:p>
+                      <a:pPr algn="l" latinLnBrk="1"/>
+                      <a:r>
+                        <a:rPr lang="en-US" altLang="ko-KR" sz="1400" dirty="0">
+                          <a:solidFill>
+                            <a:schemeClr val="tx1"/>
+                          </a:solidFill>
+                        </a:rPr>
+                        <a:t>9000</a:t>
+                      </a:r>
+                      <a:endParaRPr lang="ko-KR" altLang="en-US" sz="1400" dirty="0">
+                        <a:solidFill>
+                          <a:schemeClr val="tx1"/>
+                        </a:solidFill>
+                      </a:endParaRPr>
+                    </a:p>
+                  </a:txBody>
+                  <a:tcPr anchor="ctr"/>
+                </a:tc>
+                <a:extLst>
+                  <a:ext uri="{0D108BD9-81ED-4DB2-BD59-A6C34878D82A}">
+                    <a16:rowId xmlns:a16="http://schemas.microsoft.com/office/drawing/2014/main" val="1030267779"/>
+                  </a:ext>
+                </a:extLst>
+              </a:tr>
+              <a:tr h="526326">
+                <a:tc>
+                  <a:txBody>
+                    <a:bodyPr/>
+                    <a:lstStyle/>
+                    <a:p>
+                      <a:pPr algn="l" latinLnBrk="1"/>
+                      <a:r>
+                        <a:rPr lang="ko-KR" altLang="en-US" sz="1400" dirty="0">
+                          <a:solidFill>
+                            <a:schemeClr val="tx1"/>
+                          </a:solidFill>
+                        </a:rPr>
+                        <a:t>셔츠</a:t>
+                      </a:r>
+                      <a:r>
+                        <a:rPr lang="en-US" altLang="ko-KR" sz="1400" dirty="0">
+                          <a:solidFill>
+                            <a:schemeClr val="tx1"/>
+                          </a:solidFill>
+                        </a:rPr>
+                        <a:t>&amp;</a:t>
+                      </a:r>
+                      <a:r>
+                        <a:rPr lang="ko-KR" altLang="en-US" sz="1400" dirty="0">
+                          <a:solidFill>
+                            <a:schemeClr val="tx1"/>
+                          </a:solidFill>
+                        </a:rPr>
+                        <a:t>블라우스</a:t>
+                      </a:r>
+                    </a:p>
+                  </a:txBody>
+                  <a:tcPr anchor="ctr"/>
+                </a:tc>
+                <a:tc>
+                  <a:txBody>
+                    <a:bodyPr/>
+                    <a:lstStyle/>
+                    <a:p>
+                      <a:pPr algn="l" latinLnBrk="1"/>
+                      <a:r>
+                        <a:rPr lang="en-US" altLang="ko-KR" sz="1400" dirty="0">
+                          <a:solidFill>
+                            <a:schemeClr val="tx1"/>
+                          </a:solidFill>
+                        </a:rPr>
+                        <a:t>4000</a:t>
+                      </a:r>
+                      <a:endParaRPr lang="ko-KR" altLang="en-US" sz="1400" dirty="0">
+                        <a:solidFill>
+                          <a:schemeClr val="tx1"/>
+                        </a:solidFill>
+                      </a:endParaRPr>
+                    </a:p>
+                  </a:txBody>
+                  <a:tcPr anchor="ctr"/>
+                </a:tc>
+                <a:extLst>
+                  <a:ext uri="{0D108BD9-81ED-4DB2-BD59-A6C34878D82A}">
+                    <a16:rowId xmlns:a16="http://schemas.microsoft.com/office/drawing/2014/main" val="1989455618"/>
+                  </a:ext>
+                </a:extLst>
+              </a:tr>
+              <a:tr h="503001">
+                <a:tc>
+                  <a:txBody>
+                    <a:bodyPr/>
+                    <a:lstStyle/>
+                    <a:p>
+                      <a:pPr algn="l" latinLnBrk="1"/>
+                      <a:r>
+                        <a:rPr lang="ko-KR" altLang="en-US" sz="1400" dirty="0">
+                          <a:solidFill>
+                            <a:schemeClr val="tx1"/>
+                          </a:solidFill>
+                        </a:rPr>
+                        <a:t>반소매</a:t>
+                      </a:r>
+                    </a:p>
+                  </a:txBody>
+                  <a:tcPr anchor="ctr"/>
+                </a:tc>
+                <a:tc>
+                  <a:txBody>
+                    <a:bodyPr/>
+                    <a:lstStyle/>
+                    <a:p>
+                      <a:pPr algn="l" latinLnBrk="1"/>
+                      <a:r>
+                        <a:rPr lang="en-US" altLang="ko-KR" sz="1400" dirty="0">
+                          <a:solidFill>
+                            <a:schemeClr val="tx1"/>
+                          </a:solidFill>
+                        </a:rPr>
+                        <a:t>4000</a:t>
+                      </a:r>
+                      <a:endParaRPr lang="ko-KR" altLang="en-US" sz="1400" dirty="0">
+                        <a:solidFill>
+                          <a:schemeClr val="tx1"/>
+                        </a:solidFill>
+                      </a:endParaRPr>
+                    </a:p>
+                  </a:txBody>
+                  <a:tcPr anchor="ctr"/>
+                </a:tc>
+                <a:extLst>
+                  <a:ext uri="{0D108BD9-81ED-4DB2-BD59-A6C34878D82A}">
+                    <a16:rowId xmlns:a16="http://schemas.microsoft.com/office/drawing/2014/main" val="688975556"/>
+                  </a:ext>
+                </a:extLst>
+              </a:tr>
+              <a:tr h="503001">
+                <a:tc>
+                  <a:txBody>
+                    <a:bodyPr/>
+                    <a:lstStyle/>
+                    <a:p>
+                      <a:pPr algn="l" latinLnBrk="1"/>
+                      <a:r>
+                        <a:rPr lang="ko-KR" altLang="en-US" sz="1400" dirty="0">
+                          <a:solidFill>
+                            <a:schemeClr val="tx1"/>
+                          </a:solidFill>
+                        </a:rPr>
+                        <a:t>민소매</a:t>
+                      </a:r>
+                    </a:p>
+                  </a:txBody>
+                  <a:tcPr anchor="ctr"/>
+                </a:tc>
+                <a:tc>
+                  <a:txBody>
+                    <a:bodyPr/>
+                    <a:lstStyle/>
+                    <a:p>
+                      <a:pPr algn="l" latinLnBrk="1"/>
+                      <a:r>
+                        <a:rPr lang="en-US" altLang="ko-KR" sz="1400" dirty="0">
+                          <a:solidFill>
+                            <a:schemeClr val="tx1"/>
+                          </a:solidFill>
+                        </a:rPr>
+                        <a:t>4000</a:t>
+                      </a:r>
+                      <a:endParaRPr lang="ko-KR" altLang="en-US" sz="1400" dirty="0">
+                        <a:solidFill>
+                          <a:schemeClr val="tx1"/>
+                        </a:solidFill>
+                      </a:endParaRPr>
+                    </a:p>
+                  </a:txBody>
+                  <a:tcPr anchor="ctr"/>
+                </a:tc>
+                <a:extLst>
+                  <a:ext uri="{0D108BD9-81ED-4DB2-BD59-A6C34878D82A}">
+                    <a16:rowId xmlns:a16="http://schemas.microsoft.com/office/drawing/2014/main" val="3916408024"/>
+                  </a:ext>
+                </a:extLst>
+              </a:tr>
+              <a:tr h="503001">
+                <a:tc>
+                  <a:txBody>
+                    <a:bodyPr/>
+                    <a:lstStyle/>
+                    <a:p>
+                      <a:pPr algn="l" latinLnBrk="1"/>
+                      <a:r>
+                        <a:rPr lang="ko-KR" altLang="en-US" sz="1400" dirty="0">
+                          <a:solidFill>
+                            <a:schemeClr val="tx1"/>
+                          </a:solidFill>
+                        </a:rPr>
+                        <a:t>니트</a:t>
+                      </a:r>
+                      <a:r>
+                        <a:rPr lang="en-US" altLang="ko-KR" sz="1400" dirty="0">
+                          <a:solidFill>
+                            <a:schemeClr val="tx1"/>
+                          </a:solidFill>
+                        </a:rPr>
+                        <a:t>&amp;</a:t>
+                      </a:r>
+                      <a:r>
+                        <a:rPr lang="ko-KR" altLang="en-US" sz="1400" dirty="0">
+                          <a:solidFill>
+                            <a:schemeClr val="tx1"/>
+                          </a:solidFill>
+                        </a:rPr>
+                        <a:t>스웨터</a:t>
+                      </a:r>
+                    </a:p>
+                  </a:txBody>
+                  <a:tcPr anchor="ctr"/>
+                </a:tc>
+                <a:tc>
+                  <a:txBody>
+                    <a:bodyPr/>
+                    <a:lstStyle/>
+                    <a:p>
+                      <a:pPr algn="l" latinLnBrk="1"/>
+                      <a:r>
+                        <a:rPr lang="en-US" altLang="ko-KR" sz="1400" dirty="0">
+                          <a:solidFill>
+                            <a:schemeClr val="tx1"/>
+                          </a:solidFill>
+                        </a:rPr>
+                        <a:t>4000</a:t>
+                      </a:r>
+                      <a:endParaRPr lang="ko-KR" altLang="en-US" sz="1400" dirty="0">
+                        <a:solidFill>
+                          <a:schemeClr val="tx1"/>
+                        </a:solidFill>
+                      </a:endParaRPr>
+                    </a:p>
+                  </a:txBody>
+                  <a:tcPr anchor="ctr"/>
+                </a:tc>
+                <a:extLst>
+                  <a:ext uri="{0D108BD9-81ED-4DB2-BD59-A6C34878D82A}">
+                    <a16:rowId xmlns:a16="http://schemas.microsoft.com/office/drawing/2014/main" val="1995027558"/>
+                  </a:ext>
+                </a:extLst>
+              </a:tr>
+            </a:tbl>
+          </a:graphicData>
+        </a:graphic>
+      </p:graphicFrame>
+      <p:graphicFrame>
+        <p:nvGraphicFramePr>
+          <p:cNvPr id="4" name="표 3">
+            <a:extLst>
+              <a:ext uri="{FF2B5EF4-FFF2-40B4-BE49-F238E27FC236}">
+                <a16:creationId xmlns:a16="http://schemas.microsoft.com/office/drawing/2014/main" id="{85919050-3F63-3A25-8328-0012DDEB372E}"/>
+              </a:ext>
+            </a:extLst>
+          </p:cNvPr>
+          <p:cNvGraphicFramePr>
+            <a:graphicFrameLocks noGrp="1"/>
+          </p:cNvGraphicFramePr>
+          <p:nvPr>
+            <p:extLst>
+              <p:ext uri="{D42A27DB-BD31-4B8C-83A1-F6EECF244321}">
+                <p14:modId xmlns:p14="http://schemas.microsoft.com/office/powerpoint/2010/main" val="3564100221"/>
+              </p:ext>
+            </p:extLst>
+          </p:nvPr>
+        </p:nvGraphicFramePr>
+        <p:xfrm>
+          <a:off x="3224194" y="3775234"/>
+          <a:ext cx="2090916" cy="2091734"/>
+        </p:xfrm>
+        <a:graphic>
+          <a:graphicData uri="http://schemas.openxmlformats.org/drawingml/2006/table">
+            <a:tbl>
+              <a:tblPr firstRow="1" bandRow="1">
+                <a:tableStyleId>{5C22544A-7EE6-4342-B048-85BDC9FD1C3A}</a:tableStyleId>
+              </a:tblPr>
+              <a:tblGrid>
+                <a:gridCol w="794776">
+                  <a:extLst>
+                    <a:ext uri="{9D8B030D-6E8A-4147-A177-3AD203B41FA5}">
+                      <a16:colId xmlns:a16="http://schemas.microsoft.com/office/drawing/2014/main" val="140004327"/>
+                    </a:ext>
+                  </a:extLst>
+                </a:gridCol>
+                <a:gridCol w="1296140">
+                  <a:extLst>
+                    <a:ext uri="{9D8B030D-6E8A-4147-A177-3AD203B41FA5}">
+                      <a16:colId xmlns:a16="http://schemas.microsoft.com/office/drawing/2014/main" val="2101237556"/>
+                    </a:ext>
+                  </a:extLst>
+                </a:gridCol>
+              </a:tblGrid>
+              <a:tr h="559406">
+                <a:tc>
+                  <a:txBody>
+                    <a:bodyPr/>
+                    <a:lstStyle/>
+                    <a:p>
+                      <a:pPr algn="l" latinLnBrk="1"/>
+                      <a:r>
+                        <a:rPr lang="ko-KR" altLang="en-US" sz="1600" dirty="0">
+                          <a:solidFill>
+                            <a:schemeClr val="tx1"/>
+                          </a:solidFill>
+                        </a:rPr>
+                        <a:t>품목</a:t>
+                      </a:r>
+                    </a:p>
+                  </a:txBody>
+                  <a:tcPr anchor="ctr"/>
+                </a:tc>
+                <a:tc>
+                  <a:txBody>
+                    <a:bodyPr/>
+                    <a:lstStyle/>
+                    <a:p>
+                      <a:pPr algn="l" latinLnBrk="1"/>
+                      <a:r>
+                        <a:rPr lang="ko-KR" altLang="en-US" sz="1600" dirty="0">
+                          <a:solidFill>
+                            <a:schemeClr val="tx1"/>
+                          </a:solidFill>
+                        </a:rPr>
+                        <a:t>데이터 개수</a:t>
+                      </a:r>
+                    </a:p>
+                  </a:txBody>
+                  <a:tcPr anchor="ctr"/>
+                </a:tc>
+                <a:extLst>
+                  <a:ext uri="{0D108BD9-81ED-4DB2-BD59-A6C34878D82A}">
+                    <a16:rowId xmlns:a16="http://schemas.microsoft.com/office/drawing/2014/main" val="1816367046"/>
+                  </a:ext>
+                </a:extLst>
+              </a:tr>
+              <a:tr h="503001">
+                <a:tc>
+                  <a:txBody>
+                    <a:bodyPr/>
+                    <a:lstStyle/>
+                    <a:p>
+                      <a:pPr algn="l" latinLnBrk="1"/>
+                      <a:r>
+                        <a:rPr lang="ko-KR" altLang="en-US" sz="1400" dirty="0" err="1">
+                          <a:solidFill>
+                            <a:schemeClr val="tx1"/>
+                          </a:solidFill>
+                        </a:rPr>
+                        <a:t>긴바지</a:t>
+                      </a:r>
+                      <a:endParaRPr lang="ko-KR" altLang="en-US" sz="1400" dirty="0">
+                        <a:solidFill>
+                          <a:schemeClr val="tx1"/>
+                        </a:solidFill>
+                      </a:endParaRPr>
+                    </a:p>
+                  </a:txBody>
+                  <a:tcPr anchor="ctr"/>
+                </a:tc>
+                <a:tc>
+                  <a:txBody>
+                    <a:bodyPr/>
+                    <a:lstStyle/>
+                    <a:p>
+                      <a:pPr algn="l" latinLnBrk="1"/>
+                      <a:r>
+                        <a:rPr lang="en-US" altLang="ko-KR" sz="1400" dirty="0">
+                          <a:solidFill>
+                            <a:schemeClr val="tx1"/>
+                          </a:solidFill>
+                        </a:rPr>
+                        <a:t>9000</a:t>
+                      </a:r>
+                      <a:endParaRPr lang="ko-KR" altLang="en-US" sz="1400" dirty="0">
+                        <a:solidFill>
+                          <a:schemeClr val="tx1"/>
+                        </a:solidFill>
+                      </a:endParaRPr>
+                    </a:p>
+                  </a:txBody>
+                  <a:tcPr anchor="ctr"/>
+                </a:tc>
+                <a:extLst>
+                  <a:ext uri="{0D108BD9-81ED-4DB2-BD59-A6C34878D82A}">
+                    <a16:rowId xmlns:a16="http://schemas.microsoft.com/office/drawing/2014/main" val="1030267779"/>
+                  </a:ext>
+                </a:extLst>
+              </a:tr>
+              <a:tr h="526326">
+                <a:tc>
+                  <a:txBody>
+                    <a:bodyPr/>
+                    <a:lstStyle/>
+                    <a:p>
+                      <a:pPr algn="l" latinLnBrk="1"/>
+                      <a:r>
+                        <a:rPr lang="ko-KR" altLang="en-US" sz="1400" dirty="0">
+                          <a:solidFill>
+                            <a:schemeClr val="tx1"/>
+                          </a:solidFill>
+                        </a:rPr>
+                        <a:t>반바지</a:t>
+                      </a:r>
+                    </a:p>
+                  </a:txBody>
+                  <a:tcPr anchor="ctr"/>
+                </a:tc>
+                <a:tc>
+                  <a:txBody>
+                    <a:bodyPr/>
+                    <a:lstStyle/>
+                    <a:p>
+                      <a:pPr algn="l" latinLnBrk="1"/>
+                      <a:r>
+                        <a:rPr lang="en-US" altLang="ko-KR" sz="1400" dirty="0">
+                          <a:solidFill>
+                            <a:schemeClr val="tx1"/>
+                          </a:solidFill>
+                        </a:rPr>
+                        <a:t>4000</a:t>
+                      </a:r>
+                      <a:endParaRPr lang="ko-KR" altLang="en-US" sz="1400" dirty="0">
+                        <a:solidFill>
+                          <a:schemeClr val="tx1"/>
+                        </a:solidFill>
+                      </a:endParaRPr>
+                    </a:p>
+                  </a:txBody>
+                  <a:tcPr anchor="ctr"/>
+                </a:tc>
+                <a:extLst>
+                  <a:ext uri="{0D108BD9-81ED-4DB2-BD59-A6C34878D82A}">
+                    <a16:rowId xmlns:a16="http://schemas.microsoft.com/office/drawing/2014/main" val="1989455618"/>
+                  </a:ext>
+                </a:extLst>
+              </a:tr>
+              <a:tr h="503001">
+                <a:tc>
+                  <a:txBody>
+                    <a:bodyPr/>
+                    <a:lstStyle/>
+                    <a:p>
+                      <a:pPr algn="l" latinLnBrk="1"/>
+                      <a:r>
+                        <a:rPr lang="ko-KR" altLang="en-US" sz="1400" dirty="0">
+                          <a:solidFill>
+                            <a:schemeClr val="tx1"/>
+                          </a:solidFill>
+                        </a:rPr>
+                        <a:t>스커트</a:t>
+                      </a:r>
+                    </a:p>
+                  </a:txBody>
+                  <a:tcPr anchor="ctr"/>
+                </a:tc>
+                <a:tc>
+                  <a:txBody>
+                    <a:bodyPr/>
+                    <a:lstStyle/>
+                    <a:p>
+                      <a:pPr algn="l" latinLnBrk="1"/>
+                      <a:r>
+                        <a:rPr lang="en-US" altLang="ko-KR" sz="1400" dirty="0">
+                          <a:solidFill>
+                            <a:schemeClr val="tx1"/>
+                          </a:solidFill>
+                        </a:rPr>
+                        <a:t>4000</a:t>
+                      </a:r>
+                      <a:endParaRPr lang="ko-KR" altLang="en-US" sz="1400" dirty="0">
+                        <a:solidFill>
+                          <a:schemeClr val="tx1"/>
+                        </a:solidFill>
+                      </a:endParaRPr>
+                    </a:p>
+                  </a:txBody>
+                  <a:tcPr anchor="ctr"/>
+                </a:tc>
+                <a:extLst>
+                  <a:ext uri="{0D108BD9-81ED-4DB2-BD59-A6C34878D82A}">
+                    <a16:rowId xmlns:a16="http://schemas.microsoft.com/office/drawing/2014/main" val="688975556"/>
+                  </a:ext>
+                </a:extLst>
+              </a:tr>
+            </a:tbl>
+          </a:graphicData>
+        </a:graphic>
+      </p:graphicFrame>
+      <p:graphicFrame>
+        <p:nvGraphicFramePr>
+          <p:cNvPr id="5" name="표 4">
+            <a:extLst>
+              <a:ext uri="{FF2B5EF4-FFF2-40B4-BE49-F238E27FC236}">
+                <a16:creationId xmlns:a16="http://schemas.microsoft.com/office/drawing/2014/main" id="{E2117B49-8928-A995-C44C-C8AFF612CE0E}"/>
+              </a:ext>
+            </a:extLst>
+          </p:cNvPr>
+          <p:cNvGraphicFramePr>
+            <a:graphicFrameLocks noGrp="1"/>
+          </p:cNvGraphicFramePr>
+          <p:nvPr>
+            <p:extLst>
+              <p:ext uri="{D42A27DB-BD31-4B8C-83A1-F6EECF244321}">
+                <p14:modId xmlns:p14="http://schemas.microsoft.com/office/powerpoint/2010/main" val="558530295"/>
+              </p:ext>
+            </p:extLst>
+          </p:nvPr>
+        </p:nvGraphicFramePr>
+        <p:xfrm>
+          <a:off x="5521837" y="3775234"/>
+          <a:ext cx="2303982" cy="1588733"/>
+        </p:xfrm>
+        <a:graphic>
+          <a:graphicData uri="http://schemas.openxmlformats.org/drawingml/2006/table">
+            <a:tbl>
+              <a:tblPr firstRow="1" bandRow="1">
+                <a:tableStyleId>{5C22544A-7EE6-4342-B048-85BDC9FD1C3A}</a:tableStyleId>
+              </a:tblPr>
+              <a:tblGrid>
+                <a:gridCol w="978286">
+                  <a:extLst>
+                    <a:ext uri="{9D8B030D-6E8A-4147-A177-3AD203B41FA5}">
+                      <a16:colId xmlns:a16="http://schemas.microsoft.com/office/drawing/2014/main" val="140004327"/>
+                    </a:ext>
+                  </a:extLst>
+                </a:gridCol>
+                <a:gridCol w="1325696">
+                  <a:extLst>
+                    <a:ext uri="{9D8B030D-6E8A-4147-A177-3AD203B41FA5}">
+                      <a16:colId xmlns:a16="http://schemas.microsoft.com/office/drawing/2014/main" val="2101237556"/>
+                    </a:ext>
+                  </a:extLst>
+                </a:gridCol>
+              </a:tblGrid>
+              <a:tr h="559406">
+                <a:tc>
+                  <a:txBody>
+                    <a:bodyPr/>
+                    <a:lstStyle/>
+                    <a:p>
+                      <a:pPr algn="l" latinLnBrk="1"/>
+                      <a:r>
+                        <a:rPr lang="ko-KR" altLang="en-US" sz="1600" dirty="0">
+                          <a:solidFill>
+                            <a:schemeClr val="tx1"/>
+                          </a:solidFill>
+                        </a:rPr>
+                        <a:t>품목</a:t>
+                      </a:r>
+                    </a:p>
+                  </a:txBody>
+                  <a:tcPr anchor="ctr"/>
+                </a:tc>
+                <a:tc>
+                  <a:txBody>
+                    <a:bodyPr/>
+                    <a:lstStyle/>
+                    <a:p>
+                      <a:pPr algn="l" latinLnBrk="1"/>
+                      <a:r>
+                        <a:rPr lang="ko-KR" altLang="en-US" sz="1600" dirty="0">
+                          <a:solidFill>
+                            <a:schemeClr val="tx1"/>
+                          </a:solidFill>
+                        </a:rPr>
+                        <a:t>데이터 개수</a:t>
+                      </a:r>
+                    </a:p>
+                  </a:txBody>
+                  <a:tcPr anchor="ctr"/>
+                </a:tc>
+                <a:extLst>
+                  <a:ext uri="{0D108BD9-81ED-4DB2-BD59-A6C34878D82A}">
+                    <a16:rowId xmlns:a16="http://schemas.microsoft.com/office/drawing/2014/main" val="1816367046"/>
+                  </a:ext>
+                </a:extLst>
+              </a:tr>
+              <a:tr h="503001">
+                <a:tc>
+                  <a:txBody>
+                    <a:bodyPr/>
+                    <a:lstStyle/>
+                    <a:p>
+                      <a:pPr algn="l" latinLnBrk="1"/>
+                      <a:r>
+                        <a:rPr lang="ko-KR" altLang="en-US" sz="1400" dirty="0">
+                          <a:solidFill>
+                            <a:schemeClr val="tx1"/>
+                          </a:solidFill>
+                        </a:rPr>
+                        <a:t>원피스</a:t>
+                      </a:r>
+                    </a:p>
+                  </a:txBody>
+                  <a:tcPr anchor="ctr"/>
+                </a:tc>
+                <a:tc>
+                  <a:txBody>
+                    <a:bodyPr/>
+                    <a:lstStyle/>
+                    <a:p>
+                      <a:pPr algn="l" latinLnBrk="1"/>
+                      <a:r>
+                        <a:rPr lang="en-US" altLang="ko-KR" sz="1400" dirty="0">
+                          <a:solidFill>
+                            <a:schemeClr val="tx1"/>
+                          </a:solidFill>
+                        </a:rPr>
+                        <a:t>9000</a:t>
+                      </a:r>
+                      <a:endParaRPr lang="ko-KR" altLang="en-US" sz="1400" dirty="0">
+                        <a:solidFill>
+                          <a:schemeClr val="tx1"/>
+                        </a:solidFill>
+                      </a:endParaRPr>
+                    </a:p>
+                  </a:txBody>
+                  <a:tcPr anchor="ctr"/>
+                </a:tc>
+                <a:extLst>
+                  <a:ext uri="{0D108BD9-81ED-4DB2-BD59-A6C34878D82A}">
+                    <a16:rowId xmlns:a16="http://schemas.microsoft.com/office/drawing/2014/main" val="1030267779"/>
+                  </a:ext>
+                </a:extLst>
+              </a:tr>
+              <a:tr h="526326">
+                <a:tc>
+                  <a:txBody>
+                    <a:bodyPr/>
+                    <a:lstStyle/>
+                    <a:p>
+                      <a:pPr algn="l" latinLnBrk="1"/>
+                      <a:r>
+                        <a:rPr lang="ko-KR" altLang="en-US" sz="1400" dirty="0" err="1">
+                          <a:solidFill>
+                            <a:schemeClr val="tx1"/>
+                          </a:solidFill>
+                        </a:rPr>
+                        <a:t>점프슈트</a:t>
+                      </a:r>
+                      <a:endParaRPr lang="ko-KR" altLang="en-US" sz="1400" dirty="0">
+                        <a:solidFill>
+                          <a:schemeClr val="tx1"/>
+                        </a:solidFill>
+                      </a:endParaRPr>
+                    </a:p>
+                  </a:txBody>
+                  <a:tcPr anchor="ctr"/>
+                </a:tc>
+                <a:tc>
+                  <a:txBody>
+                    <a:bodyPr/>
+                    <a:lstStyle/>
+                    <a:p>
+                      <a:pPr algn="l" latinLnBrk="1"/>
+                      <a:r>
+                        <a:rPr lang="en-US" altLang="ko-KR" sz="1400" dirty="0">
+                          <a:solidFill>
+                            <a:schemeClr val="tx1"/>
+                          </a:solidFill>
+                        </a:rPr>
+                        <a:t>4000</a:t>
+                      </a:r>
+                      <a:endParaRPr lang="ko-KR" altLang="en-US" sz="1400" dirty="0">
+                        <a:solidFill>
+                          <a:schemeClr val="tx1"/>
+                        </a:solidFill>
+                      </a:endParaRPr>
+                    </a:p>
+                  </a:txBody>
+                  <a:tcPr anchor="ctr"/>
+                </a:tc>
+                <a:extLst>
+                  <a:ext uri="{0D108BD9-81ED-4DB2-BD59-A6C34878D82A}">
+                    <a16:rowId xmlns:a16="http://schemas.microsoft.com/office/drawing/2014/main" val="1989455618"/>
+                  </a:ext>
+                </a:extLst>
+              </a:tr>
+            </a:tbl>
+          </a:graphicData>
+        </a:graphic>
+      </p:graphicFrame>
+      <p:sp>
+        <p:nvSpPr>
+          <p:cNvPr id="6" name="직사각형 5">
+            <a:extLst>
+              <a:ext uri="{FF2B5EF4-FFF2-40B4-BE49-F238E27FC236}">
+                <a16:creationId xmlns:a16="http://schemas.microsoft.com/office/drawing/2014/main" id="{C1ECAB64-6379-C7CE-E871-8CB7E39F47C3}"/>
+              </a:ext>
+            </a:extLst>
+          </p:cNvPr>
+          <p:cNvSpPr/>
+          <p:nvPr/>
+        </p:nvSpPr>
+        <p:spPr>
+          <a:xfrm>
+            <a:off x="558592" y="3464806"/>
+            <a:ext cx="2097770" cy="309291"/>
+          </a:xfrm>
+          <a:prstGeom prst="rect">
+            <a:avLst/>
+          </a:prstGeom>
+          <a:noFill/>
+          <a:ln>
+            <a:noFill/>
+          </a:ln>
+        </p:spPr>
+        <p:style>
+          <a:lnRef idx="2">
+            <a:schemeClr val="accent1">
+              <a:shade val="15000"/>
+            </a:schemeClr>
+          </a:lnRef>
+          <a:fillRef idx="1">
+            <a:schemeClr val="accent1"/>
+          </a:fillRef>
+          <a:effectRef idx="0">
+            <a:schemeClr val="accent1"/>
+          </a:effectRef>
+          <a:fontRef idx="minor">
+            <a:schemeClr val="lt1"/>
+          </a:fontRef>
+        </p:style>
+        <p:txBody>
+          <a:bodyPr rtlCol="0" anchor="ctr"/>
+          <a:lstStyle/>
+          <a:p>
+            <a:pPr algn="ctr"/>
+            <a:r>
+              <a:rPr lang="en-US" altLang="ko-KR" sz="1400" dirty="0">
+                <a:solidFill>
+                  <a:schemeClr val="tx1"/>
+                </a:solidFill>
+              </a:rPr>
+              <a:t>[</a:t>
+            </a:r>
+            <a:r>
+              <a:rPr lang="ko-KR" altLang="en-US" sz="1400" dirty="0">
+                <a:solidFill>
+                  <a:schemeClr val="tx1"/>
+                </a:solidFill>
+              </a:rPr>
+              <a:t>상의</a:t>
+            </a:r>
+            <a:r>
+              <a:rPr lang="en-US" altLang="ko-KR" sz="1400" dirty="0">
+                <a:solidFill>
+                  <a:schemeClr val="tx1"/>
+                </a:solidFill>
+              </a:rPr>
+              <a:t>]</a:t>
+            </a:r>
+            <a:endParaRPr lang="ko-KR" altLang="en-US" sz="1400" dirty="0">
+              <a:solidFill>
+                <a:schemeClr val="tx1"/>
+              </a:solidFill>
+            </a:endParaRPr>
+          </a:p>
+        </p:txBody>
+      </p:sp>
+      <p:sp>
+        <p:nvSpPr>
+          <p:cNvPr id="7" name="직사각형 6">
+            <a:extLst>
+              <a:ext uri="{FF2B5EF4-FFF2-40B4-BE49-F238E27FC236}">
+                <a16:creationId xmlns:a16="http://schemas.microsoft.com/office/drawing/2014/main" id="{75BA660E-6D0A-0893-4A7A-462E499DC8C8}"/>
+              </a:ext>
+            </a:extLst>
+          </p:cNvPr>
+          <p:cNvSpPr/>
+          <p:nvPr/>
+        </p:nvSpPr>
+        <p:spPr>
+          <a:xfrm>
+            <a:off x="3707612" y="3467991"/>
+            <a:ext cx="1124080" cy="309291"/>
+          </a:xfrm>
+          <a:prstGeom prst="rect">
+            <a:avLst/>
+          </a:prstGeom>
+          <a:noFill/>
+          <a:ln>
+            <a:noFill/>
+          </a:ln>
+        </p:spPr>
+        <p:style>
+          <a:lnRef idx="2">
+            <a:schemeClr val="accent1">
+              <a:shade val="15000"/>
+            </a:schemeClr>
+          </a:lnRef>
+          <a:fillRef idx="1">
+            <a:schemeClr val="accent1"/>
+          </a:fillRef>
+          <a:effectRef idx="0">
+            <a:schemeClr val="accent1"/>
+          </a:effectRef>
+          <a:fontRef idx="minor">
+            <a:schemeClr val="lt1"/>
+          </a:fontRef>
+        </p:style>
+        <p:txBody>
+          <a:bodyPr rtlCol="0" anchor="ctr"/>
+          <a:lstStyle/>
+          <a:p>
+            <a:pPr algn="ctr"/>
+            <a:r>
+              <a:rPr lang="en-US" altLang="ko-KR" sz="1400" dirty="0">
+                <a:solidFill>
+                  <a:schemeClr val="tx1"/>
+                </a:solidFill>
+              </a:rPr>
+              <a:t>[</a:t>
+            </a:r>
+            <a:r>
+              <a:rPr lang="ko-KR" altLang="en-US" sz="1400" dirty="0">
+                <a:solidFill>
+                  <a:schemeClr val="tx1"/>
+                </a:solidFill>
+              </a:rPr>
+              <a:t>하의</a:t>
+            </a:r>
+            <a:r>
+              <a:rPr lang="en-US" altLang="ko-KR" sz="1400" dirty="0">
+                <a:solidFill>
+                  <a:schemeClr val="tx1"/>
+                </a:solidFill>
+              </a:rPr>
+              <a:t>]</a:t>
+            </a:r>
+            <a:endParaRPr lang="ko-KR" altLang="en-US" sz="1400" dirty="0">
+              <a:solidFill>
+                <a:schemeClr val="tx1"/>
+              </a:solidFill>
+            </a:endParaRPr>
+          </a:p>
+        </p:txBody>
+      </p:sp>
+      <p:sp>
+        <p:nvSpPr>
+          <p:cNvPr id="10" name="직사각형 9">
+            <a:extLst>
+              <a:ext uri="{FF2B5EF4-FFF2-40B4-BE49-F238E27FC236}">
+                <a16:creationId xmlns:a16="http://schemas.microsoft.com/office/drawing/2014/main" id="{9BA5A247-1FEE-E6FA-BE83-48C10E99F0FF}"/>
+              </a:ext>
+            </a:extLst>
+          </p:cNvPr>
+          <p:cNvSpPr/>
+          <p:nvPr/>
+        </p:nvSpPr>
+        <p:spPr>
+          <a:xfrm>
+            <a:off x="5965307" y="3469498"/>
+            <a:ext cx="1417043" cy="309291"/>
+          </a:xfrm>
+          <a:prstGeom prst="rect">
+            <a:avLst/>
+          </a:prstGeom>
+          <a:noFill/>
+          <a:ln>
+            <a:noFill/>
+          </a:ln>
+        </p:spPr>
+        <p:style>
+          <a:lnRef idx="2">
+            <a:schemeClr val="accent1">
+              <a:shade val="15000"/>
+            </a:schemeClr>
+          </a:lnRef>
+          <a:fillRef idx="1">
+            <a:schemeClr val="accent1"/>
+          </a:fillRef>
+          <a:effectRef idx="0">
+            <a:schemeClr val="accent1"/>
+          </a:effectRef>
+          <a:fontRef idx="minor">
+            <a:schemeClr val="lt1"/>
+          </a:fontRef>
+        </p:style>
+        <p:txBody>
+          <a:bodyPr rtlCol="0" anchor="ctr"/>
+          <a:lstStyle/>
+          <a:p>
+            <a:pPr algn="ctr"/>
+            <a:r>
+              <a:rPr lang="en-US" altLang="ko-KR" sz="1400" dirty="0">
+                <a:solidFill>
+                  <a:schemeClr val="tx1"/>
+                </a:solidFill>
+              </a:rPr>
+              <a:t>[</a:t>
+            </a:r>
+            <a:r>
+              <a:rPr lang="ko-KR" altLang="en-US" sz="1400" dirty="0">
+                <a:solidFill>
+                  <a:schemeClr val="tx1"/>
+                </a:solidFill>
+              </a:rPr>
+              <a:t>원피스</a:t>
+            </a:r>
+            <a:r>
+              <a:rPr lang="en-US" altLang="ko-KR" sz="1400" dirty="0">
+                <a:solidFill>
+                  <a:schemeClr val="tx1"/>
+                </a:solidFill>
+              </a:rPr>
+              <a:t>]</a:t>
+            </a:r>
+            <a:endParaRPr lang="ko-KR" altLang="en-US" sz="1400" dirty="0">
+              <a:solidFill>
+                <a:schemeClr val="tx1"/>
+              </a:solidFill>
+            </a:endParaRPr>
+          </a:p>
+        </p:txBody>
+      </p:sp>
+    </p:spTree>
+    <p:extLst>
+      <p:ext uri="{BB962C8B-B14F-4D97-AF65-F5344CB8AC3E}">
+        <p14:creationId xmlns:p14="http://schemas.microsoft.com/office/powerpoint/2010/main" val="1689120690"/>
+      </p:ext>
+    </p:extLst>
+  </p:cSld>
+  <p:clrMapOvr>
+    <a:masterClrMapping/>
+  </p:clrMapOvr>
+</p:sld>
+</file>
+
+<file path=ppt/slides/slide6.xml><?xml version="1.0" encoding="utf-8"?>
+<p:sld xmlns:a="http://schemas.openxmlformats.org/drawingml/2006/main" xmlns:r="http://schemas.openxmlformats.org/officeDocument/2006/relationships" xmlns:p="http://schemas.openxmlformats.org/presentationml/2006/main">
+  <p:cSld>
+    <p:spTree>
+      <p:nvGrpSpPr>
+        <p:cNvPr id="1" name=""/>
+        <p:cNvGrpSpPr/>
+        <p:nvPr/>
+      </p:nvGrpSpPr>
+      <p:grpSpPr>
+        <a:xfrm>
+          <a:off x="0" y="0"/>
+          <a:ext cx="0" cy="0"/>
+          <a:chOff x="0" y="0"/>
+          <a:chExt cx="0" cy="0"/>
+        </a:xfrm>
+      </p:grpSpPr>
+      <p:sp>
+        <p:nvSpPr>
+          <p:cNvPr id="2" name="제목 1">
+            <a:extLst>
+              <a:ext uri="{FF2B5EF4-FFF2-40B4-BE49-F238E27FC236}">
+                <a16:creationId xmlns:a16="http://schemas.microsoft.com/office/drawing/2014/main" id="{4E0613C6-CBA0-6C3E-1958-DD34668FC85D}"/>
+              </a:ext>
+            </a:extLst>
+          </p:cNvPr>
+          <p:cNvSpPr>
+            <a:spLocks noGrp="1"/>
+          </p:cNvSpPr>
+          <p:nvPr>
+            <p:ph type="title"/>
+          </p:nvPr>
+        </p:nvSpPr>
+        <p:spPr/>
+        <p:txBody>
+          <a:bodyPr/>
+          <a:lstStyle/>
+          <a:p>
+            <a:r>
+              <a:rPr lang="ko-KR" altLang="en-US" dirty="0" err="1"/>
+              <a:t>무신사</a:t>
+            </a:r>
+            <a:r>
+              <a:rPr lang="ko-KR" altLang="en-US" dirty="0"/>
+              <a:t> </a:t>
+            </a:r>
+            <a:r>
+              <a:rPr lang="ko-KR" altLang="en-US" dirty="0" err="1"/>
+              <a:t>크롤링</a:t>
+            </a:r>
+            <a:r>
+              <a:rPr lang="ko-KR" altLang="en-US" dirty="0"/>
+              <a:t> </a:t>
+            </a:r>
+            <a:r>
+              <a:rPr lang="en-US" altLang="ko-KR" dirty="0"/>
+              <a:t>Dataset</a:t>
+            </a:r>
+            <a:endParaRPr lang="ko-KR" altLang="en-US" dirty="0"/>
+          </a:p>
+        </p:txBody>
+      </p:sp>
+      <p:sp>
+        <p:nvSpPr>
+          <p:cNvPr id="3" name="내용 개체 틀 2">
+            <a:extLst>
+              <a:ext uri="{FF2B5EF4-FFF2-40B4-BE49-F238E27FC236}">
+                <a16:creationId xmlns:a16="http://schemas.microsoft.com/office/drawing/2014/main" id="{84EE457F-56E6-C472-8BCA-C6836E8811A9}"/>
+              </a:ext>
+            </a:extLst>
+          </p:cNvPr>
+          <p:cNvSpPr>
+            <a:spLocks noGrp="1"/>
+          </p:cNvSpPr>
+          <p:nvPr>
+            <p:ph idx="1"/>
+          </p:nvPr>
+        </p:nvSpPr>
+        <p:spPr>
+          <a:xfrm>
+            <a:off x="964659" y="1690688"/>
+            <a:ext cx="10515600" cy="4351338"/>
+          </a:xfrm>
+        </p:spPr>
+        <p:txBody>
+          <a:bodyPr>
+            <a:normAutofit/>
+          </a:bodyPr>
+          <a:lstStyle/>
+          <a:p>
+            <a:r>
+              <a:rPr lang="ko-KR" altLang="en-US" dirty="0" err="1"/>
+              <a:t>전처리</a:t>
+            </a:r>
+            <a:r>
+              <a:rPr lang="ko-KR" altLang="en-US" dirty="0"/>
+              <a:t> </a:t>
+            </a:r>
+            <a:r>
+              <a:rPr lang="en-US" altLang="ko-KR" dirty="0"/>
+              <a:t>: </a:t>
+            </a:r>
+            <a:r>
+              <a:rPr lang="ko-KR" altLang="en-US" dirty="0"/>
+              <a:t>학습을 위해 이전에 학습한 </a:t>
+            </a:r>
+            <a:r>
+              <a:rPr lang="en-US" altLang="ko-KR" dirty="0"/>
+              <a:t>Clothes Detection </a:t>
+            </a:r>
+            <a:r>
+              <a:rPr lang="ko-KR" altLang="en-US" dirty="0"/>
+              <a:t>모델을 사용해 의류 이미지 영역만 검출한 후 </a:t>
+            </a:r>
+            <a:r>
+              <a:rPr lang="en-US" altLang="ko-KR" dirty="0"/>
+              <a:t>224x224 </a:t>
+            </a:r>
+            <a:r>
+              <a:rPr lang="ko-KR" altLang="en-US" dirty="0"/>
+              <a:t>크기로 </a:t>
+            </a:r>
+            <a:r>
+              <a:rPr lang="en-US" altLang="ko-KR" dirty="0" err="1"/>
+              <a:t>resiz</a:t>
+            </a:r>
+            <a:r>
+              <a:rPr lang="ko-KR" altLang="en-US" dirty="0"/>
+              <a:t>시킨 이미지 약 </a:t>
+            </a:r>
+            <a:r>
+              <a:rPr lang="en-US" altLang="ko-KR" dirty="0"/>
+              <a:t>48000</a:t>
+            </a:r>
+            <a:r>
+              <a:rPr lang="ko-KR" altLang="en-US" dirty="0"/>
+              <a:t>장 사용</a:t>
+            </a:r>
+          </a:p>
+        </p:txBody>
+      </p:sp>
+      <p:pic>
+        <p:nvPicPr>
+          <p:cNvPr id="12" name="그림 11">
+            <a:extLst>
+              <a:ext uri="{FF2B5EF4-FFF2-40B4-BE49-F238E27FC236}">
+                <a16:creationId xmlns:a16="http://schemas.microsoft.com/office/drawing/2014/main" id="{979AA1E9-4A87-39B9-873D-EA3E95B1D276}"/>
+              </a:ext>
+            </a:extLst>
+          </p:cNvPr>
+          <p:cNvPicPr>
+            <a:picLocks noChangeAspect="1"/>
+          </p:cNvPicPr>
+          <p:nvPr/>
+        </p:nvPicPr>
+        <p:blipFill>
+          <a:blip r:embed="rId2">
+            <a:extLst>
+              <a:ext uri="{28A0092B-C50C-407E-A947-70E740481C1C}">
+                <a14:useLocalDpi xmlns:a14="http://schemas.microsoft.com/office/drawing/2010/main" val="0"/>
+              </a:ext>
+            </a:extLst>
+          </a:blip>
+          <a:stretch>
+            <a:fillRect/>
+          </a:stretch>
+        </p:blipFill>
+        <p:spPr>
+          <a:xfrm>
+            <a:off x="10246342" y="3615407"/>
+            <a:ext cx="1597708" cy="2520000"/>
+          </a:xfrm>
+          <a:prstGeom prst="rect">
+            <a:avLst/>
+          </a:prstGeom>
+          <a:ln w="19050">
+            <a:solidFill>
+              <a:schemeClr val="tx1"/>
+            </a:solidFill>
+          </a:ln>
+        </p:spPr>
+      </p:pic>
+      <p:pic>
+        <p:nvPicPr>
+          <p:cNvPr id="16" name="그림 15">
+            <a:extLst>
+              <a:ext uri="{FF2B5EF4-FFF2-40B4-BE49-F238E27FC236}">
+                <a16:creationId xmlns:a16="http://schemas.microsoft.com/office/drawing/2014/main" id="{A94CAB42-6C57-D8B4-6DE5-6EED2EE9847D}"/>
+              </a:ext>
+            </a:extLst>
+          </p:cNvPr>
+          <p:cNvPicPr>
+            <a:picLocks noChangeAspect="1"/>
+          </p:cNvPicPr>
+          <p:nvPr/>
+        </p:nvPicPr>
+        <p:blipFill>
+          <a:blip r:embed="rId3">
+            <a:extLst>
+              <a:ext uri="{28A0092B-C50C-407E-A947-70E740481C1C}">
+                <a14:useLocalDpi xmlns:a14="http://schemas.microsoft.com/office/drawing/2010/main" val="0"/>
+              </a:ext>
+            </a:extLst>
+          </a:blip>
+          <a:stretch>
+            <a:fillRect/>
+          </a:stretch>
+        </p:blipFill>
+        <p:spPr>
+          <a:xfrm>
+            <a:off x="6961905" y="3252875"/>
+            <a:ext cx="2700000" cy="3240000"/>
+          </a:xfrm>
+          <a:prstGeom prst="rect">
+            <a:avLst/>
+          </a:prstGeom>
+          <a:ln w="19050">
+            <a:solidFill>
+              <a:schemeClr val="tx1"/>
+            </a:solidFill>
+          </a:ln>
+        </p:spPr>
+      </p:pic>
+      <p:pic>
+        <p:nvPicPr>
+          <p:cNvPr id="18" name="그림 17">
+            <a:extLst>
+              <a:ext uri="{FF2B5EF4-FFF2-40B4-BE49-F238E27FC236}">
+                <a16:creationId xmlns:a16="http://schemas.microsoft.com/office/drawing/2014/main" id="{9B3BCAA9-6DFB-D51A-6DB7-FA7A34776E1A}"/>
+              </a:ext>
+            </a:extLst>
+          </p:cNvPr>
+          <p:cNvPicPr>
+            <a:picLocks noChangeAspect="1"/>
+          </p:cNvPicPr>
+          <p:nvPr/>
+        </p:nvPicPr>
+        <p:blipFill>
+          <a:blip r:embed="rId4">
+            <a:extLst>
+              <a:ext uri="{28A0092B-C50C-407E-A947-70E740481C1C}">
+                <a14:useLocalDpi xmlns:a14="http://schemas.microsoft.com/office/drawing/2010/main" val="0"/>
+              </a:ext>
+            </a:extLst>
+          </a:blip>
+          <a:stretch>
+            <a:fillRect/>
+          </a:stretch>
+        </p:blipFill>
+        <p:spPr>
+          <a:xfrm>
+            <a:off x="392709" y="3252875"/>
+            <a:ext cx="2700000" cy="3240000"/>
+          </a:xfrm>
+          <a:prstGeom prst="rect">
+            <a:avLst/>
+          </a:prstGeom>
+        </p:spPr>
+      </p:pic>
+      <p:pic>
+        <p:nvPicPr>
+          <p:cNvPr id="20" name="그림 19">
+            <a:extLst>
+              <a:ext uri="{FF2B5EF4-FFF2-40B4-BE49-F238E27FC236}">
+                <a16:creationId xmlns:a16="http://schemas.microsoft.com/office/drawing/2014/main" id="{9A98D57C-B366-F6F0-4EF3-BD654BC09FAD}"/>
+              </a:ext>
+            </a:extLst>
+          </p:cNvPr>
+          <p:cNvPicPr>
+            <a:picLocks noChangeAspect="1"/>
+          </p:cNvPicPr>
+          <p:nvPr/>
+        </p:nvPicPr>
+        <p:blipFill>
+          <a:blip r:embed="rId5">
+            <a:extLst>
+              <a:ext uri="{28A0092B-C50C-407E-A947-70E740481C1C}">
+                <a14:useLocalDpi xmlns:a14="http://schemas.microsoft.com/office/drawing/2010/main" val="0"/>
+              </a:ext>
+            </a:extLst>
+          </a:blip>
+          <a:stretch>
+            <a:fillRect/>
+          </a:stretch>
+        </p:blipFill>
+        <p:spPr>
+          <a:xfrm>
+            <a:off x="3677146" y="3612875"/>
+            <a:ext cx="2700322" cy="2520000"/>
+          </a:xfrm>
+          <a:prstGeom prst="rect">
+            <a:avLst/>
+          </a:prstGeom>
+        </p:spPr>
+      </p:pic>
+      <p:sp>
+        <p:nvSpPr>
+          <p:cNvPr id="21" name="화살표: 오른쪽 20">
+            <a:extLst>
+              <a:ext uri="{FF2B5EF4-FFF2-40B4-BE49-F238E27FC236}">
+                <a16:creationId xmlns:a16="http://schemas.microsoft.com/office/drawing/2014/main" id="{FE43DAF1-262F-25E0-5FC5-56B24CC0F869}"/>
+              </a:ext>
+            </a:extLst>
+          </p:cNvPr>
+          <p:cNvSpPr/>
+          <p:nvPr/>
+        </p:nvSpPr>
+        <p:spPr>
+          <a:xfrm>
+            <a:off x="2859932" y="4731823"/>
+            <a:ext cx="1060315" cy="282103"/>
+          </a:xfrm>
+          <a:prstGeom prst="rightArrow">
+            <a:avLst/>
+          </a:prstGeom>
+          <a:solidFill>
+            <a:schemeClr val="accent2"/>
+          </a:solidFill>
+        </p:spPr>
+        <p:style>
+          <a:lnRef idx="2">
+            <a:schemeClr val="accent1">
+              <a:shade val="15000"/>
+            </a:schemeClr>
+          </a:lnRef>
+          <a:fillRef idx="1">
+            <a:schemeClr val="accent1"/>
+          </a:fillRef>
+          <a:effectRef idx="0">
+            <a:schemeClr val="accent1"/>
+          </a:effectRef>
+          <a:fontRef idx="minor">
+            <a:schemeClr val="lt1"/>
+          </a:fontRef>
+        </p:style>
+        <p:txBody>
+          <a:bodyPr rtlCol="0" anchor="ctr"/>
+          <a:lstStyle/>
+          <a:p>
+            <a:pPr algn="ctr"/>
+            <a:endParaRPr lang="ko-KR" altLang="en-US"/>
+          </a:p>
+        </p:txBody>
+      </p:sp>
+      <p:sp>
+        <p:nvSpPr>
+          <p:cNvPr id="22" name="화살표: 오른쪽 21">
+            <a:extLst>
+              <a:ext uri="{FF2B5EF4-FFF2-40B4-BE49-F238E27FC236}">
+                <a16:creationId xmlns:a16="http://schemas.microsoft.com/office/drawing/2014/main" id="{EC102CBB-ED52-73AB-7185-837FF5A81DF6}"/>
+              </a:ext>
+            </a:extLst>
+          </p:cNvPr>
+          <p:cNvSpPr/>
+          <p:nvPr/>
+        </p:nvSpPr>
+        <p:spPr>
+          <a:xfrm>
+            <a:off x="9332068" y="4731822"/>
+            <a:ext cx="1060315" cy="282103"/>
+          </a:xfrm>
+          <a:prstGeom prst="rightArrow">
+            <a:avLst/>
+          </a:prstGeom>
+          <a:solidFill>
+            <a:schemeClr val="accent2"/>
+          </a:solidFill>
+        </p:spPr>
+        <p:style>
+          <a:lnRef idx="2">
+            <a:schemeClr val="accent1">
+              <a:shade val="15000"/>
+            </a:schemeClr>
+          </a:lnRef>
+          <a:fillRef idx="1">
+            <a:schemeClr val="accent1"/>
+          </a:fillRef>
+          <a:effectRef idx="0">
+            <a:schemeClr val="accent1"/>
+          </a:effectRef>
+          <a:fontRef idx="minor">
+            <a:schemeClr val="lt1"/>
+          </a:fontRef>
+        </p:style>
+        <p:txBody>
+          <a:bodyPr rtlCol="0" anchor="ctr"/>
+          <a:lstStyle/>
+          <a:p>
+            <a:pPr algn="ctr"/>
+            <a:endParaRPr lang="ko-KR" altLang="en-US"/>
+          </a:p>
+        </p:txBody>
+      </p:sp>
+    </p:spTree>
+    <p:extLst>
+      <p:ext uri="{BB962C8B-B14F-4D97-AF65-F5344CB8AC3E}">
+        <p14:creationId xmlns:p14="http://schemas.microsoft.com/office/powerpoint/2010/main" val="1271085443"/>
+      </p:ext>
+    </p:extLst>
+  </p:cSld>
+  <p:clrMapOvr>
+    <a:masterClrMapping/>
+  </p:clrMapOvr>
+</p:sld>
+</file>
+
+<file path=ppt/slides/slide7.xml><?xml version="1.0" encoding="utf-8"?>
+<p:sld xmlns:a="http://schemas.openxmlformats.org/drawingml/2006/main" xmlns:r="http://schemas.openxmlformats.org/officeDocument/2006/relationships" xmlns:p="http://schemas.openxmlformats.org/presentationml/2006/main">
+  <p:cSld>
+    <p:spTree>
+      <p:nvGrpSpPr>
+        <p:cNvPr id="1" name=""/>
+        <p:cNvGrpSpPr/>
+        <p:nvPr/>
+      </p:nvGrpSpPr>
+      <p:grpSpPr>
+        <a:xfrm>
+          <a:off x="0" y="0"/>
+          <a:ext cx="0" cy="0"/>
+          <a:chOff x="0" y="0"/>
+          <a:chExt cx="0" cy="0"/>
+        </a:xfrm>
+      </p:grpSpPr>
+      <p:sp>
+        <p:nvSpPr>
+          <p:cNvPr id="2" name="제목 1">
+            <a:extLst>
+              <a:ext uri="{FF2B5EF4-FFF2-40B4-BE49-F238E27FC236}">
+                <a16:creationId xmlns:a16="http://schemas.microsoft.com/office/drawing/2014/main" id="{3F5CAF6B-AEAC-9A8C-B83F-AC3B227B2BCA}"/>
+              </a:ext>
+            </a:extLst>
+          </p:cNvPr>
+          <p:cNvSpPr>
+            <a:spLocks noGrp="1"/>
+          </p:cNvSpPr>
+          <p:nvPr>
+            <p:ph type="title"/>
+          </p:nvPr>
+        </p:nvSpPr>
+        <p:spPr/>
+        <p:txBody>
+          <a:bodyPr/>
+          <a:lstStyle/>
+          <a:p>
+            <a:r>
+              <a:rPr lang="ko-KR" altLang="en-US" dirty="0"/>
+              <a:t>실험 방법</a:t>
+            </a:r>
+          </a:p>
+        </p:txBody>
+      </p:sp>
+      <p:sp>
+        <p:nvSpPr>
+          <p:cNvPr id="3" name="내용 개체 틀 2">
+            <a:extLst>
+              <a:ext uri="{FF2B5EF4-FFF2-40B4-BE49-F238E27FC236}">
+                <a16:creationId xmlns:a16="http://schemas.microsoft.com/office/drawing/2014/main" id="{535F0325-10E1-1082-F9CD-FEBAC818B63D}"/>
+              </a:ext>
+            </a:extLst>
+          </p:cNvPr>
+          <p:cNvSpPr>
+            <a:spLocks noGrp="1"/>
+          </p:cNvSpPr>
+          <p:nvPr>
+            <p:ph idx="1"/>
+          </p:nvPr>
+        </p:nvSpPr>
+        <p:spPr/>
+        <p:txBody>
+          <a:bodyPr/>
+          <a:lstStyle/>
+          <a:p>
+            <a:r>
+              <a:rPr lang="en-US" altLang="ko-KR" dirty="0"/>
+              <a:t>ImageNet</a:t>
+            </a:r>
+            <a:r>
+              <a:rPr lang="ko-KR" altLang="en-US" dirty="0"/>
+              <a:t>으로 학습된 모델에 커스텀 데이터로 파인 튜닝</a:t>
+            </a:r>
+            <a:endParaRPr lang="en-US" altLang="ko-KR" dirty="0"/>
+          </a:p>
+          <a:p>
+            <a:r>
+              <a:rPr lang="ko-KR" altLang="en-US" dirty="0" err="1"/>
+              <a:t>파인튜닝을</a:t>
+            </a:r>
+            <a:r>
+              <a:rPr lang="ko-KR" altLang="en-US" dirty="0"/>
+              <a:t> 하지 않고 커스텀 데이터로만 학습</a:t>
+            </a:r>
+            <a:endParaRPr lang="en-US" altLang="ko-KR" dirty="0"/>
+          </a:p>
+          <a:p>
+            <a:r>
+              <a:rPr lang="en-US" altLang="ko-KR" dirty="0"/>
+              <a:t>Model1 : </a:t>
+            </a:r>
+            <a:r>
+              <a:rPr lang="ko-KR" altLang="en-US" dirty="0"/>
+              <a:t>상의 데이터만 학습</a:t>
+            </a:r>
+            <a:endParaRPr lang="en-US" altLang="ko-KR" dirty="0"/>
+          </a:p>
+          <a:p>
+            <a:r>
+              <a:rPr lang="en-US" altLang="ko-KR" dirty="0"/>
+              <a:t>Model2 : </a:t>
+            </a:r>
+            <a:r>
+              <a:rPr lang="ko-KR" altLang="en-US" dirty="0"/>
+              <a:t>하의 데이터만 학습</a:t>
+            </a:r>
+            <a:endParaRPr lang="en-US" altLang="ko-KR" dirty="0"/>
+          </a:p>
+          <a:p>
+            <a:r>
+              <a:rPr lang="en-US" altLang="ko-KR" dirty="0"/>
+              <a:t>Model3 : </a:t>
+            </a:r>
+            <a:r>
+              <a:rPr lang="ko-KR" altLang="en-US" dirty="0"/>
+              <a:t>원피스 데이터만 학습</a:t>
+            </a:r>
+            <a:endParaRPr lang="en-US" altLang="ko-KR" dirty="0"/>
+          </a:p>
+        </p:txBody>
+      </p:sp>
+    </p:spTree>
+    <p:extLst>
+      <p:ext uri="{BB962C8B-B14F-4D97-AF65-F5344CB8AC3E}">
+        <p14:creationId xmlns:p14="http://schemas.microsoft.com/office/powerpoint/2010/main" val="2055300155"/>
+      </p:ext>
+    </p:extLst>
+  </p:cSld>
+  <p:clrMapOvr>
+    <a:masterClrMapping/>
+  </p:clrMapOvr>
+</p:sld>
+</file>
+
+<file path=ppt/slides/slide8.xml><?xml version="1.0" encoding="utf-8"?>
+<p:sld xmlns:a="http://schemas.openxmlformats.org/drawingml/2006/main" xmlns:r="http://schemas.openxmlformats.org/officeDocument/2006/relationships" xmlns:p="http://schemas.openxmlformats.org/presentationml/2006/main">
+  <p:cSld>
+    <p:spTree>
+      <p:nvGrpSpPr>
+        <p:cNvPr id="1" name=""/>
+        <p:cNvGrpSpPr/>
+        <p:nvPr/>
+      </p:nvGrpSpPr>
+      <p:grpSpPr>
+        <a:xfrm>
+          <a:off x="0" y="0"/>
+          <a:ext cx="0" cy="0"/>
+          <a:chOff x="0" y="0"/>
+          <a:chExt cx="0" cy="0"/>
+        </a:xfrm>
+      </p:grpSpPr>
+      <p:sp>
+        <p:nvSpPr>
+          <p:cNvPr id="2" name="제목 1">
+            <a:extLst>
+              <a:ext uri="{FF2B5EF4-FFF2-40B4-BE49-F238E27FC236}">
+                <a16:creationId xmlns:a16="http://schemas.microsoft.com/office/drawing/2014/main" id="{089CAD87-2A6F-4280-912C-3D62B519A292}"/>
+              </a:ext>
+            </a:extLst>
+          </p:cNvPr>
+          <p:cNvSpPr>
+            <a:spLocks noGrp="1"/>
+          </p:cNvSpPr>
+          <p:nvPr>
+            <p:ph type="title"/>
+          </p:nvPr>
+        </p:nvSpPr>
+        <p:spPr/>
+        <p:txBody>
+          <a:bodyPr/>
+          <a:lstStyle/>
+          <a:p>
+            <a:r>
+              <a:rPr lang="en-US" altLang="ko-KR" dirty="0"/>
+              <a:t>Model1 Loss graph</a:t>
+            </a:r>
+            <a:endParaRPr lang="ko-KR" altLang="en-US" dirty="0"/>
+          </a:p>
+        </p:txBody>
+      </p:sp>
+      <p:sp>
+        <p:nvSpPr>
+          <p:cNvPr id="3" name="내용 개체 틀 2">
+            <a:extLst>
+              <a:ext uri="{FF2B5EF4-FFF2-40B4-BE49-F238E27FC236}">
+                <a16:creationId xmlns:a16="http://schemas.microsoft.com/office/drawing/2014/main" id="{6ED6A55D-1967-632D-A81B-7963709E47BC}"/>
+              </a:ext>
+            </a:extLst>
+          </p:cNvPr>
+          <p:cNvSpPr>
+            <a:spLocks noGrp="1"/>
+          </p:cNvSpPr>
+          <p:nvPr>
+            <p:ph idx="1"/>
+          </p:nvPr>
+        </p:nvSpPr>
+        <p:spPr/>
+        <p:txBody>
+          <a:bodyPr/>
+          <a:lstStyle/>
+          <a:p>
+            <a:endParaRPr lang="ko-KR" altLang="en-US" dirty="0"/>
+          </a:p>
+        </p:txBody>
+      </p:sp>
+    </p:spTree>
+    <p:extLst>
+      <p:ext uri="{BB962C8B-B14F-4D97-AF65-F5344CB8AC3E}">
+        <p14:creationId xmlns:p14="http://schemas.microsoft.com/office/powerpoint/2010/main" val="1754949169"/>
+      </p:ext>
+    </p:extLst>
+  </p:cSld>
+  <p:clrMapOvr>
+    <a:masterClrMapping/>
+  </p:clrMapOvr>
+</p:sld>
+</file>
+
+<file path=ppt/slides/slide9.xml><?xml version="1.0" encoding="utf-8"?>
+<p:sld xmlns:a="http://schemas.openxmlformats.org/drawingml/2006/main" xmlns:r="http://schemas.openxmlformats.org/officeDocument/2006/relationships" xmlns:p="http://schemas.openxmlformats.org/presentationml/2006/main">
+  <p:cSld>
+    <p:spTree>
+      <p:nvGrpSpPr>
+        <p:cNvPr id="1" name=""/>
+        <p:cNvGrpSpPr/>
+        <p:nvPr/>
+      </p:nvGrpSpPr>
+      <p:grpSpPr>
+        <a:xfrm>
+          <a:off x="0" y="0"/>
+          <a:ext cx="0" cy="0"/>
+          <a:chOff x="0" y="0"/>
+          <a:chExt cx="0" cy="0"/>
+        </a:xfrm>
+      </p:grpSpPr>
+      <p:sp>
+        <p:nvSpPr>
+          <p:cNvPr id="2" name="제목 1">
+            <a:extLst>
+              <a:ext uri="{FF2B5EF4-FFF2-40B4-BE49-F238E27FC236}">
+                <a16:creationId xmlns:a16="http://schemas.microsoft.com/office/drawing/2014/main" id="{1A14155E-93BA-B3ED-37C8-F6A4E63A782F}"/>
+              </a:ext>
+            </a:extLst>
+          </p:cNvPr>
+          <p:cNvSpPr>
+            <a:spLocks noGrp="1"/>
+          </p:cNvSpPr>
+          <p:nvPr>
+            <p:ph type="title"/>
+          </p:nvPr>
+        </p:nvSpPr>
+        <p:spPr/>
+        <p:txBody>
+          <a:bodyPr/>
+          <a:lstStyle/>
+          <a:p>
+            <a:r>
+              <a:rPr lang="en-US" altLang="ko-KR" dirty="0"/>
+              <a:t>Model1 Acc graph</a:t>
+            </a:r>
+            <a:endParaRPr lang="ko-KR" altLang="en-US" dirty="0"/>
+          </a:p>
+        </p:txBody>
+      </p:sp>
+      <p:sp>
+        <p:nvSpPr>
+          <p:cNvPr id="3" name="내용 개체 틀 2">
+            <a:extLst>
+              <a:ext uri="{FF2B5EF4-FFF2-40B4-BE49-F238E27FC236}">
+                <a16:creationId xmlns:a16="http://schemas.microsoft.com/office/drawing/2014/main" id="{3DA50550-2307-DA41-B74E-306ECFB608C1}"/>
+              </a:ext>
+            </a:extLst>
+          </p:cNvPr>
+          <p:cNvSpPr>
+            <a:spLocks noGrp="1"/>
+          </p:cNvSpPr>
+          <p:nvPr>
+            <p:ph idx="1"/>
+          </p:nvPr>
+        </p:nvSpPr>
+        <p:spPr/>
+        <p:txBody>
+          <a:bodyPr/>
+          <a:lstStyle/>
+          <a:p>
+            <a:endParaRPr lang="ko-KR" altLang="en-US"/>
+          </a:p>
+        </p:txBody>
+      </p:sp>
+    </p:spTree>
+    <p:extLst>
+      <p:ext uri="{BB962C8B-B14F-4D97-AF65-F5344CB8AC3E}">
+        <p14:creationId xmlns:p14="http://schemas.microsoft.com/office/powerpoint/2010/main" val="3130902266"/>
       </p:ext>
     </p:extLst>
   </p:cSld>

--- a/documents/의류 카테고리 분류 모델 결과 보고서.pptx
+++ b/documents/의류 카테고리 분류 모델 결과 보고서.pptx
@@ -3906,7 +3906,7 @@
     <mc:Choice Requires="p14">
       <p:transition/>
     </mc:Choice>
-    <mc:Fallback xmlns:dsp="http://schemas.microsoft.com/office/drawing/2008/diagram" xmlns:dgm="http://schemas.openxmlformats.org/drawingml/2006/diagram" xmlns:c="http://schemas.openxmlformats.org/drawingml/2006/chart" xmlns="">
+    <mc:Fallback xmlns="" xmlns:c="http://schemas.openxmlformats.org/drawingml/2006/chart" xmlns:dgm="http://schemas.openxmlformats.org/drawingml/2006/diagram" xmlns:dsp="http://schemas.microsoft.com/office/drawing/2008/diagram">
       <p:transition/>
     </mc:Fallback>
   </mc:AlternateContent>
@@ -4345,7 +4345,7 @@
     <mc:Choice Requires="p14">
       <p:transition/>
     </mc:Choice>
-    <mc:Fallback xmlns:dsp="http://schemas.microsoft.com/office/drawing/2008/diagram" xmlns:dgm="http://schemas.openxmlformats.org/drawingml/2006/diagram" xmlns:c="http://schemas.openxmlformats.org/drawingml/2006/chart" xmlns="">
+    <mc:Fallback xmlns="" xmlns:c="http://schemas.openxmlformats.org/drawingml/2006/chart" xmlns:dgm="http://schemas.openxmlformats.org/drawingml/2006/diagram" xmlns:dsp="http://schemas.microsoft.com/office/drawing/2008/diagram">
       <p:transition/>
     </mc:Fallback>
   </mc:AlternateContent>
@@ -4790,7 +4790,7 @@
     <mc:Choice Requires="p14">
       <p:transition/>
     </mc:Choice>
-    <mc:Fallback xmlns:dsp="http://schemas.microsoft.com/office/drawing/2008/diagram" xmlns:dgm="http://schemas.openxmlformats.org/drawingml/2006/diagram" xmlns:c="http://schemas.openxmlformats.org/drawingml/2006/chart" xmlns="">
+    <mc:Fallback xmlns="" xmlns:c="http://schemas.openxmlformats.org/drawingml/2006/chart" xmlns:dgm="http://schemas.openxmlformats.org/drawingml/2006/diagram" xmlns:dsp="http://schemas.microsoft.com/office/drawing/2008/diagram">
       <p:transition/>
     </mc:Fallback>
   </mc:AlternateContent>
@@ -5705,7 +5705,7 @@
     <mc:Choice Requires="p14">
       <p:transition/>
     </mc:Choice>
-    <mc:Fallback xmlns:dsp="http://schemas.microsoft.com/office/drawing/2008/diagram" xmlns:dgm="http://schemas.openxmlformats.org/drawingml/2006/diagram" xmlns:c="http://schemas.openxmlformats.org/drawingml/2006/chart" xmlns="">
+    <mc:Fallback xmlns="" xmlns:c="http://schemas.openxmlformats.org/drawingml/2006/chart" xmlns:dgm="http://schemas.openxmlformats.org/drawingml/2006/diagram" xmlns:dsp="http://schemas.microsoft.com/office/drawing/2008/diagram">
       <p:transition/>
     </mc:Fallback>
   </mc:AlternateContent>
@@ -9120,7 +9120,7 @@
     <mc:Choice Requires="p14">
       <p:transition/>
     </mc:Choice>
-    <mc:Fallback xmlns:dsp="http://schemas.microsoft.com/office/drawing/2008/diagram" xmlns:dgm="http://schemas.openxmlformats.org/drawingml/2006/diagram" xmlns:c="http://schemas.openxmlformats.org/drawingml/2006/chart" xmlns="">
+    <mc:Fallback xmlns="" xmlns:c="http://schemas.openxmlformats.org/drawingml/2006/chart" xmlns:dgm="http://schemas.openxmlformats.org/drawingml/2006/diagram" xmlns:dsp="http://schemas.microsoft.com/office/drawing/2008/diagram">
       <p:transition/>
     </mc:Fallback>
   </mc:AlternateContent>
@@ -12086,7 +12086,7 @@
     <mc:Choice Requires="p14">
       <p:transition/>
     </mc:Choice>
-    <mc:Fallback xmlns:dsp="http://schemas.microsoft.com/office/drawing/2008/diagram" xmlns:dgm="http://schemas.openxmlformats.org/drawingml/2006/diagram" xmlns:c="http://schemas.openxmlformats.org/drawingml/2006/chart" xmlns="">
+    <mc:Fallback xmlns="" xmlns:c="http://schemas.openxmlformats.org/drawingml/2006/chart" xmlns:dgm="http://schemas.openxmlformats.org/drawingml/2006/diagram" xmlns:dsp="http://schemas.microsoft.com/office/drawing/2008/diagram">
       <p:transition/>
     </mc:Fallback>
   </mc:AlternateContent>
@@ -12717,7 +12717,7 @@
     <mc:Choice Requires="p14">
       <p:transition/>
     </mc:Choice>
-    <mc:Fallback xmlns:dsp="http://schemas.microsoft.com/office/drawing/2008/diagram" xmlns:dgm="http://schemas.openxmlformats.org/drawingml/2006/diagram" xmlns:c="http://schemas.openxmlformats.org/drawingml/2006/chart" xmlns="">
+    <mc:Fallback xmlns="" xmlns:c="http://schemas.openxmlformats.org/drawingml/2006/chart" xmlns:dgm="http://schemas.openxmlformats.org/drawingml/2006/diagram" xmlns:dsp="http://schemas.microsoft.com/office/drawing/2008/diagram">
       <p:transition/>
     </mc:Fallback>
   </mc:AlternateContent>
@@ -13473,7 +13473,7 @@
     <mc:Choice Requires="p14">
       <p:transition/>
     </mc:Choice>
-    <mc:Fallback xmlns:dsp="http://schemas.microsoft.com/office/drawing/2008/diagram" xmlns:dgm="http://schemas.openxmlformats.org/drawingml/2006/diagram" xmlns:c="http://schemas.openxmlformats.org/drawingml/2006/chart" xmlns="">
+    <mc:Fallback xmlns="" xmlns:c="http://schemas.openxmlformats.org/drawingml/2006/chart" xmlns:dgm="http://schemas.openxmlformats.org/drawingml/2006/diagram" xmlns:dsp="http://schemas.microsoft.com/office/drawing/2008/diagram">
       <p:transition/>
     </mc:Fallback>
   </mc:AlternateContent>
@@ -14784,7 +14784,7 @@
     <mc:Choice Requires="p14">
       <p:transition/>
     </mc:Choice>
-    <mc:Fallback xmlns:dsp="http://schemas.microsoft.com/office/drawing/2008/diagram" xmlns:dgm="http://schemas.openxmlformats.org/drawingml/2006/diagram" xmlns:c="http://schemas.openxmlformats.org/drawingml/2006/chart" xmlns="">
+    <mc:Fallback xmlns="" xmlns:c="http://schemas.openxmlformats.org/drawingml/2006/chart" xmlns:dgm="http://schemas.openxmlformats.org/drawingml/2006/diagram" xmlns:dsp="http://schemas.microsoft.com/office/drawing/2008/diagram">
       <p:transition/>
     </mc:Fallback>
   </mc:AlternateContent>
@@ -18101,7 +18101,7 @@
     <mc:Choice Requires="p14">
       <p:transition/>
     </mc:Choice>
-    <mc:Fallback xmlns:dsp="http://schemas.microsoft.com/office/drawing/2008/diagram" xmlns:dgm="http://schemas.openxmlformats.org/drawingml/2006/diagram" xmlns:c="http://schemas.openxmlformats.org/drawingml/2006/chart" xmlns="">
+    <mc:Fallback xmlns="" xmlns:c="http://schemas.openxmlformats.org/drawingml/2006/chart" xmlns:dgm="http://schemas.openxmlformats.org/drawingml/2006/diagram" xmlns:dsp="http://schemas.microsoft.com/office/drawing/2008/diagram">
       <p:transition/>
     </mc:Fallback>
   </mc:AlternateContent>
@@ -18675,7 +18675,7 @@
     <mc:Choice Requires="p14">
       <p:transition/>
     </mc:Choice>
-    <mc:Fallback xmlns:dsp="http://schemas.microsoft.com/office/drawing/2008/diagram" xmlns:dgm="http://schemas.openxmlformats.org/drawingml/2006/diagram" xmlns:c="http://schemas.openxmlformats.org/drawingml/2006/chart" xmlns="">
+    <mc:Fallback xmlns="" xmlns:c="http://schemas.openxmlformats.org/drawingml/2006/chart" xmlns:dgm="http://schemas.openxmlformats.org/drawingml/2006/diagram" xmlns:dsp="http://schemas.microsoft.com/office/drawing/2008/diagram">
       <p:transition/>
     </mc:Fallback>
   </mc:AlternateContent>
@@ -19008,7 +19008,7 @@
           </a:prstGeom>
         </p:spPr>
         <p:txBody>
-          <a:bodyPr lIns="0" tIns="0" rIns="0" bIns="0" anchor="ctr"/>
+          <a:bodyPr lIns="0" tIns="0" rIns="0" bIns="0" anchor="t"/>
           <a:lstStyle/>
           <a:p>
             <a:pPr lvl="0" algn="l">
@@ -19073,164 +19073,6 @@
               <a:latin typeface="나눔바른고딕OTF"/>
               <a:ea typeface="나눔바른고딕OTF"/>
             </a:endParaRPr>
-          </a:p>
-        </p:txBody>
-      </p:sp>
-      <p:sp>
-        <p:nvSpPr>
-          <p:cNvPr id="15" name="TextBox 15"/>
-          <p:cNvSpPr txBox="1"/>
-          <p:nvPr/>
-        </p:nvSpPr>
-        <p:spPr>
-          <a:xfrm>
-            <a:off x="-2476500" y="5549900"/>
-            <a:ext cx="2895600" cy="203200"/>
-          </a:xfrm>
-          <a:prstGeom prst="rect">
-            <a:avLst/>
-          </a:prstGeom>
-        </p:spPr>
-        <p:txBody>
-          <a:bodyPr lIns="0" tIns="0" rIns="0" bIns="0" anchor="ctr"/>
-          <a:lstStyle/>
-          <a:p>
-            <a:pPr lvl="0" algn="ctr">
-              <a:lnSpc>
-                <a:spcPct val="166000"/>
-              </a:lnSpc>
-              <a:defRPr/>
-            </a:pPr>
-            <a:r>
-              <a:rPr lang="en-US" sz="1100" b="0" i="0" u="none" strike="noStrike">
-                <a:solidFill>
-                  <a:srgbClr val="FFFFFF"/>
-                </a:solidFill>
-                <a:latin typeface="Gmarket Sans Medium"/>
-                <a:ea typeface="나눔바른고딕OTF"/>
-              </a:rPr>
-              <a:t>*</a:t>
-            </a:r>
-            <a:r>
-              <a:rPr lang="ko-KR" sz="1100" b="0" i="0" u="none" strike="noStrike">
-                <a:solidFill>
-                  <a:srgbClr val="FFFFFF"/>
-                </a:solidFill>
-                <a:latin typeface="나눔바른고딕OTF"/>
-                <a:ea typeface="Gmarket Sans Medium"/>
-              </a:rPr>
-              <a:t>페이지</a:t>
-            </a:r>
-            <a:r>
-              <a:rPr lang="en-US" sz="1100" b="0" i="0" u="none" strike="noStrike">
-                <a:solidFill>
-                  <a:srgbClr val="FFFFFF"/>
-                </a:solidFill>
-                <a:latin typeface="Gmarket Sans Medium"/>
-                <a:ea typeface="나눔바른고딕OTF"/>
-              </a:rPr>
-              <a:t> </a:t>
-            </a:r>
-            <a:r>
-              <a:rPr lang="ko-KR" sz="1100" b="0" i="0" u="none" strike="noStrike">
-                <a:solidFill>
-                  <a:srgbClr val="FFFFFF"/>
-                </a:solidFill>
-                <a:latin typeface="나눔바른고딕OTF"/>
-                <a:ea typeface="Gmarket Sans Medium"/>
-              </a:rPr>
-              <a:t>내</a:t>
-            </a:r>
-            <a:r>
-              <a:rPr lang="en-US" sz="1100" b="0" i="0" u="none" strike="noStrike">
-                <a:solidFill>
-                  <a:srgbClr val="FFFFFF"/>
-                </a:solidFill>
-                <a:latin typeface="Gmarket Sans Medium"/>
-                <a:ea typeface="나눔바른고딕OTF"/>
-              </a:rPr>
-              <a:t> </a:t>
-            </a:r>
-            <a:r>
-              <a:rPr lang="ko-KR" sz="1100" b="0" i="0" u="none" strike="noStrike">
-                <a:solidFill>
-                  <a:srgbClr val="FFFFFF"/>
-                </a:solidFill>
-                <a:latin typeface="나눔바른고딕OTF"/>
-                <a:ea typeface="Gmarket Sans Medium"/>
-              </a:rPr>
-              <a:t>인물</a:t>
-            </a:r>
-            <a:r>
-              <a:rPr lang="en-US" sz="1100" b="0" i="0" u="none" strike="noStrike">
-                <a:solidFill>
-                  <a:srgbClr val="FFFFFF"/>
-                </a:solidFill>
-                <a:latin typeface="Gmarket Sans Medium"/>
-                <a:ea typeface="나눔바른고딕OTF"/>
-              </a:rPr>
-              <a:t> </a:t>
-            </a:r>
-            <a:r>
-              <a:rPr lang="ko-KR" sz="1100" b="0" i="0" u="none" strike="noStrike">
-                <a:solidFill>
-                  <a:srgbClr val="FFFFFF"/>
-                </a:solidFill>
-                <a:latin typeface="나눔바른고딕OTF"/>
-                <a:ea typeface="Gmarket Sans Medium"/>
-              </a:rPr>
-              <a:t>사진은</a:t>
-            </a:r>
-            <a:r>
-              <a:rPr lang="en-US" sz="1100" b="0" i="0" u="none" strike="noStrike">
-                <a:solidFill>
-                  <a:srgbClr val="FFFFFF"/>
-                </a:solidFill>
-                <a:latin typeface="Gmarket Sans Medium"/>
-                <a:ea typeface="나눔바른고딕OTF"/>
-              </a:rPr>
-              <a:t> </a:t>
-            </a:r>
-            <a:r>
-              <a:rPr lang="ko-KR" sz="1100" b="0" i="0" u="none" strike="noStrike">
-                <a:solidFill>
-                  <a:srgbClr val="FFFFFF"/>
-                </a:solidFill>
-                <a:latin typeface="나눔바른고딕OTF"/>
-                <a:ea typeface="Gmarket Sans Medium"/>
-              </a:rPr>
-              <a:t>샘플이미지</a:t>
-            </a:r>
-            <a:r>
-              <a:rPr lang="en-US" sz="1100" b="0" i="0" u="none" strike="noStrike">
-                <a:solidFill>
-                  <a:srgbClr val="FFFFFF"/>
-                </a:solidFill>
-                <a:latin typeface="Gmarket Sans Medium"/>
-                <a:ea typeface="나눔바른고딕OTF"/>
-              </a:rPr>
-              <a:t> </a:t>
-            </a:r>
-            <a:r>
-              <a:rPr lang="ko-KR" sz="1100" b="0" i="0" u="none" strike="noStrike">
-                <a:solidFill>
-                  <a:srgbClr val="FFFFFF"/>
-                </a:solidFill>
-                <a:latin typeface="나눔바른고딕OTF"/>
-                <a:ea typeface="Gmarket Sans Medium"/>
-              </a:rPr>
-              <a:t>입니다</a:t>
-            </a:r>
-            <a:r>
-              <a:rPr lang="en-US" sz="1100" b="0" i="0" u="none" strike="noStrike">
-                <a:solidFill>
-                  <a:srgbClr val="FFFFFF"/>
-                </a:solidFill>
-                <a:latin typeface="Gmarket Sans Medium"/>
-                <a:ea typeface="나눔바른고딕OTF"/>
-              </a:rPr>
-              <a:t>. </a:t>
-            </a:r>
           </a:p>
         </p:txBody>
       </p:sp>
@@ -19273,7 +19115,7 @@
     <mc:Choice Requires="p14">
       <p:transition/>
     </mc:Choice>
-    <mc:Fallback xmlns:dsp="http://schemas.microsoft.com/office/drawing/2008/diagram" xmlns:dgm="http://schemas.openxmlformats.org/drawingml/2006/diagram" xmlns:c="http://schemas.openxmlformats.org/drawingml/2006/chart" xmlns="">
+    <mc:Fallback xmlns="" xmlns:c="http://schemas.openxmlformats.org/drawingml/2006/chart" xmlns:dgm="http://schemas.openxmlformats.org/drawingml/2006/diagram" xmlns:dsp="http://schemas.microsoft.com/office/drawing/2008/diagram">
       <p:transition/>
     </mc:Fallback>
   </mc:AlternateContent>
@@ -20793,7 +20635,7 @@
     <mc:Choice Requires="p14">
       <p:transition/>
     </mc:Choice>
-    <mc:Fallback xmlns:dsp="http://schemas.microsoft.com/office/drawing/2008/diagram" xmlns:dgm="http://schemas.openxmlformats.org/drawingml/2006/diagram" xmlns:c="http://schemas.openxmlformats.org/drawingml/2006/chart" xmlns="">
+    <mc:Fallback xmlns="" xmlns:c="http://schemas.openxmlformats.org/drawingml/2006/chart" xmlns:dgm="http://schemas.openxmlformats.org/drawingml/2006/diagram" xmlns:dsp="http://schemas.microsoft.com/office/drawing/2008/diagram">
       <p:transition/>
     </mc:Fallback>
   </mc:AlternateContent>
@@ -21040,7 +20882,7 @@
     <mc:Choice Requires="p14">
       <p:transition/>
     </mc:Choice>
-    <mc:Fallback xmlns:dsp="http://schemas.microsoft.com/office/drawing/2008/diagram" xmlns:dgm="http://schemas.openxmlformats.org/drawingml/2006/diagram" xmlns:c="http://schemas.openxmlformats.org/drawingml/2006/chart" xmlns="">
+    <mc:Fallback xmlns="" xmlns:c="http://schemas.openxmlformats.org/drawingml/2006/chart" xmlns:dgm="http://schemas.openxmlformats.org/drawingml/2006/diagram" xmlns:dsp="http://schemas.microsoft.com/office/drawing/2008/diagram">
       <p:transition/>
     </mc:Fallback>
   </mc:AlternateContent>
@@ -24250,7 +24092,7 @@
     <mc:Choice Requires="p14">
       <p:transition/>
     </mc:Choice>
-    <mc:Fallback xmlns:dsp="http://schemas.microsoft.com/office/drawing/2008/diagram" xmlns:dgm="http://schemas.openxmlformats.org/drawingml/2006/diagram" xmlns:c="http://schemas.openxmlformats.org/drawingml/2006/chart" xmlns="">
+    <mc:Fallback xmlns="" xmlns:c="http://schemas.openxmlformats.org/drawingml/2006/chart" xmlns:dgm="http://schemas.openxmlformats.org/drawingml/2006/diagram" xmlns:dsp="http://schemas.microsoft.com/office/drawing/2008/diagram">
       <p:transition/>
     </mc:Fallback>
   </mc:AlternateContent>
@@ -25201,7 +25043,7 @@
     <mc:Choice Requires="p14">
       <p:transition/>
     </mc:Choice>
-    <mc:Fallback xmlns:dsp="http://schemas.microsoft.com/office/drawing/2008/diagram" xmlns:dgm="http://schemas.openxmlformats.org/drawingml/2006/diagram" xmlns:c="http://schemas.openxmlformats.org/drawingml/2006/chart" xmlns="">
+    <mc:Fallback xmlns="" xmlns:c="http://schemas.openxmlformats.org/drawingml/2006/chart" xmlns:dgm="http://schemas.openxmlformats.org/drawingml/2006/diagram" xmlns:dsp="http://schemas.microsoft.com/office/drawing/2008/diagram">
       <p:transition/>
     </mc:Fallback>
   </mc:AlternateContent>
@@ -25943,7 +25785,7 @@
     <mc:Choice Requires="p14">
       <p:transition/>
     </mc:Choice>
-    <mc:Fallback xmlns:dsp="http://schemas.microsoft.com/office/drawing/2008/diagram" xmlns:dgm="http://schemas.openxmlformats.org/drawingml/2006/diagram" xmlns:c="http://schemas.openxmlformats.org/drawingml/2006/chart" xmlns="">
+    <mc:Fallback xmlns="" xmlns:c="http://schemas.openxmlformats.org/drawingml/2006/chart" xmlns:dgm="http://schemas.openxmlformats.org/drawingml/2006/diagram" xmlns:dsp="http://schemas.microsoft.com/office/drawing/2008/diagram">
       <p:transition/>
     </mc:Fallback>
   </mc:AlternateContent>

--- a/documents/의류 카테고리 분류 모델 결과 보고서.pptx
+++ b/documents/의류 카테고리 분류 모델 결과 보고서.pptx
@@ -14,8 +14,8 @@
     <p:sldId id="286" r:id="rId8"/>
     <p:sldId id="265" r:id="rId9"/>
     <p:sldId id="266" r:id="rId10"/>
-    <p:sldId id="267" r:id="rId11"/>
-    <p:sldId id="268" r:id="rId12"/>
+    <p:sldId id="268" r:id="rId11"/>
+    <p:sldId id="267" r:id="rId12"/>
     <p:sldId id="281" r:id="rId13"/>
     <p:sldId id="270" r:id="rId14"/>
     <p:sldId id="271" r:id="rId15"/>
@@ -334,7 +334,7 @@
               <a:pPr lvl="0">
                 <a:defRPr/>
               </a:pPr>
-              <a:t>8/27/2024</a:t>
+              <a:t>8/28/2024</a:t>
             </a:fld>
             <a:endParaRPr lang="en-US"/>
           </a:p>
@@ -526,7 +526,7 @@
               <a:pPr lvl="0">
                 <a:defRPr/>
               </a:pPr>
-              <a:t>8/27/2024</a:t>
+              <a:t>8/28/2024</a:t>
             </a:fld>
             <a:endParaRPr lang="en-US"/>
           </a:p>
@@ -728,7 +728,7 @@
               <a:pPr lvl="0">
                 <a:defRPr/>
               </a:pPr>
-              <a:t>8/27/2024</a:t>
+              <a:t>8/28/2024</a:t>
             </a:fld>
             <a:endParaRPr lang="en-US"/>
           </a:p>
@@ -920,7 +920,7 @@
               <a:pPr lvl="0">
                 <a:defRPr/>
               </a:pPr>
-              <a:t>8/27/2024</a:t>
+              <a:t>8/28/2024</a:t>
             </a:fld>
             <a:endParaRPr lang="en-US"/>
           </a:p>
@@ -1181,7 +1181,7 @@
               <a:pPr lvl="0">
                 <a:defRPr/>
               </a:pPr>
-              <a:t>8/27/2024</a:t>
+              <a:t>8/28/2024</a:t>
             </a:fld>
             <a:endParaRPr lang="en-US"/>
           </a:p>
@@ -1500,7 +1500,7 @@
               <a:pPr lvl="0">
                 <a:defRPr/>
               </a:pPr>
-              <a:t>8/27/2024</a:t>
+              <a:t>8/28/2024</a:t>
             </a:fld>
             <a:endParaRPr lang="en-US"/>
           </a:p>
@@ -1957,7 +1957,7 @@
               <a:pPr lvl="0">
                 <a:defRPr/>
               </a:pPr>
-              <a:t>8/27/2024</a:t>
+              <a:t>8/28/2024</a:t>
             </a:fld>
             <a:endParaRPr lang="en-US"/>
           </a:p>
@@ -2088,7 +2088,7 @@
               <a:pPr lvl="0">
                 <a:defRPr/>
               </a:pPr>
-              <a:t>8/27/2024</a:t>
+              <a:t>8/28/2024</a:t>
             </a:fld>
             <a:endParaRPr lang="en-US"/>
           </a:p>
@@ -2189,7 +2189,7 @@
             <a:fld id="{1D8BD707-D9CF-40AE-B4C6-C98DA3205C09}" type="datetimeFigureOut">
               <a:rPr lang="en-US" smtClean="0"/>
               <a:pPr/>
-              <a:t>8/27/2024</a:t>
+              <a:t>8/28/2024</a:t>
             </a:fld>
             <a:endParaRPr lang="en-US"/>
           </a:p>
@@ -2481,7 +2481,7 @@
               <a:pPr lvl="0">
                 <a:defRPr/>
               </a:pPr>
-              <a:t>8/27/2024</a:t>
+              <a:t>8/28/2024</a:t>
             </a:fld>
             <a:endParaRPr lang="en-US"/>
           </a:p>
@@ -2752,7 +2752,7 @@
               <a:pPr lvl="0">
                 <a:defRPr/>
               </a:pPr>
-              <a:t>8/27/2024</a:t>
+              <a:t>8/28/2024</a:t>
             </a:fld>
             <a:endParaRPr lang="en-US"/>
           </a:p>
@@ -2989,7 +2989,7 @@
               <a:pPr lvl="0">
                 <a:defRPr/>
               </a:pPr>
-              <a:t>8/27/2024</a:t>
+              <a:t>8/28/2024</a:t>
             </a:fld>
             <a:endParaRPr lang="en-US"/>
           </a:p>
@@ -3407,35 +3407,22 @@
               <a:defRPr/>
             </a:pPr>
             <a:r>
-              <a:rPr lang="ko-KR" sz="2800" b="0" i="0" u="none" strike="noStrike">
+              <a:rPr lang="ko-KR" altLang="en-US" sz="2800" b="0" i="0" u="none" strike="noStrike" dirty="0">
                 <a:solidFill>
                   <a:srgbClr val="006BB1"/>
                 </a:solidFill>
                 <a:latin typeface="나눔바른고딕OTF"/>
                 <a:ea typeface="나눔바른고딕OTF"/>
               </a:rPr>
-              <a:t>조</a:t>
-            </a:r>
-            <a:r>
-              <a:rPr lang="en-US" sz="2800" b="0" i="0" u="none" strike="noStrike">
-                <a:solidFill>
-                  <a:srgbClr val="006BB1"/>
-                </a:solidFill>
-                <a:latin typeface="나눔바른고딕OTF"/>
-                <a:ea typeface="나눔바른고딕OTF"/>
-              </a:rPr>
-              <a:t> </a:t>
-            </a:r>
-            <a:r>
-              <a:rPr lang="ko-KR" sz="2800" b="0" i="0" u="none" strike="noStrike">
-                <a:solidFill>
-                  <a:srgbClr val="006BB1"/>
-                </a:solidFill>
-                <a:latin typeface="나눔바른고딕OTF"/>
-                <a:ea typeface="나눔바른고딕OTF"/>
-              </a:rPr>
-              <a:t>이름</a:t>
-            </a:r>
+              <a:t>가성비</a:t>
+            </a:r>
+            <a:endParaRPr lang="ko-KR" sz="2800" b="0" i="0" u="none" strike="noStrike" dirty="0">
+              <a:solidFill>
+                <a:srgbClr val="006BB1"/>
+              </a:solidFill>
+              <a:latin typeface="나눔바른고딕OTF"/>
+              <a:ea typeface="나눔바른고딕OTF"/>
+            </a:endParaRPr>
           </a:p>
         </p:txBody>
       </p:sp>
@@ -3906,7 +3893,7 @@
     <mc:Choice Requires="p14">
       <p:transition/>
     </mc:Choice>
-    <mc:Fallback xmlns="" xmlns:c="http://schemas.openxmlformats.org/drawingml/2006/chart" xmlns:dgm="http://schemas.openxmlformats.org/drawingml/2006/diagram" xmlns:dsp="http://schemas.microsoft.com/office/drawing/2008/diagram">
+    <mc:Fallback xmlns:dsp="http://schemas.microsoft.com/office/drawing/2008/diagram" xmlns:dgm="http://schemas.openxmlformats.org/drawingml/2006/diagram" xmlns:c="http://schemas.openxmlformats.org/drawingml/2006/chart" xmlns="">
       <p:transition/>
     </mc:Fallback>
   </mc:AlternateContent>
@@ -4084,14 +4071,14 @@
               <a:defRPr/>
             </a:pPr>
             <a:r>
-              <a:rPr lang="en-US" sz="5000" b="0" i="0" u="none" strike="noStrike" dirty="0">
+              <a:rPr lang="ko-KR" altLang="en-US" sz="5000" b="0" i="0" u="none" strike="noStrike" dirty="0">
                 <a:solidFill>
                   <a:srgbClr val="006BB1"/>
                 </a:solidFill>
                 <a:latin typeface="나눔바른고딕OTF"/>
                 <a:ea typeface="나눔바른고딕OTF"/>
               </a:rPr>
-              <a:t>Fine-tuning </a:t>
+              <a:t>커스텀 데이터로만 학습한 </a:t>
             </a:r>
             <a:r>
               <a:rPr lang="ko-KR" sz="5000" b="0" i="0" u="none" strike="noStrike" dirty="0">
@@ -4228,7 +4215,13 @@
       </p:pic>
       <p:sp>
         <p:nvSpPr>
-          <p:cNvPr id="16" name="TextBox 16"/>
+          <p:cNvPr id="14" name="TextBox 16">
+            <a:extLst>
+              <a:ext uri="{FF2B5EF4-FFF2-40B4-BE49-F238E27FC236}">
+                <a16:creationId xmlns:a16="http://schemas.microsoft.com/office/drawing/2014/main" id="{C1BEEA39-A4D0-3956-EDC3-15754C7546DA}"/>
+              </a:ext>
+            </a:extLst>
+          </p:cNvPr>
           <p:cNvSpPr txBox="1"/>
           <p:nvPr/>
         </p:nvSpPr>
@@ -4252,24 +4245,31 @@
               <a:defRPr/>
             </a:pPr>
             <a:r>
-              <a:rPr lang="en-US" sz="2800" b="0" i="0" u="none" strike="noStrike" spc="-100" dirty="0">
+              <a:rPr lang="ko-KR" altLang="en-US" sz="2800" b="0" i="0" u="none" strike="noStrike" spc="-100" dirty="0">
                 <a:solidFill>
                   <a:srgbClr val="006BB1"/>
                 </a:solidFill>
                 <a:latin typeface="나눔바른고딕OTF"/>
                 <a:ea typeface="나눔바른고딕OTF"/>
               </a:rPr>
-              <a:t>Model1</a:t>
-            </a:r>
+              <a:t>상의 분류 모델</a:t>
+            </a:r>
+            <a:endParaRPr lang="en-US" sz="2800" b="0" i="0" u="none" strike="noStrike" spc="-100" dirty="0">
+              <a:solidFill>
+                <a:srgbClr val="006BB1"/>
+              </a:solidFill>
+              <a:latin typeface="나눔바른고딕OTF"/>
+              <a:ea typeface="나눔바른고딕OTF"/>
+            </a:endParaRPr>
           </a:p>
         </p:txBody>
       </p:sp>
       <p:pic>
         <p:nvPicPr>
-          <p:cNvPr id="17" name="그림 16">
+          <p:cNvPr id="15" name="그림 14">
             <a:extLst>
               <a:ext uri="{FF2B5EF4-FFF2-40B4-BE49-F238E27FC236}">
-                <a16:creationId xmlns:a16="http://schemas.microsoft.com/office/drawing/2014/main" id="{DAE971D0-222E-29B8-3742-12B87EB51E30}"/>
+                <a16:creationId xmlns:a16="http://schemas.microsoft.com/office/drawing/2014/main" id="{E43B8EDF-A0FE-C34D-8AB8-23AED05D7A91}"/>
               </a:ext>
             </a:extLst>
           </p:cNvPr>
@@ -4292,8 +4292,8 @@
         </p:blipFill>
         <p:spPr>
           <a:xfrm>
-            <a:off x="1506989" y="2715300"/>
-            <a:ext cx="6930989" cy="5400000"/>
+            <a:off x="1524000" y="3401100"/>
+            <a:ext cx="7200000" cy="5400000"/>
           </a:xfrm>
           <a:prstGeom prst="rect">
             <a:avLst/>
@@ -4302,10 +4302,10 @@
       </p:pic>
       <p:pic>
         <p:nvPicPr>
-          <p:cNvPr id="19" name="그림 18">
+          <p:cNvPr id="17" name="그림 16">
             <a:extLst>
               <a:ext uri="{FF2B5EF4-FFF2-40B4-BE49-F238E27FC236}">
-                <a16:creationId xmlns:a16="http://schemas.microsoft.com/office/drawing/2014/main" id="{38CEAEE7-C841-CD43-BE36-00526DBB7AA2}"/>
+                <a16:creationId xmlns:a16="http://schemas.microsoft.com/office/drawing/2014/main" id="{086FFAAA-B1A6-1137-9CAD-8031AAC93265}"/>
               </a:ext>
             </a:extLst>
           </p:cNvPr>
@@ -4328,8 +4328,8 @@
         </p:blipFill>
         <p:spPr>
           <a:xfrm>
-            <a:off x="9944967" y="2715300"/>
-            <a:ext cx="6836044" cy="5400000"/>
+            <a:off x="9521183" y="3401100"/>
+            <a:ext cx="7200000" cy="5400000"/>
           </a:xfrm>
           <a:prstGeom prst="rect">
             <a:avLst/>
@@ -4345,7 +4345,7 @@
     <mc:Choice Requires="p14">
       <p:transition/>
     </mc:Choice>
-    <mc:Fallback xmlns="" xmlns:c="http://schemas.openxmlformats.org/drawingml/2006/chart" xmlns:dgm="http://schemas.openxmlformats.org/drawingml/2006/diagram" xmlns:dsp="http://schemas.microsoft.com/office/drawing/2008/diagram">
+    <mc:Fallback xmlns:dsp="http://schemas.microsoft.com/office/drawing/2008/diagram" xmlns:dgm="http://schemas.openxmlformats.org/drawingml/2006/diagram" xmlns:c="http://schemas.openxmlformats.org/drawingml/2006/chart" xmlns="">
       <p:transition/>
     </mc:Fallback>
   </mc:AlternateContent>
@@ -4523,14 +4523,14 @@
               <a:defRPr/>
             </a:pPr>
             <a:r>
-              <a:rPr lang="ko-KR" altLang="en-US" sz="5000" b="0" i="0" u="none" strike="noStrike" dirty="0">
+              <a:rPr lang="en-US" sz="5000" b="0" i="0" u="none" strike="noStrike" dirty="0">
                 <a:solidFill>
                   <a:srgbClr val="006BB1"/>
                 </a:solidFill>
                 <a:latin typeface="나눔바른고딕OTF"/>
                 <a:ea typeface="나눔바른고딕OTF"/>
               </a:rPr>
-              <a:t>커스텀 데이터로만 학습한 </a:t>
+              <a:t>Fine-tuning </a:t>
             </a:r>
             <a:r>
               <a:rPr lang="ko-KR" sz="5000" b="0" i="0" u="none" strike="noStrike" dirty="0">
@@ -4665,12 +4665,47 @@
           </a:prstGeom>
         </p:spPr>
       </p:pic>
+      <p:sp>
+        <p:nvSpPr>
+          <p:cNvPr id="16" name="TextBox 16"/>
+          <p:cNvSpPr txBox="1"/>
+          <p:nvPr/>
+        </p:nvSpPr>
+        <p:spPr>
+          <a:xfrm>
+            <a:off x="2209800" y="1866900"/>
+            <a:ext cx="8102600" cy="495300"/>
+          </a:xfrm>
+          <a:prstGeom prst="rect">
+            <a:avLst/>
+          </a:prstGeom>
+        </p:spPr>
+        <p:txBody>
+          <a:bodyPr lIns="0" tIns="0" rIns="0" bIns="0" anchor="ctr"/>
+          <a:lstStyle/>
+          <a:p>
+            <a:pPr lvl="0" algn="l">
+              <a:lnSpc>
+                <a:spcPct val="149400"/>
+              </a:lnSpc>
+              <a:defRPr/>
+            </a:pPr>
+            <a:endParaRPr lang="en-US" sz="2800" b="0" i="0" u="none" strike="noStrike" spc="-100" dirty="0">
+              <a:solidFill>
+                <a:srgbClr val="006BB1"/>
+              </a:solidFill>
+              <a:latin typeface="나눔바른고딕OTF"/>
+              <a:ea typeface="나눔바른고딕OTF"/>
+            </a:endParaRPr>
+          </a:p>
+        </p:txBody>
+      </p:sp>
       <p:pic>
         <p:nvPicPr>
-          <p:cNvPr id="19" name="그림 18">
+          <p:cNvPr id="14" name="그림 13">
             <a:extLst>
               <a:ext uri="{FF2B5EF4-FFF2-40B4-BE49-F238E27FC236}">
-                <a16:creationId xmlns:a16="http://schemas.microsoft.com/office/drawing/2014/main" id="{2C59F3FE-C100-7956-A9FB-A9BFE6F2F9B2}"/>
+                <a16:creationId xmlns:a16="http://schemas.microsoft.com/office/drawing/2014/main" id="{10E1C450-FC2E-1F09-A13F-E8DB019B488A}"/>
               </a:ext>
             </a:extLst>
           </p:cNvPr>
@@ -4693,8 +4728,8 @@
         </p:blipFill>
         <p:spPr>
           <a:xfrm>
-            <a:off x="1404132" y="2715300"/>
-            <a:ext cx="7037802" cy="5400000"/>
+            <a:off x="1555750" y="3401100"/>
+            <a:ext cx="7013793" cy="5400000"/>
           </a:xfrm>
           <a:prstGeom prst="rect">
             <a:avLst/>
@@ -4703,10 +4738,10 @@
       </p:pic>
       <p:pic>
         <p:nvPicPr>
-          <p:cNvPr id="21" name="그림 20">
+          <p:cNvPr id="18" name="그림 17">
             <a:extLst>
               <a:ext uri="{FF2B5EF4-FFF2-40B4-BE49-F238E27FC236}">
-                <a16:creationId xmlns:a16="http://schemas.microsoft.com/office/drawing/2014/main" id="{5D63FCCF-36A6-B747-503E-DF0AB555BCF0}"/>
+                <a16:creationId xmlns:a16="http://schemas.microsoft.com/office/drawing/2014/main" id="{570E66ED-4B35-F364-4CE1-74572EBA6AE7}"/>
               </a:ext>
             </a:extLst>
           </p:cNvPr>
@@ -4729,58 +4764,14 @@
         </p:blipFill>
         <p:spPr>
           <a:xfrm>
-            <a:off x="9846066" y="2715300"/>
-            <a:ext cx="7037802" cy="5400000"/>
+            <a:off x="9935555" y="3401100"/>
+            <a:ext cx="6790345" cy="5400000"/>
           </a:xfrm>
           <a:prstGeom prst="rect">
             <a:avLst/>
           </a:prstGeom>
         </p:spPr>
       </p:pic>
-      <p:sp>
-        <p:nvSpPr>
-          <p:cNvPr id="14" name="TextBox 16">
-            <a:extLst>
-              <a:ext uri="{FF2B5EF4-FFF2-40B4-BE49-F238E27FC236}">
-                <a16:creationId xmlns:a16="http://schemas.microsoft.com/office/drawing/2014/main" id="{C1BEEA39-A4D0-3956-EDC3-15754C7546DA}"/>
-              </a:ext>
-            </a:extLst>
-          </p:cNvPr>
-          <p:cNvSpPr txBox="1"/>
-          <p:nvPr/>
-        </p:nvSpPr>
-        <p:spPr>
-          <a:xfrm>
-            <a:off x="2209800" y="1866900"/>
-            <a:ext cx="8102600" cy="495300"/>
-          </a:xfrm>
-          <a:prstGeom prst="rect">
-            <a:avLst/>
-          </a:prstGeom>
-        </p:spPr>
-        <p:txBody>
-          <a:bodyPr lIns="0" tIns="0" rIns="0" bIns="0" anchor="ctr"/>
-          <a:lstStyle/>
-          <a:p>
-            <a:pPr lvl="0" algn="l">
-              <a:lnSpc>
-                <a:spcPct val="149400"/>
-              </a:lnSpc>
-              <a:defRPr/>
-            </a:pPr>
-            <a:r>
-              <a:rPr lang="en-US" sz="2800" b="0" i="0" u="none" strike="noStrike" spc="-100" dirty="0">
-                <a:solidFill>
-                  <a:srgbClr val="006BB1"/>
-                </a:solidFill>
-                <a:latin typeface="나눔바른고딕OTF"/>
-                <a:ea typeface="나눔바른고딕OTF"/>
-              </a:rPr>
-              <a:t>Model1</a:t>
-            </a:r>
-          </a:p>
-        </p:txBody>
-      </p:sp>
     </p:spTree>
   </p:cSld>
   <p:clrMapOvr>
@@ -4790,7 +4781,7 @@
     <mc:Choice Requires="p14">
       <p:transition/>
     </mc:Choice>
-    <mc:Fallback xmlns="" xmlns:c="http://schemas.openxmlformats.org/drawingml/2006/chart" xmlns:dgm="http://schemas.openxmlformats.org/drawingml/2006/diagram" xmlns:dsp="http://schemas.microsoft.com/office/drawing/2008/diagram">
+    <mc:Fallback xmlns:dsp="http://schemas.microsoft.com/office/drawing/2008/diagram" xmlns:dgm="http://schemas.openxmlformats.org/drawingml/2006/diagram" xmlns:c="http://schemas.openxmlformats.org/drawingml/2006/chart" xmlns="">
       <p:transition/>
     </mc:Fallback>
   </mc:AlternateContent>
@@ -4968,25 +4959,32 @@
               <a:defRPr/>
             </a:pPr>
             <a:r>
-              <a:rPr lang="en-US" sz="5000" b="0" i="0" u="none" strike="noStrike">
+              <a:rPr lang="en-US" altLang="ko-KR" sz="5000" dirty="0">
                 <a:solidFill>
                   <a:srgbClr val="006BB1"/>
                 </a:solidFill>
                 <a:latin typeface="나눔바른고딕OTF"/>
                 <a:ea typeface="나눔바른고딕OTF"/>
               </a:rPr>
-              <a:t>Confusion matrix </a:t>
-            </a:r>
-            <a:r>
-              <a:rPr lang="ko-KR" sz="5000" b="0" i="0" u="none" strike="noStrike">
+              <a:t>Weights </a:t>
+            </a:r>
+            <a:r>
+              <a:rPr lang="ko-KR" altLang="en-US" sz="5000" dirty="0">
                 <a:solidFill>
                   <a:srgbClr val="006BB1"/>
                 </a:solidFill>
                 <a:latin typeface="나눔바른고딕OTF"/>
                 <a:ea typeface="나눔바른고딕OTF"/>
               </a:rPr>
-              <a:t>비교</a:t>
-            </a:r>
+              <a:t>선정</a:t>
+            </a:r>
+            <a:endParaRPr lang="ko-KR" sz="5000" b="0" i="0" u="none" strike="noStrike" dirty="0">
+              <a:solidFill>
+                <a:srgbClr val="006BB1"/>
+              </a:solidFill>
+              <a:latin typeface="나눔바른고딕OTF"/>
+              <a:ea typeface="나눔바른고딕OTF"/>
+            </a:endParaRPr>
           </a:p>
         </p:txBody>
       </p:sp>
@@ -5104,42 +5102,6 @@
           <a:xfrm rot="10800000">
             <a:off x="0" y="8750300"/>
             <a:ext cx="2387600" cy="25400"/>
-          </a:xfrm>
-          <a:prstGeom prst="rect">
-            <a:avLst/>
-          </a:prstGeom>
-        </p:spPr>
-      </p:pic>
-      <p:pic>
-        <p:nvPicPr>
-          <p:cNvPr id="20" name="그림 19">
-            <a:extLst>
-              <a:ext uri="{FF2B5EF4-FFF2-40B4-BE49-F238E27FC236}">
-                <a16:creationId xmlns:a16="http://schemas.microsoft.com/office/drawing/2014/main" id="{8E4EC43A-C4D2-2A04-635F-B60FE3D8481C}"/>
-              </a:ext>
-            </a:extLst>
-          </p:cNvPr>
-          <p:cNvPicPr>
-            <a:picLocks noChangeAspect="1"/>
-          </p:cNvPicPr>
-          <p:nvPr/>
-        </p:nvPicPr>
-        <p:blipFill>
-          <a:blip r:embed="rId9" cstate="print">
-            <a:extLst>
-              <a:ext uri="{28A0092B-C50C-407E-A947-70E740481C1C}">
-                <a14:useLocalDpi xmlns:a14="http://schemas.microsoft.com/office/drawing/2010/main" val="0"/>
-              </a:ext>
-            </a:extLst>
-          </a:blip>
-          <a:stretch>
-            <a:fillRect/>
-          </a:stretch>
-        </p:blipFill>
-        <p:spPr>
-          <a:xfrm>
-            <a:off x="3384000" y="1647000"/>
-            <a:ext cx="11520000" cy="8640000"/>
           </a:xfrm>
           <a:prstGeom prst="rect">
             <a:avLst/>
@@ -5161,7 +5123,7 @@
         <p:spPr>
           <a:xfrm>
             <a:off x="1955800" y="1676400"/>
-            <a:ext cx="8102600" cy="495300"/>
+            <a:ext cx="11531600" cy="495300"/>
           </a:xfrm>
           <a:prstGeom prst="rect">
             <a:avLst/>
@@ -5185,7 +5147,7 @@
                 <a:latin typeface="나눔바른고딕OTF"/>
                 <a:ea typeface="나눔바른고딕OTF"/>
               </a:rPr>
-              <a:t>Model</a:t>
+              <a:t>Validation set</a:t>
             </a:r>
             <a:r>
               <a:rPr lang="ko-KR" altLang="en-US" sz="2800" spc="-100" dirty="0">
@@ -5195,7 +5157,7 @@
                 <a:latin typeface="나눔바른고딕OTF"/>
                 <a:ea typeface="나눔바른고딕OTF"/>
               </a:rPr>
-              <a:t> </a:t>
+              <a:t>을  기준으로 </a:t>
             </a:r>
             <a:r>
               <a:rPr lang="en-US" altLang="ko-KR" sz="2800" spc="-100" dirty="0">
@@ -5205,7 +5167,17 @@
                 <a:latin typeface="나눔바른고딕OTF"/>
                 <a:ea typeface="나눔바른고딕OTF"/>
               </a:rPr>
-              <a:t>3</a:t>
+              <a:t>Loss</a:t>
+            </a:r>
+            <a:r>
+              <a:rPr lang="ko-KR" altLang="en-US" sz="2800" spc="-100" dirty="0">
+                <a:solidFill>
+                  <a:srgbClr val="006BB1"/>
+                </a:solidFill>
+                <a:latin typeface="나눔바른고딕OTF"/>
+                <a:ea typeface="나눔바른고딕OTF"/>
+              </a:rPr>
+              <a:t>값이 낮으면서 정확도가 높은 부분을 골라서 실험</a:t>
             </a:r>
             <a:endParaRPr lang="ko-KR" sz="2800" b="0" i="0" u="none" strike="noStrike" spc="-100" dirty="0">
               <a:solidFill>
@@ -5217,168 +5189,218 @@
           </a:p>
         </p:txBody>
       </p:sp>
-      <p:sp>
-        <p:nvSpPr>
-          <p:cNvPr id="14" name="직사각형 13">
+      <p:pic>
+        <p:nvPicPr>
+          <p:cNvPr id="23" name="그림 22">
             <a:extLst>
               <a:ext uri="{FF2B5EF4-FFF2-40B4-BE49-F238E27FC236}">
-                <a16:creationId xmlns:a16="http://schemas.microsoft.com/office/drawing/2014/main" id="{708BAA24-682F-957C-3441-6B9C79B0228F}"/>
+                <a16:creationId xmlns:a16="http://schemas.microsoft.com/office/drawing/2014/main" id="{FCC2BD03-E71A-F366-F92C-2FCEF6059465}"/>
               </a:ext>
             </a:extLst>
           </p:cNvPr>
-          <p:cNvSpPr>
-            <a:spLocks noChangeAspect="1"/>
-          </p:cNvSpPr>
-          <p:nvPr/>
-        </p:nvSpPr>
+          <p:cNvPicPr>
+            <a:picLocks noChangeAspect="1"/>
+          </p:cNvPicPr>
+          <p:nvPr/>
+        </p:nvPicPr>
+        <p:blipFill>
+          <a:blip r:embed="rId9">
+            <a:extLst>
+              <a:ext uri="{28A0092B-C50C-407E-A947-70E740481C1C}">
+                <a14:useLocalDpi xmlns:a14="http://schemas.microsoft.com/office/drawing/2010/main" val="0"/>
+              </a:ext>
+            </a:extLst>
+          </a:blip>
+          <a:stretch>
+            <a:fillRect/>
+          </a:stretch>
+        </p:blipFill>
         <p:spPr>
           <a:xfrm>
-            <a:off x="4838240" y="2014220"/>
-            <a:ext cx="1908000" cy="1908000"/>
-          </a:xfrm>
-          <a:prstGeom prst="rect">
-            <a:avLst/>
-          </a:prstGeom>
-          <a:noFill/>
-          <a:ln w="57150">
+            <a:off x="1530349" y="3375337"/>
+            <a:ext cx="11349619" cy="5400000"/>
+          </a:xfrm>
+          <a:prstGeom prst="rect">
+            <a:avLst/>
+          </a:prstGeom>
+        </p:spPr>
+      </p:pic>
+      <p:cxnSp>
+        <p:nvCxnSpPr>
+          <p:cNvPr id="25" name="직선 연결선 24">
+            <a:extLst>
+              <a:ext uri="{FF2B5EF4-FFF2-40B4-BE49-F238E27FC236}">
+                <a16:creationId xmlns:a16="http://schemas.microsoft.com/office/drawing/2014/main" id="{9F5C2F26-E2A0-CED6-F313-E55D252E986B}"/>
+              </a:ext>
+            </a:extLst>
+          </p:cNvPr>
+          <p:cNvCxnSpPr>
+            <a:cxnSpLocks/>
+          </p:cNvCxnSpPr>
+          <p:nvPr/>
+        </p:nvCxnSpPr>
+        <p:spPr>
+          <a:xfrm>
+            <a:off x="3124200" y="4152900"/>
+            <a:ext cx="0" cy="3886200"/>
+          </a:xfrm>
+          <a:prstGeom prst="line">
+            <a:avLst/>
+          </a:prstGeom>
+          <a:ln w="38100">
             <a:solidFill>
-              <a:srgbClr val="FFFF00"/>
+              <a:srgbClr val="FF0000"/>
             </a:solidFill>
+            <a:prstDash val="sysDash"/>
           </a:ln>
         </p:spPr>
         <p:style>
-          <a:lnRef idx="2">
-            <a:schemeClr val="accent1">
-              <a:shade val="15000"/>
-            </a:schemeClr>
+          <a:lnRef idx="1">
+            <a:schemeClr val="accent1"/>
           </a:lnRef>
-          <a:fillRef idx="1">
+          <a:fillRef idx="0">
             <a:schemeClr val="accent1"/>
           </a:fillRef>
           <a:effectRef idx="0">
             <a:schemeClr val="accent1"/>
           </a:effectRef>
           <a:fontRef idx="minor">
-            <a:schemeClr val="lt1"/>
+            <a:schemeClr val="tx1"/>
           </a:fontRef>
         </p:style>
-        <p:txBody>
-          <a:bodyPr rtlCol="0" anchor="ctr"/>
-          <a:lstStyle/>
-          <a:p>
-            <a:pPr algn="ctr"/>
-            <a:endParaRPr lang="ko-KR" altLang="en-US"/>
-          </a:p>
-        </p:txBody>
-      </p:sp>
-      <p:sp>
-        <p:nvSpPr>
-          <p:cNvPr id="15" name="직사각형 14">
+      </p:cxnSp>
+      <p:cxnSp>
+        <p:nvCxnSpPr>
+          <p:cNvPr id="27" name="직선 연결선 26">
             <a:extLst>
               <a:ext uri="{FF2B5EF4-FFF2-40B4-BE49-F238E27FC236}">
-                <a16:creationId xmlns:a16="http://schemas.microsoft.com/office/drawing/2014/main" id="{9DBEAEAB-E5C1-252D-0A5A-8CB4661BCB95}"/>
+                <a16:creationId xmlns:a16="http://schemas.microsoft.com/office/drawing/2014/main" id="{E38AE674-30B7-408E-7AD2-BF55B94423A3}"/>
               </a:ext>
             </a:extLst>
           </p:cNvPr>
-          <p:cNvSpPr>
-            <a:spLocks noChangeAspect="1"/>
-          </p:cNvSpPr>
-          <p:nvPr/>
-        </p:nvSpPr>
+          <p:cNvCxnSpPr>
+            <a:cxnSpLocks/>
+          </p:cNvCxnSpPr>
+          <p:nvPr/>
+        </p:nvCxnSpPr>
         <p:spPr>
           <a:xfrm>
-            <a:off x="6746240" y="3960900"/>
-            <a:ext cx="1908000" cy="1908000"/>
-          </a:xfrm>
-          <a:prstGeom prst="rect">
-            <a:avLst/>
-          </a:prstGeom>
-          <a:noFill/>
-          <a:ln w="57150">
+            <a:off x="5105400" y="4305300"/>
+            <a:ext cx="0" cy="3733800"/>
+          </a:xfrm>
+          <a:prstGeom prst="line">
+            <a:avLst/>
+          </a:prstGeom>
+          <a:ln w="38100">
             <a:solidFill>
-              <a:srgbClr val="FFFF00"/>
+              <a:srgbClr val="FF0000"/>
             </a:solidFill>
+            <a:prstDash val="sysDash"/>
           </a:ln>
         </p:spPr>
         <p:style>
-          <a:lnRef idx="2">
-            <a:schemeClr val="accent1">
-              <a:shade val="15000"/>
-            </a:schemeClr>
+          <a:lnRef idx="1">
+            <a:schemeClr val="accent1"/>
           </a:lnRef>
-          <a:fillRef idx="1">
+          <a:fillRef idx="0">
             <a:schemeClr val="accent1"/>
           </a:fillRef>
           <a:effectRef idx="0">
             <a:schemeClr val="accent1"/>
           </a:effectRef>
           <a:fontRef idx="minor">
-            <a:schemeClr val="lt1"/>
+            <a:schemeClr val="tx1"/>
           </a:fontRef>
         </p:style>
-        <p:txBody>
-          <a:bodyPr rtlCol="0" anchor="ctr"/>
-          <a:lstStyle/>
-          <a:p>
-            <a:pPr algn="ctr"/>
-            <a:endParaRPr lang="ko-KR" altLang="en-US"/>
-          </a:p>
-        </p:txBody>
-      </p:sp>
-      <p:sp>
-        <p:nvSpPr>
-          <p:cNvPr id="16" name="직사각형 15">
+      </p:cxnSp>
+      <p:cxnSp>
+        <p:nvCxnSpPr>
+          <p:cNvPr id="29" name="직선 연결선 28">
             <a:extLst>
               <a:ext uri="{FF2B5EF4-FFF2-40B4-BE49-F238E27FC236}">
-                <a16:creationId xmlns:a16="http://schemas.microsoft.com/office/drawing/2014/main" id="{9CC9BD60-7C67-55A6-57D6-B431D2D4FB0C}"/>
+                <a16:creationId xmlns:a16="http://schemas.microsoft.com/office/drawing/2014/main" id="{AD2CFC40-98BC-F7B7-977E-AC8DF3E16E13}"/>
               </a:ext>
             </a:extLst>
           </p:cNvPr>
-          <p:cNvSpPr>
-            <a:spLocks noChangeAspect="1"/>
-          </p:cNvSpPr>
-          <p:nvPr/>
-        </p:nvSpPr>
+          <p:cNvCxnSpPr>
+            <a:cxnSpLocks/>
+          </p:cNvCxnSpPr>
+          <p:nvPr/>
+        </p:nvCxnSpPr>
         <p:spPr>
           <a:xfrm>
-            <a:off x="8654240" y="5868900"/>
-            <a:ext cx="1908000" cy="1908000"/>
-          </a:xfrm>
-          <a:prstGeom prst="rect">
-            <a:avLst/>
-          </a:prstGeom>
-          <a:noFill/>
-          <a:ln w="57150">
+            <a:off x="9677400" y="4152900"/>
+            <a:ext cx="0" cy="3886200"/>
+          </a:xfrm>
+          <a:prstGeom prst="line">
+            <a:avLst/>
+          </a:prstGeom>
+          <a:ln w="38100">
             <a:solidFill>
-              <a:srgbClr val="FFFF00"/>
+              <a:srgbClr val="FF0000"/>
             </a:solidFill>
+            <a:prstDash val="sysDash"/>
           </a:ln>
         </p:spPr>
         <p:style>
-          <a:lnRef idx="2">
-            <a:schemeClr val="accent1">
-              <a:shade val="15000"/>
-            </a:schemeClr>
+          <a:lnRef idx="1">
+            <a:schemeClr val="accent1"/>
           </a:lnRef>
-          <a:fillRef idx="1">
+          <a:fillRef idx="0">
             <a:schemeClr val="accent1"/>
           </a:fillRef>
           <a:effectRef idx="0">
             <a:schemeClr val="accent1"/>
           </a:effectRef>
           <a:fontRef idx="minor">
-            <a:schemeClr val="lt1"/>
+            <a:schemeClr val="tx1"/>
           </a:fontRef>
         </p:style>
-        <p:txBody>
-          <a:bodyPr rtlCol="0" anchor="ctr"/>
-          <a:lstStyle/>
-          <a:p>
-            <a:pPr algn="ctr"/>
-            <a:endParaRPr lang="ko-KR" altLang="en-US"/>
-          </a:p>
-        </p:txBody>
-      </p:sp>
+      </p:cxnSp>
+      <p:cxnSp>
+        <p:nvCxnSpPr>
+          <p:cNvPr id="31" name="직선 연결선 30">
+            <a:extLst>
+              <a:ext uri="{FF2B5EF4-FFF2-40B4-BE49-F238E27FC236}">
+                <a16:creationId xmlns:a16="http://schemas.microsoft.com/office/drawing/2014/main" id="{793E3753-B89A-D191-F5F7-014992DBC9AA}"/>
+              </a:ext>
+            </a:extLst>
+          </p:cNvPr>
+          <p:cNvCxnSpPr>
+            <a:cxnSpLocks/>
+          </p:cNvCxnSpPr>
+          <p:nvPr/>
+        </p:nvCxnSpPr>
+        <p:spPr>
+          <a:xfrm>
+            <a:off x="11125200" y="4000500"/>
+            <a:ext cx="0" cy="4038600"/>
+          </a:xfrm>
+          <a:prstGeom prst="line">
+            <a:avLst/>
+          </a:prstGeom>
+          <a:ln w="38100">
+            <a:solidFill>
+              <a:srgbClr val="FF0000"/>
+            </a:solidFill>
+            <a:prstDash val="sysDash"/>
+          </a:ln>
+        </p:spPr>
+        <p:style>
+          <a:lnRef idx="1">
+            <a:schemeClr val="accent1"/>
+          </a:lnRef>
+          <a:fillRef idx="0">
+            <a:schemeClr val="accent1"/>
+          </a:fillRef>
+          <a:effectRef idx="0">
+            <a:schemeClr val="accent1"/>
+          </a:effectRef>
+          <a:fontRef idx="minor">
+            <a:schemeClr val="tx1"/>
+          </a:fontRef>
+        </p:style>
+      </p:cxnSp>
     </p:spTree>
     <p:extLst>
       <p:ext uri="{BB962C8B-B14F-4D97-AF65-F5344CB8AC3E}">
@@ -5564,15 +5586,32 @@
               <a:defRPr/>
             </a:pPr>
             <a:r>
-              <a:rPr lang="en-US" sz="5000" b="0" i="0" u="none" strike="noStrike">
+              <a:rPr lang="en-US" altLang="ko-KR" sz="5000" dirty="0">
                 <a:solidFill>
                   <a:srgbClr val="006BB1"/>
                 </a:solidFill>
                 <a:latin typeface="나눔바른고딕OTF"/>
                 <a:ea typeface="나눔바른고딕OTF"/>
               </a:rPr>
-              <a:t>Confidence Threshold</a:t>
-            </a:r>
+              <a:t>Weights </a:t>
+            </a:r>
+            <a:r>
+              <a:rPr lang="ko-KR" altLang="en-US" sz="5000" dirty="0">
+                <a:solidFill>
+                  <a:srgbClr val="006BB1"/>
+                </a:solidFill>
+                <a:latin typeface="나눔바른고딕OTF"/>
+                <a:ea typeface="나눔바른고딕OTF"/>
+              </a:rPr>
+              <a:t>선정</a:t>
+            </a:r>
+            <a:endParaRPr lang="ko-KR" altLang="ko-KR" sz="5000" b="0" i="0" u="none" strike="noStrike" dirty="0">
+              <a:solidFill>
+                <a:srgbClr val="006BB1"/>
+              </a:solidFill>
+              <a:latin typeface="나눔바른고딕OTF"/>
+              <a:ea typeface="나눔바른고딕OTF"/>
+            </a:endParaRPr>
           </a:p>
         </p:txBody>
       </p:sp>
@@ -5690,6 +5729,159 @@
           <a:xfrm rot="10800000">
             <a:off x="0" y="8750300"/>
             <a:ext cx="2387600" cy="25400"/>
+          </a:xfrm>
+          <a:prstGeom prst="rect">
+            <a:avLst/>
+          </a:prstGeom>
+        </p:spPr>
+      </p:pic>
+      <p:sp>
+        <p:nvSpPr>
+          <p:cNvPr id="13" name="TextBox 18">
+            <a:extLst>
+              <a:ext uri="{FF2B5EF4-FFF2-40B4-BE49-F238E27FC236}">
+                <a16:creationId xmlns:a16="http://schemas.microsoft.com/office/drawing/2014/main" id="{10E810C1-DF38-196F-8399-8387DFB83E9B}"/>
+              </a:ext>
+            </a:extLst>
+          </p:cNvPr>
+          <p:cNvSpPr txBox="1"/>
+          <p:nvPr/>
+        </p:nvSpPr>
+        <p:spPr>
+          <a:xfrm>
+            <a:off x="1955800" y="1676400"/>
+            <a:ext cx="11531600" cy="495300"/>
+          </a:xfrm>
+          <a:prstGeom prst="rect">
+            <a:avLst/>
+          </a:prstGeom>
+        </p:spPr>
+        <p:txBody>
+          <a:bodyPr lIns="0" tIns="0" rIns="0" bIns="0" anchor="ctr"/>
+          <a:lstStyle/>
+          <a:p>
+            <a:pPr lvl="0" algn="l">
+              <a:lnSpc>
+                <a:spcPct val="149400"/>
+              </a:lnSpc>
+              <a:defRPr/>
+            </a:pPr>
+            <a:r>
+              <a:rPr lang="en-US" altLang="ko-KR" sz="2800" spc="-100" dirty="0">
+                <a:solidFill>
+                  <a:srgbClr val="006BB1"/>
+                </a:solidFill>
+                <a:latin typeface="나눔바른고딕OTF"/>
+                <a:ea typeface="나눔바른고딕OTF"/>
+              </a:rPr>
+              <a:t>Validation set</a:t>
+            </a:r>
+            <a:r>
+              <a:rPr lang="ko-KR" altLang="en-US" sz="2800" spc="-100" dirty="0">
+                <a:solidFill>
+                  <a:srgbClr val="006BB1"/>
+                </a:solidFill>
+                <a:latin typeface="나눔바른고딕OTF"/>
+                <a:ea typeface="나눔바른고딕OTF"/>
+              </a:rPr>
+              <a:t>을  기준으로 </a:t>
+            </a:r>
+            <a:r>
+              <a:rPr lang="en-US" altLang="ko-KR" sz="2800" spc="-100" dirty="0">
+                <a:solidFill>
+                  <a:srgbClr val="006BB1"/>
+                </a:solidFill>
+                <a:latin typeface="나눔바른고딕OTF"/>
+                <a:ea typeface="나눔바른고딕OTF"/>
+              </a:rPr>
+              <a:t>Loss</a:t>
+            </a:r>
+            <a:r>
+              <a:rPr lang="ko-KR" altLang="en-US" sz="2800" spc="-100" dirty="0">
+                <a:solidFill>
+                  <a:srgbClr val="006BB1"/>
+                </a:solidFill>
+                <a:latin typeface="나눔바른고딕OTF"/>
+                <a:ea typeface="나눔바른고딕OTF"/>
+              </a:rPr>
+              <a:t>값이 낮으면서 정확도가 높은 부분을 골라서 실험</a:t>
+            </a:r>
+            <a:endParaRPr lang="ko-KR" sz="2800" b="0" i="0" u="none" strike="noStrike" spc="-100" dirty="0">
+              <a:solidFill>
+                <a:srgbClr val="006BB1"/>
+              </a:solidFill>
+              <a:latin typeface="나눔바른고딕OTF"/>
+              <a:ea typeface="나눔바른고딕OTF"/>
+            </a:endParaRPr>
+          </a:p>
+        </p:txBody>
+      </p:sp>
+      <p:pic>
+        <p:nvPicPr>
+          <p:cNvPr id="19" name="그림 18">
+            <a:extLst>
+              <a:ext uri="{FF2B5EF4-FFF2-40B4-BE49-F238E27FC236}">
+                <a16:creationId xmlns:a16="http://schemas.microsoft.com/office/drawing/2014/main" id="{FCB9EFA7-B1A0-03F4-2CE3-4166FB358B06}"/>
+              </a:ext>
+            </a:extLst>
+          </p:cNvPr>
+          <p:cNvPicPr>
+            <a:picLocks noChangeAspect="1"/>
+          </p:cNvPicPr>
+          <p:nvPr/>
+        </p:nvPicPr>
+        <p:blipFill>
+          <a:blip r:embed="rId9">
+            <a:extLst>
+              <a:ext uri="{28A0092B-C50C-407E-A947-70E740481C1C}">
+                <a14:useLocalDpi xmlns:a14="http://schemas.microsoft.com/office/drawing/2010/main" val="0"/>
+              </a:ext>
+            </a:extLst>
+          </a:blip>
+          <a:stretch>
+            <a:fillRect/>
+          </a:stretch>
+        </p:blipFill>
+        <p:spPr>
+          <a:xfrm>
+            <a:off x="9150531" y="2933700"/>
+            <a:ext cx="5586984" cy="4654296"/>
+          </a:xfrm>
+          <a:prstGeom prst="rect">
+            <a:avLst/>
+          </a:prstGeom>
+        </p:spPr>
+      </p:pic>
+      <p:pic>
+        <p:nvPicPr>
+          <p:cNvPr id="21" name="그림 20">
+            <a:extLst>
+              <a:ext uri="{FF2B5EF4-FFF2-40B4-BE49-F238E27FC236}">
+                <a16:creationId xmlns:a16="http://schemas.microsoft.com/office/drawing/2014/main" id="{5560482F-3B97-C799-0254-34F741FDA953}"/>
+              </a:ext>
+            </a:extLst>
+          </p:cNvPr>
+          <p:cNvPicPr>
+            <a:picLocks noChangeAspect="1"/>
+          </p:cNvPicPr>
+          <p:nvPr/>
+        </p:nvPicPr>
+        <p:blipFill>
+          <a:blip r:embed="rId10">
+            <a:extLst>
+              <a:ext uri="{28A0092B-C50C-407E-A947-70E740481C1C}">
+                <a14:useLocalDpi xmlns:a14="http://schemas.microsoft.com/office/drawing/2010/main" val="0"/>
+              </a:ext>
+            </a:extLst>
+          </a:blip>
+          <a:stretch>
+            <a:fillRect/>
+          </a:stretch>
+        </p:blipFill>
+        <p:spPr>
+          <a:xfrm>
+            <a:off x="2007108" y="2960914"/>
+            <a:ext cx="5586984" cy="4654296"/>
           </a:xfrm>
           <a:prstGeom prst="rect">
             <a:avLst/>
@@ -5705,7 +5897,7 @@
     <mc:Choice Requires="p14">
       <p:transition/>
     </mc:Choice>
-    <mc:Fallback xmlns="" xmlns:c="http://schemas.openxmlformats.org/drawingml/2006/chart" xmlns:dgm="http://schemas.openxmlformats.org/drawingml/2006/diagram" xmlns:dsp="http://schemas.microsoft.com/office/drawing/2008/diagram">
+    <mc:Fallback xmlns:dsp="http://schemas.microsoft.com/office/drawing/2008/diagram" xmlns:dgm="http://schemas.openxmlformats.org/drawingml/2006/diagram" xmlns:c="http://schemas.openxmlformats.org/drawingml/2006/chart" xmlns="">
       <p:transition/>
     </mc:Fallback>
   </mc:AlternateContent>
@@ -9120,7 +9312,7 @@
     <mc:Choice Requires="p14">
       <p:transition/>
     </mc:Choice>
-    <mc:Fallback xmlns="" xmlns:c="http://schemas.openxmlformats.org/drawingml/2006/chart" xmlns:dgm="http://schemas.openxmlformats.org/drawingml/2006/diagram" xmlns:dsp="http://schemas.microsoft.com/office/drawing/2008/diagram">
+    <mc:Fallback xmlns:dsp="http://schemas.microsoft.com/office/drawing/2008/diagram" xmlns:dgm="http://schemas.openxmlformats.org/drawingml/2006/diagram" xmlns:c="http://schemas.openxmlformats.org/drawingml/2006/chart" xmlns="">
       <p:transition/>
     </mc:Fallback>
   </mc:AlternateContent>
@@ -12086,7 +12278,7 @@
     <mc:Choice Requires="p14">
       <p:transition/>
     </mc:Choice>
-    <mc:Fallback xmlns="" xmlns:c="http://schemas.openxmlformats.org/drawingml/2006/chart" xmlns:dgm="http://schemas.openxmlformats.org/drawingml/2006/diagram" xmlns:dsp="http://schemas.microsoft.com/office/drawing/2008/diagram">
+    <mc:Fallback xmlns:dsp="http://schemas.microsoft.com/office/drawing/2008/diagram" xmlns:dgm="http://schemas.openxmlformats.org/drawingml/2006/diagram" xmlns:c="http://schemas.openxmlformats.org/drawingml/2006/chart" xmlns="">
       <p:transition/>
     </mc:Fallback>
   </mc:AlternateContent>
@@ -12717,7 +12909,7 @@
     <mc:Choice Requires="p14">
       <p:transition/>
     </mc:Choice>
-    <mc:Fallback xmlns="" xmlns:c="http://schemas.openxmlformats.org/drawingml/2006/chart" xmlns:dgm="http://schemas.openxmlformats.org/drawingml/2006/diagram" xmlns:dsp="http://schemas.microsoft.com/office/drawing/2008/diagram">
+    <mc:Fallback xmlns:dsp="http://schemas.microsoft.com/office/drawing/2008/diagram" xmlns:dgm="http://schemas.openxmlformats.org/drawingml/2006/diagram" xmlns:c="http://schemas.openxmlformats.org/drawingml/2006/chart" xmlns="">
       <p:transition/>
     </mc:Fallback>
   </mc:AlternateContent>
@@ -13473,7 +13665,7 @@
     <mc:Choice Requires="p14">
       <p:transition/>
     </mc:Choice>
-    <mc:Fallback xmlns="" xmlns:c="http://schemas.openxmlformats.org/drawingml/2006/chart" xmlns:dgm="http://schemas.openxmlformats.org/drawingml/2006/diagram" xmlns:dsp="http://schemas.microsoft.com/office/drawing/2008/diagram">
+    <mc:Fallback xmlns:dsp="http://schemas.microsoft.com/office/drawing/2008/diagram" xmlns:dgm="http://schemas.openxmlformats.org/drawingml/2006/diagram" xmlns:c="http://schemas.openxmlformats.org/drawingml/2006/chart" xmlns="">
       <p:transition/>
     </mc:Fallback>
   </mc:AlternateContent>
@@ -14784,7 +14976,7 @@
     <mc:Choice Requires="p14">
       <p:transition/>
     </mc:Choice>
-    <mc:Fallback xmlns="" xmlns:c="http://schemas.openxmlformats.org/drawingml/2006/chart" xmlns:dgm="http://schemas.openxmlformats.org/drawingml/2006/diagram" xmlns:dsp="http://schemas.microsoft.com/office/drawing/2008/diagram">
+    <mc:Fallback xmlns:dsp="http://schemas.microsoft.com/office/drawing/2008/diagram" xmlns:dgm="http://schemas.openxmlformats.org/drawingml/2006/diagram" xmlns:c="http://schemas.openxmlformats.org/drawingml/2006/chart" xmlns="">
       <p:transition/>
     </mc:Fallback>
   </mc:AlternateContent>
@@ -18101,7 +18293,7 @@
     <mc:Choice Requires="p14">
       <p:transition/>
     </mc:Choice>
-    <mc:Fallback xmlns="" xmlns:c="http://schemas.openxmlformats.org/drawingml/2006/chart" xmlns:dgm="http://schemas.openxmlformats.org/drawingml/2006/diagram" xmlns:dsp="http://schemas.microsoft.com/office/drawing/2008/diagram">
+    <mc:Fallback xmlns:dsp="http://schemas.microsoft.com/office/drawing/2008/diagram" xmlns:dgm="http://schemas.openxmlformats.org/drawingml/2006/diagram" xmlns:c="http://schemas.openxmlformats.org/drawingml/2006/chart" xmlns="">
       <p:transition/>
     </mc:Fallback>
   </mc:AlternateContent>
@@ -18675,7 +18867,7 @@
     <mc:Choice Requires="p14">
       <p:transition/>
     </mc:Choice>
-    <mc:Fallback xmlns="" xmlns:c="http://schemas.openxmlformats.org/drawingml/2006/chart" xmlns:dgm="http://schemas.openxmlformats.org/drawingml/2006/diagram" xmlns:dsp="http://schemas.microsoft.com/office/drawing/2008/diagram">
+    <mc:Fallback xmlns:dsp="http://schemas.microsoft.com/office/drawing/2008/diagram" xmlns:dgm="http://schemas.openxmlformats.org/drawingml/2006/diagram" xmlns:c="http://schemas.openxmlformats.org/drawingml/2006/chart" xmlns="">
       <p:transition/>
     </mc:Fallback>
   </mc:AlternateContent>
@@ -19066,6 +19258,86 @@
               </a:rPr>
               <a:t>: </a:t>
             </a:r>
+            <a:r>
+              <a:rPr lang="en-US" altLang="ko-KR" sz="2800" spc="-100" dirty="0" err="1">
+                <a:solidFill>
+                  <a:srgbClr val="006BB1"/>
+                </a:solidFill>
+                <a:latin typeface="나눔바른고딕OTF"/>
+                <a:ea typeface="나눔바른고딕OTF"/>
+              </a:rPr>
+              <a:t>Vgg</a:t>
+            </a:r>
+            <a:r>
+              <a:rPr lang="en-US" altLang="ko-KR" sz="2800" spc="-100" dirty="0">
+                <a:solidFill>
+                  <a:srgbClr val="006BB1"/>
+                </a:solidFill>
+                <a:latin typeface="나눔바른고딕OTF"/>
+                <a:ea typeface="나눔바른고딕OTF"/>
+              </a:rPr>
+              <a:t>, </a:t>
+            </a:r>
+            <a:r>
+              <a:rPr lang="en-US" altLang="ko-KR" sz="2800" spc="-100" dirty="0" err="1">
+                <a:solidFill>
+                  <a:srgbClr val="006BB1"/>
+                </a:solidFill>
+                <a:latin typeface="나눔바른고딕OTF"/>
+                <a:ea typeface="나눔바른고딕OTF"/>
+              </a:rPr>
+              <a:t>AlexNet</a:t>
+            </a:r>
+            <a:r>
+              <a:rPr lang="en-US" altLang="ko-KR" sz="2800" spc="-100" dirty="0">
+                <a:solidFill>
+                  <a:srgbClr val="006BB1"/>
+                </a:solidFill>
+                <a:latin typeface="나눔바른고딕OTF"/>
+                <a:ea typeface="나눔바른고딕OTF"/>
+              </a:rPr>
+              <a:t> </a:t>
+            </a:r>
+            <a:r>
+              <a:rPr lang="ko-KR" altLang="en-US" sz="2800" spc="-100" dirty="0">
+                <a:solidFill>
+                  <a:srgbClr val="006BB1"/>
+                </a:solidFill>
+                <a:latin typeface="나눔바른고딕OTF"/>
+                <a:ea typeface="나눔바른고딕OTF"/>
+              </a:rPr>
+              <a:t>과 같이 </a:t>
+            </a:r>
+            <a:r>
+              <a:rPr lang="ko-KR" altLang="en-US" sz="2800" b="0" i="0" u="none" strike="noStrike" spc="-100" dirty="0">
+                <a:solidFill>
+                  <a:srgbClr val="006BB1"/>
+                </a:solidFill>
+                <a:latin typeface="나눔바른고딕OTF"/>
+                <a:ea typeface="나눔바른고딕OTF"/>
+              </a:rPr>
+              <a:t>사용할 수 있는 모델 중 가장 성능이 좋으며</a:t>
+            </a:r>
+            <a:r>
+              <a:rPr lang="en-US" altLang="ko-KR" sz="2800" b="0" i="0" u="none" strike="noStrike" spc="-100" dirty="0">
+                <a:solidFill>
+                  <a:srgbClr val="006BB1"/>
+                </a:solidFill>
+                <a:latin typeface="나눔바른고딕OTF"/>
+                <a:ea typeface="나눔바른고딕OTF"/>
+              </a:rPr>
+              <a:t>, </a:t>
+            </a:r>
+            <a:r>
+              <a:rPr lang="ko-KR" altLang="en-US" sz="2800" b="0" i="0" u="none" strike="noStrike" spc="-100" dirty="0">
+                <a:solidFill>
+                  <a:srgbClr val="006BB1"/>
+                </a:solidFill>
+                <a:latin typeface="나눔바른고딕OTF"/>
+                <a:ea typeface="나눔바른고딕OTF"/>
+              </a:rPr>
+              <a:t>파인 튜닝과 커스텀 데이터로만 학습했을 때의 결과를 비교 가능</a:t>
+            </a:r>
             <a:endParaRPr lang="ko-KR" sz="2800" b="0" i="0" u="none" strike="noStrike" spc="-100" dirty="0">
               <a:solidFill>
                 <a:srgbClr val="006BB1"/>
@@ -19115,7 +19387,7 @@
     <mc:Choice Requires="p14">
       <p:transition/>
     </mc:Choice>
-    <mc:Fallback xmlns="" xmlns:c="http://schemas.openxmlformats.org/drawingml/2006/chart" xmlns:dgm="http://schemas.openxmlformats.org/drawingml/2006/diagram" xmlns:dsp="http://schemas.microsoft.com/office/drawing/2008/diagram">
+    <mc:Fallback xmlns:dsp="http://schemas.microsoft.com/office/drawing/2008/diagram" xmlns:dgm="http://schemas.openxmlformats.org/drawingml/2006/diagram" xmlns:c="http://schemas.openxmlformats.org/drawingml/2006/chart" xmlns="">
       <p:transition/>
     </mc:Fallback>
   </mc:AlternateContent>
@@ -19492,7 +19764,23 @@
                   <a:srgbClr val="006BB1"/>
                 </a:solidFill>
               </a:rPr>
-              <a:t>모델이 전달한 의류 영역 이미지를 입력으로 받아 해당 이미지의 종류를 판별하고 특성 값을 추출</a:t>
+              <a:t>모델이 전달한 의류 영역 이미지를 입력으로 받아 해당 이미지의 종류를 판별하고 특성 행렬을 추출</a:t>
+            </a:r>
+            <a:r>
+              <a:rPr lang="en-US" altLang="ko-KR" sz="3000" dirty="0">
+                <a:solidFill>
+                  <a:srgbClr val="006BB1"/>
+                </a:solidFill>
+              </a:rPr>
+              <a:t>, </a:t>
+            </a:r>
+            <a:r>
+              <a:rPr lang="ko-KR" altLang="en-US" sz="3000" dirty="0">
+                <a:solidFill>
+                  <a:srgbClr val="006BB1"/>
+                </a:solidFill>
+              </a:rPr>
+              <a:t>특성 행렬을 통해 유사한 이미지를 검색</a:t>
             </a:r>
           </a:p>
         </p:txBody>
@@ -19700,34 +19988,136 @@
           </a:xfrm>
         </p:grpSpPr>
       </p:grpSp>
-      <p:grpSp>
-        <p:nvGrpSpPr>
-          <p:cNvPr id="47" name="그룹 46">
+      <p:pic>
+        <p:nvPicPr>
+          <p:cNvPr id="32" name="그림 31">
             <a:extLst>
               <a:ext uri="{FF2B5EF4-FFF2-40B4-BE49-F238E27FC236}">
-                <a16:creationId xmlns:a16="http://schemas.microsoft.com/office/drawing/2014/main" id="{935AD7A6-7268-5F26-7FEF-9D33B10A5D54}"/>
+                <a16:creationId xmlns:a16="http://schemas.microsoft.com/office/drawing/2014/main" id="{D6E84B55-327D-6A51-9182-02B6E80788BB}"/>
               </a:ext>
             </a:extLst>
           </p:cNvPr>
-          <p:cNvGrpSpPr>
-            <a:grpSpLocks noChangeAspect="1"/>
-          </p:cNvGrpSpPr>
+          <p:cNvPicPr>
+            <a:picLocks noChangeAspect="1"/>
+          </p:cNvPicPr>
+          <p:nvPr/>
+        </p:nvPicPr>
+        <p:blipFill>
+          <a:blip r:embed="rId9">
+            <a:extLst>
+              <a:ext uri="{28A0092B-C50C-407E-A947-70E740481C1C}">
+                <a14:useLocalDpi xmlns:a14="http://schemas.microsoft.com/office/drawing/2010/main" val="0"/>
+              </a:ext>
+            </a:extLst>
+          </a:blip>
+          <a:stretch>
+            <a:fillRect/>
+          </a:stretch>
+        </p:blipFill>
+        <p:spPr>
+          <a:xfrm>
+            <a:off x="1543049" y="2304000"/>
+            <a:ext cx="2637210" cy="3600000"/>
+          </a:xfrm>
+          <a:prstGeom prst="rect">
+            <a:avLst/>
+          </a:prstGeom>
+        </p:spPr>
+      </p:pic>
+      <p:sp>
+        <p:nvSpPr>
+          <p:cNvPr id="33" name="직사각형 32">
+            <a:extLst>
+              <a:ext uri="{FF2B5EF4-FFF2-40B4-BE49-F238E27FC236}">
+                <a16:creationId xmlns:a16="http://schemas.microsoft.com/office/drawing/2014/main" id="{B8A9B839-1185-4ECA-C044-1096704A8294}"/>
+              </a:ext>
+            </a:extLst>
+          </p:cNvPr>
+          <p:cNvSpPr/>
+          <p:nvPr/>
+        </p:nvSpPr>
+        <p:spPr>
+          <a:xfrm>
+            <a:off x="13570571" y="2835791"/>
+            <a:ext cx="1401425" cy="603496"/>
+          </a:xfrm>
+          <a:prstGeom prst="rect">
+            <a:avLst/>
+          </a:prstGeom>
+          <a:solidFill>
+            <a:srgbClr val="B3A2C7"/>
+          </a:solidFill>
+          <a:ln>
+            <a:noFill/>
+          </a:ln>
+        </p:spPr>
+        <p:style>
+          <a:lnRef idx="2">
+            <a:schemeClr val="accent1">
+              <a:shade val="15000"/>
+            </a:schemeClr>
+          </a:lnRef>
+          <a:fillRef idx="1">
+            <a:schemeClr val="accent1"/>
+          </a:fillRef>
+          <a:effectRef idx="0">
+            <a:schemeClr val="accent1"/>
+          </a:effectRef>
+          <a:fontRef idx="minor">
+            <a:schemeClr val="lt1"/>
+          </a:fontRef>
+        </p:style>
+        <p:txBody>
+          <a:bodyPr rtlCol="0" anchor="ctr"/>
+          <a:lstStyle/>
+          <a:p>
+            <a:pPr algn="ctr"/>
+            <a:r>
+              <a:rPr lang="ko-KR" altLang="en-US" sz="2200" b="1" dirty="0" err="1">
+                <a:solidFill>
+                  <a:schemeClr val="tx1"/>
+                </a:solidFill>
+                <a:latin typeface="나눔바른고딕OTF" panose="02020603020101020101" pitchFamily="18" charset="-127"/>
+                <a:ea typeface="나눔바른고딕OTF" panose="02020603020101020101" pitchFamily="18" charset="-127"/>
+              </a:rPr>
+              <a:t>긴소매</a:t>
+            </a:r>
+            <a:endParaRPr lang="ko-KR" altLang="en-US" sz="2200" b="1" dirty="0">
+              <a:solidFill>
+                <a:schemeClr val="tx1"/>
+              </a:solidFill>
+              <a:latin typeface="나눔바른고딕OTF" panose="02020603020101020101" pitchFamily="18" charset="-127"/>
+              <a:ea typeface="나눔바른고딕OTF" panose="02020603020101020101" pitchFamily="18" charset="-127"/>
+            </a:endParaRPr>
+          </a:p>
+        </p:txBody>
+      </p:sp>
+      <p:grpSp>
+        <p:nvGrpSpPr>
+          <p:cNvPr id="34" name="그룹 33">
+            <a:extLst>
+              <a:ext uri="{FF2B5EF4-FFF2-40B4-BE49-F238E27FC236}">
+                <a16:creationId xmlns:a16="http://schemas.microsoft.com/office/drawing/2014/main" id="{6D6BBDDC-024B-2506-92D1-AD1F88DD500C}"/>
+              </a:ext>
+            </a:extLst>
+          </p:cNvPr>
+          <p:cNvGrpSpPr/>
           <p:nvPr/>
         </p:nvGrpSpPr>
         <p:grpSpPr>
           <a:xfrm>
-            <a:off x="1868411" y="2425511"/>
-            <a:ext cx="14551178" cy="4394578"/>
-            <a:chOff x="887923" y="3085722"/>
-            <a:chExt cx="10416154" cy="3145766"/>
+            <a:off x="12429535" y="5143500"/>
+            <a:ext cx="3801065" cy="1812232"/>
+            <a:chOff x="8817428" y="3369978"/>
+            <a:chExt cx="2720912" cy="1297248"/>
           </a:xfrm>
         </p:grpSpPr>
         <p:sp>
           <p:nvSpPr>
-            <p:cNvPr id="30" name="화살표: 오각형 29">
+            <p:cNvPr id="35" name="직사각형 34">
               <a:extLst>
                 <a:ext uri="{FF2B5EF4-FFF2-40B4-BE49-F238E27FC236}">
-                  <a16:creationId xmlns:a16="http://schemas.microsoft.com/office/drawing/2014/main" id="{77C47C8C-3E2B-F4E3-6E41-A1BA02F56004}"/>
+                  <a16:creationId xmlns:a16="http://schemas.microsoft.com/office/drawing/2014/main" id="{E30BEEFC-35BE-DEC4-DF5E-88A614D6321D}"/>
                 </a:ext>
               </a:extLst>
             </p:cNvPr>
@@ -19736,17 +20126,276 @@
           </p:nvSpPr>
           <p:spPr>
             <a:xfrm>
-              <a:off x="2464385" y="3756176"/>
-              <a:ext cx="1080000" cy="360000"/>
+              <a:off x="8817428" y="3369978"/>
+              <a:ext cx="432000" cy="432000"/>
             </a:xfrm>
-            <a:prstGeom prst="homePlate">
+            <a:prstGeom prst="rect">
               <a:avLst/>
             </a:prstGeom>
             <a:solidFill>
-              <a:schemeClr val="bg2">
-                <a:lumMod val="75000"/>
+              <a:schemeClr val="accent4">
+                <a:lumMod val="60000"/>
+                <a:lumOff val="40000"/>
               </a:schemeClr>
             </a:solidFill>
+          </p:spPr>
+          <p:style>
+            <a:lnRef idx="2">
+              <a:schemeClr val="accent1">
+                <a:shade val="15000"/>
+              </a:schemeClr>
+            </a:lnRef>
+            <a:fillRef idx="1">
+              <a:schemeClr val="accent1"/>
+            </a:fillRef>
+            <a:effectRef idx="0">
+              <a:schemeClr val="accent1"/>
+            </a:effectRef>
+            <a:fontRef idx="minor">
+              <a:schemeClr val="lt1"/>
+            </a:fontRef>
+          </p:style>
+          <p:txBody>
+            <a:bodyPr rtlCol="0" anchor="ctr"/>
+            <a:lstStyle/>
+            <a:p>
+              <a:pPr algn="ctr"/>
+              <a:endParaRPr lang="ko-KR" altLang="en-US"/>
+            </a:p>
+          </p:txBody>
+        </p:sp>
+        <p:sp>
+          <p:nvSpPr>
+            <p:cNvPr id="36" name="직사각형 35">
+              <a:extLst>
+                <a:ext uri="{FF2B5EF4-FFF2-40B4-BE49-F238E27FC236}">
+                  <a16:creationId xmlns:a16="http://schemas.microsoft.com/office/drawing/2014/main" id="{9721D8F7-BAF0-573C-2D59-A03DCE266A6D}"/>
+                </a:ext>
+              </a:extLst>
+            </p:cNvPr>
+            <p:cNvSpPr/>
+            <p:nvPr/>
+          </p:nvSpPr>
+          <p:spPr>
+            <a:xfrm>
+              <a:off x="9249428" y="3369978"/>
+              <a:ext cx="432000" cy="432000"/>
+            </a:xfrm>
+            <a:prstGeom prst="rect">
+              <a:avLst/>
+            </a:prstGeom>
+            <a:solidFill>
+              <a:schemeClr val="accent4">
+                <a:lumMod val="60000"/>
+                <a:lumOff val="40000"/>
+              </a:schemeClr>
+            </a:solidFill>
+          </p:spPr>
+          <p:style>
+            <a:lnRef idx="2">
+              <a:schemeClr val="accent1">
+                <a:shade val="15000"/>
+              </a:schemeClr>
+            </a:lnRef>
+            <a:fillRef idx="1">
+              <a:schemeClr val="accent1"/>
+            </a:fillRef>
+            <a:effectRef idx="0">
+              <a:schemeClr val="accent1"/>
+            </a:effectRef>
+            <a:fontRef idx="minor">
+              <a:schemeClr val="lt1"/>
+            </a:fontRef>
+          </p:style>
+          <p:txBody>
+            <a:bodyPr rtlCol="0" anchor="ctr"/>
+            <a:lstStyle/>
+            <a:p>
+              <a:pPr algn="ctr"/>
+              <a:endParaRPr lang="ko-KR" altLang="en-US" dirty="0"/>
+            </a:p>
+          </p:txBody>
+        </p:sp>
+        <p:sp>
+          <p:nvSpPr>
+            <p:cNvPr id="37" name="직사각형 36">
+              <a:extLst>
+                <a:ext uri="{FF2B5EF4-FFF2-40B4-BE49-F238E27FC236}">
+                  <a16:creationId xmlns:a16="http://schemas.microsoft.com/office/drawing/2014/main" id="{5F99456E-F29E-F68A-72F6-08CB0AF00A93}"/>
+                </a:ext>
+              </a:extLst>
+            </p:cNvPr>
+            <p:cNvSpPr/>
+            <p:nvPr/>
+          </p:nvSpPr>
+          <p:spPr>
+            <a:xfrm>
+              <a:off x="9681428" y="3369978"/>
+              <a:ext cx="432000" cy="432000"/>
+            </a:xfrm>
+            <a:prstGeom prst="rect">
+              <a:avLst/>
+            </a:prstGeom>
+            <a:solidFill>
+              <a:schemeClr val="accent4">
+                <a:lumMod val="60000"/>
+                <a:lumOff val="40000"/>
+              </a:schemeClr>
+            </a:solidFill>
+          </p:spPr>
+          <p:style>
+            <a:lnRef idx="2">
+              <a:schemeClr val="accent1">
+                <a:shade val="15000"/>
+              </a:schemeClr>
+            </a:lnRef>
+            <a:fillRef idx="1">
+              <a:schemeClr val="accent1"/>
+            </a:fillRef>
+            <a:effectRef idx="0">
+              <a:schemeClr val="accent1"/>
+            </a:effectRef>
+            <a:fontRef idx="minor">
+              <a:schemeClr val="lt1"/>
+            </a:fontRef>
+          </p:style>
+          <p:txBody>
+            <a:bodyPr rtlCol="0" anchor="ctr"/>
+            <a:lstStyle/>
+            <a:p>
+              <a:pPr algn="ctr"/>
+              <a:endParaRPr lang="ko-KR" altLang="en-US"/>
+            </a:p>
+          </p:txBody>
+        </p:sp>
+        <p:sp>
+          <p:nvSpPr>
+            <p:cNvPr id="38" name="직사각형 37">
+              <a:extLst>
+                <a:ext uri="{FF2B5EF4-FFF2-40B4-BE49-F238E27FC236}">
+                  <a16:creationId xmlns:a16="http://schemas.microsoft.com/office/drawing/2014/main" id="{2F942012-7CF2-4C5A-5BB6-4517A6209286}"/>
+                </a:ext>
+              </a:extLst>
+            </p:cNvPr>
+            <p:cNvSpPr/>
+            <p:nvPr/>
+          </p:nvSpPr>
+          <p:spPr>
+            <a:xfrm>
+              <a:off x="10674340" y="3369978"/>
+              <a:ext cx="432000" cy="432000"/>
+            </a:xfrm>
+            <a:prstGeom prst="rect">
+              <a:avLst/>
+            </a:prstGeom>
+            <a:solidFill>
+              <a:schemeClr val="accent4">
+                <a:lumMod val="60000"/>
+                <a:lumOff val="40000"/>
+              </a:schemeClr>
+            </a:solidFill>
+          </p:spPr>
+          <p:style>
+            <a:lnRef idx="2">
+              <a:schemeClr val="accent1">
+                <a:shade val="15000"/>
+              </a:schemeClr>
+            </a:lnRef>
+            <a:fillRef idx="1">
+              <a:schemeClr val="accent1"/>
+            </a:fillRef>
+            <a:effectRef idx="0">
+              <a:schemeClr val="accent1"/>
+            </a:effectRef>
+            <a:fontRef idx="minor">
+              <a:schemeClr val="lt1"/>
+            </a:fontRef>
+          </p:style>
+          <p:txBody>
+            <a:bodyPr rtlCol="0" anchor="ctr"/>
+            <a:lstStyle/>
+            <a:p>
+              <a:pPr algn="ctr"/>
+              <a:endParaRPr lang="ko-KR" altLang="en-US"/>
+            </a:p>
+          </p:txBody>
+        </p:sp>
+        <p:sp>
+          <p:nvSpPr>
+            <p:cNvPr id="39" name="직사각형 38">
+              <a:extLst>
+                <a:ext uri="{FF2B5EF4-FFF2-40B4-BE49-F238E27FC236}">
+                  <a16:creationId xmlns:a16="http://schemas.microsoft.com/office/drawing/2014/main" id="{64FCFBC6-C7FF-11DD-01CE-00B02FBCB239}"/>
+                </a:ext>
+              </a:extLst>
+            </p:cNvPr>
+            <p:cNvSpPr/>
+            <p:nvPr/>
+          </p:nvSpPr>
+          <p:spPr>
+            <a:xfrm>
+              <a:off x="11106340" y="3370630"/>
+              <a:ext cx="432000" cy="432000"/>
+            </a:xfrm>
+            <a:prstGeom prst="rect">
+              <a:avLst/>
+            </a:prstGeom>
+            <a:solidFill>
+              <a:schemeClr val="accent4">
+                <a:lumMod val="60000"/>
+                <a:lumOff val="40000"/>
+              </a:schemeClr>
+            </a:solidFill>
+          </p:spPr>
+          <p:style>
+            <a:lnRef idx="2">
+              <a:schemeClr val="accent1">
+                <a:shade val="15000"/>
+              </a:schemeClr>
+            </a:lnRef>
+            <a:fillRef idx="1">
+              <a:schemeClr val="accent1"/>
+            </a:fillRef>
+            <a:effectRef idx="0">
+              <a:schemeClr val="accent1"/>
+            </a:effectRef>
+            <a:fontRef idx="minor">
+              <a:schemeClr val="lt1"/>
+            </a:fontRef>
+          </p:style>
+          <p:txBody>
+            <a:bodyPr rtlCol="0" anchor="ctr"/>
+            <a:lstStyle/>
+            <a:p>
+              <a:pPr algn="ctr"/>
+              <a:endParaRPr lang="ko-KR" altLang="en-US"/>
+            </a:p>
+          </p:txBody>
+        </p:sp>
+        <p:sp>
+          <p:nvSpPr>
+            <p:cNvPr id="40" name="직사각형 39">
+              <a:extLst>
+                <a:ext uri="{FF2B5EF4-FFF2-40B4-BE49-F238E27FC236}">
+                  <a16:creationId xmlns:a16="http://schemas.microsoft.com/office/drawing/2014/main" id="{96896FFD-9581-76E8-D975-E876781B8C51}"/>
+                </a:ext>
+              </a:extLst>
+            </p:cNvPr>
+            <p:cNvSpPr/>
+            <p:nvPr/>
+          </p:nvSpPr>
+          <p:spPr>
+            <a:xfrm>
+              <a:off x="10113428" y="3369978"/>
+              <a:ext cx="560911" cy="432000"/>
+            </a:xfrm>
+            <a:prstGeom prst="rect">
+              <a:avLst/>
+            </a:prstGeom>
+            <a:noFill/>
+            <a:ln>
+              <a:noFill/>
+            </a:ln>
           </p:spPr>
           <p:style>
             <a:lnRef idx="2">
@@ -19775,7 +20424,7 @@
                     <a:schemeClr val="tx1"/>
                   </a:solidFill>
                 </a:rPr>
-                <a:t>Input</a:t>
+                <a:t>•••</a:t>
               </a:r>
               <a:endParaRPr lang="ko-KR" altLang="en-US" dirty="0">
                 <a:solidFill>
@@ -19787,10 +20436,57 @@
         </p:sp>
         <p:sp>
           <p:nvSpPr>
-            <p:cNvPr id="31" name="화살표: 오각형 30">
+            <p:cNvPr id="41" name="왼쪽 중괄호 40">
               <a:extLst>
                 <a:ext uri="{FF2B5EF4-FFF2-40B4-BE49-F238E27FC236}">
-                  <a16:creationId xmlns:a16="http://schemas.microsoft.com/office/drawing/2014/main" id="{1B10B48B-A7A5-707C-A158-A281586514CF}"/>
+                  <a16:creationId xmlns:a16="http://schemas.microsoft.com/office/drawing/2014/main" id="{BC3A1B93-3C16-5FCE-7AB0-83C79BB6086F}"/>
+                </a:ext>
+              </a:extLst>
+            </p:cNvPr>
+            <p:cNvSpPr/>
+            <p:nvPr/>
+          </p:nvSpPr>
+          <p:spPr>
+            <a:xfrm rot="16200000">
+              <a:off x="10011564" y="2879040"/>
+              <a:ext cx="332630" cy="2351843"/>
+            </a:xfrm>
+            <a:prstGeom prst="leftBrace">
+              <a:avLst>
+                <a:gd name="adj1" fmla="val 8333"/>
+                <a:gd name="adj2" fmla="val 51510"/>
+              </a:avLst>
+            </a:prstGeom>
+          </p:spPr>
+          <p:style>
+            <a:lnRef idx="1">
+              <a:schemeClr val="accent1"/>
+            </a:lnRef>
+            <a:fillRef idx="0">
+              <a:schemeClr val="accent1"/>
+            </a:fillRef>
+            <a:effectRef idx="0">
+              <a:schemeClr val="accent1"/>
+            </a:effectRef>
+            <a:fontRef idx="minor">
+              <a:schemeClr val="tx1"/>
+            </a:fontRef>
+          </p:style>
+          <p:txBody>
+            <a:bodyPr rtlCol="0" anchor="ctr"/>
+            <a:lstStyle/>
+            <a:p>
+              <a:pPr algn="ctr"/>
+              <a:endParaRPr lang="ko-KR" altLang="en-US"/>
+            </a:p>
+          </p:txBody>
+        </p:sp>
+        <p:sp>
+          <p:nvSpPr>
+            <p:cNvPr id="42" name="직사각형 41">
+              <a:extLst>
+                <a:ext uri="{FF2B5EF4-FFF2-40B4-BE49-F238E27FC236}">
+                  <a16:creationId xmlns:a16="http://schemas.microsoft.com/office/drawing/2014/main" id="{9CE12705-8980-26D7-310B-56DFB763717F}"/>
                 </a:ext>
               </a:extLst>
             </p:cNvPr>
@@ -19799,803 +20495,13 @@
           </p:nvSpPr>
           <p:spPr>
             <a:xfrm>
-              <a:off x="7983668" y="3619988"/>
-              <a:ext cx="1080000" cy="360000"/>
-            </a:xfrm>
-            <a:prstGeom prst="homePlate">
-              <a:avLst/>
-            </a:prstGeom>
-            <a:solidFill>
-              <a:schemeClr val="bg2">
-                <a:lumMod val="75000"/>
-              </a:schemeClr>
-            </a:solidFill>
-          </p:spPr>
-          <p:style>
-            <a:lnRef idx="2">
-              <a:schemeClr val="accent1">
-                <a:shade val="15000"/>
-              </a:schemeClr>
-            </a:lnRef>
-            <a:fillRef idx="1">
-              <a:schemeClr val="accent1"/>
-            </a:fillRef>
-            <a:effectRef idx="0">
-              <a:schemeClr val="accent1"/>
-            </a:effectRef>
-            <a:fontRef idx="minor">
-              <a:schemeClr val="lt1"/>
-            </a:fontRef>
-          </p:style>
-          <p:txBody>
-            <a:bodyPr rtlCol="0" anchor="ctr"/>
-            <a:lstStyle/>
-            <a:p>
-              <a:pPr algn="ctr"/>
-              <a:r>
-                <a:rPr lang="en-US" altLang="ko-KR" dirty="0">
-                  <a:solidFill>
-                    <a:schemeClr val="tx1"/>
-                  </a:solidFill>
-                </a:rPr>
-                <a:t>Output</a:t>
-              </a:r>
-              <a:endParaRPr lang="ko-KR" altLang="en-US" dirty="0">
-                <a:solidFill>
-                  <a:schemeClr val="tx1"/>
-                </a:solidFill>
-              </a:endParaRPr>
-            </a:p>
-          </p:txBody>
-        </p:sp>
-        <p:pic>
-          <p:nvPicPr>
-            <p:cNvPr id="32" name="그림 31">
-              <a:extLst>
-                <a:ext uri="{FF2B5EF4-FFF2-40B4-BE49-F238E27FC236}">
-                  <a16:creationId xmlns:a16="http://schemas.microsoft.com/office/drawing/2014/main" id="{D6E84B55-327D-6A51-9182-02B6E80788BB}"/>
-                </a:ext>
-              </a:extLst>
-            </p:cNvPr>
-            <p:cNvPicPr>
-              <a:picLocks noChangeAspect="1"/>
-            </p:cNvPicPr>
-            <p:nvPr/>
-          </p:nvPicPr>
-          <p:blipFill>
-            <a:blip r:embed="rId9">
-              <a:extLst>
-                <a:ext uri="{28A0092B-C50C-407E-A947-70E740481C1C}">
-                  <a14:useLocalDpi xmlns:a14="http://schemas.microsoft.com/office/drawing/2010/main" val="0"/>
-                </a:ext>
-              </a:extLst>
-            </a:blip>
-            <a:stretch>
-              <a:fillRect/>
-            </a:stretch>
-          </p:blipFill>
-          <p:spPr>
-            <a:xfrm>
-              <a:off x="887923" y="3085722"/>
-              <a:ext cx="1318605" cy="1800000"/>
+              <a:off x="9147829" y="4235226"/>
+              <a:ext cx="2060100" cy="432000"/>
             </a:xfrm>
             <a:prstGeom prst="rect">
               <a:avLst/>
             </a:prstGeom>
-          </p:spPr>
-        </p:pic>
-        <p:sp>
-          <p:nvSpPr>
-            <p:cNvPr id="33" name="직사각형 32">
-              <a:extLst>
-                <a:ext uri="{FF2B5EF4-FFF2-40B4-BE49-F238E27FC236}">
-                  <a16:creationId xmlns:a16="http://schemas.microsoft.com/office/drawing/2014/main" id="{B8A9B839-1185-4ECA-C044-1096704A8294}"/>
-                </a:ext>
-              </a:extLst>
-            </p:cNvPr>
-            <p:cNvSpPr/>
-            <p:nvPr/>
-          </p:nvSpPr>
-          <p:spPr>
-            <a:xfrm>
-              <a:off x="9321525" y="3633508"/>
-              <a:ext cx="892518" cy="360000"/>
-            </a:xfrm>
-            <a:prstGeom prst="rect">
-              <a:avLst/>
-            </a:prstGeom>
-            <a:solidFill>
-              <a:schemeClr val="accent4">
-                <a:lumMod val="40000"/>
-                <a:lumOff val="60000"/>
-              </a:schemeClr>
-            </a:solidFill>
-            <a:ln>
-              <a:solidFill>
-                <a:schemeClr val="accent1">
-                  <a:shade val="15000"/>
-                </a:schemeClr>
-              </a:solidFill>
-            </a:ln>
-          </p:spPr>
-          <p:style>
-            <a:lnRef idx="2">
-              <a:schemeClr val="accent1">
-                <a:shade val="15000"/>
-              </a:schemeClr>
-            </a:lnRef>
-            <a:fillRef idx="1">
-              <a:schemeClr val="accent1"/>
-            </a:fillRef>
-            <a:effectRef idx="0">
-              <a:schemeClr val="accent1"/>
-            </a:effectRef>
-            <a:fontRef idx="minor">
-              <a:schemeClr val="lt1"/>
-            </a:fontRef>
-          </p:style>
-          <p:txBody>
-            <a:bodyPr rtlCol="0" anchor="ctr"/>
-            <a:lstStyle/>
-            <a:p>
-              <a:pPr algn="ctr"/>
-              <a:r>
-                <a:rPr lang="ko-KR" altLang="en-US" dirty="0" err="1">
-                  <a:solidFill>
-                    <a:schemeClr val="tx1"/>
-                  </a:solidFill>
-                </a:rPr>
-                <a:t>긴소매</a:t>
-              </a:r>
-              <a:endParaRPr lang="ko-KR" altLang="en-US" dirty="0">
-                <a:solidFill>
-                  <a:schemeClr val="tx1"/>
-                </a:solidFill>
-              </a:endParaRPr>
-            </a:p>
-          </p:txBody>
-        </p:sp>
-        <p:grpSp>
-          <p:nvGrpSpPr>
-            <p:cNvPr id="34" name="그룹 33">
-              <a:extLst>
-                <a:ext uri="{FF2B5EF4-FFF2-40B4-BE49-F238E27FC236}">
-                  <a16:creationId xmlns:a16="http://schemas.microsoft.com/office/drawing/2014/main" id="{6D6BBDDC-024B-2506-92D1-AD1F88DD500C}"/>
-                </a:ext>
-              </a:extLst>
-            </p:cNvPr>
-            <p:cNvGrpSpPr/>
-            <p:nvPr/>
-          </p:nvGrpSpPr>
-          <p:grpSpPr>
-            <a:xfrm>
-              <a:off x="8583165" y="4934240"/>
-              <a:ext cx="2720912" cy="1297248"/>
-              <a:chOff x="8817428" y="3369978"/>
-              <a:chExt cx="2720912" cy="1297248"/>
-            </a:xfrm>
-          </p:grpSpPr>
-          <p:sp>
-            <p:nvSpPr>
-              <p:cNvPr id="35" name="직사각형 34">
-                <a:extLst>
-                  <a:ext uri="{FF2B5EF4-FFF2-40B4-BE49-F238E27FC236}">
-                    <a16:creationId xmlns:a16="http://schemas.microsoft.com/office/drawing/2014/main" id="{E30BEEFC-35BE-DEC4-DF5E-88A614D6321D}"/>
-                  </a:ext>
-                </a:extLst>
-              </p:cNvPr>
-              <p:cNvSpPr/>
-              <p:nvPr/>
-            </p:nvSpPr>
-            <p:spPr>
-              <a:xfrm>
-                <a:off x="8817428" y="3369978"/>
-                <a:ext cx="432000" cy="432000"/>
-              </a:xfrm>
-              <a:prstGeom prst="rect">
-                <a:avLst/>
-              </a:prstGeom>
-              <a:solidFill>
-                <a:schemeClr val="accent4">
-                  <a:lumMod val="60000"/>
-                  <a:lumOff val="40000"/>
-                </a:schemeClr>
-              </a:solidFill>
-            </p:spPr>
-            <p:style>
-              <a:lnRef idx="2">
-                <a:schemeClr val="accent1">
-                  <a:shade val="15000"/>
-                </a:schemeClr>
-              </a:lnRef>
-              <a:fillRef idx="1">
-                <a:schemeClr val="accent1"/>
-              </a:fillRef>
-              <a:effectRef idx="0">
-                <a:schemeClr val="accent1"/>
-              </a:effectRef>
-              <a:fontRef idx="minor">
-                <a:schemeClr val="lt1"/>
-              </a:fontRef>
-            </p:style>
-            <p:txBody>
-              <a:bodyPr rtlCol="0" anchor="ctr"/>
-              <a:lstStyle/>
-              <a:p>
-                <a:pPr algn="ctr"/>
-                <a:endParaRPr lang="ko-KR" altLang="en-US"/>
-              </a:p>
-            </p:txBody>
-          </p:sp>
-          <p:sp>
-            <p:nvSpPr>
-              <p:cNvPr id="36" name="직사각형 35">
-                <a:extLst>
-                  <a:ext uri="{FF2B5EF4-FFF2-40B4-BE49-F238E27FC236}">
-                    <a16:creationId xmlns:a16="http://schemas.microsoft.com/office/drawing/2014/main" id="{9721D8F7-BAF0-573C-2D59-A03DCE266A6D}"/>
-                  </a:ext>
-                </a:extLst>
-              </p:cNvPr>
-              <p:cNvSpPr/>
-              <p:nvPr/>
-            </p:nvSpPr>
-            <p:spPr>
-              <a:xfrm>
-                <a:off x="9249428" y="3369978"/>
-                <a:ext cx="432000" cy="432000"/>
-              </a:xfrm>
-              <a:prstGeom prst="rect">
-                <a:avLst/>
-              </a:prstGeom>
-              <a:solidFill>
-                <a:schemeClr val="accent4">
-                  <a:lumMod val="60000"/>
-                  <a:lumOff val="40000"/>
-                </a:schemeClr>
-              </a:solidFill>
-            </p:spPr>
-            <p:style>
-              <a:lnRef idx="2">
-                <a:schemeClr val="accent1">
-                  <a:shade val="15000"/>
-                </a:schemeClr>
-              </a:lnRef>
-              <a:fillRef idx="1">
-                <a:schemeClr val="accent1"/>
-              </a:fillRef>
-              <a:effectRef idx="0">
-                <a:schemeClr val="accent1"/>
-              </a:effectRef>
-              <a:fontRef idx="minor">
-                <a:schemeClr val="lt1"/>
-              </a:fontRef>
-            </p:style>
-            <p:txBody>
-              <a:bodyPr rtlCol="0" anchor="ctr"/>
-              <a:lstStyle/>
-              <a:p>
-                <a:pPr algn="ctr"/>
-                <a:endParaRPr lang="ko-KR" altLang="en-US" dirty="0"/>
-              </a:p>
-            </p:txBody>
-          </p:sp>
-          <p:sp>
-            <p:nvSpPr>
-              <p:cNvPr id="37" name="직사각형 36">
-                <a:extLst>
-                  <a:ext uri="{FF2B5EF4-FFF2-40B4-BE49-F238E27FC236}">
-                    <a16:creationId xmlns:a16="http://schemas.microsoft.com/office/drawing/2014/main" id="{5F99456E-F29E-F68A-72F6-08CB0AF00A93}"/>
-                  </a:ext>
-                </a:extLst>
-              </p:cNvPr>
-              <p:cNvSpPr/>
-              <p:nvPr/>
-            </p:nvSpPr>
-            <p:spPr>
-              <a:xfrm>
-                <a:off x="9681428" y="3369978"/>
-                <a:ext cx="432000" cy="432000"/>
-              </a:xfrm>
-              <a:prstGeom prst="rect">
-                <a:avLst/>
-              </a:prstGeom>
-              <a:solidFill>
-                <a:schemeClr val="accent4">
-                  <a:lumMod val="60000"/>
-                  <a:lumOff val="40000"/>
-                </a:schemeClr>
-              </a:solidFill>
-            </p:spPr>
-            <p:style>
-              <a:lnRef idx="2">
-                <a:schemeClr val="accent1">
-                  <a:shade val="15000"/>
-                </a:schemeClr>
-              </a:lnRef>
-              <a:fillRef idx="1">
-                <a:schemeClr val="accent1"/>
-              </a:fillRef>
-              <a:effectRef idx="0">
-                <a:schemeClr val="accent1"/>
-              </a:effectRef>
-              <a:fontRef idx="minor">
-                <a:schemeClr val="lt1"/>
-              </a:fontRef>
-            </p:style>
-            <p:txBody>
-              <a:bodyPr rtlCol="0" anchor="ctr"/>
-              <a:lstStyle/>
-              <a:p>
-                <a:pPr algn="ctr"/>
-                <a:endParaRPr lang="ko-KR" altLang="en-US"/>
-              </a:p>
-            </p:txBody>
-          </p:sp>
-          <p:sp>
-            <p:nvSpPr>
-              <p:cNvPr id="38" name="직사각형 37">
-                <a:extLst>
-                  <a:ext uri="{FF2B5EF4-FFF2-40B4-BE49-F238E27FC236}">
-                    <a16:creationId xmlns:a16="http://schemas.microsoft.com/office/drawing/2014/main" id="{2F942012-7CF2-4C5A-5BB6-4517A6209286}"/>
-                  </a:ext>
-                </a:extLst>
-              </p:cNvPr>
-              <p:cNvSpPr/>
-              <p:nvPr/>
-            </p:nvSpPr>
-            <p:spPr>
-              <a:xfrm>
-                <a:off x="10674340" y="3369978"/>
-                <a:ext cx="432000" cy="432000"/>
-              </a:xfrm>
-              <a:prstGeom prst="rect">
-                <a:avLst/>
-              </a:prstGeom>
-              <a:solidFill>
-                <a:schemeClr val="accent4">
-                  <a:lumMod val="60000"/>
-                  <a:lumOff val="40000"/>
-                </a:schemeClr>
-              </a:solidFill>
-            </p:spPr>
-            <p:style>
-              <a:lnRef idx="2">
-                <a:schemeClr val="accent1">
-                  <a:shade val="15000"/>
-                </a:schemeClr>
-              </a:lnRef>
-              <a:fillRef idx="1">
-                <a:schemeClr val="accent1"/>
-              </a:fillRef>
-              <a:effectRef idx="0">
-                <a:schemeClr val="accent1"/>
-              </a:effectRef>
-              <a:fontRef idx="minor">
-                <a:schemeClr val="lt1"/>
-              </a:fontRef>
-            </p:style>
-            <p:txBody>
-              <a:bodyPr rtlCol="0" anchor="ctr"/>
-              <a:lstStyle/>
-              <a:p>
-                <a:pPr algn="ctr"/>
-                <a:endParaRPr lang="ko-KR" altLang="en-US"/>
-              </a:p>
-            </p:txBody>
-          </p:sp>
-          <p:sp>
-            <p:nvSpPr>
-              <p:cNvPr id="39" name="직사각형 38">
-                <a:extLst>
-                  <a:ext uri="{FF2B5EF4-FFF2-40B4-BE49-F238E27FC236}">
-                    <a16:creationId xmlns:a16="http://schemas.microsoft.com/office/drawing/2014/main" id="{64FCFBC6-C7FF-11DD-01CE-00B02FBCB239}"/>
-                  </a:ext>
-                </a:extLst>
-              </p:cNvPr>
-              <p:cNvSpPr/>
-              <p:nvPr/>
-            </p:nvSpPr>
-            <p:spPr>
-              <a:xfrm>
-                <a:off x="11106340" y="3370630"/>
-                <a:ext cx="432000" cy="432000"/>
-              </a:xfrm>
-              <a:prstGeom prst="rect">
-                <a:avLst/>
-              </a:prstGeom>
-              <a:solidFill>
-                <a:schemeClr val="accent4">
-                  <a:lumMod val="60000"/>
-                  <a:lumOff val="40000"/>
-                </a:schemeClr>
-              </a:solidFill>
-            </p:spPr>
-            <p:style>
-              <a:lnRef idx="2">
-                <a:schemeClr val="accent1">
-                  <a:shade val="15000"/>
-                </a:schemeClr>
-              </a:lnRef>
-              <a:fillRef idx="1">
-                <a:schemeClr val="accent1"/>
-              </a:fillRef>
-              <a:effectRef idx="0">
-                <a:schemeClr val="accent1"/>
-              </a:effectRef>
-              <a:fontRef idx="minor">
-                <a:schemeClr val="lt1"/>
-              </a:fontRef>
-            </p:style>
-            <p:txBody>
-              <a:bodyPr rtlCol="0" anchor="ctr"/>
-              <a:lstStyle/>
-              <a:p>
-                <a:pPr algn="ctr"/>
-                <a:endParaRPr lang="ko-KR" altLang="en-US"/>
-              </a:p>
-            </p:txBody>
-          </p:sp>
-          <p:sp>
-            <p:nvSpPr>
-              <p:cNvPr id="40" name="직사각형 39">
-                <a:extLst>
-                  <a:ext uri="{FF2B5EF4-FFF2-40B4-BE49-F238E27FC236}">
-                    <a16:creationId xmlns:a16="http://schemas.microsoft.com/office/drawing/2014/main" id="{96896FFD-9581-76E8-D975-E876781B8C51}"/>
-                  </a:ext>
-                </a:extLst>
-              </p:cNvPr>
-              <p:cNvSpPr/>
-              <p:nvPr/>
-            </p:nvSpPr>
-            <p:spPr>
-              <a:xfrm>
-                <a:off x="10113428" y="3369978"/>
-                <a:ext cx="560911" cy="432000"/>
-              </a:xfrm>
-              <a:prstGeom prst="rect">
-                <a:avLst/>
-              </a:prstGeom>
-              <a:noFill/>
-              <a:ln>
-                <a:noFill/>
-              </a:ln>
-            </p:spPr>
-            <p:style>
-              <a:lnRef idx="2">
-                <a:schemeClr val="accent1">
-                  <a:shade val="15000"/>
-                </a:schemeClr>
-              </a:lnRef>
-              <a:fillRef idx="1">
-                <a:schemeClr val="accent1"/>
-              </a:fillRef>
-              <a:effectRef idx="0">
-                <a:schemeClr val="accent1"/>
-              </a:effectRef>
-              <a:fontRef idx="minor">
-                <a:schemeClr val="lt1"/>
-              </a:fontRef>
-            </p:style>
-            <p:txBody>
-              <a:bodyPr rtlCol="0" anchor="ctr"/>
-              <a:lstStyle/>
-              <a:p>
-                <a:pPr algn="ctr"/>
-                <a:r>
-                  <a:rPr lang="en-US" altLang="ko-KR" dirty="0">
-                    <a:solidFill>
-                      <a:schemeClr val="tx1"/>
-                    </a:solidFill>
-                  </a:rPr>
-                  <a:t>•••</a:t>
-                </a:r>
-                <a:endParaRPr lang="ko-KR" altLang="en-US" dirty="0">
-                  <a:solidFill>
-                    <a:schemeClr val="tx1"/>
-                  </a:solidFill>
-                </a:endParaRPr>
-              </a:p>
-            </p:txBody>
-          </p:sp>
-          <p:sp>
-            <p:nvSpPr>
-              <p:cNvPr id="41" name="왼쪽 중괄호 40">
-                <a:extLst>
-                  <a:ext uri="{FF2B5EF4-FFF2-40B4-BE49-F238E27FC236}">
-                    <a16:creationId xmlns:a16="http://schemas.microsoft.com/office/drawing/2014/main" id="{BC3A1B93-3C16-5FCE-7AB0-83C79BB6086F}"/>
-                  </a:ext>
-                </a:extLst>
-              </p:cNvPr>
-              <p:cNvSpPr/>
-              <p:nvPr/>
-            </p:nvSpPr>
-            <p:spPr>
-              <a:xfrm rot="16200000">
-                <a:off x="10011564" y="2879040"/>
-                <a:ext cx="332630" cy="2351843"/>
-              </a:xfrm>
-              <a:prstGeom prst="leftBrace">
-                <a:avLst>
-                  <a:gd name="adj1" fmla="val 8333"/>
-                  <a:gd name="adj2" fmla="val 51510"/>
-                </a:avLst>
-              </a:prstGeom>
-            </p:spPr>
-            <p:style>
-              <a:lnRef idx="1">
-                <a:schemeClr val="accent1"/>
-              </a:lnRef>
-              <a:fillRef idx="0">
-                <a:schemeClr val="accent1"/>
-              </a:fillRef>
-              <a:effectRef idx="0">
-                <a:schemeClr val="accent1"/>
-              </a:effectRef>
-              <a:fontRef idx="minor">
-                <a:schemeClr val="tx1"/>
-              </a:fontRef>
-            </p:style>
-            <p:txBody>
-              <a:bodyPr rtlCol="0" anchor="ctr"/>
-              <a:lstStyle/>
-              <a:p>
-                <a:pPr algn="ctr"/>
-                <a:endParaRPr lang="ko-KR" altLang="en-US"/>
-              </a:p>
-            </p:txBody>
-          </p:sp>
-          <p:sp>
-            <p:nvSpPr>
-              <p:cNvPr id="42" name="직사각형 41">
-                <a:extLst>
-                  <a:ext uri="{FF2B5EF4-FFF2-40B4-BE49-F238E27FC236}">
-                    <a16:creationId xmlns:a16="http://schemas.microsoft.com/office/drawing/2014/main" id="{9CE12705-8980-26D7-310B-56DFB763717F}"/>
-                  </a:ext>
-                </a:extLst>
-              </p:cNvPr>
-              <p:cNvSpPr/>
-              <p:nvPr/>
-            </p:nvSpPr>
-            <p:spPr>
-              <a:xfrm>
-                <a:off x="9147829" y="4235226"/>
-                <a:ext cx="2060100" cy="432000"/>
-              </a:xfrm>
-              <a:prstGeom prst="rect">
-                <a:avLst/>
-              </a:prstGeom>
-              <a:noFill/>
-              <a:ln>
-                <a:noFill/>
-              </a:ln>
-            </p:spPr>
-            <p:style>
-              <a:lnRef idx="2">
-                <a:schemeClr val="accent1">
-                  <a:shade val="15000"/>
-                </a:schemeClr>
-              </a:lnRef>
-              <a:fillRef idx="1">
-                <a:schemeClr val="accent1"/>
-              </a:fillRef>
-              <a:effectRef idx="0">
-                <a:schemeClr val="accent1"/>
-              </a:effectRef>
-              <a:fontRef idx="minor">
-                <a:schemeClr val="lt1"/>
-              </a:fontRef>
-            </p:style>
-            <p:txBody>
-              <a:bodyPr rtlCol="0" anchor="ctr"/>
-              <a:lstStyle/>
-              <a:p>
-                <a:pPr algn="ctr"/>
-                <a:r>
-                  <a:rPr lang="en-US" altLang="ko-KR" dirty="0">
-                    <a:solidFill>
-                      <a:schemeClr val="tx1"/>
-                    </a:solidFill>
-                  </a:rPr>
-                  <a:t>1x2048 </a:t>
-                </a:r>
-                <a:r>
-                  <a:rPr lang="ko-KR" altLang="en-US" dirty="0">
-                    <a:solidFill>
-                      <a:schemeClr val="tx1"/>
-                    </a:solidFill>
-                  </a:rPr>
-                  <a:t>특성</a:t>
-                </a:r>
-                <a:r>
-                  <a:rPr lang="en-US" altLang="ko-KR" dirty="0">
-                    <a:solidFill>
-                      <a:schemeClr val="tx1"/>
-                    </a:solidFill>
-                  </a:rPr>
-                  <a:t> </a:t>
-                </a:r>
-                <a:r>
-                  <a:rPr lang="ko-KR" altLang="en-US" dirty="0">
-                    <a:solidFill>
-                      <a:schemeClr val="tx1"/>
-                    </a:solidFill>
-                  </a:rPr>
-                  <a:t>행렬</a:t>
-                </a:r>
-              </a:p>
-            </p:txBody>
-          </p:sp>
-        </p:grpSp>
-        <p:grpSp>
-          <p:nvGrpSpPr>
-            <p:cNvPr id="43" name="그룹 42">
-              <a:extLst>
-                <a:ext uri="{FF2B5EF4-FFF2-40B4-BE49-F238E27FC236}">
-                  <a16:creationId xmlns:a16="http://schemas.microsoft.com/office/drawing/2014/main" id="{B5CF929D-E3A4-4A1B-D27D-F72857E3DF2F}"/>
-                </a:ext>
-              </a:extLst>
-            </p:cNvPr>
-            <p:cNvGrpSpPr/>
-            <p:nvPr/>
-          </p:nvGrpSpPr>
-          <p:grpSpPr>
-            <a:xfrm>
-              <a:off x="3802242" y="3258082"/>
-              <a:ext cx="3923569" cy="1276457"/>
-              <a:chOff x="3577668" y="3258082"/>
-              <a:chExt cx="3923569" cy="1276457"/>
-            </a:xfrm>
-          </p:grpSpPr>
-          <p:sp>
-            <p:nvSpPr>
-              <p:cNvPr id="44" name="사각형: 둥근 모서리 43">
-                <a:extLst>
-                  <a:ext uri="{FF2B5EF4-FFF2-40B4-BE49-F238E27FC236}">
-                    <a16:creationId xmlns:a16="http://schemas.microsoft.com/office/drawing/2014/main" id="{F0030CB6-CAFB-FCCB-9484-C9F42B7C9CF1}"/>
-                  </a:ext>
-                </a:extLst>
-              </p:cNvPr>
-              <p:cNvSpPr/>
-              <p:nvPr/>
-            </p:nvSpPr>
-            <p:spPr>
-              <a:xfrm>
-                <a:off x="3577668" y="3269297"/>
-                <a:ext cx="2427197" cy="1265242"/>
-              </a:xfrm>
-              <a:prstGeom prst="roundRect">
-                <a:avLst/>
-              </a:prstGeom>
-              <a:solidFill>
-                <a:schemeClr val="bg2">
-                  <a:lumMod val="75000"/>
-                </a:schemeClr>
-              </a:solidFill>
-            </p:spPr>
-            <p:style>
-              <a:lnRef idx="2">
-                <a:schemeClr val="accent1">
-                  <a:shade val="15000"/>
-                </a:schemeClr>
-              </a:lnRef>
-              <a:fillRef idx="1">
-                <a:schemeClr val="accent1"/>
-              </a:fillRef>
-              <a:effectRef idx="0">
-                <a:schemeClr val="accent1"/>
-              </a:effectRef>
-              <a:fontRef idx="minor">
-                <a:schemeClr val="lt1"/>
-              </a:fontRef>
-            </p:style>
-            <p:txBody>
-              <a:bodyPr rtlCol="0" anchor="ctr"/>
-              <a:lstStyle/>
-              <a:p>
-                <a:pPr algn="ctr"/>
-                <a:r>
-                  <a:rPr lang="en-US" altLang="ko-KR" dirty="0">
-                    <a:solidFill>
-                      <a:schemeClr val="tx1"/>
-                    </a:solidFill>
-                  </a:rPr>
-                  <a:t>Feature Extractor</a:t>
-                </a:r>
-                <a:endParaRPr lang="ko-KR" altLang="en-US" dirty="0">
-                  <a:solidFill>
-                    <a:schemeClr val="tx1"/>
-                  </a:solidFill>
-                </a:endParaRPr>
-              </a:p>
-            </p:txBody>
-          </p:sp>
-          <p:sp>
-            <p:nvSpPr>
-              <p:cNvPr id="45" name="사각형: 둥근 모서리 44">
-                <a:extLst>
-                  <a:ext uri="{FF2B5EF4-FFF2-40B4-BE49-F238E27FC236}">
-                    <a16:creationId xmlns:a16="http://schemas.microsoft.com/office/drawing/2014/main" id="{B12F1682-A5A8-8490-9456-FA837F5FA719}"/>
-                  </a:ext>
-                </a:extLst>
-              </p:cNvPr>
-              <p:cNvSpPr/>
-              <p:nvPr/>
-            </p:nvSpPr>
-            <p:spPr>
-              <a:xfrm>
-                <a:off x="6014899" y="3258082"/>
-                <a:ext cx="1486338" cy="1265242"/>
-              </a:xfrm>
-              <a:prstGeom prst="roundRect">
-                <a:avLst/>
-              </a:prstGeom>
-              <a:solidFill>
-                <a:schemeClr val="bg2">
-                  <a:lumMod val="75000"/>
-                </a:schemeClr>
-              </a:solidFill>
-            </p:spPr>
-            <p:style>
-              <a:lnRef idx="2">
-                <a:schemeClr val="accent1">
-                  <a:shade val="15000"/>
-                </a:schemeClr>
-              </a:lnRef>
-              <a:fillRef idx="1">
-                <a:schemeClr val="accent1"/>
-              </a:fillRef>
-              <a:effectRef idx="0">
-                <a:schemeClr val="accent1"/>
-              </a:effectRef>
-              <a:fontRef idx="minor">
-                <a:schemeClr val="lt1"/>
-              </a:fontRef>
-            </p:style>
-            <p:txBody>
-              <a:bodyPr rtlCol="0" anchor="ctr"/>
-              <a:lstStyle/>
-              <a:p>
-                <a:pPr algn="ctr"/>
-                <a:r>
-                  <a:rPr lang="en-US" altLang="ko-KR" dirty="0">
-                    <a:solidFill>
-                      <a:schemeClr val="tx1"/>
-                    </a:solidFill>
-                  </a:rPr>
-                  <a:t>Fully Connected Layer</a:t>
-                </a:r>
-                <a:endParaRPr lang="ko-KR" altLang="en-US" dirty="0">
-                  <a:solidFill>
-                    <a:schemeClr val="tx1"/>
-                  </a:solidFill>
-                </a:endParaRPr>
-              </a:p>
-            </p:txBody>
-          </p:sp>
-        </p:grpSp>
-        <p:sp>
-          <p:nvSpPr>
-            <p:cNvPr id="46" name="화살표: 위로 굽음 45">
-              <a:extLst>
-                <a:ext uri="{FF2B5EF4-FFF2-40B4-BE49-F238E27FC236}">
-                  <a16:creationId xmlns:a16="http://schemas.microsoft.com/office/drawing/2014/main" id="{55BBD41A-D069-1582-E3F8-583880F25A61}"/>
-                </a:ext>
-              </a:extLst>
-            </p:cNvPr>
-            <p:cNvSpPr/>
-            <p:nvPr/>
-          </p:nvSpPr>
-          <p:spPr>
-            <a:xfrm rot="5400000">
-              <a:off x="5741403" y="3788738"/>
-              <a:ext cx="821831" cy="2427196"/>
-            </a:xfrm>
-            <a:prstGeom prst="bentUpArrow">
-              <a:avLst/>
-            </a:prstGeom>
-            <a:solidFill>
-              <a:schemeClr val="accent2"/>
-            </a:solidFill>
+            <a:noFill/>
             <a:ln>
               <a:noFill/>
             </a:ln>
@@ -20621,11 +20527,477 @@
             <a:lstStyle/>
             <a:p>
               <a:pPr algn="ctr"/>
-              <a:endParaRPr lang="ko-KR" altLang="en-US" dirty="0"/>
+              <a:r>
+                <a:rPr lang="en-US" altLang="ko-KR" sz="2200" b="1" dirty="0">
+                  <a:solidFill>
+                    <a:schemeClr val="tx1"/>
+                  </a:solidFill>
+                  <a:latin typeface="나눔바른고딕OTF" panose="02020603020101020101" pitchFamily="18" charset="-127"/>
+                  <a:ea typeface="나눔바른고딕OTF" panose="02020603020101020101" pitchFamily="18" charset="-127"/>
+                </a:rPr>
+                <a:t>1x2048 </a:t>
+              </a:r>
+              <a:r>
+                <a:rPr lang="ko-KR" altLang="en-US" sz="2200" b="1" dirty="0">
+                  <a:solidFill>
+                    <a:schemeClr val="tx1"/>
+                  </a:solidFill>
+                  <a:latin typeface="나눔바른고딕OTF" panose="02020603020101020101" pitchFamily="18" charset="-127"/>
+                  <a:ea typeface="나눔바른고딕OTF" panose="02020603020101020101" pitchFamily="18" charset="-127"/>
+                </a:rPr>
+                <a:t>특성</a:t>
+              </a:r>
+              <a:r>
+                <a:rPr lang="en-US" altLang="ko-KR" sz="2200" b="1" dirty="0">
+                  <a:solidFill>
+                    <a:schemeClr val="tx1"/>
+                  </a:solidFill>
+                  <a:latin typeface="나눔바른고딕OTF" panose="02020603020101020101" pitchFamily="18" charset="-127"/>
+                  <a:ea typeface="나눔바른고딕OTF" panose="02020603020101020101" pitchFamily="18" charset="-127"/>
+                </a:rPr>
+                <a:t> </a:t>
+              </a:r>
+              <a:r>
+                <a:rPr lang="ko-KR" altLang="en-US" sz="2200" b="1" dirty="0">
+                  <a:solidFill>
+                    <a:schemeClr val="tx1"/>
+                  </a:solidFill>
+                  <a:latin typeface="나눔바른고딕OTF" panose="02020603020101020101" pitchFamily="18" charset="-127"/>
+                  <a:ea typeface="나눔바른고딕OTF" panose="02020603020101020101" pitchFamily="18" charset="-127"/>
+                </a:rPr>
+                <a:t>행렬</a:t>
+              </a:r>
             </a:p>
           </p:txBody>
         </p:sp>
       </p:grpSp>
+      <p:sp>
+        <p:nvSpPr>
+          <p:cNvPr id="44" name="사각형: 둥근 모서리 43">
+            <a:extLst>
+              <a:ext uri="{FF2B5EF4-FFF2-40B4-BE49-F238E27FC236}">
+                <a16:creationId xmlns:a16="http://schemas.microsoft.com/office/drawing/2014/main" id="{F0030CB6-CAFB-FCCB-9484-C9F42B7C9CF1}"/>
+              </a:ext>
+            </a:extLst>
+          </p:cNvPr>
+          <p:cNvSpPr/>
+          <p:nvPr/>
+        </p:nvSpPr>
+        <p:spPr>
+          <a:xfrm>
+            <a:off x="5067450" y="3215234"/>
+            <a:ext cx="3390750" cy="1767520"/>
+          </a:xfrm>
+          <a:prstGeom prst="roundRect">
+            <a:avLst/>
+          </a:prstGeom>
+          <a:solidFill>
+            <a:schemeClr val="bg2">
+              <a:lumMod val="75000"/>
+            </a:schemeClr>
+          </a:solidFill>
+        </p:spPr>
+        <p:style>
+          <a:lnRef idx="2">
+            <a:schemeClr val="accent1">
+              <a:shade val="15000"/>
+            </a:schemeClr>
+          </a:lnRef>
+          <a:fillRef idx="1">
+            <a:schemeClr val="accent1"/>
+          </a:fillRef>
+          <a:effectRef idx="0">
+            <a:schemeClr val="accent1"/>
+          </a:effectRef>
+          <a:fontRef idx="minor">
+            <a:schemeClr val="lt1"/>
+          </a:fontRef>
+        </p:style>
+        <p:txBody>
+          <a:bodyPr rtlCol="0" anchor="ctr"/>
+          <a:lstStyle/>
+          <a:p>
+            <a:pPr algn="ctr"/>
+            <a:r>
+              <a:rPr lang="en-US" altLang="ko-KR" dirty="0">
+                <a:solidFill>
+                  <a:schemeClr val="tx1"/>
+                </a:solidFill>
+              </a:rPr>
+              <a:t>Feature Extractor</a:t>
+            </a:r>
+            <a:endParaRPr lang="ko-KR" altLang="en-US" dirty="0">
+              <a:solidFill>
+                <a:schemeClr val="tx1"/>
+              </a:solidFill>
+            </a:endParaRPr>
+          </a:p>
+        </p:txBody>
+      </p:sp>
+      <p:sp>
+        <p:nvSpPr>
+          <p:cNvPr id="45" name="사각형: 둥근 모서리 44">
+            <a:extLst>
+              <a:ext uri="{FF2B5EF4-FFF2-40B4-BE49-F238E27FC236}">
+                <a16:creationId xmlns:a16="http://schemas.microsoft.com/office/drawing/2014/main" id="{B12F1682-A5A8-8490-9456-FA837F5FA719}"/>
+              </a:ext>
+            </a:extLst>
+          </p:cNvPr>
+          <p:cNvSpPr/>
+          <p:nvPr/>
+        </p:nvSpPr>
+        <p:spPr>
+          <a:xfrm>
+            <a:off x="9144000" y="3199567"/>
+            <a:ext cx="2076387" cy="1767520"/>
+          </a:xfrm>
+          <a:prstGeom prst="roundRect">
+            <a:avLst/>
+          </a:prstGeom>
+          <a:solidFill>
+            <a:schemeClr val="bg2">
+              <a:lumMod val="75000"/>
+            </a:schemeClr>
+          </a:solidFill>
+        </p:spPr>
+        <p:style>
+          <a:lnRef idx="2">
+            <a:schemeClr val="accent1">
+              <a:shade val="15000"/>
+            </a:schemeClr>
+          </a:lnRef>
+          <a:fillRef idx="1">
+            <a:schemeClr val="accent1"/>
+          </a:fillRef>
+          <a:effectRef idx="0">
+            <a:schemeClr val="accent1"/>
+          </a:effectRef>
+          <a:fontRef idx="minor">
+            <a:schemeClr val="lt1"/>
+          </a:fontRef>
+        </p:style>
+        <p:txBody>
+          <a:bodyPr rtlCol="0" anchor="ctr"/>
+          <a:lstStyle/>
+          <a:p>
+            <a:pPr algn="ctr"/>
+            <a:r>
+              <a:rPr lang="en-US" altLang="ko-KR" dirty="0">
+                <a:solidFill>
+                  <a:schemeClr val="tx1"/>
+                </a:solidFill>
+              </a:rPr>
+              <a:t>Fully Connected Layer</a:t>
+            </a:r>
+            <a:endParaRPr lang="ko-KR" altLang="en-US" dirty="0">
+              <a:solidFill>
+                <a:schemeClr val="tx1"/>
+              </a:solidFill>
+            </a:endParaRPr>
+          </a:p>
+        </p:txBody>
+      </p:sp>
+      <p:sp>
+        <p:nvSpPr>
+          <p:cNvPr id="14" name="사각형: 둥근 모서리 13">
+            <a:extLst>
+              <a:ext uri="{FF2B5EF4-FFF2-40B4-BE49-F238E27FC236}">
+                <a16:creationId xmlns:a16="http://schemas.microsoft.com/office/drawing/2014/main" id="{5443829F-4C02-1ECE-053E-568830F2454B}"/>
+              </a:ext>
+            </a:extLst>
+          </p:cNvPr>
+          <p:cNvSpPr/>
+          <p:nvPr/>
+        </p:nvSpPr>
+        <p:spPr>
+          <a:xfrm>
+            <a:off x="11946846" y="1752600"/>
+            <a:ext cx="4648879" cy="5203132"/>
+          </a:xfrm>
+          <a:prstGeom prst="roundRect">
+            <a:avLst/>
+          </a:prstGeom>
+          <a:noFill/>
+          <a:ln w="38100">
+            <a:solidFill>
+              <a:srgbClr val="0070C0"/>
+            </a:solidFill>
+          </a:ln>
+        </p:spPr>
+        <p:style>
+          <a:lnRef idx="2">
+            <a:schemeClr val="accent1">
+              <a:shade val="15000"/>
+            </a:schemeClr>
+          </a:lnRef>
+          <a:fillRef idx="1">
+            <a:schemeClr val="accent1"/>
+          </a:fillRef>
+          <a:effectRef idx="0">
+            <a:schemeClr val="accent1"/>
+          </a:effectRef>
+          <a:fontRef idx="minor">
+            <a:schemeClr val="lt1"/>
+          </a:fontRef>
+        </p:style>
+        <p:txBody>
+          <a:bodyPr rtlCol="0" anchor="ctr"/>
+          <a:lstStyle/>
+          <a:p>
+            <a:pPr algn="ctr"/>
+            <a:endParaRPr lang="ko-KR" altLang="en-US"/>
+          </a:p>
+        </p:txBody>
+      </p:sp>
+      <p:cxnSp>
+        <p:nvCxnSpPr>
+          <p:cNvPr id="16" name="직선 화살표 연결선 15">
+            <a:extLst>
+              <a:ext uri="{FF2B5EF4-FFF2-40B4-BE49-F238E27FC236}">
+                <a16:creationId xmlns:a16="http://schemas.microsoft.com/office/drawing/2014/main" id="{F2D18346-F39C-CBD3-C863-22910916D11D}"/>
+              </a:ext>
+            </a:extLst>
+          </p:cNvPr>
+          <p:cNvCxnSpPr>
+            <a:cxnSpLocks/>
+            <a:stCxn id="32" idx="3"/>
+            <a:endCxn id="44" idx="1"/>
+          </p:cNvCxnSpPr>
+          <p:nvPr/>
+        </p:nvCxnSpPr>
+        <p:spPr>
+          <a:xfrm flipV="1">
+            <a:off x="4180259" y="4098994"/>
+            <a:ext cx="887191" cy="5006"/>
+          </a:xfrm>
+          <a:prstGeom prst="straightConnector1">
+            <a:avLst/>
+          </a:prstGeom>
+          <a:ln w="63500">
+            <a:solidFill>
+              <a:srgbClr val="00B050"/>
+            </a:solidFill>
+            <a:tailEnd type="triangle"/>
+          </a:ln>
+        </p:spPr>
+        <p:style>
+          <a:lnRef idx="1">
+            <a:schemeClr val="accent1"/>
+          </a:lnRef>
+          <a:fillRef idx="0">
+            <a:schemeClr val="accent1"/>
+          </a:fillRef>
+          <a:effectRef idx="0">
+            <a:schemeClr val="accent1"/>
+          </a:effectRef>
+          <a:fontRef idx="minor">
+            <a:schemeClr val="tx1"/>
+          </a:fontRef>
+        </p:style>
+      </p:cxnSp>
+      <p:cxnSp>
+        <p:nvCxnSpPr>
+          <p:cNvPr id="23" name="직선 화살표 연결선 22">
+            <a:extLst>
+              <a:ext uri="{FF2B5EF4-FFF2-40B4-BE49-F238E27FC236}">
+                <a16:creationId xmlns:a16="http://schemas.microsoft.com/office/drawing/2014/main" id="{B1922F4F-24A7-11C6-F880-71241A008647}"/>
+              </a:ext>
+            </a:extLst>
+          </p:cNvPr>
+          <p:cNvCxnSpPr>
+            <a:cxnSpLocks/>
+            <a:stCxn id="45" idx="3"/>
+            <a:endCxn id="33" idx="1"/>
+          </p:cNvCxnSpPr>
+          <p:nvPr/>
+        </p:nvCxnSpPr>
+        <p:spPr>
+          <a:xfrm flipV="1">
+            <a:off x="11220387" y="3137539"/>
+            <a:ext cx="2350184" cy="945788"/>
+          </a:xfrm>
+          <a:prstGeom prst="straightConnector1">
+            <a:avLst/>
+          </a:prstGeom>
+          <a:ln w="63500">
+            <a:solidFill>
+              <a:srgbClr val="00B050"/>
+            </a:solidFill>
+            <a:tailEnd type="triangle"/>
+          </a:ln>
+        </p:spPr>
+        <p:style>
+          <a:lnRef idx="1">
+            <a:schemeClr val="accent1"/>
+          </a:lnRef>
+          <a:fillRef idx="0">
+            <a:schemeClr val="accent1"/>
+          </a:fillRef>
+          <a:effectRef idx="0">
+            <a:schemeClr val="accent1"/>
+          </a:effectRef>
+          <a:fontRef idx="minor">
+            <a:schemeClr val="tx1"/>
+          </a:fontRef>
+        </p:style>
+      </p:cxnSp>
+      <p:cxnSp>
+        <p:nvCxnSpPr>
+          <p:cNvPr id="48" name="직선 화살표 연결선 47">
+            <a:extLst>
+              <a:ext uri="{FF2B5EF4-FFF2-40B4-BE49-F238E27FC236}">
+                <a16:creationId xmlns:a16="http://schemas.microsoft.com/office/drawing/2014/main" id="{841726A0-9B6A-441A-2899-99FF980E43E9}"/>
+              </a:ext>
+            </a:extLst>
+          </p:cNvPr>
+          <p:cNvCxnSpPr>
+            <a:cxnSpLocks/>
+          </p:cNvCxnSpPr>
+          <p:nvPr/>
+        </p:nvCxnSpPr>
+        <p:spPr>
+          <a:xfrm>
+            <a:off x="8458200" y="3777672"/>
+            <a:ext cx="685800" cy="0"/>
+          </a:xfrm>
+          <a:prstGeom prst="straightConnector1">
+            <a:avLst/>
+          </a:prstGeom>
+          <a:ln w="63500">
+            <a:solidFill>
+              <a:srgbClr val="00B050"/>
+            </a:solidFill>
+            <a:tailEnd type="triangle"/>
+          </a:ln>
+        </p:spPr>
+        <p:style>
+          <a:lnRef idx="1">
+            <a:schemeClr val="accent1"/>
+          </a:lnRef>
+          <a:fillRef idx="0">
+            <a:schemeClr val="accent1"/>
+          </a:fillRef>
+          <a:effectRef idx="0">
+            <a:schemeClr val="accent1"/>
+          </a:effectRef>
+          <a:fontRef idx="minor">
+            <a:schemeClr val="tx1"/>
+          </a:fontRef>
+        </p:style>
+      </p:cxnSp>
+      <p:cxnSp>
+        <p:nvCxnSpPr>
+          <p:cNvPr id="60" name="연결선: 꺾임 59">
+            <a:extLst>
+              <a:ext uri="{FF2B5EF4-FFF2-40B4-BE49-F238E27FC236}">
+                <a16:creationId xmlns:a16="http://schemas.microsoft.com/office/drawing/2014/main" id="{F7802122-3B61-9A33-3BF4-2051F4F9B3C3}"/>
+              </a:ext>
+            </a:extLst>
+          </p:cNvPr>
+          <p:cNvCxnSpPr>
+            <a:cxnSpLocks/>
+            <a:endCxn id="35" idx="1"/>
+          </p:cNvCxnSpPr>
+          <p:nvPr/>
+        </p:nvCxnSpPr>
+        <p:spPr>
+          <a:xfrm>
+            <a:off x="8458200" y="4445073"/>
+            <a:ext cx="3971335" cy="1000175"/>
+          </a:xfrm>
+          <a:prstGeom prst="bentConnector3">
+            <a:avLst>
+              <a:gd name="adj1" fmla="val 10383"/>
+            </a:avLst>
+          </a:prstGeom>
+          <a:ln w="63500">
+            <a:solidFill>
+              <a:srgbClr val="00B050"/>
+            </a:solidFill>
+            <a:tailEnd type="triangle"/>
+          </a:ln>
+        </p:spPr>
+        <p:style>
+          <a:lnRef idx="1">
+            <a:schemeClr val="accent1"/>
+          </a:lnRef>
+          <a:fillRef idx="0">
+            <a:schemeClr val="accent1"/>
+          </a:fillRef>
+          <a:effectRef idx="0">
+            <a:schemeClr val="accent1"/>
+          </a:effectRef>
+          <a:fontRef idx="minor">
+            <a:schemeClr val="tx1"/>
+          </a:fontRef>
+        </p:style>
+      </p:cxnSp>
+      <p:sp>
+        <p:nvSpPr>
+          <p:cNvPr id="74" name="직사각형 73">
+            <a:extLst>
+              <a:ext uri="{FF2B5EF4-FFF2-40B4-BE49-F238E27FC236}">
+                <a16:creationId xmlns:a16="http://schemas.microsoft.com/office/drawing/2014/main" id="{8947CB69-2DBD-06E9-0C10-2294CDECB77E}"/>
+              </a:ext>
+            </a:extLst>
+          </p:cNvPr>
+          <p:cNvSpPr/>
+          <p:nvPr/>
+        </p:nvSpPr>
+        <p:spPr>
+          <a:xfrm>
+            <a:off x="13434500" y="1775576"/>
+            <a:ext cx="1673569" cy="464679"/>
+          </a:xfrm>
+          <a:prstGeom prst="rect">
+            <a:avLst/>
+          </a:prstGeom>
+          <a:noFill/>
+          <a:ln>
+            <a:noFill/>
+          </a:ln>
+        </p:spPr>
+        <p:style>
+          <a:lnRef idx="2">
+            <a:schemeClr val="accent1">
+              <a:shade val="15000"/>
+            </a:schemeClr>
+          </a:lnRef>
+          <a:fillRef idx="1">
+            <a:schemeClr val="accent1"/>
+          </a:fillRef>
+          <a:effectRef idx="0">
+            <a:schemeClr val="accent1"/>
+          </a:effectRef>
+          <a:fontRef idx="minor">
+            <a:schemeClr val="lt1"/>
+          </a:fontRef>
+        </p:style>
+        <p:txBody>
+          <a:bodyPr rtlCol="0" anchor="ctr"/>
+          <a:lstStyle/>
+          <a:p>
+            <a:pPr algn="ctr"/>
+            <a:r>
+              <a:rPr lang="en-US" altLang="ko-KR" sz="2400" b="1" dirty="0">
+                <a:solidFill>
+                  <a:schemeClr val="tx1"/>
+                </a:solidFill>
+                <a:latin typeface="나눔바른고딕OTF" panose="02020603020101020101" pitchFamily="18" charset="-127"/>
+                <a:ea typeface="나눔바른고딕OTF" panose="02020603020101020101" pitchFamily="18" charset="-127"/>
+              </a:rPr>
+              <a:t>Output</a:t>
+            </a:r>
+            <a:endParaRPr lang="ko-KR" altLang="en-US" sz="2400" b="1" dirty="0">
+              <a:solidFill>
+                <a:schemeClr val="tx1"/>
+              </a:solidFill>
+              <a:latin typeface="나눔바른고딕OTF" panose="02020603020101020101" pitchFamily="18" charset="-127"/>
+              <a:ea typeface="나눔바른고딕OTF" panose="02020603020101020101" pitchFamily="18" charset="-127"/>
+            </a:endParaRPr>
+          </a:p>
+        </p:txBody>
+      </p:sp>
     </p:spTree>
   </p:cSld>
   <p:clrMapOvr>
@@ -20635,7 +21007,7 @@
     <mc:Choice Requires="p14">
       <p:transition/>
     </mc:Choice>
-    <mc:Fallback xmlns="" xmlns:c="http://schemas.openxmlformats.org/drawingml/2006/chart" xmlns:dgm="http://schemas.openxmlformats.org/drawingml/2006/diagram" xmlns:dsp="http://schemas.microsoft.com/office/drawing/2008/diagram">
+    <mc:Fallback xmlns:dsp="http://schemas.microsoft.com/office/drawing/2008/diagram" xmlns:dgm="http://schemas.openxmlformats.org/drawingml/2006/diagram" xmlns:c="http://schemas.openxmlformats.org/drawingml/2006/chart" xmlns="">
       <p:transition/>
     </mc:Fallback>
   </mc:AlternateContent>
@@ -20882,7 +21254,7 @@
     <mc:Choice Requires="p14">
       <p:transition/>
     </mc:Choice>
-    <mc:Fallback xmlns="" xmlns:c="http://schemas.openxmlformats.org/drawingml/2006/chart" xmlns:dgm="http://schemas.openxmlformats.org/drawingml/2006/diagram" xmlns:dsp="http://schemas.microsoft.com/office/drawing/2008/diagram">
+    <mc:Fallback xmlns:dsp="http://schemas.microsoft.com/office/drawing/2008/diagram" xmlns:dgm="http://schemas.openxmlformats.org/drawingml/2006/diagram" xmlns:c="http://schemas.openxmlformats.org/drawingml/2006/chart" xmlns="">
       <p:transition/>
     </mc:Fallback>
   </mc:AlternateContent>
@@ -22254,7 +22626,13 @@
           <p:cNvGraphicFramePr>
             <a:graphicFrameLocks noGrp="1"/>
           </p:cNvGraphicFramePr>
-          <p:nvPr/>
+          <p:nvPr>
+            <p:extLst>
+              <p:ext uri="{D42A27DB-BD31-4B8C-83A1-F6EECF244321}">
+                <p14:modId xmlns:p14="http://schemas.microsoft.com/office/powerpoint/2010/main" val="1799531091"/>
+              </p:ext>
+            </p:extLst>
+          </p:nvPr>
         </p:nvGraphicFramePr>
         <p:xfrm>
           <a:off x="5549900" y="4381500"/>
@@ -22708,16 +23086,16 @@
                         </a:defRPr>
                       </a:pPr>
                       <a:r>
-                        <a:rPr lang="en-US" sz="1600" b="0" i="0" u="none" strike="noStrike">
+                        <a:rPr lang="en-US" sz="1600" b="0" i="0" u="none" strike="noStrike" dirty="0">
                           <a:solidFill>
                             <a:srgbClr val="8896D7"/>
                           </a:solidFill>
                           <a:latin typeface="NanumSquare Regular"/>
                           <a:ea typeface="나눔바른고딕OTF"/>
                         </a:rPr>
-                        <a:t>4000</a:t>
-                      </a:r>
-                      <a:endParaRPr lang="en-US" sz="1100">
+                        <a:t>5000</a:t>
+                      </a:r>
+                      <a:endParaRPr lang="en-US" sz="1100" dirty="0">
                         <a:latin typeface="나눔바른고딕OTF"/>
                         <a:ea typeface="나눔바른고딕OTF"/>
                       </a:endParaRPr>
@@ -22861,16 +23239,16 @@
                         </a:defRPr>
                       </a:pPr>
                       <a:r>
-                        <a:rPr lang="en-US" sz="1600" b="0" i="0" u="none" strike="noStrike">
+                        <a:rPr lang="en-US" sz="1600" b="0" i="0" u="none" strike="noStrike" dirty="0">
                           <a:solidFill>
                             <a:srgbClr val="8896D7"/>
                           </a:solidFill>
                           <a:latin typeface="NanumSquare Regular"/>
                           <a:ea typeface="나눔바른고딕OTF"/>
                         </a:rPr>
-                        <a:t>4000</a:t>
-                      </a:r>
-                      <a:endParaRPr lang="en-US" sz="1100">
+                        <a:t>6000</a:t>
+                      </a:r>
+                      <a:endParaRPr lang="en-US" sz="1100" dirty="0">
                         <a:latin typeface="나눔바른고딕OTF"/>
                         <a:ea typeface="나눔바른고딕OTF"/>
                       </a:endParaRPr>
@@ -22934,7 +23312,13 @@
           <p:cNvGraphicFramePr>
             <a:graphicFrameLocks noGrp="1"/>
           </p:cNvGraphicFramePr>
-          <p:nvPr/>
+          <p:nvPr>
+            <p:extLst>
+              <p:ext uri="{D42A27DB-BD31-4B8C-83A1-F6EECF244321}">
+                <p14:modId xmlns:p14="http://schemas.microsoft.com/office/powerpoint/2010/main" val="3286176064"/>
+              </p:ext>
+            </p:extLst>
+          </p:nvPr>
         </p:nvGraphicFramePr>
         <p:xfrm>
           <a:off x="8890000" y="4381500"/>
@@ -23233,16 +23617,16 @@
                         </a:defRPr>
                       </a:pPr>
                       <a:r>
-                        <a:rPr lang="en-US" sz="1600" b="0" i="0" u="none" strike="noStrike">
+                        <a:rPr lang="en-US" sz="1600" b="0" i="0" u="none" strike="noStrike" dirty="0">
                           <a:solidFill>
                             <a:srgbClr val="8896D7"/>
                           </a:solidFill>
                           <a:latin typeface="NanumSquare Regular"/>
                           <a:ea typeface="나눔바른고딕OTF"/>
                         </a:rPr>
-                        <a:t>9000</a:t>
-                      </a:r>
-                      <a:endParaRPr lang="en-US" sz="1100">
+                        <a:t>6000</a:t>
+                      </a:r>
+                      <a:endParaRPr lang="en-US" sz="1100" dirty="0">
                         <a:latin typeface="나눔바른고딕OTF"/>
                         <a:ea typeface="나눔바른고딕OTF"/>
                       </a:endParaRPr>
@@ -23388,16 +23772,16 @@
                         </a:defRPr>
                       </a:pPr>
                       <a:r>
-                        <a:rPr lang="en-US" sz="1600" b="0" i="0" u="none" strike="noStrike">
+                        <a:rPr lang="en-US" sz="1600" b="0" i="0" u="none" strike="noStrike" dirty="0">
                           <a:solidFill>
                             <a:srgbClr val="8896D7"/>
                           </a:solidFill>
                           <a:latin typeface="NanumSquare Regular"/>
                           <a:ea typeface="나눔바른고딕OTF"/>
                         </a:rPr>
-                        <a:t>4000</a:t>
-                      </a:r>
-                      <a:endParaRPr lang="en-US" sz="1100">
+                        <a:t>1000</a:t>
+                      </a:r>
+                      <a:endParaRPr lang="en-US" sz="1100" dirty="0">
                         <a:latin typeface="나눔바른고딕OTF"/>
                         <a:ea typeface="나눔바른고딕OTF"/>
                       </a:endParaRPr>
@@ -24092,7 +24476,7 @@
     <mc:Choice Requires="p14">
       <p:transition/>
     </mc:Choice>
-    <mc:Fallback xmlns="" xmlns:c="http://schemas.openxmlformats.org/drawingml/2006/chart" xmlns:dgm="http://schemas.openxmlformats.org/drawingml/2006/diagram" xmlns:dsp="http://schemas.microsoft.com/office/drawing/2008/diagram">
+    <mc:Fallback xmlns:dsp="http://schemas.microsoft.com/office/drawing/2008/diagram" xmlns:dgm="http://schemas.openxmlformats.org/drawingml/2006/diagram" xmlns:c="http://schemas.openxmlformats.org/drawingml/2006/chart" xmlns="">
       <p:transition/>
     </mc:Fallback>
   </mc:AlternateContent>
@@ -24435,7 +24819,7 @@
           </a:prstGeom>
         </p:spPr>
         <p:txBody>
-          <a:bodyPr lIns="0" tIns="0" rIns="0" bIns="0" anchor="ctr"/>
+          <a:bodyPr lIns="0" tIns="0" rIns="0" bIns="0" anchor="t"/>
           <a:lstStyle/>
           <a:p>
             <a:pPr lvl="0" algn="l">
@@ -24445,289 +24829,14 @@
               <a:defRPr/>
             </a:pPr>
             <a:r>
-              <a:rPr lang="ko-KR" sz="2800" b="0" i="0" u="none" strike="noStrike" spc="-100" dirty="0">
+              <a:rPr lang="en-US" altLang="ko-KR" sz="2800" b="0" i="0" u="none" strike="noStrike" spc="-100" dirty="0">
                 <a:solidFill>
                   <a:srgbClr val="006BB1"/>
                 </a:solidFill>
                 <a:latin typeface="나눔바른고딕OTF"/>
                 <a:ea typeface="나눔바른고딕OTF"/>
               </a:rPr>
-              <a:t>수집</a:t>
-            </a:r>
-            <a:r>
-              <a:rPr lang="en-US" sz="2800" b="0" i="0" u="none" strike="noStrike" spc="-100" dirty="0">
-                <a:solidFill>
-                  <a:srgbClr val="006BB1"/>
-                </a:solidFill>
-                <a:latin typeface="나눔바른고딕OTF"/>
-                <a:ea typeface="나눔바른고딕OTF"/>
-              </a:rPr>
-              <a:t> </a:t>
-            </a:r>
-            <a:r>
-              <a:rPr lang="ko-KR" sz="2800" b="0" i="0" u="none" strike="noStrike" spc="-100" dirty="0">
-                <a:solidFill>
-                  <a:srgbClr val="006BB1"/>
-                </a:solidFill>
-                <a:latin typeface="나눔바른고딕OTF"/>
-                <a:ea typeface="나눔바른고딕OTF"/>
-              </a:rPr>
-              <a:t>방법</a:t>
-            </a:r>
-            <a:r>
-              <a:rPr lang="en-US" sz="2800" b="0" i="0" u="none" strike="noStrike" spc="-100" dirty="0">
-                <a:solidFill>
-                  <a:srgbClr val="006BB1"/>
-                </a:solidFill>
-                <a:latin typeface="나눔바른고딕OTF"/>
-                <a:ea typeface="나눔바른고딕OTF"/>
-              </a:rPr>
-              <a:t> : </a:t>
-            </a:r>
-            <a:r>
-              <a:rPr lang="ko-KR" sz="2800" b="0" i="0" u="none" strike="noStrike" spc="-100" dirty="0">
-                <a:solidFill>
-                  <a:srgbClr val="006BB1"/>
-                </a:solidFill>
-                <a:latin typeface="나눔바른고딕OTF"/>
-                <a:ea typeface="나눔바른고딕OTF"/>
-              </a:rPr>
-              <a:t>카테고리별</a:t>
-            </a:r>
-            <a:r>
-              <a:rPr lang="en-US" sz="2800" b="0" i="0" u="none" strike="noStrike" spc="-100" dirty="0">
-                <a:solidFill>
-                  <a:srgbClr val="006BB1"/>
-                </a:solidFill>
-                <a:latin typeface="나눔바른고딕OTF"/>
-                <a:ea typeface="나눔바른고딕OTF"/>
-              </a:rPr>
-              <a:t> </a:t>
-            </a:r>
-            <a:r>
-              <a:rPr lang="ko-KR" sz="2800" b="0" i="0" u="none" strike="noStrike" spc="-100" dirty="0">
-                <a:solidFill>
-                  <a:srgbClr val="006BB1"/>
-                </a:solidFill>
-                <a:latin typeface="나눔바른고딕OTF"/>
-                <a:ea typeface="나눔바른고딕OTF"/>
-              </a:rPr>
-              <a:t>상품을</a:t>
-            </a:r>
-            <a:r>
-              <a:rPr lang="en-US" sz="2800" b="0" i="0" u="none" strike="noStrike" spc="-100" dirty="0">
-                <a:solidFill>
-                  <a:srgbClr val="006BB1"/>
-                </a:solidFill>
-                <a:latin typeface="나눔바른고딕OTF"/>
-                <a:ea typeface="나눔바른고딕OTF"/>
-              </a:rPr>
-              <a:t> </a:t>
-            </a:r>
-            <a:r>
-              <a:rPr lang="ko-KR" sz="2800" b="0" i="0" u="none" strike="noStrike" spc="-100" dirty="0">
-                <a:solidFill>
-                  <a:srgbClr val="006BB1"/>
-                </a:solidFill>
-                <a:latin typeface="나눔바른고딕OTF"/>
-                <a:ea typeface="나눔바른고딕OTF"/>
-              </a:rPr>
-              <a:t>판매순으로</a:t>
-            </a:r>
-            <a:r>
-              <a:rPr lang="en-US" sz="2800" b="0" i="0" u="none" strike="noStrike" spc="-100" dirty="0">
-                <a:solidFill>
-                  <a:srgbClr val="006BB1"/>
-                </a:solidFill>
-                <a:latin typeface="나눔바른고딕OTF"/>
-                <a:ea typeface="나눔바른고딕OTF"/>
-              </a:rPr>
-              <a:t>  </a:t>
-            </a:r>
-            <a:r>
-              <a:rPr lang="ko-KR" sz="2800" b="0" i="0" u="none" strike="noStrike" spc="-100" dirty="0">
-                <a:solidFill>
-                  <a:srgbClr val="006BB1"/>
-                </a:solidFill>
-                <a:latin typeface="나눔바른고딕OTF"/>
-                <a:ea typeface="나눔바른고딕OTF"/>
-              </a:rPr>
-              <a:t>정렬</a:t>
-            </a:r>
-            <a:r>
-              <a:rPr lang="en-US" sz="2800" b="0" i="0" u="none" strike="noStrike" spc="-100" dirty="0">
-                <a:solidFill>
-                  <a:srgbClr val="006BB1"/>
-                </a:solidFill>
-                <a:latin typeface="나눔바른고딕OTF"/>
-                <a:ea typeface="나눔바른고딕OTF"/>
-              </a:rPr>
-              <a:t> </a:t>
-            </a:r>
-            <a:r>
-              <a:rPr lang="ko-KR" sz="2800" b="0" i="0" u="none" strike="noStrike" spc="-100" dirty="0">
-                <a:solidFill>
-                  <a:srgbClr val="006BB1"/>
-                </a:solidFill>
-                <a:latin typeface="나눔바른고딕OTF"/>
-                <a:ea typeface="나눔바른고딕OTF"/>
-              </a:rPr>
-              <a:t>후</a:t>
-            </a:r>
-            <a:r>
-              <a:rPr lang="en-US" altLang="ko-KR" sz="2800" spc="-100" dirty="0">
-                <a:solidFill>
-                  <a:srgbClr val="006BB1"/>
-                </a:solidFill>
-                <a:latin typeface="나눔바른고딕OTF"/>
-                <a:ea typeface="나눔바른고딕OTF"/>
-              </a:rPr>
-              <a:t> </a:t>
-            </a:r>
-            <a:r>
-              <a:rPr lang="ko-KR" sz="2800" b="0" i="0" u="none" strike="noStrike" spc="-100" dirty="0" err="1">
-                <a:solidFill>
-                  <a:srgbClr val="006BB1"/>
-                </a:solidFill>
-                <a:latin typeface="나눔바른고딕OTF"/>
-                <a:ea typeface="나눔바른고딕OTF"/>
-              </a:rPr>
-              <a:t>크롤링</a:t>
-            </a:r>
-            <a:endParaRPr lang="ko-KR" sz="2800" b="0" i="0" u="none" strike="noStrike" spc="-100" dirty="0">
-              <a:solidFill>
-                <a:srgbClr val="006BB1"/>
-              </a:solidFill>
-              <a:latin typeface="나눔바른고딕OTF"/>
-              <a:ea typeface="나눔바른고딕OTF"/>
-            </a:endParaRPr>
-          </a:p>
-          <a:p>
-            <a:pPr lvl="0" algn="l">
-              <a:lnSpc>
-                <a:spcPct val="149400"/>
-              </a:lnSpc>
-              <a:defRPr/>
-            </a:pPr>
-            <a:r>
-              <a:rPr lang="ko-KR" sz="2800" b="0" i="0" u="none" strike="noStrike" spc="-100" dirty="0">
-                <a:solidFill>
-                  <a:srgbClr val="006BB1"/>
-                </a:solidFill>
-                <a:latin typeface="나눔바른고딕OTF"/>
-                <a:ea typeface="나눔바른고딕OTF"/>
-              </a:rPr>
-              <a:t>데이터셋</a:t>
-            </a:r>
-            <a:r>
-              <a:rPr lang="en-US" sz="2800" b="0" i="0" u="none" strike="noStrike" spc="-100" dirty="0">
-                <a:solidFill>
-                  <a:srgbClr val="006BB1"/>
-                </a:solidFill>
-                <a:latin typeface="나눔바른고딕OTF"/>
-                <a:ea typeface="나눔바른고딕OTF"/>
-              </a:rPr>
-              <a:t> </a:t>
-            </a:r>
-            <a:r>
-              <a:rPr lang="ko-KR" sz="2800" b="0" i="0" u="none" strike="noStrike" spc="-100" dirty="0">
-                <a:solidFill>
-                  <a:srgbClr val="006BB1"/>
-                </a:solidFill>
-                <a:latin typeface="나눔바른고딕OTF"/>
-                <a:ea typeface="나눔바른고딕OTF"/>
-              </a:rPr>
-              <a:t>구성</a:t>
-            </a:r>
-            <a:r>
-              <a:rPr lang="en-US" sz="2800" b="0" i="0" u="none" strike="noStrike" spc="-100" dirty="0">
-                <a:solidFill>
-                  <a:srgbClr val="006BB1"/>
-                </a:solidFill>
-                <a:latin typeface="나눔바른고딕OTF"/>
-                <a:ea typeface="나눔바른고딕OTF"/>
-              </a:rPr>
-              <a:t> : </a:t>
-            </a:r>
-            <a:r>
-              <a:rPr lang="ko-KR" sz="2800" b="0" i="0" u="none" strike="noStrike" spc="-100" dirty="0">
-                <a:solidFill>
-                  <a:srgbClr val="006BB1"/>
-                </a:solidFill>
-                <a:latin typeface="나눔바른고딕OTF"/>
-                <a:ea typeface="나눔바른고딕OTF"/>
-              </a:rPr>
-              <a:t>제품</a:t>
-            </a:r>
-            <a:r>
-              <a:rPr lang="en-US" sz="2800" b="0" i="0" u="none" strike="noStrike" spc="-100" dirty="0">
-                <a:solidFill>
-                  <a:srgbClr val="006BB1"/>
-                </a:solidFill>
-                <a:latin typeface="나눔바른고딕OTF"/>
-                <a:ea typeface="나눔바른고딕OTF"/>
-              </a:rPr>
-              <a:t> </a:t>
-            </a:r>
-            <a:r>
-              <a:rPr lang="ko-KR" sz="2800" b="0" i="0" u="none" strike="noStrike" spc="-100" dirty="0">
-                <a:solidFill>
-                  <a:srgbClr val="006BB1"/>
-                </a:solidFill>
-                <a:latin typeface="나눔바른고딕OTF"/>
-                <a:ea typeface="나눔바른고딕OTF"/>
-              </a:rPr>
-              <a:t>사진</a:t>
-            </a:r>
-            <a:r>
-              <a:rPr lang="en-US" sz="2800" b="0" i="0" u="none" strike="noStrike" spc="-100" dirty="0">
-                <a:solidFill>
-                  <a:srgbClr val="006BB1"/>
-                </a:solidFill>
-                <a:latin typeface="나눔바른고딕OTF"/>
-                <a:ea typeface="나눔바른고딕OTF"/>
-              </a:rPr>
-              <a:t> + </a:t>
-            </a:r>
-            <a:r>
-              <a:rPr lang="ko-KR" sz="2800" b="0" i="0" u="none" strike="noStrike" spc="-100" dirty="0">
-                <a:solidFill>
-                  <a:srgbClr val="006BB1"/>
-                </a:solidFill>
-                <a:latin typeface="나눔바른고딕OTF"/>
-                <a:ea typeface="나눔바른고딕OTF"/>
-              </a:rPr>
-              <a:t>착용</a:t>
-            </a:r>
-            <a:r>
-              <a:rPr lang="en-US" sz="2800" b="0" i="0" u="none" strike="noStrike" spc="-100" dirty="0">
-                <a:solidFill>
-                  <a:srgbClr val="006BB1"/>
-                </a:solidFill>
-                <a:latin typeface="나눔바른고딕OTF"/>
-                <a:ea typeface="나눔바른고딕OTF"/>
-              </a:rPr>
-              <a:t> </a:t>
-            </a:r>
-            <a:r>
-              <a:rPr lang="ko-KR" sz="2800" b="0" i="0" u="none" strike="noStrike" spc="-100" dirty="0">
-                <a:solidFill>
-                  <a:srgbClr val="006BB1"/>
-                </a:solidFill>
-                <a:latin typeface="나눔바른고딕OTF"/>
-                <a:ea typeface="나눔바른고딕OTF"/>
-              </a:rPr>
-              <a:t>사진</a:t>
-            </a:r>
-            <a:r>
-              <a:rPr lang="en-US" sz="2800" b="0" i="0" u="none" strike="noStrike" spc="-100" dirty="0">
-                <a:solidFill>
-                  <a:srgbClr val="006BB1"/>
-                </a:solidFill>
-                <a:latin typeface="나눔바른고딕OTF"/>
-                <a:ea typeface="나눔바른고딕OTF"/>
-              </a:rPr>
-              <a:t>, </a:t>
+              <a:t>Clothes Detection </a:t>
             </a:r>
             <a:r>
               <a:rPr lang="ko-KR" altLang="en-US" sz="2800" b="0" i="0" u="none" strike="noStrike" spc="-100" dirty="0">
@@ -24737,27 +24846,7 @@
                 <a:latin typeface="나눔바른고딕OTF"/>
                 <a:ea typeface="나눔바른고딕OTF"/>
               </a:rPr>
-              <a:t>총 </a:t>
-            </a:r>
-            <a:r>
-              <a:rPr lang="en-US" altLang="ko-KR" sz="2800" b="0" i="0" u="none" strike="noStrike" spc="-100" dirty="0">
-                <a:solidFill>
-                  <a:srgbClr val="006BB1"/>
-                </a:solidFill>
-                <a:latin typeface="나눔바른고딕OTF"/>
-                <a:ea typeface="나눔바른고딕OTF"/>
-              </a:rPr>
-              <a:t>52000</a:t>
-            </a:r>
-            <a:r>
-              <a:rPr lang="ko-KR" altLang="en-US" sz="2800" b="0" i="0" u="none" strike="noStrike" spc="-100" dirty="0">
-                <a:solidFill>
-                  <a:srgbClr val="006BB1"/>
-                </a:solidFill>
-                <a:latin typeface="나눔바른고딕OTF"/>
-                <a:ea typeface="나눔바른고딕OTF"/>
-              </a:rPr>
-              <a:t>장</a:t>
+              <a:t>모델을 활용</a:t>
             </a:r>
             <a:endParaRPr lang="en-US" altLang="ko-KR" sz="2800" b="0" i="0" u="none" strike="noStrike" spc="-100" dirty="0">
               <a:solidFill>
@@ -25043,7 +25132,7 @@
     <mc:Choice Requires="p14">
       <p:transition/>
     </mc:Choice>
-    <mc:Fallback xmlns="" xmlns:c="http://schemas.openxmlformats.org/drawingml/2006/chart" xmlns:dgm="http://schemas.openxmlformats.org/drawingml/2006/diagram" xmlns:dsp="http://schemas.microsoft.com/office/drawing/2008/diagram">
+    <mc:Fallback xmlns:dsp="http://schemas.microsoft.com/office/drawing/2008/diagram" xmlns:dgm="http://schemas.openxmlformats.org/drawingml/2006/diagram" xmlns:c="http://schemas.openxmlformats.org/drawingml/2006/chart" xmlns="">
       <p:transition/>
     </mc:Fallback>
   </mc:AlternateContent>
@@ -25453,19 +25542,16 @@
               </a:rPr>
               <a:t> fine-tuning</a:t>
             </a:r>
-          </a:p>
-          <a:p>
-            <a:pPr marL="342900" lvl="0" indent="-342900" algn="l">
-              <a:lnSpc>
-                <a:spcPct val="203350"/>
-              </a:lnSpc>
-              <a:buClr>
-                <a:srgbClr val="006BB1"/>
-              </a:buClr>
-              <a:buFont typeface="Arial"/>
-              <a:buChar char="●"/>
-              <a:defRPr/>
-            </a:pPr>
+            <a:r>
+              <a:rPr lang="ko-KR" altLang="en-US" sz="4000" b="0" i="0" u="none" strike="noStrike" spc="-200" dirty="0">
+                <a:solidFill>
+                  <a:srgbClr val="006BB1"/>
+                </a:solidFill>
+                <a:latin typeface="나눔바른고딕OTF"/>
+                <a:ea typeface="나눔바른고딕OTF"/>
+              </a:rPr>
+              <a:t>한 경우와 </a:t>
+            </a:r>
             <a:r>
               <a:rPr lang="ko-KR" altLang="en-US" sz="4000" spc="-200" dirty="0">
                 <a:solidFill>
@@ -25474,7 +25560,7 @@
                 <a:latin typeface="나눔바른고딕OTF"/>
                 <a:ea typeface="나눔바른고딕OTF"/>
               </a:rPr>
-              <a:t>커스텀 데이터로만 학습</a:t>
+              <a:t>커스텀 데이터로만 학습한 경우를 비교</a:t>
             </a:r>
             <a:endParaRPr lang="en-US" sz="4000" b="0" i="0" u="none" strike="noStrike" spc="-200" dirty="0">
               <a:solidFill>
@@ -25517,14 +25603,14 @@
               <a:t>상의 데이터 총 </a:t>
             </a:r>
             <a:r>
-              <a:rPr lang="en-US" altLang="ko-KR" sz="4000" b="0" i="0" u="none" strike="noStrike" spc="-200" dirty="0">
+              <a:rPr lang="en-US" altLang="ko-KR" sz="4000" spc="-200" dirty="0">
                 <a:solidFill>
                   <a:srgbClr val="006BB1"/>
                 </a:solidFill>
                 <a:latin typeface="나눔바른고딕OTF"/>
                 <a:ea typeface="나눔바른고딕OTF"/>
               </a:rPr>
-              <a:t>~</a:t>
+              <a:t>24,000</a:t>
             </a:r>
             <a:r>
               <a:rPr lang="ko-KR" altLang="en-US" sz="4000" b="0" i="0" u="none" strike="noStrike" spc="-200" dirty="0">
@@ -25584,7 +25670,7 @@
                 <a:latin typeface="나눔바른고딕OTF"/>
                 <a:ea typeface="나눔바른고딕OTF"/>
               </a:rPr>
-              <a:t>~</a:t>
+              <a:t>19,000</a:t>
             </a:r>
             <a:r>
               <a:rPr lang="ko-KR" altLang="en-US" sz="4000" b="0" i="0" u="none" strike="noStrike" spc="-200" dirty="0">
@@ -25637,14 +25723,14 @@
               <a:t>원피스 데이터 총 </a:t>
             </a:r>
             <a:r>
-              <a:rPr lang="en-US" altLang="ko-KR" sz="4000" b="0" i="0" u="none" strike="noStrike" spc="-200" dirty="0">
+              <a:rPr lang="en-US" altLang="ko-KR" sz="4000" spc="-200" dirty="0">
                 <a:solidFill>
                   <a:srgbClr val="006BB1"/>
                 </a:solidFill>
                 <a:latin typeface="나눔바른고딕OTF"/>
                 <a:ea typeface="나눔바른고딕OTF"/>
               </a:rPr>
-              <a:t>~</a:t>
+              <a:t>6,000</a:t>
             </a:r>
             <a:r>
               <a:rPr lang="ko-KR" altLang="en-US" sz="4000" b="0" i="0" u="none" strike="noStrike" spc="-200" dirty="0">
@@ -25754,7 +25840,17 @@
                 <a:latin typeface="나눔바른고딕OTF"/>
                 <a:ea typeface="나눔바른고딕OTF"/>
               </a:rPr>
-              <a:t> </a:t>
+              <a:t> 4,</a:t>
+            </a:r>
+            <a:r>
+              <a:rPr lang="en-US" sz="4000" spc="-200" dirty="0">
+                <a:solidFill>
+                  <a:srgbClr val="006BB1"/>
+                </a:solidFill>
+                <a:latin typeface="나눔바른고딕OTF"/>
+                <a:ea typeface="나눔바른고딕OTF"/>
+              </a:rPr>
+              <a:t>800</a:t>
             </a:r>
             <a:r>
               <a:rPr lang="ko-KR" altLang="en-US" sz="4000" spc="-200" dirty="0">
@@ -25764,7 +25860,7 @@
                 <a:latin typeface="나눔바른고딕OTF"/>
                 <a:ea typeface="나눔바른고딕OTF"/>
               </a:rPr>
-              <a:t>사용</a:t>
+              <a:t>장 사용</a:t>
             </a:r>
             <a:endParaRPr lang="ko-KR" sz="4000" b="0" i="0" u="none" strike="noStrike" spc="-200" dirty="0">
               <a:solidFill>
@@ -25785,7 +25881,7 @@
     <mc:Choice Requires="p14">
       <p:transition/>
     </mc:Choice>
-    <mc:Fallback xmlns="" xmlns:c="http://schemas.openxmlformats.org/drawingml/2006/chart" xmlns:dgm="http://schemas.openxmlformats.org/drawingml/2006/diagram" xmlns:dsp="http://schemas.microsoft.com/office/drawing/2008/diagram">
+    <mc:Fallback xmlns:dsp="http://schemas.microsoft.com/office/drawing/2008/diagram" xmlns:dgm="http://schemas.openxmlformats.org/drawingml/2006/diagram" xmlns:c="http://schemas.openxmlformats.org/drawingml/2006/chart" xmlns="">
       <p:transition/>
     </mc:Fallback>
   </mc:AlternateContent>

--- a/documents/의류 카테고리 분류 모델 결과 보고서.pptx
+++ b/documents/의류 카테고리 분류 모델 결과 보고서.pptx
@@ -8485,6 +8485,16 @@
               <a:defRPr/>
             </a:pPr>
             <a:r>
+              <a:rPr lang="ko-KR" altLang="en-US" sz="5000" dirty="0">
+                <a:solidFill>
+                  <a:srgbClr val="006BB1"/>
+                </a:solidFill>
+                <a:latin typeface="나눔바른고딕OTF"/>
+                <a:ea typeface="나눔바른고딕OTF"/>
+              </a:rPr>
+              <a:t>상의</a:t>
+            </a:r>
+            <a:r>
               <a:rPr lang="ko-KR" altLang="en-US" sz="5000" b="0" i="0" u="none" strike="noStrike" dirty="0">
                 <a:solidFill>
                   <a:srgbClr val="006BB1"/>
@@ -8492,7 +8502,7 @@
                 <a:latin typeface="나눔바른고딕OTF"/>
                 <a:ea typeface="나눔바른고딕OTF"/>
               </a:rPr>
-              <a:t>유사 이미지 검색</a:t>
+              <a:t> 검색 결과</a:t>
             </a:r>
             <a:endParaRPr lang="ko-KR" altLang="ko-KR" sz="5000" b="0" i="0" u="none" strike="noStrike" dirty="0">
               <a:solidFill>
@@ -8673,31 +8683,6 @@
               <a:ea typeface="나눔바른고딕OTF"/>
             </a:endParaRPr>
           </a:p>
-          <a:p>
-            <a:pPr lvl="0" algn="l">
-              <a:lnSpc>
-                <a:spcPct val="149400"/>
-              </a:lnSpc>
-              <a:defRPr/>
-            </a:pPr>
-            <a:r>
-              <a:rPr lang="ko-KR" altLang="en-US" sz="2800" spc="-100" dirty="0">
-                <a:solidFill>
-                  <a:srgbClr val="006BB1"/>
-                </a:solidFill>
-                <a:latin typeface="나눔바른고딕OTF"/>
-                <a:ea typeface="나눔바른고딕OTF"/>
-              </a:rPr>
-              <a:t>상의 결과</a:t>
-            </a:r>
-            <a:endParaRPr lang="en-US" altLang="ko-KR" sz="2800" b="0" i="0" u="none" strike="noStrike" spc="-100" dirty="0">
-              <a:solidFill>
-                <a:srgbClr val="006BB1"/>
-              </a:solidFill>
-              <a:latin typeface="나눔바른고딕OTF"/>
-              <a:ea typeface="나눔바른고딕OTF"/>
-            </a:endParaRPr>
-          </a:p>
         </p:txBody>
       </p:sp>
       <p:pic>
@@ -8728,7 +8713,7 @@
         </p:blipFill>
         <p:spPr>
           <a:xfrm>
-            <a:off x="1965600" y="3086100"/>
+            <a:off x="1965600" y="2933700"/>
             <a:ext cx="3658063" cy="3240000"/>
           </a:xfrm>
           <a:prstGeom prst="rect">
@@ -8738,15 +8723,15 @@
       </p:pic>
       <p:pic>
         <p:nvPicPr>
-          <p:cNvPr id="19" name="그림 18">
+          <p:cNvPr id="1026" name="Picture 2">
             <a:extLst>
               <a:ext uri="{FF2B5EF4-FFF2-40B4-BE49-F238E27FC236}">
-                <a16:creationId xmlns:a16="http://schemas.microsoft.com/office/drawing/2014/main" id="{AF642590-A55A-1984-CBBA-88C04F219623}"/>
+                <a16:creationId xmlns:a16="http://schemas.microsoft.com/office/drawing/2014/main" id="{8F2CDF8C-59D3-A33B-3394-98B2DF85DEF1}"/>
               </a:ext>
             </a:extLst>
           </p:cNvPr>
           <p:cNvPicPr>
-            <a:picLocks noChangeAspect="1"/>
+            <a:picLocks noChangeArrowheads="1"/>
           </p:cNvPicPr>
           <p:nvPr/>
         </p:nvPicPr>
@@ -8758,42 +8743,6 @@
               </a:ext>
             </a:extLst>
           </a:blip>
-          <a:stretch>
-            <a:fillRect/>
-          </a:stretch>
-        </p:blipFill>
-        <p:spPr>
-          <a:xfrm>
-            <a:off x="8229600" y="2366100"/>
-            <a:ext cx="6645676" cy="3960000"/>
-          </a:xfrm>
-          <a:prstGeom prst="rect">
-            <a:avLst/>
-          </a:prstGeom>
-        </p:spPr>
-      </p:pic>
-      <p:pic>
-        <p:nvPicPr>
-          <p:cNvPr id="1026" name="Picture 2">
-            <a:extLst>
-              <a:ext uri="{FF2B5EF4-FFF2-40B4-BE49-F238E27FC236}">
-                <a16:creationId xmlns:a16="http://schemas.microsoft.com/office/drawing/2014/main" id="{8F2CDF8C-59D3-A33B-3394-98B2DF85DEF1}"/>
-              </a:ext>
-            </a:extLst>
-          </p:cNvPr>
-          <p:cNvPicPr>
-            <a:picLocks noChangeArrowheads="1"/>
-          </p:cNvPicPr>
-          <p:nvPr/>
-        </p:nvPicPr>
-        <p:blipFill>
-          <a:blip r:embed="rId11">
-            <a:extLst>
-              <a:ext uri="{28A0092B-C50C-407E-A947-70E740481C1C}">
-                <a14:useLocalDpi xmlns:a14="http://schemas.microsoft.com/office/drawing/2010/main" val="0"/>
-              </a:ext>
-            </a:extLst>
-          </a:blip>
           <a:srcRect/>
           <a:stretch>
             <a:fillRect/>
@@ -8801,55 +8750,8 @@
         </p:blipFill>
         <p:spPr bwMode="auto">
           <a:xfrm>
-            <a:off x="1981200" y="6551700"/>
+            <a:off x="1981200" y="6399300"/>
             <a:ext cx="3657600" cy="3240000"/>
-          </a:xfrm>
-          <a:prstGeom prst="rect">
-            <a:avLst/>
-          </a:prstGeom>
-          <a:noFill/>
-          <a:extLst>
-            <a:ext uri="{909E8E84-426E-40DD-AFC4-6F175D3DCCD1}">
-              <a14:hiddenFill xmlns:a14="http://schemas.microsoft.com/office/drawing/2010/main">
-                <a:solidFill>
-                  <a:srgbClr val="FFFFFF"/>
-                </a:solidFill>
-              </a14:hiddenFill>
-            </a:ext>
-          </a:extLst>
-        </p:spPr>
-      </p:pic>
-      <p:pic>
-        <p:nvPicPr>
-          <p:cNvPr id="1028" name="Picture 4">
-            <a:extLst>
-              <a:ext uri="{FF2B5EF4-FFF2-40B4-BE49-F238E27FC236}">
-                <a16:creationId xmlns:a16="http://schemas.microsoft.com/office/drawing/2014/main" id="{80249325-C005-E390-178D-ECE04A66DCCB}"/>
-              </a:ext>
-            </a:extLst>
-          </p:cNvPr>
-          <p:cNvPicPr>
-            <a:picLocks noChangeAspect="1" noChangeArrowheads="1"/>
-          </p:cNvPicPr>
-          <p:nvPr/>
-        </p:nvPicPr>
-        <p:blipFill>
-          <a:blip r:embed="rId12">
-            <a:extLst>
-              <a:ext uri="{28A0092B-C50C-407E-A947-70E740481C1C}">
-                <a14:useLocalDpi xmlns:a14="http://schemas.microsoft.com/office/drawing/2010/main" val="0"/>
-              </a:ext>
-            </a:extLst>
-          </a:blip>
-          <a:srcRect/>
-          <a:stretch>
-            <a:fillRect/>
-          </a:stretch>
-        </p:blipFill>
-        <p:spPr bwMode="auto">
-          <a:xfrm>
-            <a:off x="8229600" y="6320650"/>
-            <a:ext cx="6577627" cy="3960000"/>
           </a:xfrm>
           <a:prstGeom prst="rect">
             <a:avLst/>
@@ -8877,13 +8779,15 @@
           </p:cNvPr>
           <p:cNvCxnSpPr>
             <a:cxnSpLocks/>
+            <a:stCxn id="17" idx="3"/>
+            <a:endCxn id="15" idx="1"/>
           </p:cNvCxnSpPr>
           <p:nvPr/>
         </p:nvCxnSpPr>
         <p:spPr>
           <a:xfrm flipV="1">
-            <a:off x="5633463" y="4363216"/>
-            <a:ext cx="2690366" cy="425427"/>
+            <a:off x="5623663" y="4227900"/>
+            <a:ext cx="2605937" cy="325800"/>
           </a:xfrm>
           <a:prstGeom prst="straightConnector1">
             <a:avLst/>
@@ -8921,13 +8825,15 @@
           </p:cNvPr>
           <p:cNvCxnSpPr>
             <a:cxnSpLocks/>
+            <a:stCxn id="1026" idx="3"/>
+            <a:endCxn id="22" idx="1"/>
           </p:cNvCxnSpPr>
           <p:nvPr/>
         </p:nvCxnSpPr>
         <p:spPr>
           <a:xfrm>
-            <a:off x="5638800" y="8409455"/>
-            <a:ext cx="2698574" cy="339188"/>
+            <a:off x="5638800" y="8019300"/>
+            <a:ext cx="2590800" cy="199150"/>
           </a:xfrm>
           <a:prstGeom prst="straightConnector1">
             <a:avLst/>
@@ -8954,6 +8860,78 @@
           </a:fontRef>
         </p:style>
       </p:cxnSp>
+      <p:pic>
+        <p:nvPicPr>
+          <p:cNvPr id="15" name="그림 14">
+            <a:extLst>
+              <a:ext uri="{FF2B5EF4-FFF2-40B4-BE49-F238E27FC236}">
+                <a16:creationId xmlns:a16="http://schemas.microsoft.com/office/drawing/2014/main" id="{8A0B82D2-6A61-389A-702D-E0B4DE823949}"/>
+              </a:ext>
+            </a:extLst>
+          </p:cNvPr>
+          <p:cNvPicPr>
+            <a:picLocks noChangeAspect="1"/>
+          </p:cNvPicPr>
+          <p:nvPr/>
+        </p:nvPicPr>
+        <p:blipFill>
+          <a:blip r:embed="rId11">
+            <a:extLst>
+              <a:ext uri="{28A0092B-C50C-407E-A947-70E740481C1C}">
+                <a14:useLocalDpi xmlns:a14="http://schemas.microsoft.com/office/drawing/2010/main" val="0"/>
+              </a:ext>
+            </a:extLst>
+          </a:blip>
+          <a:stretch>
+            <a:fillRect/>
+          </a:stretch>
+        </p:blipFill>
+        <p:spPr>
+          <a:xfrm>
+            <a:off x="8229600" y="2247900"/>
+            <a:ext cx="6600001" cy="3960000"/>
+          </a:xfrm>
+          <a:prstGeom prst="rect">
+            <a:avLst/>
+          </a:prstGeom>
+        </p:spPr>
+      </p:pic>
+      <p:pic>
+        <p:nvPicPr>
+          <p:cNvPr id="22" name="그림 21">
+            <a:extLst>
+              <a:ext uri="{FF2B5EF4-FFF2-40B4-BE49-F238E27FC236}">
+                <a16:creationId xmlns:a16="http://schemas.microsoft.com/office/drawing/2014/main" id="{F1935F0A-0CED-CE8D-EEA6-568B23C97241}"/>
+              </a:ext>
+            </a:extLst>
+          </p:cNvPr>
+          <p:cNvPicPr>
+            <a:picLocks noChangeAspect="1"/>
+          </p:cNvPicPr>
+          <p:nvPr/>
+        </p:nvPicPr>
+        <p:blipFill>
+          <a:blip r:embed="rId12">
+            <a:extLst>
+              <a:ext uri="{28A0092B-C50C-407E-A947-70E740481C1C}">
+                <a14:useLocalDpi xmlns:a14="http://schemas.microsoft.com/office/drawing/2010/main" val="0"/>
+              </a:ext>
+            </a:extLst>
+          </a:blip>
+          <a:stretch>
+            <a:fillRect/>
+          </a:stretch>
+        </p:blipFill>
+        <p:spPr>
+          <a:xfrm>
+            <a:off x="8229600" y="6238450"/>
+            <a:ext cx="6600001" cy="3960000"/>
+          </a:xfrm>
+          <a:prstGeom prst="rect">
+            <a:avLst/>
+          </a:prstGeom>
+        </p:spPr>
+      </p:pic>
     </p:spTree>
     <p:extLst>
       <p:ext uri="{BB962C8B-B14F-4D97-AF65-F5344CB8AC3E}">
@@ -9146,7 +9124,7 @@
                 <a:latin typeface="나눔바른고딕OTF"/>
                 <a:ea typeface="나눔바른고딕OTF"/>
               </a:rPr>
-              <a:t>유사 이미지 검색 결과</a:t>
+              <a:t>하의 검색 결과</a:t>
             </a:r>
             <a:endParaRPr lang="ko-KR" altLang="ko-KR" sz="5000" b="0" i="0" u="none" strike="noStrike" dirty="0">
               <a:solidFill>
@@ -9278,57 +9256,6 @@
           </a:prstGeom>
         </p:spPr>
       </p:pic>
-      <p:sp>
-        <p:nvSpPr>
-          <p:cNvPr id="13" name="TextBox 18">
-            <a:extLst>
-              <a:ext uri="{FF2B5EF4-FFF2-40B4-BE49-F238E27FC236}">
-                <a16:creationId xmlns:a16="http://schemas.microsoft.com/office/drawing/2014/main" id="{10E810C1-DF38-196F-8399-8387DFB83E9B}"/>
-              </a:ext>
-            </a:extLst>
-          </p:cNvPr>
-          <p:cNvSpPr txBox="1"/>
-          <p:nvPr/>
-        </p:nvSpPr>
-        <p:spPr>
-          <a:xfrm>
-            <a:off x="1955800" y="1676400"/>
-            <a:ext cx="13436600" cy="889000"/>
-          </a:xfrm>
-          <a:prstGeom prst="rect">
-            <a:avLst/>
-          </a:prstGeom>
-        </p:spPr>
-        <p:txBody>
-          <a:bodyPr lIns="0" tIns="0" rIns="0" bIns="0" anchor="t"/>
-          <a:lstStyle/>
-          <a:p>
-            <a:pPr lvl="0" algn="l">
-              <a:lnSpc>
-                <a:spcPct val="149400"/>
-              </a:lnSpc>
-              <a:defRPr/>
-            </a:pPr>
-            <a:r>
-              <a:rPr lang="ko-KR" altLang="en-US" sz="2800" spc="-100">
-                <a:solidFill>
-                  <a:srgbClr val="006BB1"/>
-                </a:solidFill>
-                <a:latin typeface="나눔바른고딕OTF"/>
-                <a:ea typeface="나눔바른고딕OTF"/>
-              </a:rPr>
-              <a:t>하의 결과</a:t>
-            </a:r>
-            <a:endParaRPr lang="ko-KR" sz="2800" b="0" i="0" u="none" strike="noStrike" spc="-100" dirty="0">
-              <a:solidFill>
-                <a:srgbClr val="006BB1"/>
-              </a:solidFill>
-              <a:latin typeface="나눔바른고딕OTF"/>
-              <a:ea typeface="나눔바른고딕OTF"/>
-            </a:endParaRPr>
-          </a:p>
-        </p:txBody>
-      </p:sp>
       <p:pic>
         <p:nvPicPr>
           <p:cNvPr id="19" name="그림 18">
@@ -9359,42 +9286,6 @@
           <a:xfrm>
             <a:off x="1961304" y="5943286"/>
             <a:ext cx="3240000" cy="3240000"/>
-          </a:xfrm>
-          <a:prstGeom prst="rect">
-            <a:avLst/>
-          </a:prstGeom>
-        </p:spPr>
-      </p:pic>
-      <p:pic>
-        <p:nvPicPr>
-          <p:cNvPr id="21" name="그림 20">
-            <a:extLst>
-              <a:ext uri="{FF2B5EF4-FFF2-40B4-BE49-F238E27FC236}">
-                <a16:creationId xmlns:a16="http://schemas.microsoft.com/office/drawing/2014/main" id="{58510C02-4547-FC89-FD71-6299A5C15CFA}"/>
-              </a:ext>
-            </a:extLst>
-          </p:cNvPr>
-          <p:cNvPicPr>
-            <a:picLocks noChangeAspect="1"/>
-          </p:cNvPicPr>
-          <p:nvPr/>
-        </p:nvPicPr>
-        <p:blipFill>
-          <a:blip r:embed="rId10">
-            <a:extLst>
-              <a:ext uri="{28A0092B-C50C-407E-A947-70E740481C1C}">
-                <a14:useLocalDpi xmlns:a14="http://schemas.microsoft.com/office/drawing/2010/main" val="0"/>
-              </a:ext>
-            </a:extLst>
-          </a:blip>
-          <a:stretch>
-            <a:fillRect/>
-          </a:stretch>
-        </p:blipFill>
-        <p:spPr>
-          <a:xfrm>
-            <a:off x="7992000" y="5944943"/>
-            <a:ext cx="6808422" cy="3960000"/>
           </a:xfrm>
           <a:prstGeom prst="rect">
             <a:avLst/>
@@ -9412,13 +9303,15 @@
           </p:cNvPr>
           <p:cNvCxnSpPr>
             <a:cxnSpLocks/>
+            <a:stCxn id="27" idx="3"/>
+            <a:endCxn id="15" idx="1"/>
           </p:cNvCxnSpPr>
           <p:nvPr/>
         </p:nvCxnSpPr>
         <p:spPr>
           <a:xfrm flipV="1">
-            <a:off x="5158234" y="3683886"/>
-            <a:ext cx="2690366" cy="425427"/>
+            <a:off x="5204521" y="3676650"/>
+            <a:ext cx="2811285" cy="361200"/>
           </a:xfrm>
           <a:prstGeom prst="straightConnector1">
             <a:avLst/>
@@ -9456,13 +9349,15 @@
           </p:cNvPr>
           <p:cNvCxnSpPr>
             <a:cxnSpLocks/>
+            <a:stCxn id="19" idx="3"/>
+            <a:endCxn id="25" idx="1"/>
           </p:cNvCxnSpPr>
           <p:nvPr/>
         </p:nvCxnSpPr>
         <p:spPr>
           <a:xfrm>
-            <a:off x="5150026" y="7699912"/>
-            <a:ext cx="2698574" cy="339188"/>
+            <a:off x="5201304" y="7563286"/>
+            <a:ext cx="2790696" cy="360000"/>
           </a:xfrm>
           <a:prstGeom prst="straightConnector1">
             <a:avLst/>
@@ -9504,6 +9399,42 @@
           <p:nvPr/>
         </p:nvPicPr>
         <p:blipFill>
+          <a:blip r:embed="rId10">
+            <a:extLst>
+              <a:ext uri="{28A0092B-C50C-407E-A947-70E740481C1C}">
+                <a14:useLocalDpi xmlns:a14="http://schemas.microsoft.com/office/drawing/2010/main" val="0"/>
+              </a:ext>
+            </a:extLst>
+          </a:blip>
+          <a:stretch>
+            <a:fillRect/>
+          </a:stretch>
+        </p:blipFill>
+        <p:spPr>
+          <a:xfrm>
+            <a:off x="1964521" y="2417850"/>
+            <a:ext cx="3240000" cy="3240000"/>
+          </a:xfrm>
+          <a:prstGeom prst="rect">
+            <a:avLst/>
+          </a:prstGeom>
+        </p:spPr>
+      </p:pic>
+      <p:pic>
+        <p:nvPicPr>
+          <p:cNvPr id="15" name="그림 14">
+            <a:extLst>
+              <a:ext uri="{FF2B5EF4-FFF2-40B4-BE49-F238E27FC236}">
+                <a16:creationId xmlns:a16="http://schemas.microsoft.com/office/drawing/2014/main" id="{96DAAD7C-DC00-5468-E851-C3AF76F8727A}"/>
+              </a:ext>
+            </a:extLst>
+          </p:cNvPr>
+          <p:cNvPicPr>
+            <a:picLocks noChangeAspect="1"/>
+          </p:cNvPicPr>
+          <p:nvPr/>
+        </p:nvPicPr>
+        <p:blipFill>
           <a:blip r:embed="rId11">
             <a:extLst>
               <a:ext uri="{28A0092B-C50C-407E-A947-70E740481C1C}">
@@ -9517,20 +9448,20 @@
         </p:blipFill>
         <p:spPr>
           <a:xfrm>
-            <a:off x="1964521" y="2417850"/>
-            <a:ext cx="3240000" cy="3240000"/>
-          </a:xfrm>
-          <a:prstGeom prst="rect">
-            <a:avLst/>
-          </a:prstGeom>
-        </p:spPr>
-      </p:pic>
-      <p:pic>
-        <p:nvPicPr>
-          <p:cNvPr id="29" name="그림 28">
+            <a:off x="8015806" y="1696650"/>
+            <a:ext cx="6784616" cy="3960000"/>
+          </a:xfrm>
+          <a:prstGeom prst="rect">
+            <a:avLst/>
+          </a:prstGeom>
+        </p:spPr>
+      </p:pic>
+      <p:pic>
+        <p:nvPicPr>
+          <p:cNvPr id="25" name="그림 24">
             <a:extLst>
               <a:ext uri="{FF2B5EF4-FFF2-40B4-BE49-F238E27FC236}">
-                <a16:creationId xmlns:a16="http://schemas.microsoft.com/office/drawing/2014/main" id="{25D913E6-3703-A735-55C3-6A9A7378F8FD}"/>
+                <a16:creationId xmlns:a16="http://schemas.microsoft.com/office/drawing/2014/main" id="{F6449C6D-ACDC-3C7A-CC40-C706FFE8B967}"/>
               </a:ext>
             </a:extLst>
           </p:cNvPr>
@@ -9553,8 +9484,8 @@
         </p:blipFill>
         <p:spPr>
           <a:xfrm>
-            <a:off x="7992000" y="1696650"/>
-            <a:ext cx="6784616" cy="3960000"/>
+            <a:off x="7992000" y="5943286"/>
+            <a:ext cx="6808422" cy="3960000"/>
           </a:xfrm>
           <a:prstGeom prst="rect">
             <a:avLst/>
@@ -10889,7 +10820,7 @@
                 <a:latin typeface="나눔바른고딕OTF"/>
                 <a:ea typeface="나눔바른고딕OTF"/>
               </a:rPr>
-              <a:t>과 같이 </a:t>
+              <a:t>등의</a:t>
             </a:r>
             <a:r>
               <a:rPr lang="ko-KR" altLang="en-US" sz="2800" b="0" i="0" u="none" strike="noStrike" spc="-100" dirty="0">
@@ -10899,7 +10830,7 @@
                 <a:latin typeface="나눔바른고딕OTF"/>
                 <a:ea typeface="나눔바른고딕OTF"/>
               </a:rPr>
-              <a:t>사용할 수 있는 모델 중 가장 성능이 좋으며</a:t>
+              <a:t> 모델 중 가장 성능이 좋으며</a:t>
             </a:r>
             <a:r>
               <a:rPr lang="en-US" altLang="ko-KR" sz="2800" b="0" i="0" u="none" strike="noStrike" spc="-100" dirty="0">
@@ -10919,7 +10850,7 @@
                 <a:latin typeface="나눔바른고딕OTF"/>
                 <a:ea typeface="나눔바른고딕OTF"/>
               </a:rPr>
-              <a:t>파인 튜닝과 커스텀 데이터로만 학습했을 때의 결과를 비교 가능</a:t>
+              <a:t>파인 튜닝 했을 때와 커스텀 데이터로만 학습 했을 때의 결과를 비교 가능</a:t>
             </a:r>
             <a:endParaRPr lang="ko-KR" sz="2800" b="0" i="0" u="none" strike="noStrike" spc="-100" dirty="0">
               <a:solidFill>

--- a/documents/의류 카테고리 분류 모델 결과 보고서.pptx
+++ b/documents/의류 카테고리 분류 모델 결과 보고서.pptx
@@ -3889,7 +3889,7 @@
     <mc:Choice Requires="p14">
       <p:transition/>
     </mc:Choice>
-    <mc:Fallback xmlns:dsp="http://schemas.microsoft.com/office/drawing/2008/diagram" xmlns:dgm="http://schemas.openxmlformats.org/drawingml/2006/diagram" xmlns:c="http://schemas.openxmlformats.org/drawingml/2006/chart" xmlns="">
+    <mc:Fallback xmlns="" xmlns:c="http://schemas.openxmlformats.org/drawingml/2006/chart" xmlns:dgm="http://schemas.openxmlformats.org/drawingml/2006/diagram" xmlns:dsp="http://schemas.microsoft.com/office/drawing/2008/diagram">
       <p:transition/>
     </mc:Fallback>
   </mc:AlternateContent>
@@ -4341,7 +4341,7 @@
     <mc:Choice Requires="p14">
       <p:transition/>
     </mc:Choice>
-    <mc:Fallback xmlns:dsp="http://schemas.microsoft.com/office/drawing/2008/diagram" xmlns:dgm="http://schemas.openxmlformats.org/drawingml/2006/diagram" xmlns:c="http://schemas.openxmlformats.org/drawingml/2006/chart" xmlns="">
+    <mc:Fallback xmlns="" xmlns:c="http://schemas.openxmlformats.org/drawingml/2006/chart" xmlns:dgm="http://schemas.openxmlformats.org/drawingml/2006/diagram" xmlns:dsp="http://schemas.microsoft.com/office/drawing/2008/diagram">
       <p:transition/>
     </mc:Fallback>
   </mc:AlternateContent>
@@ -4828,7 +4828,7 @@
     <mc:Choice Requires="p14">
       <p:transition/>
     </mc:Choice>
-    <mc:Fallback xmlns:dsp="http://schemas.microsoft.com/office/drawing/2008/diagram" xmlns:dgm="http://schemas.openxmlformats.org/drawingml/2006/diagram" xmlns:c="http://schemas.openxmlformats.org/drawingml/2006/chart" xmlns="">
+    <mc:Fallback xmlns="" xmlns:c="http://schemas.openxmlformats.org/drawingml/2006/chart" xmlns:dgm="http://schemas.openxmlformats.org/drawingml/2006/diagram" xmlns:dsp="http://schemas.microsoft.com/office/drawing/2008/diagram">
       <p:transition/>
     </mc:Fallback>
   </mc:AlternateContent>
@@ -5818,7 +5818,7 @@
         <p:spPr>
           <a:xfrm>
             <a:off x="1955800" y="1676400"/>
-            <a:ext cx="13436600" cy="1284514"/>
+            <a:ext cx="14503400" cy="1948900"/>
           </a:xfrm>
           <a:prstGeom prst="rect">
             <a:avLst/>
@@ -5835,24 +5835,14 @@
               <a:defRPr/>
             </a:pPr>
             <a:r>
-              <a:rPr lang="en-US" altLang="ko-KR" sz="2800" spc="-100" dirty="0">
+              <a:rPr lang="ko-KR" altLang="en-US" sz="2800" spc="-100" dirty="0">
                 <a:solidFill>
                   <a:srgbClr val="006BB1"/>
                 </a:solidFill>
                 <a:latin typeface="나눔바른고딕OTF"/>
                 <a:ea typeface="나눔바른고딕OTF"/>
               </a:rPr>
-              <a:t>Epoch</a:t>
-            </a:r>
-            <a:r>
-              <a:rPr lang="ko-KR" altLang="en-US" sz="2800" spc="-100" dirty="0">
-                <a:solidFill>
-                  <a:srgbClr val="006BB1"/>
-                </a:solidFill>
-                <a:latin typeface="나눔바른고딕OTF"/>
-                <a:ea typeface="나눔바른고딕OTF"/>
-              </a:rPr>
-              <a:t>별 </a:t>
+              <a:t>가중치별 </a:t>
             </a:r>
             <a:r>
               <a:rPr lang="en-US" altLang="ko-KR" sz="2800" spc="-100" dirty="0">
@@ -5880,7 +5870,96 @@
                 <a:latin typeface="나눔바른고딕OTF"/>
                 <a:ea typeface="나눔바른고딕OTF"/>
               </a:rPr>
-              <a:t>전체적인 정확도가 더 높고 극단적 </a:t>
+              <a:t>      영역 </a:t>
+            </a:r>
+            <a:r>
+              <a:rPr lang="en-US" altLang="ko-KR" sz="2800" spc="-100" dirty="0">
+                <a:solidFill>
+                  <a:srgbClr val="006BB1"/>
+                </a:solidFill>
+                <a:latin typeface="나눔바른고딕OTF"/>
+                <a:ea typeface="나눔바른고딕OTF"/>
+              </a:rPr>
+              <a:t>: </a:t>
+            </a:r>
+            <a:r>
+              <a:rPr lang="ko-KR" altLang="en-US" sz="2800" spc="-100" dirty="0">
+                <a:solidFill>
+                  <a:srgbClr val="006BB1"/>
+                </a:solidFill>
+                <a:latin typeface="나눔바른고딕OTF"/>
+                <a:ea typeface="나눔바른고딕OTF"/>
+              </a:rPr>
+              <a:t>분류 정확도</a:t>
+            </a:r>
+            <a:r>
+              <a:rPr lang="en-US" altLang="ko-KR" sz="2800" spc="-100" dirty="0">
+                <a:solidFill>
+                  <a:srgbClr val="006BB1"/>
+                </a:solidFill>
+                <a:latin typeface="나눔바른고딕OTF"/>
+                <a:ea typeface="나눔바른고딕OTF"/>
+              </a:rPr>
+              <a:t>, </a:t>
+            </a:r>
+            <a:r>
+              <a:rPr lang="ko-KR" altLang="en-US" sz="2800" spc="-100" dirty="0">
+                <a:solidFill>
+                  <a:srgbClr val="006BB1"/>
+                </a:solidFill>
+                <a:latin typeface="나눔바른고딕OTF"/>
+                <a:ea typeface="나눔바른고딕OTF"/>
+              </a:rPr>
+              <a:t>특정 클래스에 치우침이 적고 평균적인 정확도가 높은 것을 확인</a:t>
+            </a:r>
+            <a:br>
+              <a:rPr lang="en-US" altLang="ko-KR" sz="2800" spc="-100" dirty="0">
+                <a:solidFill>
+                  <a:srgbClr val="006BB1"/>
+                </a:solidFill>
+                <a:latin typeface="나눔바른고딕OTF"/>
+                <a:ea typeface="나눔바른고딕OTF"/>
+              </a:rPr>
+            </a:br>
+            <a:r>
+              <a:rPr lang="en-US" altLang="ko-KR" sz="2800" spc="-100" dirty="0">
+                <a:solidFill>
+                  <a:srgbClr val="006BB1"/>
+                </a:solidFill>
+                <a:latin typeface="나눔바른고딕OTF"/>
+                <a:ea typeface="나눔바른고딕OTF"/>
+              </a:rPr>
+              <a:t>      </a:t>
+            </a:r>
+            <a:r>
+              <a:rPr lang="ko-KR" altLang="en-US" sz="2800" spc="-100" dirty="0">
+                <a:solidFill>
+                  <a:srgbClr val="006BB1"/>
+                </a:solidFill>
+                <a:latin typeface="나눔바른고딕OTF"/>
+                <a:ea typeface="나눔바른고딕OTF"/>
+              </a:rPr>
+              <a:t>영역 </a:t>
+            </a:r>
+            <a:r>
+              <a:rPr lang="en-US" altLang="ko-KR" sz="2800" spc="-100" dirty="0">
+                <a:solidFill>
+                  <a:srgbClr val="006BB1"/>
+                </a:solidFill>
+                <a:latin typeface="나눔바른고딕OTF"/>
+                <a:ea typeface="나눔바른고딕OTF"/>
+              </a:rPr>
+              <a:t>: </a:t>
+            </a:r>
+            <a:r>
+              <a:rPr lang="ko-KR" altLang="en-US" sz="2800" spc="-100" dirty="0">
+                <a:solidFill>
+                  <a:srgbClr val="006BB1"/>
+                </a:solidFill>
+                <a:latin typeface="나눔바른고딕OTF"/>
+                <a:ea typeface="나눔바른고딕OTF"/>
+              </a:rPr>
+              <a:t>극단적 </a:t>
             </a:r>
             <a:r>
               <a:rPr lang="ko-KR" altLang="en-US" sz="2800" spc="-100" dirty="0" err="1">
@@ -5890,7 +5969,17 @@
                 <a:latin typeface="나눔바른고딕OTF"/>
                 <a:ea typeface="나눔바른고딕OTF"/>
               </a:rPr>
-              <a:t>오분류율이</a:t>
+              <a:t>오분류율</a:t>
+            </a:r>
+            <a:r>
+              <a:rPr lang="en-US" altLang="ko-KR" sz="2800" spc="-100" dirty="0">
+                <a:solidFill>
+                  <a:srgbClr val="006BB1"/>
+                </a:solidFill>
+                <a:latin typeface="나눔바른고딕OTF"/>
+                <a:ea typeface="나눔바른고딕OTF"/>
+              </a:rPr>
+              <a:t>(ex. </a:t>
             </a:r>
             <a:r>
               <a:rPr lang="ko-KR" altLang="en-US" sz="2800" spc="-100" dirty="0">
@@ -5900,7 +5989,57 @@
                 <a:latin typeface="나눔바른고딕OTF"/>
                 <a:ea typeface="나눔바른고딕OTF"/>
               </a:rPr>
-              <a:t> 낮은 가중치를 선택하여 사용</a:t>
+              <a:t>민소매를 </a:t>
+            </a:r>
+            <a:r>
+              <a:rPr lang="ko-KR" altLang="en-US" sz="2800" spc="-100" dirty="0" err="1">
+                <a:solidFill>
+                  <a:srgbClr val="006BB1"/>
+                </a:solidFill>
+                <a:latin typeface="나눔바른고딕OTF"/>
+                <a:ea typeface="나눔바른고딕OTF"/>
+              </a:rPr>
+              <a:t>긴소매로</a:t>
+            </a:r>
+            <a:r>
+              <a:rPr lang="ko-KR" altLang="en-US" sz="2800" spc="-100" dirty="0">
+                <a:solidFill>
+                  <a:srgbClr val="006BB1"/>
+                </a:solidFill>
+                <a:latin typeface="나눔바른고딕OTF"/>
+                <a:ea typeface="나눔바른고딕OTF"/>
+              </a:rPr>
+              <a:t> </a:t>
+            </a:r>
+            <a:r>
+              <a:rPr lang="ko-KR" altLang="en-US" sz="2800" spc="-100" dirty="0" err="1">
+                <a:solidFill>
+                  <a:srgbClr val="006BB1"/>
+                </a:solidFill>
+                <a:latin typeface="나눔바른고딕OTF"/>
+                <a:ea typeface="나눔바른고딕OTF"/>
+              </a:rPr>
+              <a:t>오분류</a:t>
+            </a:r>
+            <a:r>
+              <a:rPr lang="en-US" altLang="ko-KR" sz="2800" spc="-100" dirty="0">
+                <a:solidFill>
+                  <a:srgbClr val="006BB1"/>
+                </a:solidFill>
+                <a:latin typeface="나눔바른고딕OTF"/>
+                <a:ea typeface="나눔바른고딕OTF"/>
+              </a:rPr>
+              <a:t>), </a:t>
+            </a:r>
+            <a:r>
+              <a:rPr lang="ko-KR" altLang="en-US" sz="2800" spc="-100" dirty="0">
+                <a:solidFill>
+                  <a:srgbClr val="006BB1"/>
+                </a:solidFill>
+                <a:latin typeface="나눔바른고딕OTF"/>
+                <a:ea typeface="나눔바른고딕OTF"/>
+              </a:rPr>
+              <a:t>절반으로 감소하는 것을 확인 </a:t>
             </a:r>
             <a:endParaRPr lang="ko-KR" sz="2800" b="0" i="0" u="none" strike="noStrike" spc="-100" dirty="0">
               <a:solidFill>
@@ -5940,7 +6079,7 @@
         </p:blipFill>
         <p:spPr>
           <a:xfrm>
-            <a:off x="1486491" y="3041100"/>
+            <a:off x="1486491" y="3795800"/>
             <a:ext cx="6914263" cy="5760000"/>
           </a:xfrm>
           <a:prstGeom prst="rect">
@@ -5964,7 +6103,7 @@
         </p:nvSpPr>
         <p:spPr>
           <a:xfrm>
-            <a:off x="2971800" y="3150000"/>
+            <a:off x="2971800" y="3904700"/>
             <a:ext cx="864000" cy="828000"/>
           </a:xfrm>
           <a:prstGeom prst="rect">
@@ -6018,7 +6157,7 @@
         </p:nvSpPr>
         <p:spPr>
           <a:xfrm>
-            <a:off x="3860400" y="3990023"/>
+            <a:off x="3860400" y="4744723"/>
             <a:ext cx="864000" cy="828000"/>
           </a:xfrm>
           <a:prstGeom prst="rect">
@@ -6072,7 +6211,7 @@
         </p:nvSpPr>
         <p:spPr>
           <a:xfrm>
-            <a:off x="6553200" y="4838700"/>
+            <a:off x="6553200" y="5593400"/>
             <a:ext cx="864000" cy="828000"/>
           </a:xfrm>
           <a:prstGeom prst="rect">
@@ -6138,7 +6277,7 @@
         </p:blipFill>
         <p:spPr>
           <a:xfrm>
-            <a:off x="9829800" y="3041100"/>
+            <a:off x="9829800" y="3795800"/>
             <a:ext cx="6914263" cy="5760000"/>
           </a:xfrm>
           <a:prstGeom prst="rect">
@@ -6162,7 +6301,7 @@
         </p:nvSpPr>
         <p:spPr>
           <a:xfrm>
-            <a:off x="11328000" y="3150000"/>
+            <a:off x="11328000" y="3904700"/>
             <a:ext cx="864000" cy="828000"/>
           </a:xfrm>
           <a:prstGeom prst="rect">
@@ -6216,7 +6355,7 @@
         </p:nvSpPr>
         <p:spPr>
           <a:xfrm>
-            <a:off x="12205252" y="3967514"/>
+            <a:off x="12205252" y="4722214"/>
             <a:ext cx="864000" cy="828000"/>
           </a:xfrm>
           <a:prstGeom prst="rect">
@@ -6270,7 +6409,7 @@
         </p:nvSpPr>
         <p:spPr>
           <a:xfrm>
-            <a:off x="14020800" y="5676900"/>
+            <a:off x="14020800" y="6431600"/>
             <a:ext cx="864000" cy="828000"/>
           </a:xfrm>
           <a:prstGeom prst="rect">
@@ -6324,7 +6463,7 @@
         </p:nvSpPr>
         <p:spPr>
           <a:xfrm>
-            <a:off x="14909400" y="4838700"/>
+            <a:off x="14909400" y="5593400"/>
             <a:ext cx="864000" cy="828000"/>
           </a:xfrm>
           <a:prstGeom prst="rect">
@@ -6378,7 +6517,7 @@
         </p:nvSpPr>
         <p:spPr>
           <a:xfrm>
-            <a:off x="13106400" y="6525300"/>
+            <a:off x="13106400" y="7280000"/>
             <a:ext cx="864000" cy="828000"/>
           </a:xfrm>
           <a:prstGeom prst="rect">
@@ -6432,7 +6571,7 @@
         </p:nvSpPr>
         <p:spPr>
           <a:xfrm>
-            <a:off x="4774800" y="6525300"/>
+            <a:off x="4774800" y="7280000"/>
             <a:ext cx="864000" cy="828000"/>
           </a:xfrm>
           <a:prstGeom prst="rect">
@@ -6486,7 +6625,7 @@
         </p:nvSpPr>
         <p:spPr>
           <a:xfrm>
-            <a:off x="5638800" y="5676900"/>
+            <a:off x="5638800" y="6431600"/>
             <a:ext cx="864000" cy="828000"/>
           </a:xfrm>
           <a:prstGeom prst="rect">
@@ -6538,7 +6677,7 @@
         </p:nvSpPr>
         <p:spPr>
           <a:xfrm>
-            <a:off x="3724422" y="8910000"/>
+            <a:off x="3724422" y="9664700"/>
             <a:ext cx="2438400" cy="355600"/>
           </a:xfrm>
           <a:prstGeom prst="rect">
@@ -6600,7 +6739,7 @@
         </p:nvSpPr>
         <p:spPr>
           <a:xfrm>
-            <a:off x="12319200" y="8910000"/>
+            <a:off x="12319200" y="9664700"/>
             <a:ext cx="2438400" cy="355600"/>
           </a:xfrm>
           <a:prstGeom prst="rect">
@@ -6645,6 +6784,118 @@
               </a:rPr>
               <a:t>]</a:t>
             </a:r>
+          </a:p>
+        </p:txBody>
+      </p:sp>
+      <p:sp>
+        <p:nvSpPr>
+          <p:cNvPr id="19" name="직사각형 18">
+            <a:extLst>
+              <a:ext uri="{FF2B5EF4-FFF2-40B4-BE49-F238E27FC236}">
+                <a16:creationId xmlns:a16="http://schemas.microsoft.com/office/drawing/2014/main" id="{A863B0F6-5DF1-D073-879A-04A66ED803B0}"/>
+              </a:ext>
+            </a:extLst>
+          </p:cNvPr>
+          <p:cNvSpPr>
+            <a:spLocks noChangeAspect="1"/>
+          </p:cNvSpPr>
+          <p:nvPr/>
+        </p:nvSpPr>
+        <p:spPr>
+          <a:xfrm>
+            <a:off x="1981200" y="2400300"/>
+            <a:ext cx="488347" cy="468000"/>
+          </a:xfrm>
+          <a:prstGeom prst="rect">
+            <a:avLst/>
+          </a:prstGeom>
+          <a:noFill/>
+          <a:ln w="76200">
+            <a:solidFill>
+              <a:srgbClr val="FFFF00"/>
+            </a:solidFill>
+          </a:ln>
+        </p:spPr>
+        <p:style>
+          <a:lnRef idx="2">
+            <a:schemeClr val="accent1">
+              <a:shade val="15000"/>
+            </a:schemeClr>
+          </a:lnRef>
+          <a:fillRef idx="1">
+            <a:schemeClr val="accent1"/>
+          </a:fillRef>
+          <a:effectRef idx="0">
+            <a:schemeClr val="accent1"/>
+          </a:effectRef>
+          <a:fontRef idx="minor">
+            <a:schemeClr val="lt1"/>
+          </a:fontRef>
+        </p:style>
+        <p:txBody>
+          <a:bodyPr rtlCol="0" anchor="ctr"/>
+          <a:lstStyle/>
+          <a:p>
+            <a:pPr algn="ctr"/>
+            <a:endParaRPr lang="ko-KR" altLang="en-US"/>
+          </a:p>
+        </p:txBody>
+      </p:sp>
+      <p:sp>
+        <p:nvSpPr>
+          <p:cNvPr id="20" name="직사각형 19">
+            <a:extLst>
+              <a:ext uri="{FF2B5EF4-FFF2-40B4-BE49-F238E27FC236}">
+                <a16:creationId xmlns:a16="http://schemas.microsoft.com/office/drawing/2014/main" id="{97343277-ECC8-5F67-2656-BB672EC959F0}"/>
+              </a:ext>
+            </a:extLst>
+          </p:cNvPr>
+          <p:cNvSpPr>
+            <a:spLocks noChangeAspect="1"/>
+          </p:cNvSpPr>
+          <p:nvPr/>
+        </p:nvSpPr>
+        <p:spPr>
+          <a:xfrm>
+            <a:off x="1981200" y="3009900"/>
+            <a:ext cx="488347" cy="468000"/>
+          </a:xfrm>
+          <a:prstGeom prst="rect">
+            <a:avLst/>
+          </a:prstGeom>
+          <a:noFill/>
+          <a:ln w="76200">
+            <a:solidFill>
+              <a:srgbClr val="FF0000"/>
+            </a:solidFill>
+          </a:ln>
+        </p:spPr>
+        <p:style>
+          <a:lnRef idx="2">
+            <a:schemeClr val="accent1">
+              <a:shade val="15000"/>
+            </a:schemeClr>
+          </a:lnRef>
+          <a:fillRef idx="1">
+            <a:schemeClr val="accent1"/>
+          </a:fillRef>
+          <a:effectRef idx="0">
+            <a:schemeClr val="accent1"/>
+          </a:effectRef>
+          <a:fontRef idx="minor">
+            <a:schemeClr val="lt1"/>
+          </a:fontRef>
+        </p:style>
+        <p:txBody>
+          <a:bodyPr rtlCol="0" anchor="ctr"/>
+          <a:lstStyle/>
+          <a:p>
+            <a:pPr algn="ctr"/>
+            <a:endParaRPr lang="ko-KR" altLang="en-US">
+              <a:solidFill>
+                <a:srgbClr val="FF0000"/>
+              </a:solidFill>
+            </a:endParaRPr>
           </a:p>
         </p:txBody>
       </p:sp>
@@ -6657,7 +6908,7 @@
     <mc:Choice Requires="p14">
       <p:transition/>
     </mc:Choice>
-    <mc:Fallback xmlns:dsp="http://schemas.microsoft.com/office/drawing/2008/diagram" xmlns:dgm="http://schemas.openxmlformats.org/drawingml/2006/diagram" xmlns:c="http://schemas.openxmlformats.org/drawingml/2006/chart" xmlns="">
+    <mc:Fallback xmlns="" xmlns:c="http://schemas.openxmlformats.org/drawingml/2006/chart" xmlns:dgm="http://schemas.openxmlformats.org/drawingml/2006/diagram" xmlns:dsp="http://schemas.microsoft.com/office/drawing/2008/diagram">
       <p:transition/>
     </mc:Fallback>
   </mc:AlternateContent>
@@ -10381,7 +10632,7 @@
     <mc:Choice Requires="p14">
       <p:transition/>
     </mc:Choice>
-    <mc:Fallback xmlns:dsp="http://schemas.microsoft.com/office/drawing/2008/diagram" xmlns:dgm="http://schemas.openxmlformats.org/drawingml/2006/diagram" xmlns:c="http://schemas.openxmlformats.org/drawingml/2006/chart" xmlns="">
+    <mc:Fallback xmlns="" xmlns:c="http://schemas.openxmlformats.org/drawingml/2006/chart" xmlns:dgm="http://schemas.openxmlformats.org/drawingml/2006/diagram" xmlns:dsp="http://schemas.microsoft.com/office/drawing/2008/diagram">
       <p:transition/>
     </mc:Fallback>
   </mc:AlternateContent>
@@ -10901,7 +11152,7 @@
     <mc:Choice Requires="p14">
       <p:transition/>
     </mc:Choice>
-    <mc:Fallback xmlns:dsp="http://schemas.microsoft.com/office/drawing/2008/diagram" xmlns:dgm="http://schemas.openxmlformats.org/drawingml/2006/diagram" xmlns:c="http://schemas.openxmlformats.org/drawingml/2006/chart" xmlns="">
+    <mc:Fallback xmlns="" xmlns:c="http://schemas.openxmlformats.org/drawingml/2006/chart" xmlns:dgm="http://schemas.openxmlformats.org/drawingml/2006/diagram" xmlns:dsp="http://schemas.microsoft.com/office/drawing/2008/diagram">
       <p:transition/>
     </mc:Fallback>
   </mc:AlternateContent>
@@ -12530,7 +12781,7 @@
     <mc:Choice Requires="p14">
       <p:transition/>
     </mc:Choice>
-    <mc:Fallback xmlns:dsp="http://schemas.microsoft.com/office/drawing/2008/diagram" xmlns:dgm="http://schemas.openxmlformats.org/drawingml/2006/diagram" xmlns:c="http://schemas.openxmlformats.org/drawingml/2006/chart" xmlns="">
+    <mc:Fallback xmlns="" xmlns:c="http://schemas.openxmlformats.org/drawingml/2006/chart" xmlns:dgm="http://schemas.openxmlformats.org/drawingml/2006/diagram" xmlns:dsp="http://schemas.microsoft.com/office/drawing/2008/diagram">
       <p:transition/>
     </mc:Fallback>
   </mc:AlternateContent>
@@ -12777,7 +13028,7 @@
     <mc:Choice Requires="p14">
       <p:transition/>
     </mc:Choice>
-    <mc:Fallback xmlns:dsp="http://schemas.microsoft.com/office/drawing/2008/diagram" xmlns:dgm="http://schemas.openxmlformats.org/drawingml/2006/diagram" xmlns:c="http://schemas.openxmlformats.org/drawingml/2006/chart" xmlns="">
+    <mc:Fallback xmlns="" xmlns:c="http://schemas.openxmlformats.org/drawingml/2006/chart" xmlns:dgm="http://schemas.openxmlformats.org/drawingml/2006/diagram" xmlns:dsp="http://schemas.microsoft.com/office/drawing/2008/diagram">
       <p:transition/>
     </mc:Fallback>
   </mc:AlternateContent>
@@ -15960,7 +16211,7 @@
     <mc:Choice Requires="p14">
       <p:transition/>
     </mc:Choice>
-    <mc:Fallback xmlns:dsp="http://schemas.microsoft.com/office/drawing/2008/diagram" xmlns:dgm="http://schemas.openxmlformats.org/drawingml/2006/diagram" xmlns:c="http://schemas.openxmlformats.org/drawingml/2006/chart" xmlns="">
+    <mc:Fallback xmlns="" xmlns:c="http://schemas.openxmlformats.org/drawingml/2006/chart" xmlns:dgm="http://schemas.openxmlformats.org/drawingml/2006/diagram" xmlns:dsp="http://schemas.microsoft.com/office/drawing/2008/diagram">
       <p:transition/>
     </mc:Fallback>
   </mc:AlternateContent>
@@ -16910,7 +17161,7 @@
     <mc:Choice Requires="p14">
       <p:transition/>
     </mc:Choice>
-    <mc:Fallback xmlns:dsp="http://schemas.microsoft.com/office/drawing/2008/diagram" xmlns:dgm="http://schemas.openxmlformats.org/drawingml/2006/diagram" xmlns:c="http://schemas.openxmlformats.org/drawingml/2006/chart" xmlns="">
+    <mc:Fallback xmlns="" xmlns:c="http://schemas.openxmlformats.org/drawingml/2006/chart" xmlns:dgm="http://schemas.openxmlformats.org/drawingml/2006/diagram" xmlns:dsp="http://schemas.microsoft.com/office/drawing/2008/diagram">
       <p:transition/>
     </mc:Fallback>
   </mc:AlternateContent>
@@ -17659,7 +17910,7 @@
     <mc:Choice Requires="p14">
       <p:transition/>
     </mc:Choice>
-    <mc:Fallback xmlns:dsp="http://schemas.microsoft.com/office/drawing/2008/diagram" xmlns:dgm="http://schemas.openxmlformats.org/drawingml/2006/diagram" xmlns:c="http://schemas.openxmlformats.org/drawingml/2006/chart" xmlns="">
+    <mc:Fallback xmlns="" xmlns:c="http://schemas.openxmlformats.org/drawingml/2006/chart" xmlns:dgm="http://schemas.openxmlformats.org/drawingml/2006/diagram" xmlns:dsp="http://schemas.microsoft.com/office/drawing/2008/diagram">
       <p:transition/>
     </mc:Fallback>
   </mc:AlternateContent>
